--- a/GIT.pptx
+++ b/GIT.pptx
@@ -2,10 +2,19 @@
 <file path=ppt/presentation.xml><?xml version="1.0" encoding="utf-8"?>
 <p:presentation xmlns:a="http://schemas.openxmlformats.org/drawingml/2006/main" xmlns:r="http://schemas.openxmlformats.org/officeDocument/2006/relationships" xmlns:p="http://schemas.openxmlformats.org/presentationml/2006/main" saveSubsetFonts="1">
   <p:sldMasterIdLst>
-    <p:sldMasterId id="2147483648" r:id="rId1"/>
+    <p:sldMasterId id="2147483774" r:id="rId1"/>
   </p:sldMasterIdLst>
   <p:sldIdLst>
     <p:sldId id="256" r:id="rId2"/>
+    <p:sldId id="257" r:id="rId3"/>
+    <p:sldId id="259" r:id="rId4"/>
+    <p:sldId id="260" r:id="rId5"/>
+    <p:sldId id="261" r:id="rId6"/>
+    <p:sldId id="262" r:id="rId7"/>
+    <p:sldId id="263" r:id="rId8"/>
+    <p:sldId id="264" r:id="rId9"/>
+    <p:sldId id="265" r:id="rId10"/>
+    <p:sldId id="266" r:id="rId11"/>
   </p:sldIdLst>
   <p:sldSz cx="12192000" cy="6858000"/>
   <p:notesSz cx="6858000" cy="9144000"/>
@@ -13,7 +22,7 @@
     <a:defPPr>
       <a:defRPr lang="en-US"/>
     </a:defPPr>
-    <a:lvl1pPr marL="0" algn="l" defTabSz="914400" rtl="0" eaLnBrk="1" latinLnBrk="0" hangingPunct="1">
+    <a:lvl1pPr marL="0" algn="l" defTabSz="457200" rtl="0" eaLnBrk="1" latinLnBrk="0" hangingPunct="1">
       <a:defRPr sz="1800" kern="1200">
         <a:solidFill>
           <a:schemeClr val="tx1"/>
@@ -23,7 +32,7 @@
         <a:cs typeface="+mn-cs"/>
       </a:defRPr>
     </a:lvl1pPr>
-    <a:lvl2pPr marL="457200" algn="l" defTabSz="914400" rtl="0" eaLnBrk="1" latinLnBrk="0" hangingPunct="1">
+    <a:lvl2pPr marL="457200" algn="l" defTabSz="457200" rtl="0" eaLnBrk="1" latinLnBrk="0" hangingPunct="1">
       <a:defRPr sz="1800" kern="1200">
         <a:solidFill>
           <a:schemeClr val="tx1"/>
@@ -33,7 +42,7 @@
         <a:cs typeface="+mn-cs"/>
       </a:defRPr>
     </a:lvl2pPr>
-    <a:lvl3pPr marL="914400" algn="l" defTabSz="914400" rtl="0" eaLnBrk="1" latinLnBrk="0" hangingPunct="1">
+    <a:lvl3pPr marL="914400" algn="l" defTabSz="457200" rtl="0" eaLnBrk="1" latinLnBrk="0" hangingPunct="1">
       <a:defRPr sz="1800" kern="1200">
         <a:solidFill>
           <a:schemeClr val="tx1"/>
@@ -43,7 +52,7 @@
         <a:cs typeface="+mn-cs"/>
       </a:defRPr>
     </a:lvl3pPr>
-    <a:lvl4pPr marL="1371600" algn="l" defTabSz="914400" rtl="0" eaLnBrk="1" latinLnBrk="0" hangingPunct="1">
+    <a:lvl4pPr marL="1371600" algn="l" defTabSz="457200" rtl="0" eaLnBrk="1" latinLnBrk="0" hangingPunct="1">
       <a:defRPr sz="1800" kern="1200">
         <a:solidFill>
           <a:schemeClr val="tx1"/>
@@ -53,7 +62,7 @@
         <a:cs typeface="+mn-cs"/>
       </a:defRPr>
     </a:lvl4pPr>
-    <a:lvl5pPr marL="1828800" algn="l" defTabSz="914400" rtl="0" eaLnBrk="1" latinLnBrk="0" hangingPunct="1">
+    <a:lvl5pPr marL="1828800" algn="l" defTabSz="457200" rtl="0" eaLnBrk="1" latinLnBrk="0" hangingPunct="1">
       <a:defRPr sz="1800" kern="1200">
         <a:solidFill>
           <a:schemeClr val="tx1"/>
@@ -63,7 +72,7 @@
         <a:cs typeface="+mn-cs"/>
       </a:defRPr>
     </a:lvl5pPr>
-    <a:lvl6pPr marL="2286000" algn="l" defTabSz="914400" rtl="0" eaLnBrk="1" latinLnBrk="0" hangingPunct="1">
+    <a:lvl6pPr marL="2286000" algn="l" defTabSz="457200" rtl="0" eaLnBrk="1" latinLnBrk="0" hangingPunct="1">
       <a:defRPr sz="1800" kern="1200">
         <a:solidFill>
           <a:schemeClr val="tx1"/>
@@ -73,7 +82,7 @@
         <a:cs typeface="+mn-cs"/>
       </a:defRPr>
     </a:lvl6pPr>
-    <a:lvl7pPr marL="2743200" algn="l" defTabSz="914400" rtl="0" eaLnBrk="1" latinLnBrk="0" hangingPunct="1">
+    <a:lvl7pPr marL="2743200" algn="l" defTabSz="457200" rtl="0" eaLnBrk="1" latinLnBrk="0" hangingPunct="1">
       <a:defRPr sz="1800" kern="1200">
         <a:solidFill>
           <a:schemeClr val="tx1"/>
@@ -83,7 +92,7 @@
         <a:cs typeface="+mn-cs"/>
       </a:defRPr>
     </a:lvl7pPr>
-    <a:lvl8pPr marL="3200400" algn="l" defTabSz="914400" rtl="0" eaLnBrk="1" latinLnBrk="0" hangingPunct="1">
+    <a:lvl8pPr marL="3200400" algn="l" defTabSz="457200" rtl="0" eaLnBrk="1" latinLnBrk="0" hangingPunct="1">
       <a:defRPr sz="1800" kern="1200">
         <a:solidFill>
           <a:schemeClr val="tx1"/>
@@ -93,7 +102,7 @@
         <a:cs typeface="+mn-cs"/>
       </a:defRPr>
     </a:lvl8pPr>
-    <a:lvl9pPr marL="3657600" algn="l" defTabSz="914400" rtl="0" eaLnBrk="1" latinLnBrk="0" hangingPunct="1">
+    <a:lvl9pPr marL="3657600" algn="l" defTabSz="457200" rtl="0" eaLnBrk="1" latinLnBrk="0" hangingPunct="1">
       <a:defRPr sz="1800" kern="1200">
         <a:solidFill>
           <a:schemeClr val="tx1"/>
@@ -104,6 +113,11 @@
       </a:defRPr>
     </a:lvl9pPr>
   </p:defaultTextStyle>
+  <p:extLst>
+    <p:ext uri="{EFAFB233-063F-42B5-8137-9DF3F51BA10A}">
+      <p15:sldGuideLst xmlns:p15="http://schemas.microsoft.com/office/powerpoint/2012/main"/>
+    </p:ext>
+  </p:extLst>
 </p:presentation>
 </file>
 
@@ -124,15 +138,39 @@
           <a:chExt cx="0" cy="0"/>
         </a:xfrm>
       </p:grpSpPr>
-      <p:sp>
-        <p:nvSpPr>
-          <p:cNvPr id="2" name="Tiêu đề 1">
+      <p:pic>
+        <p:nvPicPr>
+          <p:cNvPr id="7" name="Picture 6" descr="Droplets-HD-Title-R1d.png"/>
+          <p:cNvPicPr>
+            <a:picLocks noChangeAspect="1"/>
+          </p:cNvPicPr>
+          <p:nvPr/>
+        </p:nvPicPr>
+        <p:blipFill>
+          <a:blip r:embed="rId2">
             <a:extLst>
-              <a:ext uri="{FF2B5EF4-FFF2-40B4-BE49-F238E27FC236}">
-                <a16:creationId xmlns:a16="http://schemas.microsoft.com/office/drawing/2014/main" id="{EA770320-53A6-47AF-9C1B-86ADAC7BF3E4}"/>
+              <a:ext uri="{28A0092B-C50C-407E-A947-70E740481C1C}">
+                <a14:useLocalDpi xmlns:a14="http://schemas.microsoft.com/office/drawing/2010/main" val="0"/>
               </a:ext>
             </a:extLst>
-          </p:cNvPr>
+          </a:blip>
+          <a:stretch>
+            <a:fillRect/>
+          </a:stretch>
+        </p:blipFill>
+        <p:spPr>
+          <a:xfrm>
+            <a:off x="0" y="0"/>
+            <a:ext cx="12192000" cy="6858000"/>
+          </a:xfrm>
+          <a:prstGeom prst="rect">
+            <a:avLst/>
+          </a:prstGeom>
+        </p:spPr>
+      </p:pic>
+      <p:sp>
+        <p:nvSpPr>
+          <p:cNvPr id="2" name="Title 1"/>
           <p:cNvSpPr>
             <a:spLocks noGrp="1"/>
           </p:cNvSpPr>
@@ -142,15 +180,17 @@
         </p:nvSpPr>
         <p:spPr>
           <a:xfrm>
-            <a:off x="1524000" y="1122363"/>
-            <a:ext cx="9144000" cy="2387600"/>
-          </a:xfrm>
-        </p:spPr>
-        <p:txBody>
-          <a:bodyPr anchor="b"/>
+            <a:off x="1751012" y="1300785"/>
+            <a:ext cx="8689976" cy="2509213"/>
+          </a:xfrm>
+        </p:spPr>
+        <p:txBody>
+          <a:bodyPr anchor="b">
+            <a:normAutofit/>
+          </a:bodyPr>
           <a:lstStyle>
             <a:lvl1pPr algn="ctr">
-              <a:defRPr sz="6000"/>
+              <a:defRPr sz="4800"/>
             </a:lvl1pPr>
           </a:lstStyle>
           <a:p>
@@ -158,19 +198,13 @@
               <a:rPr lang="vi-VN"/>
               <a:t>Bấm để sửa kiểu tiêu đề Bản cái</a:t>
             </a:r>
-            <a:endParaRPr lang="en-US"/>
-          </a:p>
-        </p:txBody>
-      </p:sp>
-      <p:sp>
-        <p:nvSpPr>
-          <p:cNvPr id="3" name="Tiêu đề phụ 2">
-            <a:extLst>
-              <a:ext uri="{FF2B5EF4-FFF2-40B4-BE49-F238E27FC236}">
-                <a16:creationId xmlns:a16="http://schemas.microsoft.com/office/drawing/2014/main" id="{AE372180-7685-492F-BADF-9846AF664D81}"/>
-              </a:ext>
-            </a:extLst>
-          </p:cNvPr>
+            <a:endParaRPr lang="en-US" dirty="0"/>
+          </a:p>
+        </p:txBody>
+      </p:sp>
+      <p:sp>
+        <p:nvSpPr>
+          <p:cNvPr id="3" name="Subtitle 2"/>
           <p:cNvSpPr>
             <a:spLocks noGrp="1"/>
           </p:cNvSpPr>
@@ -180,16 +214,24 @@
         </p:nvSpPr>
         <p:spPr>
           <a:xfrm>
-            <a:off x="1524000" y="3602038"/>
-            <a:ext cx="9144000" cy="1655762"/>
-          </a:xfrm>
-        </p:spPr>
-        <p:txBody>
-          <a:bodyPr/>
+            <a:off x="1751012" y="3886200"/>
+            <a:ext cx="8689976" cy="1371599"/>
+          </a:xfrm>
+        </p:spPr>
+        <p:txBody>
+          <a:bodyPr>
+            <a:normAutofit/>
+          </a:bodyPr>
           <a:lstStyle>
             <a:lvl1pPr marL="0" indent="0" algn="ctr">
               <a:buNone/>
-              <a:defRPr sz="2400"/>
+              <a:defRPr sz="2200">
+                <a:solidFill>
+                  <a:schemeClr val="tx1">
+                    <a:lumMod val="75000"/>
+                  </a:schemeClr>
+                </a:solidFill>
+              </a:defRPr>
             </a:lvl1pPr>
             <a:lvl2pPr marL="457200" indent="0" algn="ctr">
               <a:buNone/>
@@ -229,19 +271,13 @@
               <a:rPr lang="vi-VN"/>
               <a:t>Bấm để chỉnh sửa kiểu tiêu đề phụ của Bản cái</a:t>
             </a:r>
-            <a:endParaRPr lang="en-US"/>
-          </a:p>
-        </p:txBody>
-      </p:sp>
-      <p:sp>
-        <p:nvSpPr>
-          <p:cNvPr id="4" name="Chỗ dành sẵn cho Ngày tháng 3">
-            <a:extLst>
-              <a:ext uri="{FF2B5EF4-FFF2-40B4-BE49-F238E27FC236}">
-                <a16:creationId xmlns:a16="http://schemas.microsoft.com/office/drawing/2014/main" id="{3F804C79-370E-40EE-BF62-5570CA030F08}"/>
-              </a:ext>
-            </a:extLst>
-          </p:cNvPr>
+            <a:endParaRPr lang="en-US" dirty="0"/>
+          </a:p>
+        </p:txBody>
+      </p:sp>
+      <p:sp>
+        <p:nvSpPr>
+          <p:cNvPr id="4" name="Date Placeholder 3"/>
           <p:cNvSpPr>
             <a:spLocks noGrp="1"/>
           </p:cNvSpPr>
@@ -256,7 +292,7 @@
           <a:p>
             <a:fld id="{A7F323CF-71FB-4D08-A706-73C8FB34EBBC}" type="datetimeFigureOut">
               <a:rPr lang="en-US" smtClean="0"/>
-              <a:t>9/9/2019</a:t>
+              <a:t>9/15/2019</a:t>
             </a:fld>
             <a:endParaRPr lang="en-US"/>
           </a:p>
@@ -264,13 +300,7 @@
       </p:sp>
       <p:sp>
         <p:nvSpPr>
-          <p:cNvPr id="5" name="Chỗ dành sẵn cho Chân trang 4">
-            <a:extLst>
-              <a:ext uri="{FF2B5EF4-FFF2-40B4-BE49-F238E27FC236}">
-                <a16:creationId xmlns:a16="http://schemas.microsoft.com/office/drawing/2014/main" id="{304EB1D0-BCD9-4F57-B7A0-BC477AAF8718}"/>
-              </a:ext>
-            </a:extLst>
-          </p:cNvPr>
+          <p:cNvPr id="5" name="Footer Placeholder 4"/>
           <p:cNvSpPr>
             <a:spLocks noGrp="1"/>
           </p:cNvSpPr>
@@ -289,13 +319,7 @@
       </p:sp>
       <p:sp>
         <p:nvSpPr>
-          <p:cNvPr id="6" name="Chỗ dành sẵn cho Số hiệu Bản chiếu 5">
-            <a:extLst>
-              <a:ext uri="{FF2B5EF4-FFF2-40B4-BE49-F238E27FC236}">
-                <a16:creationId xmlns:a16="http://schemas.microsoft.com/office/drawing/2014/main" id="{DA74A518-0F51-4CA4-BDE1-06570943BD00}"/>
-              </a:ext>
-            </a:extLst>
-          </p:cNvPr>
+          <p:cNvPr id="6" name="Slide Number Placeholder 5"/>
           <p:cNvSpPr>
             <a:spLocks noGrp="1"/>
           </p:cNvSpPr>
@@ -319,7 +343,7 @@
     </p:spTree>
     <p:extLst>
       <p:ext uri="{BB962C8B-B14F-4D97-AF65-F5344CB8AC3E}">
-        <p14:creationId xmlns:p14="http://schemas.microsoft.com/office/powerpoint/2010/main" val="991024514"/>
+        <p14:creationId xmlns:p14="http://schemas.microsoft.com/office/powerpoint/2010/main" val="845880681"/>
       </p:ext>
     </p:extLst>
   </p:cSld>
@@ -330,6 +354,2725 @@
 </file>
 
 <file path=ppt/slideLayouts/slideLayout10.xml><?xml version="1.0" encoding="utf-8"?>
+<p:sldLayout xmlns:a="http://schemas.openxmlformats.org/drawingml/2006/main" xmlns:r="http://schemas.openxmlformats.org/officeDocument/2006/relationships" xmlns:p="http://schemas.openxmlformats.org/presentationml/2006/main" preserve="1">
+  <p:cSld name="Ảnh Toàn cảnh cùng với Chú thích">
+    <p:spTree>
+      <p:nvGrpSpPr>
+        <p:cNvPr id="1" name=""/>
+        <p:cNvGrpSpPr/>
+        <p:nvPr/>
+      </p:nvGrpSpPr>
+      <p:grpSpPr>
+        <a:xfrm>
+          <a:off x="0" y="0"/>
+          <a:ext cx="0" cy="0"/>
+          <a:chOff x="0" y="0"/>
+          <a:chExt cx="0" cy="0"/>
+        </a:xfrm>
+      </p:grpSpPr>
+      <p:pic>
+        <p:nvPicPr>
+          <p:cNvPr id="10" name="Picture 9" descr="Droplets-HD-Content-R1d.png"/>
+          <p:cNvPicPr>
+            <a:picLocks noChangeAspect="1"/>
+          </p:cNvPicPr>
+          <p:nvPr/>
+        </p:nvPicPr>
+        <p:blipFill>
+          <a:blip r:embed="rId2">
+            <a:extLst>
+              <a:ext uri="{28A0092B-C50C-407E-A947-70E740481C1C}">
+                <a14:useLocalDpi xmlns:a14="http://schemas.microsoft.com/office/drawing/2010/main" val="0"/>
+              </a:ext>
+            </a:extLst>
+          </a:blip>
+          <a:stretch>
+            <a:fillRect/>
+          </a:stretch>
+        </p:blipFill>
+        <p:spPr>
+          <a:xfrm>
+            <a:off x="0" y="0"/>
+            <a:ext cx="12192000" cy="6858000"/>
+          </a:xfrm>
+          <a:prstGeom prst="rect">
+            <a:avLst/>
+          </a:prstGeom>
+        </p:spPr>
+      </p:pic>
+      <p:sp>
+        <p:nvSpPr>
+          <p:cNvPr id="2" name="Title 1"/>
+          <p:cNvSpPr>
+            <a:spLocks noGrp="1"/>
+          </p:cNvSpPr>
+          <p:nvPr>
+            <p:ph type="title"/>
+          </p:nvPr>
+        </p:nvSpPr>
+        <p:spPr>
+          <a:xfrm>
+            <a:off x="913794" y="4289374"/>
+            <a:ext cx="10364432" cy="811610"/>
+          </a:xfrm>
+        </p:spPr>
+        <p:txBody>
+          <a:bodyPr anchor="b"/>
+          <a:lstStyle>
+            <a:lvl1pPr>
+              <a:defRPr sz="3200"/>
+            </a:lvl1pPr>
+          </a:lstStyle>
+          <a:p>
+            <a:r>
+              <a:rPr lang="vi-VN"/>
+              <a:t>Bấm để sửa kiểu tiêu đề Bản cái</a:t>
+            </a:r>
+            <a:endParaRPr lang="en-US" dirty="0"/>
+          </a:p>
+        </p:txBody>
+      </p:sp>
+      <p:sp>
+        <p:nvSpPr>
+          <p:cNvPr id="3" name="Picture Placeholder 2"/>
+          <p:cNvSpPr>
+            <a:spLocks noGrp="1" noChangeAspect="1"/>
+          </p:cNvSpPr>
+          <p:nvPr>
+            <p:ph type="pic" idx="1"/>
+          </p:nvPr>
+        </p:nvSpPr>
+        <p:spPr>
+          <a:xfrm>
+            <a:off x="1184744" y="698261"/>
+            <a:ext cx="9822532" cy="3214136"/>
+          </a:xfrm>
+          <a:prstGeom prst="roundRect">
+            <a:avLst>
+              <a:gd name="adj" fmla="val 4944"/>
+            </a:avLst>
+          </a:prstGeom>
+          <a:noFill/>
+          <a:ln w="82550" cap="sq">
+            <a:solidFill>
+              <a:schemeClr val="bg2">
+                <a:lumMod val="60000"/>
+                <a:lumOff val="40000"/>
+              </a:schemeClr>
+            </a:solidFill>
+            <a:miter lim="800000"/>
+          </a:ln>
+          <a:effectLst/>
+          <a:scene3d>
+            <a:camera prst="orthographicFront"/>
+            <a:lightRig rig="threePt" dir="t">
+              <a:rot lat="0" lon="0" rev="2700000"/>
+            </a:lightRig>
+          </a:scene3d>
+          <a:sp3d contourW="6350">
+            <a:bevelT h="38100"/>
+            <a:contourClr>
+              <a:srgbClr val="C0C0C0"/>
+            </a:contourClr>
+          </a:sp3d>
+        </p:spPr>
+        <p:txBody>
+          <a:bodyPr anchor="t"/>
+          <a:lstStyle>
+            <a:lvl1pPr marL="0" indent="0" algn="ctr">
+              <a:buNone/>
+              <a:defRPr sz="3200"/>
+            </a:lvl1pPr>
+            <a:lvl2pPr marL="457200" indent="0">
+              <a:buNone/>
+              <a:defRPr sz="2800"/>
+            </a:lvl2pPr>
+            <a:lvl3pPr marL="914400" indent="0">
+              <a:buNone/>
+              <a:defRPr sz="2400"/>
+            </a:lvl3pPr>
+            <a:lvl4pPr marL="1371600" indent="0">
+              <a:buNone/>
+              <a:defRPr sz="2000"/>
+            </a:lvl4pPr>
+            <a:lvl5pPr marL="1828800" indent="0">
+              <a:buNone/>
+              <a:defRPr sz="2000"/>
+            </a:lvl5pPr>
+            <a:lvl6pPr marL="2286000" indent="0">
+              <a:buNone/>
+              <a:defRPr sz="2000"/>
+            </a:lvl6pPr>
+            <a:lvl7pPr marL="2743200" indent="0">
+              <a:buNone/>
+              <a:defRPr sz="2000"/>
+            </a:lvl7pPr>
+            <a:lvl8pPr marL="3200400" indent="0">
+              <a:buNone/>
+              <a:defRPr sz="2000"/>
+            </a:lvl8pPr>
+            <a:lvl9pPr marL="3657600" indent="0">
+              <a:buNone/>
+              <a:defRPr sz="2000"/>
+            </a:lvl9pPr>
+          </a:lstStyle>
+          <a:p>
+            <a:r>
+              <a:rPr lang="vi-VN"/>
+              <a:t>Bấm biểu tượng để thêm hình ảnh</a:t>
+            </a:r>
+            <a:endParaRPr lang="en-US" dirty="0"/>
+          </a:p>
+        </p:txBody>
+      </p:sp>
+      <p:sp>
+        <p:nvSpPr>
+          <p:cNvPr id="4" name="Text Placeholder 3"/>
+          <p:cNvSpPr>
+            <a:spLocks noGrp="1"/>
+          </p:cNvSpPr>
+          <p:nvPr>
+            <p:ph type="body" sz="half" idx="2"/>
+          </p:nvPr>
+        </p:nvSpPr>
+        <p:spPr>
+          <a:xfrm>
+            <a:off x="913774" y="5108728"/>
+            <a:ext cx="10364452" cy="682472"/>
+          </a:xfrm>
+        </p:spPr>
+        <p:txBody>
+          <a:bodyPr/>
+          <a:lstStyle>
+            <a:lvl1pPr marL="0" indent="0" algn="ctr">
+              <a:buNone/>
+              <a:defRPr sz="1600"/>
+            </a:lvl1pPr>
+            <a:lvl2pPr marL="457200" indent="0">
+              <a:buNone/>
+              <a:defRPr sz="1400"/>
+            </a:lvl2pPr>
+            <a:lvl3pPr marL="914400" indent="0">
+              <a:buNone/>
+              <a:defRPr sz="1200"/>
+            </a:lvl3pPr>
+            <a:lvl4pPr marL="1371600" indent="0">
+              <a:buNone/>
+              <a:defRPr sz="1000"/>
+            </a:lvl4pPr>
+            <a:lvl5pPr marL="1828800" indent="0">
+              <a:buNone/>
+              <a:defRPr sz="1000"/>
+            </a:lvl5pPr>
+            <a:lvl6pPr marL="2286000" indent="0">
+              <a:buNone/>
+              <a:defRPr sz="1000"/>
+            </a:lvl6pPr>
+            <a:lvl7pPr marL="2743200" indent="0">
+              <a:buNone/>
+              <a:defRPr sz="1000"/>
+            </a:lvl7pPr>
+            <a:lvl8pPr marL="3200400" indent="0">
+              <a:buNone/>
+              <a:defRPr sz="1000"/>
+            </a:lvl8pPr>
+            <a:lvl9pPr marL="3657600" indent="0">
+              <a:buNone/>
+              <a:defRPr sz="1000"/>
+            </a:lvl9pPr>
+          </a:lstStyle>
+          <a:p>
+            <a:pPr lvl="0"/>
+            <a:r>
+              <a:rPr lang="vi-VN"/>
+              <a:t>Bấm để chỉnh sửa kiểu văn bản của Bản cái</a:t>
+            </a:r>
+          </a:p>
+        </p:txBody>
+      </p:sp>
+      <p:sp>
+        <p:nvSpPr>
+          <p:cNvPr id="5" name="Date Placeholder 4"/>
+          <p:cNvSpPr>
+            <a:spLocks noGrp="1"/>
+          </p:cNvSpPr>
+          <p:nvPr>
+            <p:ph type="dt" sz="half" idx="10"/>
+          </p:nvPr>
+        </p:nvSpPr>
+        <p:spPr/>
+        <p:txBody>
+          <a:bodyPr/>
+          <a:lstStyle/>
+          <a:p>
+            <a:fld id="{A7F323CF-71FB-4D08-A706-73C8FB34EBBC}" type="datetimeFigureOut">
+              <a:rPr lang="en-US" smtClean="0"/>
+              <a:t>9/15/2019</a:t>
+            </a:fld>
+            <a:endParaRPr lang="en-US"/>
+          </a:p>
+        </p:txBody>
+      </p:sp>
+      <p:sp>
+        <p:nvSpPr>
+          <p:cNvPr id="6" name="Footer Placeholder 5"/>
+          <p:cNvSpPr>
+            <a:spLocks noGrp="1"/>
+          </p:cNvSpPr>
+          <p:nvPr>
+            <p:ph type="ftr" sz="quarter" idx="11"/>
+          </p:nvPr>
+        </p:nvSpPr>
+        <p:spPr/>
+        <p:txBody>
+          <a:bodyPr/>
+          <a:lstStyle/>
+          <a:p>
+            <a:endParaRPr lang="en-US"/>
+          </a:p>
+        </p:txBody>
+      </p:sp>
+      <p:sp>
+        <p:nvSpPr>
+          <p:cNvPr id="7" name="Slide Number Placeholder 6"/>
+          <p:cNvSpPr>
+            <a:spLocks noGrp="1"/>
+          </p:cNvSpPr>
+          <p:nvPr>
+            <p:ph type="sldNum" sz="quarter" idx="12"/>
+          </p:nvPr>
+        </p:nvSpPr>
+        <p:spPr/>
+        <p:txBody>
+          <a:bodyPr/>
+          <a:lstStyle/>
+          <a:p>
+            <a:fld id="{1316F4D0-F55C-4A32-86C3-38A9993D7A14}" type="slidenum">
+              <a:rPr lang="en-US" smtClean="0"/>
+              <a:t>‹#›</a:t>
+            </a:fld>
+            <a:endParaRPr lang="en-US"/>
+          </a:p>
+        </p:txBody>
+      </p:sp>
+    </p:spTree>
+    <p:extLst>
+      <p:ext uri="{BB962C8B-B14F-4D97-AF65-F5344CB8AC3E}">
+        <p14:creationId xmlns:p14="http://schemas.microsoft.com/office/powerpoint/2010/main" val="1972673597"/>
+      </p:ext>
+    </p:extLst>
+  </p:cSld>
+  <p:clrMapOvr>
+    <a:masterClrMapping/>
+  </p:clrMapOvr>
+</p:sldLayout>
+</file>
+
+<file path=ppt/slideLayouts/slideLayout11.xml><?xml version="1.0" encoding="utf-8"?>
+<p:sldLayout xmlns:a="http://schemas.openxmlformats.org/drawingml/2006/main" xmlns:r="http://schemas.openxmlformats.org/officeDocument/2006/relationships" xmlns:p="http://schemas.openxmlformats.org/presentationml/2006/main" preserve="1">
+  <p:cSld name="Tiêu đề và Chú thích">
+    <p:spTree>
+      <p:nvGrpSpPr>
+        <p:cNvPr id="1" name=""/>
+        <p:cNvGrpSpPr/>
+        <p:nvPr/>
+      </p:nvGrpSpPr>
+      <p:grpSpPr>
+        <a:xfrm>
+          <a:off x="0" y="0"/>
+          <a:ext cx="0" cy="0"/>
+          <a:chOff x="0" y="0"/>
+          <a:chExt cx="0" cy="0"/>
+        </a:xfrm>
+      </p:grpSpPr>
+      <p:pic>
+        <p:nvPicPr>
+          <p:cNvPr id="8" name="Picture 7" descr="Droplets-HD-Content-R1d.png"/>
+          <p:cNvPicPr>
+            <a:picLocks noChangeAspect="1"/>
+          </p:cNvPicPr>
+          <p:nvPr/>
+        </p:nvPicPr>
+        <p:blipFill>
+          <a:blip r:embed="rId2">
+            <a:extLst>
+              <a:ext uri="{28A0092B-C50C-407E-A947-70E740481C1C}">
+                <a14:useLocalDpi xmlns:a14="http://schemas.microsoft.com/office/drawing/2010/main" val="0"/>
+              </a:ext>
+            </a:extLst>
+          </a:blip>
+          <a:stretch>
+            <a:fillRect/>
+          </a:stretch>
+        </p:blipFill>
+        <p:spPr>
+          <a:xfrm>
+            <a:off x="0" y="0"/>
+            <a:ext cx="12192000" cy="6858000"/>
+          </a:xfrm>
+          <a:prstGeom prst="rect">
+            <a:avLst/>
+          </a:prstGeom>
+        </p:spPr>
+      </p:pic>
+      <p:sp>
+        <p:nvSpPr>
+          <p:cNvPr id="2" name="Title 1"/>
+          <p:cNvSpPr>
+            <a:spLocks noGrp="1"/>
+          </p:cNvSpPr>
+          <p:nvPr>
+            <p:ph type="title"/>
+          </p:nvPr>
+        </p:nvSpPr>
+        <p:spPr>
+          <a:xfrm>
+            <a:off x="913774" y="609599"/>
+            <a:ext cx="10364452" cy="3427245"/>
+          </a:xfrm>
+        </p:spPr>
+        <p:txBody>
+          <a:bodyPr anchor="ctr"/>
+          <a:lstStyle>
+            <a:lvl1pPr algn="ctr">
+              <a:defRPr sz="3200"/>
+            </a:lvl1pPr>
+          </a:lstStyle>
+          <a:p>
+            <a:r>
+              <a:rPr lang="vi-VN"/>
+              <a:t>Bấm để sửa kiểu tiêu đề Bản cái</a:t>
+            </a:r>
+            <a:endParaRPr lang="en-US" dirty="0"/>
+          </a:p>
+        </p:txBody>
+      </p:sp>
+      <p:sp>
+        <p:nvSpPr>
+          <p:cNvPr id="4" name="Text Placeholder 3"/>
+          <p:cNvSpPr>
+            <a:spLocks noGrp="1"/>
+          </p:cNvSpPr>
+          <p:nvPr>
+            <p:ph type="body" sz="half" idx="2"/>
+          </p:nvPr>
+        </p:nvSpPr>
+        <p:spPr>
+          <a:xfrm>
+            <a:off x="913775" y="4204821"/>
+            <a:ext cx="10364452" cy="1586380"/>
+          </a:xfrm>
+        </p:spPr>
+        <p:txBody>
+          <a:bodyPr anchor="ctr"/>
+          <a:lstStyle>
+            <a:lvl1pPr marL="0" indent="0" algn="ctr">
+              <a:buNone/>
+              <a:defRPr sz="1600"/>
+            </a:lvl1pPr>
+            <a:lvl2pPr marL="457200" indent="0">
+              <a:buNone/>
+              <a:defRPr sz="1400"/>
+            </a:lvl2pPr>
+            <a:lvl3pPr marL="914400" indent="0">
+              <a:buNone/>
+              <a:defRPr sz="1200"/>
+            </a:lvl3pPr>
+            <a:lvl4pPr marL="1371600" indent="0">
+              <a:buNone/>
+              <a:defRPr sz="1000"/>
+            </a:lvl4pPr>
+            <a:lvl5pPr marL="1828800" indent="0">
+              <a:buNone/>
+              <a:defRPr sz="1000"/>
+            </a:lvl5pPr>
+            <a:lvl6pPr marL="2286000" indent="0">
+              <a:buNone/>
+              <a:defRPr sz="1000"/>
+            </a:lvl6pPr>
+            <a:lvl7pPr marL="2743200" indent="0">
+              <a:buNone/>
+              <a:defRPr sz="1000"/>
+            </a:lvl7pPr>
+            <a:lvl8pPr marL="3200400" indent="0">
+              <a:buNone/>
+              <a:defRPr sz="1000"/>
+            </a:lvl8pPr>
+            <a:lvl9pPr marL="3657600" indent="0">
+              <a:buNone/>
+              <a:defRPr sz="1000"/>
+            </a:lvl9pPr>
+          </a:lstStyle>
+          <a:p>
+            <a:pPr lvl="0"/>
+            <a:r>
+              <a:rPr lang="vi-VN"/>
+              <a:t>Bấm để chỉnh sửa kiểu văn bản của Bản cái</a:t>
+            </a:r>
+          </a:p>
+        </p:txBody>
+      </p:sp>
+      <p:sp>
+        <p:nvSpPr>
+          <p:cNvPr id="5" name="Date Placeholder 4"/>
+          <p:cNvSpPr>
+            <a:spLocks noGrp="1"/>
+          </p:cNvSpPr>
+          <p:nvPr>
+            <p:ph type="dt" sz="half" idx="10"/>
+          </p:nvPr>
+        </p:nvSpPr>
+        <p:spPr/>
+        <p:txBody>
+          <a:bodyPr/>
+          <a:lstStyle/>
+          <a:p>
+            <a:fld id="{A7F323CF-71FB-4D08-A706-73C8FB34EBBC}" type="datetimeFigureOut">
+              <a:rPr lang="en-US" smtClean="0"/>
+              <a:t>9/15/2019</a:t>
+            </a:fld>
+            <a:endParaRPr lang="en-US"/>
+          </a:p>
+        </p:txBody>
+      </p:sp>
+      <p:sp>
+        <p:nvSpPr>
+          <p:cNvPr id="6" name="Footer Placeholder 5"/>
+          <p:cNvSpPr>
+            <a:spLocks noGrp="1"/>
+          </p:cNvSpPr>
+          <p:nvPr>
+            <p:ph type="ftr" sz="quarter" idx="11"/>
+          </p:nvPr>
+        </p:nvSpPr>
+        <p:spPr/>
+        <p:txBody>
+          <a:bodyPr/>
+          <a:lstStyle/>
+          <a:p>
+            <a:endParaRPr lang="en-US"/>
+          </a:p>
+        </p:txBody>
+      </p:sp>
+      <p:sp>
+        <p:nvSpPr>
+          <p:cNvPr id="7" name="Slide Number Placeholder 6"/>
+          <p:cNvSpPr>
+            <a:spLocks noGrp="1"/>
+          </p:cNvSpPr>
+          <p:nvPr>
+            <p:ph type="sldNum" sz="quarter" idx="12"/>
+          </p:nvPr>
+        </p:nvSpPr>
+        <p:spPr/>
+        <p:txBody>
+          <a:bodyPr/>
+          <a:lstStyle/>
+          <a:p>
+            <a:fld id="{1316F4D0-F55C-4A32-86C3-38A9993D7A14}" type="slidenum">
+              <a:rPr lang="en-US" smtClean="0"/>
+              <a:t>‹#›</a:t>
+            </a:fld>
+            <a:endParaRPr lang="en-US"/>
+          </a:p>
+        </p:txBody>
+      </p:sp>
+    </p:spTree>
+    <p:extLst>
+      <p:ext uri="{BB962C8B-B14F-4D97-AF65-F5344CB8AC3E}">
+        <p14:creationId xmlns:p14="http://schemas.microsoft.com/office/powerpoint/2010/main" val="853733612"/>
+      </p:ext>
+    </p:extLst>
+  </p:cSld>
+  <p:clrMapOvr>
+    <a:masterClrMapping/>
+  </p:clrMapOvr>
+</p:sldLayout>
+</file>
+
+<file path=ppt/slideLayouts/slideLayout12.xml><?xml version="1.0" encoding="utf-8"?>
+<p:sldLayout xmlns:a="http://schemas.openxmlformats.org/drawingml/2006/main" xmlns:r="http://schemas.openxmlformats.org/officeDocument/2006/relationships" xmlns:p="http://schemas.openxmlformats.org/presentationml/2006/main" preserve="1">
+  <p:cSld name="Trích dẫn cùng với Chú thích">
+    <p:spTree>
+      <p:nvGrpSpPr>
+        <p:cNvPr id="1" name=""/>
+        <p:cNvGrpSpPr/>
+        <p:nvPr/>
+      </p:nvGrpSpPr>
+      <p:grpSpPr>
+        <a:xfrm>
+          <a:off x="0" y="0"/>
+          <a:ext cx="0" cy="0"/>
+          <a:chOff x="0" y="0"/>
+          <a:chExt cx="0" cy="0"/>
+        </a:xfrm>
+      </p:grpSpPr>
+      <p:pic>
+        <p:nvPicPr>
+          <p:cNvPr id="11" name="Picture 10" descr="Droplets-HD-Content-R1d.png"/>
+          <p:cNvPicPr>
+            <a:picLocks noChangeAspect="1"/>
+          </p:cNvPicPr>
+          <p:nvPr/>
+        </p:nvPicPr>
+        <p:blipFill>
+          <a:blip r:embed="rId2">
+            <a:extLst>
+              <a:ext uri="{28A0092B-C50C-407E-A947-70E740481C1C}">
+                <a14:useLocalDpi xmlns:a14="http://schemas.microsoft.com/office/drawing/2010/main" val="0"/>
+              </a:ext>
+            </a:extLst>
+          </a:blip>
+          <a:stretch>
+            <a:fillRect/>
+          </a:stretch>
+        </p:blipFill>
+        <p:spPr>
+          <a:xfrm>
+            <a:off x="0" y="0"/>
+            <a:ext cx="12192000" cy="6858000"/>
+          </a:xfrm>
+          <a:prstGeom prst="rect">
+            <a:avLst/>
+          </a:prstGeom>
+        </p:spPr>
+      </p:pic>
+      <p:sp>
+        <p:nvSpPr>
+          <p:cNvPr id="2" name="Title 1"/>
+          <p:cNvSpPr>
+            <a:spLocks noGrp="1"/>
+          </p:cNvSpPr>
+          <p:nvPr>
+            <p:ph type="title"/>
+          </p:nvPr>
+        </p:nvSpPr>
+        <p:spPr>
+          <a:xfrm>
+            <a:off x="1446212" y="609600"/>
+            <a:ext cx="9302752" cy="2992904"/>
+          </a:xfrm>
+        </p:spPr>
+        <p:txBody>
+          <a:bodyPr anchor="ctr"/>
+          <a:lstStyle>
+            <a:lvl1pPr>
+              <a:defRPr sz="3200"/>
+            </a:lvl1pPr>
+          </a:lstStyle>
+          <a:p>
+            <a:r>
+              <a:rPr lang="vi-VN"/>
+              <a:t>Bấm để sửa kiểu tiêu đề Bản cái</a:t>
+            </a:r>
+            <a:endParaRPr lang="en-US" dirty="0"/>
+          </a:p>
+        </p:txBody>
+      </p:sp>
+      <p:sp>
+        <p:nvSpPr>
+          <p:cNvPr id="12" name="Text Placeholder 3"/>
+          <p:cNvSpPr>
+            <a:spLocks noGrp="1"/>
+          </p:cNvSpPr>
+          <p:nvPr>
+            <p:ph type="body" sz="half" idx="13"/>
+          </p:nvPr>
+        </p:nvSpPr>
+        <p:spPr>
+          <a:xfrm>
+            <a:off x="1720644" y="3610032"/>
+            <a:ext cx="8752299" cy="594788"/>
+          </a:xfrm>
+        </p:spPr>
+        <p:txBody>
+          <a:bodyPr anchor="t">
+            <a:normAutofit/>
+          </a:bodyPr>
+          <a:lstStyle>
+            <a:lvl1pPr marL="0" indent="0">
+              <a:buNone/>
+              <a:defRPr sz="1400"/>
+            </a:lvl1pPr>
+            <a:lvl2pPr marL="457200" indent="0">
+              <a:buNone/>
+              <a:defRPr sz="1400"/>
+            </a:lvl2pPr>
+            <a:lvl3pPr marL="914400" indent="0">
+              <a:buNone/>
+              <a:defRPr sz="1200"/>
+            </a:lvl3pPr>
+            <a:lvl4pPr marL="1371600" indent="0">
+              <a:buNone/>
+              <a:defRPr sz="1000"/>
+            </a:lvl4pPr>
+            <a:lvl5pPr marL="1828800" indent="0">
+              <a:buNone/>
+              <a:defRPr sz="1000"/>
+            </a:lvl5pPr>
+            <a:lvl6pPr marL="2286000" indent="0">
+              <a:buNone/>
+              <a:defRPr sz="1000"/>
+            </a:lvl6pPr>
+            <a:lvl7pPr marL="2743200" indent="0">
+              <a:buNone/>
+              <a:defRPr sz="1000"/>
+            </a:lvl7pPr>
+            <a:lvl8pPr marL="3200400" indent="0">
+              <a:buNone/>
+              <a:defRPr sz="1000"/>
+            </a:lvl8pPr>
+            <a:lvl9pPr marL="3657600" indent="0">
+              <a:buNone/>
+              <a:defRPr sz="1000"/>
+            </a:lvl9pPr>
+          </a:lstStyle>
+          <a:p>
+            <a:pPr lvl="0"/>
+            <a:r>
+              <a:rPr lang="vi-VN"/>
+              <a:t>Bấm để chỉnh sửa kiểu văn bản của Bản cái</a:t>
+            </a:r>
+          </a:p>
+        </p:txBody>
+      </p:sp>
+      <p:sp>
+        <p:nvSpPr>
+          <p:cNvPr id="4" name="Text Placeholder 3"/>
+          <p:cNvSpPr>
+            <a:spLocks noGrp="1"/>
+          </p:cNvSpPr>
+          <p:nvPr>
+            <p:ph type="body" sz="half" idx="2"/>
+          </p:nvPr>
+        </p:nvSpPr>
+        <p:spPr>
+          <a:xfrm>
+            <a:off x="913774" y="4372796"/>
+            <a:ext cx="10364452" cy="1421053"/>
+          </a:xfrm>
+        </p:spPr>
+        <p:txBody>
+          <a:bodyPr anchor="ctr">
+            <a:normAutofit/>
+          </a:bodyPr>
+          <a:lstStyle>
+            <a:lvl1pPr marL="0" indent="0" algn="ctr">
+              <a:buNone/>
+              <a:defRPr sz="1600"/>
+            </a:lvl1pPr>
+            <a:lvl2pPr marL="457200" indent="0">
+              <a:buNone/>
+              <a:defRPr sz="1400"/>
+            </a:lvl2pPr>
+            <a:lvl3pPr marL="914400" indent="0">
+              <a:buNone/>
+              <a:defRPr sz="1200"/>
+            </a:lvl3pPr>
+            <a:lvl4pPr marL="1371600" indent="0">
+              <a:buNone/>
+              <a:defRPr sz="1000"/>
+            </a:lvl4pPr>
+            <a:lvl5pPr marL="1828800" indent="0">
+              <a:buNone/>
+              <a:defRPr sz="1000"/>
+            </a:lvl5pPr>
+            <a:lvl6pPr marL="2286000" indent="0">
+              <a:buNone/>
+              <a:defRPr sz="1000"/>
+            </a:lvl6pPr>
+            <a:lvl7pPr marL="2743200" indent="0">
+              <a:buNone/>
+              <a:defRPr sz="1000"/>
+            </a:lvl7pPr>
+            <a:lvl8pPr marL="3200400" indent="0">
+              <a:buNone/>
+              <a:defRPr sz="1000"/>
+            </a:lvl8pPr>
+            <a:lvl9pPr marL="3657600" indent="0">
+              <a:buNone/>
+              <a:defRPr sz="1000"/>
+            </a:lvl9pPr>
+          </a:lstStyle>
+          <a:p>
+            <a:pPr lvl="0"/>
+            <a:r>
+              <a:rPr lang="vi-VN"/>
+              <a:t>Bấm để chỉnh sửa kiểu văn bản của Bản cái</a:t>
+            </a:r>
+          </a:p>
+        </p:txBody>
+      </p:sp>
+      <p:sp>
+        <p:nvSpPr>
+          <p:cNvPr id="5" name="Date Placeholder 4"/>
+          <p:cNvSpPr>
+            <a:spLocks noGrp="1"/>
+          </p:cNvSpPr>
+          <p:nvPr>
+            <p:ph type="dt" sz="half" idx="10"/>
+          </p:nvPr>
+        </p:nvSpPr>
+        <p:spPr/>
+        <p:txBody>
+          <a:bodyPr/>
+          <a:lstStyle/>
+          <a:p>
+            <a:fld id="{A7F323CF-71FB-4D08-A706-73C8FB34EBBC}" type="datetimeFigureOut">
+              <a:rPr lang="en-US" smtClean="0"/>
+              <a:t>9/15/2019</a:t>
+            </a:fld>
+            <a:endParaRPr lang="en-US"/>
+          </a:p>
+        </p:txBody>
+      </p:sp>
+      <p:sp>
+        <p:nvSpPr>
+          <p:cNvPr id="6" name="Footer Placeholder 5"/>
+          <p:cNvSpPr>
+            <a:spLocks noGrp="1"/>
+          </p:cNvSpPr>
+          <p:nvPr>
+            <p:ph type="ftr" sz="quarter" idx="11"/>
+          </p:nvPr>
+        </p:nvSpPr>
+        <p:spPr/>
+        <p:txBody>
+          <a:bodyPr/>
+          <a:lstStyle/>
+          <a:p>
+            <a:endParaRPr lang="en-US"/>
+          </a:p>
+        </p:txBody>
+      </p:sp>
+      <p:sp>
+        <p:nvSpPr>
+          <p:cNvPr id="7" name="Slide Number Placeholder 6"/>
+          <p:cNvSpPr>
+            <a:spLocks noGrp="1"/>
+          </p:cNvSpPr>
+          <p:nvPr>
+            <p:ph type="sldNum" sz="quarter" idx="12"/>
+          </p:nvPr>
+        </p:nvSpPr>
+        <p:spPr/>
+        <p:txBody>
+          <a:bodyPr/>
+          <a:lstStyle/>
+          <a:p>
+            <a:fld id="{1316F4D0-F55C-4A32-86C3-38A9993D7A14}" type="slidenum">
+              <a:rPr lang="en-US" smtClean="0"/>
+              <a:t>‹#›</a:t>
+            </a:fld>
+            <a:endParaRPr lang="en-US"/>
+          </a:p>
+        </p:txBody>
+      </p:sp>
+      <p:sp>
+        <p:nvSpPr>
+          <p:cNvPr id="13" name="TextBox 12"/>
+          <p:cNvSpPr txBox="1"/>
+          <p:nvPr/>
+        </p:nvSpPr>
+        <p:spPr>
+          <a:xfrm>
+            <a:off x="1001488" y="754166"/>
+            <a:ext cx="609600" cy="584776"/>
+          </a:xfrm>
+          <a:prstGeom prst="rect">
+            <a:avLst/>
+          </a:prstGeom>
+        </p:spPr>
+        <p:txBody>
+          <a:bodyPr vert="horz" lIns="91440" tIns="45720" rIns="91440" bIns="45720" rtlCol="0" anchor="ctr">
+            <a:noAutofit/>
+          </a:bodyPr>
+          <a:lstStyle>
+            <a:lvl1pPr>
+              <a:spcBef>
+                <a:spcPct val="0"/>
+              </a:spcBef>
+              <a:buNone/>
+              <a:defRPr sz="3200" b="0" cap="all">
+                <a:ln w="3175" cmpd="sng">
+                  <a:noFill/>
+                </a:ln>
+                <a:effectLst>
+                  <a:glow rad="38100">
+                    <a:schemeClr val="bg1">
+                      <a:lumMod val="65000"/>
+                      <a:lumOff val="35000"/>
+                      <a:alpha val="40000"/>
+                    </a:schemeClr>
+                  </a:glow>
+                  <a:outerShdw blurRad="28575" dist="38100" dir="14040000" algn="tl" rotWithShape="0">
+                    <a:srgbClr val="000000">
+                      <a:alpha val="25000"/>
+                    </a:srgbClr>
+                  </a:outerShdw>
+                </a:effectLst>
+              </a:defRPr>
+            </a:lvl1pPr>
+            <a:lvl2pPr>
+              <a:defRPr>
+                <a:solidFill>
+                  <a:schemeClr val="tx2"/>
+                </a:solidFill>
+              </a:defRPr>
+            </a:lvl2pPr>
+            <a:lvl3pPr>
+              <a:defRPr>
+                <a:solidFill>
+                  <a:schemeClr val="tx2"/>
+                </a:solidFill>
+              </a:defRPr>
+            </a:lvl3pPr>
+            <a:lvl4pPr>
+              <a:defRPr>
+                <a:solidFill>
+                  <a:schemeClr val="tx2"/>
+                </a:solidFill>
+              </a:defRPr>
+            </a:lvl4pPr>
+            <a:lvl5pPr>
+              <a:defRPr>
+                <a:solidFill>
+                  <a:schemeClr val="tx2"/>
+                </a:solidFill>
+              </a:defRPr>
+            </a:lvl5pPr>
+            <a:lvl6pPr>
+              <a:defRPr>
+                <a:solidFill>
+                  <a:schemeClr val="tx2"/>
+                </a:solidFill>
+              </a:defRPr>
+            </a:lvl6pPr>
+            <a:lvl7pPr>
+              <a:defRPr>
+                <a:solidFill>
+                  <a:schemeClr val="tx2"/>
+                </a:solidFill>
+              </a:defRPr>
+            </a:lvl7pPr>
+            <a:lvl8pPr>
+              <a:defRPr>
+                <a:solidFill>
+                  <a:schemeClr val="tx2"/>
+                </a:solidFill>
+              </a:defRPr>
+            </a:lvl8pPr>
+            <a:lvl9pPr>
+              <a:defRPr>
+                <a:solidFill>
+                  <a:schemeClr val="tx2"/>
+                </a:solidFill>
+              </a:defRPr>
+            </a:lvl9pPr>
+          </a:lstStyle>
+          <a:p>
+            <a:pPr lvl="0"/>
+            <a:r>
+              <a:rPr lang="en-US" sz="8000" dirty="0">
+                <a:solidFill>
+                  <a:schemeClr val="tx1"/>
+                </a:solidFill>
+                <a:effectLst/>
+              </a:rPr>
+              <a:t>“</a:t>
+            </a:r>
+          </a:p>
+        </p:txBody>
+      </p:sp>
+      <p:sp>
+        <p:nvSpPr>
+          <p:cNvPr id="14" name="TextBox 13"/>
+          <p:cNvSpPr txBox="1"/>
+          <p:nvPr/>
+        </p:nvSpPr>
+        <p:spPr>
+          <a:xfrm>
+            <a:off x="10557558" y="2993578"/>
+            <a:ext cx="609600" cy="584776"/>
+          </a:xfrm>
+          <a:prstGeom prst="rect">
+            <a:avLst/>
+          </a:prstGeom>
+        </p:spPr>
+        <p:txBody>
+          <a:bodyPr vert="horz" lIns="91440" tIns="45720" rIns="91440" bIns="45720" rtlCol="0" anchor="ctr">
+            <a:noAutofit/>
+          </a:bodyPr>
+          <a:lstStyle>
+            <a:lvl1pPr>
+              <a:spcBef>
+                <a:spcPct val="0"/>
+              </a:spcBef>
+              <a:buNone/>
+              <a:defRPr sz="3200" b="0" cap="all">
+                <a:ln w="3175" cmpd="sng">
+                  <a:noFill/>
+                </a:ln>
+                <a:effectLst>
+                  <a:glow rad="38100">
+                    <a:schemeClr val="bg1">
+                      <a:lumMod val="65000"/>
+                      <a:lumOff val="35000"/>
+                      <a:alpha val="40000"/>
+                    </a:schemeClr>
+                  </a:glow>
+                  <a:outerShdw blurRad="28575" dist="38100" dir="14040000" algn="tl" rotWithShape="0">
+                    <a:srgbClr val="000000">
+                      <a:alpha val="25000"/>
+                    </a:srgbClr>
+                  </a:outerShdw>
+                </a:effectLst>
+              </a:defRPr>
+            </a:lvl1pPr>
+            <a:lvl2pPr>
+              <a:defRPr>
+                <a:solidFill>
+                  <a:schemeClr val="tx2"/>
+                </a:solidFill>
+              </a:defRPr>
+            </a:lvl2pPr>
+            <a:lvl3pPr>
+              <a:defRPr>
+                <a:solidFill>
+                  <a:schemeClr val="tx2"/>
+                </a:solidFill>
+              </a:defRPr>
+            </a:lvl3pPr>
+            <a:lvl4pPr>
+              <a:defRPr>
+                <a:solidFill>
+                  <a:schemeClr val="tx2"/>
+                </a:solidFill>
+              </a:defRPr>
+            </a:lvl4pPr>
+            <a:lvl5pPr>
+              <a:defRPr>
+                <a:solidFill>
+                  <a:schemeClr val="tx2"/>
+                </a:solidFill>
+              </a:defRPr>
+            </a:lvl5pPr>
+            <a:lvl6pPr>
+              <a:defRPr>
+                <a:solidFill>
+                  <a:schemeClr val="tx2"/>
+                </a:solidFill>
+              </a:defRPr>
+            </a:lvl6pPr>
+            <a:lvl7pPr>
+              <a:defRPr>
+                <a:solidFill>
+                  <a:schemeClr val="tx2"/>
+                </a:solidFill>
+              </a:defRPr>
+            </a:lvl7pPr>
+            <a:lvl8pPr>
+              <a:defRPr>
+                <a:solidFill>
+                  <a:schemeClr val="tx2"/>
+                </a:solidFill>
+              </a:defRPr>
+            </a:lvl8pPr>
+            <a:lvl9pPr>
+              <a:defRPr>
+                <a:solidFill>
+                  <a:schemeClr val="tx2"/>
+                </a:solidFill>
+              </a:defRPr>
+            </a:lvl9pPr>
+          </a:lstStyle>
+          <a:p>
+            <a:pPr lvl="0" algn="r"/>
+            <a:r>
+              <a:rPr lang="en-US" sz="8000" dirty="0">
+                <a:solidFill>
+                  <a:schemeClr val="tx1"/>
+                </a:solidFill>
+                <a:effectLst/>
+              </a:rPr>
+              <a:t>”</a:t>
+            </a:r>
+          </a:p>
+        </p:txBody>
+      </p:sp>
+    </p:spTree>
+    <p:extLst>
+      <p:ext uri="{BB962C8B-B14F-4D97-AF65-F5344CB8AC3E}">
+        <p14:creationId xmlns:p14="http://schemas.microsoft.com/office/powerpoint/2010/main" val="3271956710"/>
+      </p:ext>
+    </p:extLst>
+  </p:cSld>
+  <p:clrMapOvr>
+    <a:masterClrMapping/>
+  </p:clrMapOvr>
+</p:sldLayout>
+</file>
+
+<file path=ppt/slideLayouts/slideLayout13.xml><?xml version="1.0" encoding="utf-8"?>
+<p:sldLayout xmlns:a="http://schemas.openxmlformats.org/drawingml/2006/main" xmlns:r="http://schemas.openxmlformats.org/officeDocument/2006/relationships" xmlns:p="http://schemas.openxmlformats.org/presentationml/2006/main" preserve="1">
+  <p:cSld name="Danh Thiếp">
+    <p:spTree>
+      <p:nvGrpSpPr>
+        <p:cNvPr id="1" name=""/>
+        <p:cNvGrpSpPr/>
+        <p:nvPr/>
+      </p:nvGrpSpPr>
+      <p:grpSpPr>
+        <a:xfrm>
+          <a:off x="0" y="0"/>
+          <a:ext cx="0" cy="0"/>
+          <a:chOff x="0" y="0"/>
+          <a:chExt cx="0" cy="0"/>
+        </a:xfrm>
+      </p:grpSpPr>
+      <p:pic>
+        <p:nvPicPr>
+          <p:cNvPr id="8" name="Picture 7" descr="Droplets-HD-Content-R1d.png"/>
+          <p:cNvPicPr>
+            <a:picLocks noChangeAspect="1"/>
+          </p:cNvPicPr>
+          <p:nvPr/>
+        </p:nvPicPr>
+        <p:blipFill>
+          <a:blip r:embed="rId2">
+            <a:extLst>
+              <a:ext uri="{28A0092B-C50C-407E-A947-70E740481C1C}">
+                <a14:useLocalDpi xmlns:a14="http://schemas.microsoft.com/office/drawing/2010/main" val="0"/>
+              </a:ext>
+            </a:extLst>
+          </a:blip>
+          <a:stretch>
+            <a:fillRect/>
+          </a:stretch>
+        </p:blipFill>
+        <p:spPr>
+          <a:xfrm>
+            <a:off x="0" y="0"/>
+            <a:ext cx="12192000" cy="6858000"/>
+          </a:xfrm>
+          <a:prstGeom prst="rect">
+            <a:avLst/>
+          </a:prstGeom>
+        </p:spPr>
+      </p:pic>
+      <p:sp>
+        <p:nvSpPr>
+          <p:cNvPr id="2" name="Title 1"/>
+          <p:cNvSpPr>
+            <a:spLocks noGrp="1"/>
+          </p:cNvSpPr>
+          <p:nvPr>
+            <p:ph type="title"/>
+          </p:nvPr>
+        </p:nvSpPr>
+        <p:spPr>
+          <a:xfrm>
+            <a:off x="913775" y="2138721"/>
+            <a:ext cx="10364452" cy="2511835"/>
+          </a:xfrm>
+        </p:spPr>
+        <p:txBody>
+          <a:bodyPr anchor="b"/>
+          <a:lstStyle>
+            <a:lvl1pPr algn="ctr">
+              <a:defRPr sz="3200"/>
+            </a:lvl1pPr>
+          </a:lstStyle>
+          <a:p>
+            <a:r>
+              <a:rPr lang="vi-VN"/>
+              <a:t>Bấm để sửa kiểu tiêu đề Bản cái</a:t>
+            </a:r>
+            <a:endParaRPr lang="en-US" dirty="0"/>
+          </a:p>
+        </p:txBody>
+      </p:sp>
+      <p:sp>
+        <p:nvSpPr>
+          <p:cNvPr id="4" name="Text Placeholder 3"/>
+          <p:cNvSpPr>
+            <a:spLocks noGrp="1"/>
+          </p:cNvSpPr>
+          <p:nvPr>
+            <p:ph type="body" sz="half" idx="2"/>
+          </p:nvPr>
+        </p:nvSpPr>
+        <p:spPr>
+          <a:xfrm>
+            <a:off x="913775" y="4662335"/>
+            <a:ext cx="10364452" cy="1140644"/>
+          </a:xfrm>
+        </p:spPr>
+        <p:txBody>
+          <a:bodyPr anchor="t"/>
+          <a:lstStyle>
+            <a:lvl1pPr marL="0" indent="0" algn="ctr">
+              <a:buNone/>
+              <a:defRPr sz="1600"/>
+            </a:lvl1pPr>
+            <a:lvl2pPr marL="457200" indent="0">
+              <a:buNone/>
+              <a:defRPr sz="1400"/>
+            </a:lvl2pPr>
+            <a:lvl3pPr marL="914400" indent="0">
+              <a:buNone/>
+              <a:defRPr sz="1200"/>
+            </a:lvl3pPr>
+            <a:lvl4pPr marL="1371600" indent="0">
+              <a:buNone/>
+              <a:defRPr sz="1000"/>
+            </a:lvl4pPr>
+            <a:lvl5pPr marL="1828800" indent="0">
+              <a:buNone/>
+              <a:defRPr sz="1000"/>
+            </a:lvl5pPr>
+            <a:lvl6pPr marL="2286000" indent="0">
+              <a:buNone/>
+              <a:defRPr sz="1000"/>
+            </a:lvl6pPr>
+            <a:lvl7pPr marL="2743200" indent="0">
+              <a:buNone/>
+              <a:defRPr sz="1000"/>
+            </a:lvl7pPr>
+            <a:lvl8pPr marL="3200400" indent="0">
+              <a:buNone/>
+              <a:defRPr sz="1000"/>
+            </a:lvl8pPr>
+            <a:lvl9pPr marL="3657600" indent="0">
+              <a:buNone/>
+              <a:defRPr sz="1000"/>
+            </a:lvl9pPr>
+          </a:lstStyle>
+          <a:p>
+            <a:pPr lvl="0"/>
+            <a:r>
+              <a:rPr lang="vi-VN"/>
+              <a:t>Bấm để chỉnh sửa kiểu văn bản của Bản cái</a:t>
+            </a:r>
+          </a:p>
+        </p:txBody>
+      </p:sp>
+      <p:sp>
+        <p:nvSpPr>
+          <p:cNvPr id="5" name="Date Placeholder 4"/>
+          <p:cNvSpPr>
+            <a:spLocks noGrp="1"/>
+          </p:cNvSpPr>
+          <p:nvPr>
+            <p:ph type="dt" sz="half" idx="10"/>
+          </p:nvPr>
+        </p:nvSpPr>
+        <p:spPr/>
+        <p:txBody>
+          <a:bodyPr/>
+          <a:lstStyle/>
+          <a:p>
+            <a:fld id="{A7F323CF-71FB-4D08-A706-73C8FB34EBBC}" type="datetimeFigureOut">
+              <a:rPr lang="en-US" smtClean="0"/>
+              <a:t>9/15/2019</a:t>
+            </a:fld>
+            <a:endParaRPr lang="en-US"/>
+          </a:p>
+        </p:txBody>
+      </p:sp>
+      <p:sp>
+        <p:nvSpPr>
+          <p:cNvPr id="6" name="Footer Placeholder 5"/>
+          <p:cNvSpPr>
+            <a:spLocks noGrp="1"/>
+          </p:cNvSpPr>
+          <p:nvPr>
+            <p:ph type="ftr" sz="quarter" idx="11"/>
+          </p:nvPr>
+        </p:nvSpPr>
+        <p:spPr/>
+        <p:txBody>
+          <a:bodyPr/>
+          <a:lstStyle/>
+          <a:p>
+            <a:endParaRPr lang="en-US"/>
+          </a:p>
+        </p:txBody>
+      </p:sp>
+      <p:sp>
+        <p:nvSpPr>
+          <p:cNvPr id="7" name="Slide Number Placeholder 6"/>
+          <p:cNvSpPr>
+            <a:spLocks noGrp="1"/>
+          </p:cNvSpPr>
+          <p:nvPr>
+            <p:ph type="sldNum" sz="quarter" idx="12"/>
+          </p:nvPr>
+        </p:nvSpPr>
+        <p:spPr/>
+        <p:txBody>
+          <a:bodyPr/>
+          <a:lstStyle/>
+          <a:p>
+            <a:fld id="{1316F4D0-F55C-4A32-86C3-38A9993D7A14}" type="slidenum">
+              <a:rPr lang="en-US" smtClean="0"/>
+              <a:t>‹#›</a:t>
+            </a:fld>
+            <a:endParaRPr lang="en-US"/>
+          </a:p>
+        </p:txBody>
+      </p:sp>
+    </p:spTree>
+    <p:extLst>
+      <p:ext uri="{BB962C8B-B14F-4D97-AF65-F5344CB8AC3E}">
+        <p14:creationId xmlns:p14="http://schemas.microsoft.com/office/powerpoint/2010/main" val="2336301299"/>
+      </p:ext>
+    </p:extLst>
+  </p:cSld>
+  <p:clrMapOvr>
+    <a:masterClrMapping/>
+  </p:clrMapOvr>
+</p:sldLayout>
+</file>
+
+<file path=ppt/slideLayouts/slideLayout14.xml><?xml version="1.0" encoding="utf-8"?>
+<p:sldLayout xmlns:a="http://schemas.openxmlformats.org/drawingml/2006/main" xmlns:r="http://schemas.openxmlformats.org/officeDocument/2006/relationships" xmlns:p="http://schemas.openxmlformats.org/presentationml/2006/main" preserve="1">
+  <p:cSld name="3 Cột">
+    <p:spTree>
+      <p:nvGrpSpPr>
+        <p:cNvPr id="1" name=""/>
+        <p:cNvGrpSpPr/>
+        <p:nvPr/>
+      </p:nvGrpSpPr>
+      <p:grpSpPr>
+        <a:xfrm>
+          <a:off x="0" y="0"/>
+          <a:ext cx="0" cy="0"/>
+          <a:chOff x="0" y="0"/>
+          <a:chExt cx="0" cy="0"/>
+        </a:xfrm>
+      </p:grpSpPr>
+      <p:pic>
+        <p:nvPicPr>
+          <p:cNvPr id="13" name="Picture 12" descr="Droplets-HD-Content-R1d.png"/>
+          <p:cNvPicPr>
+            <a:picLocks noChangeAspect="1"/>
+          </p:cNvPicPr>
+          <p:nvPr/>
+        </p:nvPicPr>
+        <p:blipFill>
+          <a:blip r:embed="rId2">
+            <a:extLst>
+              <a:ext uri="{28A0092B-C50C-407E-A947-70E740481C1C}">
+                <a14:useLocalDpi xmlns:a14="http://schemas.microsoft.com/office/drawing/2010/main" val="0"/>
+              </a:ext>
+            </a:extLst>
+          </a:blip>
+          <a:stretch>
+            <a:fillRect/>
+          </a:stretch>
+        </p:blipFill>
+        <p:spPr>
+          <a:xfrm>
+            <a:off x="0" y="0"/>
+            <a:ext cx="12192000" cy="6858000"/>
+          </a:xfrm>
+          <a:prstGeom prst="rect">
+            <a:avLst/>
+          </a:prstGeom>
+        </p:spPr>
+      </p:pic>
+      <p:sp>
+        <p:nvSpPr>
+          <p:cNvPr id="15" name="Title 1"/>
+          <p:cNvSpPr>
+            <a:spLocks noGrp="1"/>
+          </p:cNvSpPr>
+          <p:nvPr>
+            <p:ph type="title"/>
+          </p:nvPr>
+        </p:nvSpPr>
+        <p:spPr>
+          <a:xfrm>
+            <a:off x="913774" y="609600"/>
+            <a:ext cx="10364452" cy="1605094"/>
+          </a:xfrm>
+        </p:spPr>
+        <p:txBody>
+          <a:bodyPr/>
+          <a:lstStyle/>
+          <a:p>
+            <a:r>
+              <a:rPr lang="vi-VN"/>
+              <a:t>Bấm để sửa kiểu tiêu đề Bản cái</a:t>
+            </a:r>
+            <a:endParaRPr lang="en-US" dirty="0"/>
+          </a:p>
+        </p:txBody>
+      </p:sp>
+      <p:sp>
+        <p:nvSpPr>
+          <p:cNvPr id="7" name="Text Placeholder 2"/>
+          <p:cNvSpPr>
+            <a:spLocks noGrp="1"/>
+          </p:cNvSpPr>
+          <p:nvPr>
+            <p:ph type="body" idx="1"/>
+          </p:nvPr>
+        </p:nvSpPr>
+        <p:spPr>
+          <a:xfrm>
+            <a:off x="913774" y="2367093"/>
+            <a:ext cx="3298976" cy="576262"/>
+          </a:xfrm>
+        </p:spPr>
+        <p:txBody>
+          <a:bodyPr anchor="b">
+            <a:noAutofit/>
+          </a:bodyPr>
+          <a:lstStyle>
+            <a:lvl1pPr marL="0" indent="0" algn="ctr">
+              <a:lnSpc>
+                <a:spcPct val="85000"/>
+              </a:lnSpc>
+              <a:buNone/>
+              <a:defRPr sz="2400" b="0">
+                <a:solidFill>
+                  <a:schemeClr val="tx1"/>
+                </a:solidFill>
+              </a:defRPr>
+            </a:lvl1pPr>
+            <a:lvl2pPr marL="457200" indent="0">
+              <a:buNone/>
+              <a:defRPr sz="2000" b="1"/>
+            </a:lvl2pPr>
+            <a:lvl3pPr marL="914400" indent="0">
+              <a:buNone/>
+              <a:defRPr sz="1800" b="1"/>
+            </a:lvl3pPr>
+            <a:lvl4pPr marL="1371600" indent="0">
+              <a:buNone/>
+              <a:defRPr sz="1600" b="1"/>
+            </a:lvl4pPr>
+            <a:lvl5pPr marL="1828800" indent="0">
+              <a:buNone/>
+              <a:defRPr sz="1600" b="1"/>
+            </a:lvl5pPr>
+            <a:lvl6pPr marL="2286000" indent="0">
+              <a:buNone/>
+              <a:defRPr sz="1600" b="1"/>
+            </a:lvl6pPr>
+            <a:lvl7pPr marL="2743200" indent="0">
+              <a:buNone/>
+              <a:defRPr sz="1600" b="1"/>
+            </a:lvl7pPr>
+            <a:lvl8pPr marL="3200400" indent="0">
+              <a:buNone/>
+              <a:defRPr sz="1600" b="1"/>
+            </a:lvl8pPr>
+            <a:lvl9pPr marL="3657600" indent="0">
+              <a:buNone/>
+              <a:defRPr sz="1600" b="1"/>
+            </a:lvl9pPr>
+          </a:lstStyle>
+          <a:p>
+            <a:pPr lvl="0"/>
+            <a:r>
+              <a:rPr lang="vi-VN"/>
+              <a:t>Bấm để chỉnh sửa kiểu văn bản của Bản cái</a:t>
+            </a:r>
+          </a:p>
+        </p:txBody>
+      </p:sp>
+      <p:sp>
+        <p:nvSpPr>
+          <p:cNvPr id="8" name="Text Placeholder 3"/>
+          <p:cNvSpPr>
+            <a:spLocks noGrp="1"/>
+          </p:cNvSpPr>
+          <p:nvPr>
+            <p:ph type="body" sz="half" idx="15"/>
+          </p:nvPr>
+        </p:nvSpPr>
+        <p:spPr>
+          <a:xfrm>
+            <a:off x="913774" y="2943355"/>
+            <a:ext cx="3298976" cy="2847845"/>
+          </a:xfrm>
+        </p:spPr>
+        <p:txBody>
+          <a:bodyPr anchor="t">
+            <a:normAutofit/>
+          </a:bodyPr>
+          <a:lstStyle>
+            <a:lvl1pPr marL="0" indent="0" algn="ctr">
+              <a:buNone/>
+              <a:defRPr sz="1400"/>
+            </a:lvl1pPr>
+            <a:lvl2pPr marL="457200" indent="0">
+              <a:buNone/>
+              <a:defRPr sz="1200"/>
+            </a:lvl2pPr>
+            <a:lvl3pPr marL="914400" indent="0">
+              <a:buNone/>
+              <a:defRPr sz="1000"/>
+            </a:lvl3pPr>
+            <a:lvl4pPr marL="1371600" indent="0">
+              <a:buNone/>
+              <a:defRPr sz="900"/>
+            </a:lvl4pPr>
+            <a:lvl5pPr marL="1828800" indent="0">
+              <a:buNone/>
+              <a:defRPr sz="900"/>
+            </a:lvl5pPr>
+            <a:lvl6pPr marL="2286000" indent="0">
+              <a:buNone/>
+              <a:defRPr sz="900"/>
+            </a:lvl6pPr>
+            <a:lvl7pPr marL="2743200" indent="0">
+              <a:buNone/>
+              <a:defRPr sz="900"/>
+            </a:lvl7pPr>
+            <a:lvl8pPr marL="3200400" indent="0">
+              <a:buNone/>
+              <a:defRPr sz="900"/>
+            </a:lvl8pPr>
+            <a:lvl9pPr marL="3657600" indent="0">
+              <a:buNone/>
+              <a:defRPr sz="900"/>
+            </a:lvl9pPr>
+          </a:lstStyle>
+          <a:p>
+            <a:pPr lvl="0"/>
+            <a:r>
+              <a:rPr lang="vi-VN"/>
+              <a:t>Bấm để chỉnh sửa kiểu văn bản của Bản cái</a:t>
+            </a:r>
+          </a:p>
+        </p:txBody>
+      </p:sp>
+      <p:sp>
+        <p:nvSpPr>
+          <p:cNvPr id="9" name="Text Placeholder 4"/>
+          <p:cNvSpPr>
+            <a:spLocks noGrp="1"/>
+          </p:cNvSpPr>
+          <p:nvPr>
+            <p:ph type="body" sz="quarter" idx="3"/>
+          </p:nvPr>
+        </p:nvSpPr>
+        <p:spPr>
+          <a:xfrm>
+            <a:off x="4452389" y="2367093"/>
+            <a:ext cx="3291521" cy="576262"/>
+          </a:xfrm>
+        </p:spPr>
+        <p:txBody>
+          <a:bodyPr anchor="b">
+            <a:noAutofit/>
+          </a:bodyPr>
+          <a:lstStyle>
+            <a:lvl1pPr marL="0" indent="0" algn="ctr">
+              <a:lnSpc>
+                <a:spcPct val="85000"/>
+              </a:lnSpc>
+              <a:buNone/>
+              <a:defRPr sz="2400" b="0">
+                <a:solidFill>
+                  <a:schemeClr val="tx1"/>
+                </a:solidFill>
+              </a:defRPr>
+            </a:lvl1pPr>
+            <a:lvl2pPr marL="457200" indent="0">
+              <a:buNone/>
+              <a:defRPr sz="2000" b="1"/>
+            </a:lvl2pPr>
+            <a:lvl3pPr marL="914400" indent="0">
+              <a:buNone/>
+              <a:defRPr sz="1800" b="1"/>
+            </a:lvl3pPr>
+            <a:lvl4pPr marL="1371600" indent="0">
+              <a:buNone/>
+              <a:defRPr sz="1600" b="1"/>
+            </a:lvl4pPr>
+            <a:lvl5pPr marL="1828800" indent="0">
+              <a:buNone/>
+              <a:defRPr sz="1600" b="1"/>
+            </a:lvl5pPr>
+            <a:lvl6pPr marL="2286000" indent="0">
+              <a:buNone/>
+              <a:defRPr sz="1600" b="1"/>
+            </a:lvl6pPr>
+            <a:lvl7pPr marL="2743200" indent="0">
+              <a:buNone/>
+              <a:defRPr sz="1600" b="1"/>
+            </a:lvl7pPr>
+            <a:lvl8pPr marL="3200400" indent="0">
+              <a:buNone/>
+              <a:defRPr sz="1600" b="1"/>
+            </a:lvl8pPr>
+            <a:lvl9pPr marL="3657600" indent="0">
+              <a:buNone/>
+              <a:defRPr sz="1600" b="1"/>
+            </a:lvl9pPr>
+          </a:lstStyle>
+          <a:p>
+            <a:pPr lvl="0"/>
+            <a:r>
+              <a:rPr lang="vi-VN"/>
+              <a:t>Bấm để chỉnh sửa kiểu văn bản của Bản cái</a:t>
+            </a:r>
+          </a:p>
+        </p:txBody>
+      </p:sp>
+      <p:sp>
+        <p:nvSpPr>
+          <p:cNvPr id="10" name="Text Placeholder 3"/>
+          <p:cNvSpPr>
+            <a:spLocks noGrp="1"/>
+          </p:cNvSpPr>
+          <p:nvPr>
+            <p:ph type="body" sz="half" idx="16"/>
+          </p:nvPr>
+        </p:nvSpPr>
+        <p:spPr>
+          <a:xfrm>
+            <a:off x="4441348" y="2943355"/>
+            <a:ext cx="3303351" cy="2847845"/>
+          </a:xfrm>
+        </p:spPr>
+        <p:txBody>
+          <a:bodyPr anchor="t">
+            <a:normAutofit/>
+          </a:bodyPr>
+          <a:lstStyle>
+            <a:lvl1pPr marL="0" indent="0" algn="ctr">
+              <a:buNone/>
+              <a:defRPr sz="1400"/>
+            </a:lvl1pPr>
+            <a:lvl2pPr marL="457200" indent="0">
+              <a:buNone/>
+              <a:defRPr sz="1200"/>
+            </a:lvl2pPr>
+            <a:lvl3pPr marL="914400" indent="0">
+              <a:buNone/>
+              <a:defRPr sz="1000"/>
+            </a:lvl3pPr>
+            <a:lvl4pPr marL="1371600" indent="0">
+              <a:buNone/>
+              <a:defRPr sz="900"/>
+            </a:lvl4pPr>
+            <a:lvl5pPr marL="1828800" indent="0">
+              <a:buNone/>
+              <a:defRPr sz="900"/>
+            </a:lvl5pPr>
+            <a:lvl6pPr marL="2286000" indent="0">
+              <a:buNone/>
+              <a:defRPr sz="900"/>
+            </a:lvl6pPr>
+            <a:lvl7pPr marL="2743200" indent="0">
+              <a:buNone/>
+              <a:defRPr sz="900"/>
+            </a:lvl7pPr>
+            <a:lvl8pPr marL="3200400" indent="0">
+              <a:buNone/>
+              <a:defRPr sz="900"/>
+            </a:lvl8pPr>
+            <a:lvl9pPr marL="3657600" indent="0">
+              <a:buNone/>
+              <a:defRPr sz="900"/>
+            </a:lvl9pPr>
+          </a:lstStyle>
+          <a:p>
+            <a:pPr lvl="0"/>
+            <a:r>
+              <a:rPr lang="vi-VN"/>
+              <a:t>Bấm để chỉnh sửa kiểu văn bản của Bản cái</a:t>
+            </a:r>
+          </a:p>
+        </p:txBody>
+      </p:sp>
+      <p:sp>
+        <p:nvSpPr>
+          <p:cNvPr id="11" name="Text Placeholder 4"/>
+          <p:cNvSpPr>
+            <a:spLocks noGrp="1"/>
+          </p:cNvSpPr>
+          <p:nvPr>
+            <p:ph type="body" sz="quarter" idx="13"/>
+          </p:nvPr>
+        </p:nvSpPr>
+        <p:spPr>
+          <a:xfrm>
+            <a:off x="7973298" y="2367093"/>
+            <a:ext cx="3304928" cy="576262"/>
+          </a:xfrm>
+        </p:spPr>
+        <p:txBody>
+          <a:bodyPr anchor="b">
+            <a:noAutofit/>
+          </a:bodyPr>
+          <a:lstStyle>
+            <a:lvl1pPr marL="0" indent="0" algn="ctr">
+              <a:lnSpc>
+                <a:spcPct val="85000"/>
+              </a:lnSpc>
+              <a:buNone/>
+              <a:defRPr sz="2400" b="0">
+                <a:solidFill>
+                  <a:schemeClr val="tx1"/>
+                </a:solidFill>
+              </a:defRPr>
+            </a:lvl1pPr>
+            <a:lvl2pPr marL="457200" indent="0">
+              <a:buNone/>
+              <a:defRPr sz="2000" b="1"/>
+            </a:lvl2pPr>
+            <a:lvl3pPr marL="914400" indent="0">
+              <a:buNone/>
+              <a:defRPr sz="1800" b="1"/>
+            </a:lvl3pPr>
+            <a:lvl4pPr marL="1371600" indent="0">
+              <a:buNone/>
+              <a:defRPr sz="1600" b="1"/>
+            </a:lvl4pPr>
+            <a:lvl5pPr marL="1828800" indent="0">
+              <a:buNone/>
+              <a:defRPr sz="1600" b="1"/>
+            </a:lvl5pPr>
+            <a:lvl6pPr marL="2286000" indent="0">
+              <a:buNone/>
+              <a:defRPr sz="1600" b="1"/>
+            </a:lvl6pPr>
+            <a:lvl7pPr marL="2743200" indent="0">
+              <a:buNone/>
+              <a:defRPr sz="1600" b="1"/>
+            </a:lvl7pPr>
+            <a:lvl8pPr marL="3200400" indent="0">
+              <a:buNone/>
+              <a:defRPr sz="1600" b="1"/>
+            </a:lvl8pPr>
+            <a:lvl9pPr marL="3657600" indent="0">
+              <a:buNone/>
+              <a:defRPr sz="1600" b="1"/>
+            </a:lvl9pPr>
+          </a:lstStyle>
+          <a:p>
+            <a:pPr lvl="0"/>
+            <a:r>
+              <a:rPr lang="vi-VN"/>
+              <a:t>Bấm để chỉnh sửa kiểu văn bản của Bản cái</a:t>
+            </a:r>
+          </a:p>
+        </p:txBody>
+      </p:sp>
+      <p:sp>
+        <p:nvSpPr>
+          <p:cNvPr id="12" name="Text Placeholder 3"/>
+          <p:cNvSpPr>
+            <a:spLocks noGrp="1"/>
+          </p:cNvSpPr>
+          <p:nvPr>
+            <p:ph type="body" sz="half" idx="17"/>
+          </p:nvPr>
+        </p:nvSpPr>
+        <p:spPr>
+          <a:xfrm>
+            <a:off x="7973298" y="2943355"/>
+            <a:ext cx="3304928" cy="2847845"/>
+          </a:xfrm>
+        </p:spPr>
+        <p:txBody>
+          <a:bodyPr anchor="t">
+            <a:normAutofit/>
+          </a:bodyPr>
+          <a:lstStyle>
+            <a:lvl1pPr marL="0" indent="0" algn="ctr">
+              <a:buNone/>
+              <a:defRPr sz="1400"/>
+            </a:lvl1pPr>
+            <a:lvl2pPr marL="457200" indent="0">
+              <a:buNone/>
+              <a:defRPr sz="1200"/>
+            </a:lvl2pPr>
+            <a:lvl3pPr marL="914400" indent="0">
+              <a:buNone/>
+              <a:defRPr sz="1000"/>
+            </a:lvl3pPr>
+            <a:lvl4pPr marL="1371600" indent="0">
+              <a:buNone/>
+              <a:defRPr sz="900"/>
+            </a:lvl4pPr>
+            <a:lvl5pPr marL="1828800" indent="0">
+              <a:buNone/>
+              <a:defRPr sz="900"/>
+            </a:lvl5pPr>
+            <a:lvl6pPr marL="2286000" indent="0">
+              <a:buNone/>
+              <a:defRPr sz="900"/>
+            </a:lvl6pPr>
+            <a:lvl7pPr marL="2743200" indent="0">
+              <a:buNone/>
+              <a:defRPr sz="900"/>
+            </a:lvl7pPr>
+            <a:lvl8pPr marL="3200400" indent="0">
+              <a:buNone/>
+              <a:defRPr sz="900"/>
+            </a:lvl8pPr>
+            <a:lvl9pPr marL="3657600" indent="0">
+              <a:buNone/>
+              <a:defRPr sz="900"/>
+            </a:lvl9pPr>
+          </a:lstStyle>
+          <a:p>
+            <a:pPr lvl="0"/>
+            <a:r>
+              <a:rPr lang="vi-VN"/>
+              <a:t>Bấm để chỉnh sửa kiểu văn bản của Bản cái</a:t>
+            </a:r>
+          </a:p>
+        </p:txBody>
+      </p:sp>
+      <p:sp>
+        <p:nvSpPr>
+          <p:cNvPr id="3" name="Date Placeholder 2"/>
+          <p:cNvSpPr>
+            <a:spLocks noGrp="1"/>
+          </p:cNvSpPr>
+          <p:nvPr>
+            <p:ph type="dt" sz="half" idx="10"/>
+          </p:nvPr>
+        </p:nvSpPr>
+        <p:spPr/>
+        <p:txBody>
+          <a:bodyPr/>
+          <a:lstStyle/>
+          <a:p>
+            <a:fld id="{A7F323CF-71FB-4D08-A706-73C8FB34EBBC}" type="datetimeFigureOut">
+              <a:rPr lang="en-US" smtClean="0"/>
+              <a:t>9/15/2019</a:t>
+            </a:fld>
+            <a:endParaRPr lang="en-US"/>
+          </a:p>
+        </p:txBody>
+      </p:sp>
+      <p:sp>
+        <p:nvSpPr>
+          <p:cNvPr id="4" name="Footer Placeholder 3"/>
+          <p:cNvSpPr>
+            <a:spLocks noGrp="1"/>
+          </p:cNvSpPr>
+          <p:nvPr>
+            <p:ph type="ftr" sz="quarter" idx="11"/>
+          </p:nvPr>
+        </p:nvSpPr>
+        <p:spPr/>
+        <p:txBody>
+          <a:bodyPr/>
+          <a:lstStyle/>
+          <a:p>
+            <a:endParaRPr lang="en-US"/>
+          </a:p>
+        </p:txBody>
+      </p:sp>
+      <p:sp>
+        <p:nvSpPr>
+          <p:cNvPr id="5" name="Slide Number Placeholder 4"/>
+          <p:cNvSpPr>
+            <a:spLocks noGrp="1"/>
+          </p:cNvSpPr>
+          <p:nvPr>
+            <p:ph type="sldNum" sz="quarter" idx="12"/>
+          </p:nvPr>
+        </p:nvSpPr>
+        <p:spPr/>
+        <p:txBody>
+          <a:bodyPr/>
+          <a:lstStyle/>
+          <a:p>
+            <a:fld id="{1316F4D0-F55C-4A32-86C3-38A9993D7A14}" type="slidenum">
+              <a:rPr lang="en-US" smtClean="0"/>
+              <a:t>‹#›</a:t>
+            </a:fld>
+            <a:endParaRPr lang="en-US"/>
+          </a:p>
+        </p:txBody>
+      </p:sp>
+    </p:spTree>
+    <p:extLst>
+      <p:ext uri="{BB962C8B-B14F-4D97-AF65-F5344CB8AC3E}">
+        <p14:creationId xmlns:p14="http://schemas.microsoft.com/office/powerpoint/2010/main" val="3774531897"/>
+      </p:ext>
+    </p:extLst>
+  </p:cSld>
+  <p:clrMapOvr>
+    <a:masterClrMapping/>
+  </p:clrMapOvr>
+</p:sldLayout>
+</file>
+
+<file path=ppt/slideLayouts/slideLayout15.xml><?xml version="1.0" encoding="utf-8"?>
+<p:sldLayout xmlns:a="http://schemas.openxmlformats.org/drawingml/2006/main" xmlns:r="http://schemas.openxmlformats.org/officeDocument/2006/relationships" xmlns:p="http://schemas.openxmlformats.org/presentationml/2006/main" preserve="1">
+  <p:cSld name="3 Cột Hình ảnh">
+    <p:spTree>
+      <p:nvGrpSpPr>
+        <p:cNvPr id="1" name=""/>
+        <p:cNvGrpSpPr/>
+        <p:nvPr/>
+      </p:nvGrpSpPr>
+      <p:grpSpPr>
+        <a:xfrm>
+          <a:off x="0" y="0"/>
+          <a:ext cx="0" cy="0"/>
+          <a:chOff x="0" y="0"/>
+          <a:chExt cx="0" cy="0"/>
+        </a:xfrm>
+      </p:grpSpPr>
+      <p:pic>
+        <p:nvPicPr>
+          <p:cNvPr id="16" name="Picture 15" descr="Droplets-HD-Content-R1d.png"/>
+          <p:cNvPicPr>
+            <a:picLocks noChangeAspect="1"/>
+          </p:cNvPicPr>
+          <p:nvPr/>
+        </p:nvPicPr>
+        <p:blipFill>
+          <a:blip r:embed="rId2">
+            <a:extLst>
+              <a:ext uri="{28A0092B-C50C-407E-A947-70E740481C1C}">
+                <a14:useLocalDpi xmlns:a14="http://schemas.microsoft.com/office/drawing/2010/main" val="0"/>
+              </a:ext>
+            </a:extLst>
+          </a:blip>
+          <a:stretch>
+            <a:fillRect/>
+          </a:stretch>
+        </p:blipFill>
+        <p:spPr>
+          <a:xfrm>
+            <a:off x="0" y="0"/>
+            <a:ext cx="12192000" cy="6858000"/>
+          </a:xfrm>
+          <a:prstGeom prst="rect">
+            <a:avLst/>
+          </a:prstGeom>
+        </p:spPr>
+      </p:pic>
+      <p:sp>
+        <p:nvSpPr>
+          <p:cNvPr id="30" name="Title 1"/>
+          <p:cNvSpPr>
+            <a:spLocks noGrp="1"/>
+          </p:cNvSpPr>
+          <p:nvPr>
+            <p:ph type="title"/>
+          </p:nvPr>
+        </p:nvSpPr>
+        <p:spPr>
+          <a:xfrm>
+            <a:off x="913774" y="610772"/>
+            <a:ext cx="10364452" cy="1603922"/>
+          </a:xfrm>
+        </p:spPr>
+        <p:txBody>
+          <a:bodyPr/>
+          <a:lstStyle/>
+          <a:p>
+            <a:r>
+              <a:rPr lang="vi-VN"/>
+              <a:t>Bấm để sửa kiểu tiêu đề Bản cái</a:t>
+            </a:r>
+            <a:endParaRPr lang="en-US" dirty="0"/>
+          </a:p>
+        </p:txBody>
+      </p:sp>
+      <p:sp>
+        <p:nvSpPr>
+          <p:cNvPr id="19" name="Text Placeholder 2"/>
+          <p:cNvSpPr>
+            <a:spLocks noGrp="1"/>
+          </p:cNvSpPr>
+          <p:nvPr>
+            <p:ph type="body" idx="1"/>
+          </p:nvPr>
+        </p:nvSpPr>
+        <p:spPr>
+          <a:xfrm>
+            <a:off x="913774" y="4204820"/>
+            <a:ext cx="3296409" cy="576262"/>
+          </a:xfrm>
+        </p:spPr>
+        <p:txBody>
+          <a:bodyPr anchor="b">
+            <a:noAutofit/>
+          </a:bodyPr>
+          <a:lstStyle>
+            <a:lvl1pPr marL="0" indent="0" algn="ctr">
+              <a:lnSpc>
+                <a:spcPct val="85000"/>
+              </a:lnSpc>
+              <a:buNone/>
+              <a:defRPr sz="2200" b="0">
+                <a:solidFill>
+                  <a:schemeClr val="tx1"/>
+                </a:solidFill>
+              </a:defRPr>
+            </a:lvl1pPr>
+            <a:lvl2pPr marL="457200" indent="0">
+              <a:buNone/>
+              <a:defRPr sz="2000" b="1"/>
+            </a:lvl2pPr>
+            <a:lvl3pPr marL="914400" indent="0">
+              <a:buNone/>
+              <a:defRPr sz="1800" b="1"/>
+            </a:lvl3pPr>
+            <a:lvl4pPr marL="1371600" indent="0">
+              <a:buNone/>
+              <a:defRPr sz="1600" b="1"/>
+            </a:lvl4pPr>
+            <a:lvl5pPr marL="1828800" indent="0">
+              <a:buNone/>
+              <a:defRPr sz="1600" b="1"/>
+            </a:lvl5pPr>
+            <a:lvl6pPr marL="2286000" indent="0">
+              <a:buNone/>
+              <a:defRPr sz="1600" b="1"/>
+            </a:lvl6pPr>
+            <a:lvl7pPr marL="2743200" indent="0">
+              <a:buNone/>
+              <a:defRPr sz="1600" b="1"/>
+            </a:lvl7pPr>
+            <a:lvl8pPr marL="3200400" indent="0">
+              <a:buNone/>
+              <a:defRPr sz="1600" b="1"/>
+            </a:lvl8pPr>
+            <a:lvl9pPr marL="3657600" indent="0">
+              <a:buNone/>
+              <a:defRPr sz="1600" b="1"/>
+            </a:lvl9pPr>
+          </a:lstStyle>
+          <a:p>
+            <a:pPr lvl="0"/>
+            <a:r>
+              <a:rPr lang="vi-VN"/>
+              <a:t>Bấm để chỉnh sửa kiểu văn bản của Bản cái</a:t>
+            </a:r>
+          </a:p>
+        </p:txBody>
+      </p:sp>
+      <p:sp>
+        <p:nvSpPr>
+          <p:cNvPr id="20" name="Picture Placeholder 2"/>
+          <p:cNvSpPr>
+            <a:spLocks noGrp="1" noChangeAspect="1"/>
+          </p:cNvSpPr>
+          <p:nvPr>
+            <p:ph type="pic" idx="15"/>
+          </p:nvPr>
+        </p:nvSpPr>
+        <p:spPr>
+          <a:xfrm>
+            <a:off x="913774" y="2367093"/>
+            <a:ext cx="3296409" cy="1524000"/>
+          </a:xfrm>
+          <a:prstGeom prst="roundRect">
+            <a:avLst>
+              <a:gd name="adj" fmla="val 9363"/>
+            </a:avLst>
+          </a:prstGeom>
+          <a:noFill/>
+          <a:ln w="82550" cap="sq">
+            <a:solidFill>
+              <a:schemeClr val="bg2">
+                <a:lumMod val="60000"/>
+                <a:lumOff val="40000"/>
+              </a:schemeClr>
+            </a:solidFill>
+            <a:miter lim="800000"/>
+          </a:ln>
+          <a:effectLst/>
+          <a:scene3d>
+            <a:camera prst="orthographicFront"/>
+            <a:lightRig rig="threePt" dir="t">
+              <a:rot lat="0" lon="0" rev="2700000"/>
+            </a:lightRig>
+          </a:scene3d>
+          <a:sp3d contourW="6350">
+            <a:bevelT h="38100"/>
+            <a:contourClr>
+              <a:srgbClr val="C0C0C0"/>
+            </a:contourClr>
+          </a:sp3d>
+        </p:spPr>
+        <p:txBody>
+          <a:bodyPr anchor="t">
+            <a:normAutofit/>
+          </a:bodyPr>
+          <a:lstStyle>
+            <a:lvl1pPr marL="0" indent="0" algn="ctr">
+              <a:buNone/>
+              <a:defRPr sz="1600"/>
+            </a:lvl1pPr>
+            <a:lvl2pPr marL="457200" indent="0">
+              <a:buNone/>
+              <a:defRPr sz="1600"/>
+            </a:lvl2pPr>
+            <a:lvl3pPr marL="914400" indent="0">
+              <a:buNone/>
+              <a:defRPr sz="1600"/>
+            </a:lvl3pPr>
+            <a:lvl4pPr marL="1371600" indent="0">
+              <a:buNone/>
+              <a:defRPr sz="1600"/>
+            </a:lvl4pPr>
+            <a:lvl5pPr marL="1828800" indent="0">
+              <a:buNone/>
+              <a:defRPr sz="1600"/>
+            </a:lvl5pPr>
+            <a:lvl6pPr marL="2286000" indent="0">
+              <a:buNone/>
+              <a:defRPr sz="1600"/>
+            </a:lvl6pPr>
+            <a:lvl7pPr marL="2743200" indent="0">
+              <a:buNone/>
+              <a:defRPr sz="1600"/>
+            </a:lvl7pPr>
+            <a:lvl8pPr marL="3200400" indent="0">
+              <a:buNone/>
+              <a:defRPr sz="1600"/>
+            </a:lvl8pPr>
+            <a:lvl9pPr marL="3657600" indent="0">
+              <a:buNone/>
+              <a:defRPr sz="1600"/>
+            </a:lvl9pPr>
+          </a:lstStyle>
+          <a:p>
+            <a:r>
+              <a:rPr lang="vi-VN"/>
+              <a:t>Bấm biểu tượng để thêm hình ảnh</a:t>
+            </a:r>
+            <a:endParaRPr lang="en-US" dirty="0"/>
+          </a:p>
+        </p:txBody>
+      </p:sp>
+      <p:sp>
+        <p:nvSpPr>
+          <p:cNvPr id="21" name="Text Placeholder 3"/>
+          <p:cNvSpPr>
+            <a:spLocks noGrp="1"/>
+          </p:cNvSpPr>
+          <p:nvPr>
+            <p:ph type="body" sz="half" idx="18"/>
+          </p:nvPr>
+        </p:nvSpPr>
+        <p:spPr>
+          <a:xfrm>
+            <a:off x="913774" y="4781082"/>
+            <a:ext cx="3296409" cy="1010118"/>
+          </a:xfrm>
+        </p:spPr>
+        <p:txBody>
+          <a:bodyPr anchor="t">
+            <a:normAutofit/>
+          </a:bodyPr>
+          <a:lstStyle>
+            <a:lvl1pPr marL="0" indent="0" algn="ctr">
+              <a:buNone/>
+              <a:defRPr sz="1400"/>
+            </a:lvl1pPr>
+            <a:lvl2pPr marL="457200" indent="0">
+              <a:buNone/>
+              <a:defRPr sz="1200"/>
+            </a:lvl2pPr>
+            <a:lvl3pPr marL="914400" indent="0">
+              <a:buNone/>
+              <a:defRPr sz="1000"/>
+            </a:lvl3pPr>
+            <a:lvl4pPr marL="1371600" indent="0">
+              <a:buNone/>
+              <a:defRPr sz="900"/>
+            </a:lvl4pPr>
+            <a:lvl5pPr marL="1828800" indent="0">
+              <a:buNone/>
+              <a:defRPr sz="900"/>
+            </a:lvl5pPr>
+            <a:lvl6pPr marL="2286000" indent="0">
+              <a:buNone/>
+              <a:defRPr sz="900"/>
+            </a:lvl6pPr>
+            <a:lvl7pPr marL="2743200" indent="0">
+              <a:buNone/>
+              <a:defRPr sz="900"/>
+            </a:lvl7pPr>
+            <a:lvl8pPr marL="3200400" indent="0">
+              <a:buNone/>
+              <a:defRPr sz="900"/>
+            </a:lvl8pPr>
+            <a:lvl9pPr marL="3657600" indent="0">
+              <a:buNone/>
+              <a:defRPr sz="900"/>
+            </a:lvl9pPr>
+          </a:lstStyle>
+          <a:p>
+            <a:pPr lvl="0"/>
+            <a:r>
+              <a:rPr lang="vi-VN"/>
+              <a:t>Bấm để chỉnh sửa kiểu văn bản của Bản cái</a:t>
+            </a:r>
+          </a:p>
+        </p:txBody>
+      </p:sp>
+      <p:sp>
+        <p:nvSpPr>
+          <p:cNvPr id="22" name="Text Placeholder 4"/>
+          <p:cNvSpPr>
+            <a:spLocks noGrp="1"/>
+          </p:cNvSpPr>
+          <p:nvPr>
+            <p:ph type="body" sz="quarter" idx="3"/>
+          </p:nvPr>
+        </p:nvSpPr>
+        <p:spPr>
+          <a:xfrm>
+            <a:off x="4442759" y="4204820"/>
+            <a:ext cx="3301828" cy="576262"/>
+          </a:xfrm>
+        </p:spPr>
+        <p:txBody>
+          <a:bodyPr anchor="b">
+            <a:noAutofit/>
+          </a:bodyPr>
+          <a:lstStyle>
+            <a:lvl1pPr marL="0" indent="0" algn="ctr">
+              <a:lnSpc>
+                <a:spcPct val="85000"/>
+              </a:lnSpc>
+              <a:buNone/>
+              <a:defRPr sz="2200" b="0">
+                <a:solidFill>
+                  <a:schemeClr val="tx1"/>
+                </a:solidFill>
+              </a:defRPr>
+            </a:lvl1pPr>
+            <a:lvl2pPr marL="457200" indent="0">
+              <a:buNone/>
+              <a:defRPr sz="2000" b="1"/>
+            </a:lvl2pPr>
+            <a:lvl3pPr marL="914400" indent="0">
+              <a:buNone/>
+              <a:defRPr sz="1800" b="1"/>
+            </a:lvl3pPr>
+            <a:lvl4pPr marL="1371600" indent="0">
+              <a:buNone/>
+              <a:defRPr sz="1600" b="1"/>
+            </a:lvl4pPr>
+            <a:lvl5pPr marL="1828800" indent="0">
+              <a:buNone/>
+              <a:defRPr sz="1600" b="1"/>
+            </a:lvl5pPr>
+            <a:lvl6pPr marL="2286000" indent="0">
+              <a:buNone/>
+              <a:defRPr sz="1600" b="1"/>
+            </a:lvl6pPr>
+            <a:lvl7pPr marL="2743200" indent="0">
+              <a:buNone/>
+              <a:defRPr sz="1600" b="1"/>
+            </a:lvl7pPr>
+            <a:lvl8pPr marL="3200400" indent="0">
+              <a:buNone/>
+              <a:defRPr sz="1600" b="1"/>
+            </a:lvl8pPr>
+            <a:lvl9pPr marL="3657600" indent="0">
+              <a:buNone/>
+              <a:defRPr sz="1600" b="1"/>
+            </a:lvl9pPr>
+          </a:lstStyle>
+          <a:p>
+            <a:pPr lvl="0"/>
+            <a:r>
+              <a:rPr lang="vi-VN"/>
+              <a:t>Bấm để chỉnh sửa kiểu văn bản của Bản cái</a:t>
+            </a:r>
+          </a:p>
+        </p:txBody>
+      </p:sp>
+      <p:sp>
+        <p:nvSpPr>
+          <p:cNvPr id="23" name="Picture Placeholder 2"/>
+          <p:cNvSpPr>
+            <a:spLocks noGrp="1" noChangeAspect="1"/>
+          </p:cNvSpPr>
+          <p:nvPr>
+            <p:ph type="pic" idx="21"/>
+          </p:nvPr>
+        </p:nvSpPr>
+        <p:spPr>
+          <a:xfrm>
+            <a:off x="4441348" y="2367093"/>
+            <a:ext cx="3303352" cy="1524000"/>
+          </a:xfrm>
+          <a:prstGeom prst="roundRect">
+            <a:avLst>
+              <a:gd name="adj" fmla="val 8841"/>
+            </a:avLst>
+          </a:prstGeom>
+          <a:noFill/>
+          <a:ln w="82550" cap="sq">
+            <a:solidFill>
+              <a:schemeClr val="bg2">
+                <a:lumMod val="60000"/>
+                <a:lumOff val="40000"/>
+              </a:schemeClr>
+            </a:solidFill>
+            <a:miter lim="800000"/>
+          </a:ln>
+          <a:effectLst/>
+          <a:scene3d>
+            <a:camera prst="orthographicFront"/>
+            <a:lightRig rig="threePt" dir="t">
+              <a:rot lat="0" lon="0" rev="2700000"/>
+            </a:lightRig>
+          </a:scene3d>
+          <a:sp3d contourW="6350">
+            <a:bevelT h="38100"/>
+            <a:contourClr>
+              <a:srgbClr val="C0C0C0"/>
+            </a:contourClr>
+          </a:sp3d>
+        </p:spPr>
+        <p:txBody>
+          <a:bodyPr anchor="t">
+            <a:normAutofit/>
+          </a:bodyPr>
+          <a:lstStyle>
+            <a:lvl1pPr marL="0" indent="0" algn="ctr">
+              <a:buNone/>
+              <a:defRPr sz="1600"/>
+            </a:lvl1pPr>
+            <a:lvl2pPr marL="457200" indent="0">
+              <a:buNone/>
+              <a:defRPr sz="1600"/>
+            </a:lvl2pPr>
+            <a:lvl3pPr marL="914400" indent="0">
+              <a:buNone/>
+              <a:defRPr sz="1600"/>
+            </a:lvl3pPr>
+            <a:lvl4pPr marL="1371600" indent="0">
+              <a:buNone/>
+              <a:defRPr sz="1600"/>
+            </a:lvl4pPr>
+            <a:lvl5pPr marL="1828800" indent="0">
+              <a:buNone/>
+              <a:defRPr sz="1600"/>
+            </a:lvl5pPr>
+            <a:lvl6pPr marL="2286000" indent="0">
+              <a:buNone/>
+              <a:defRPr sz="1600"/>
+            </a:lvl6pPr>
+            <a:lvl7pPr marL="2743200" indent="0">
+              <a:buNone/>
+              <a:defRPr sz="1600"/>
+            </a:lvl7pPr>
+            <a:lvl8pPr marL="3200400" indent="0">
+              <a:buNone/>
+              <a:defRPr sz="1600"/>
+            </a:lvl8pPr>
+            <a:lvl9pPr marL="3657600" indent="0">
+              <a:buNone/>
+              <a:defRPr sz="1600"/>
+            </a:lvl9pPr>
+          </a:lstStyle>
+          <a:p>
+            <a:r>
+              <a:rPr lang="vi-VN"/>
+              <a:t>Bấm biểu tượng để thêm hình ảnh</a:t>
+            </a:r>
+            <a:endParaRPr lang="en-US" dirty="0"/>
+          </a:p>
+        </p:txBody>
+      </p:sp>
+      <p:sp>
+        <p:nvSpPr>
+          <p:cNvPr id="24" name="Text Placeholder 3"/>
+          <p:cNvSpPr>
+            <a:spLocks noGrp="1"/>
+          </p:cNvSpPr>
+          <p:nvPr>
+            <p:ph type="body" sz="half" idx="19"/>
+          </p:nvPr>
+        </p:nvSpPr>
+        <p:spPr>
+          <a:xfrm>
+            <a:off x="4441348" y="4781080"/>
+            <a:ext cx="3303352" cy="1010119"/>
+          </a:xfrm>
+        </p:spPr>
+        <p:txBody>
+          <a:bodyPr anchor="t">
+            <a:normAutofit/>
+          </a:bodyPr>
+          <a:lstStyle>
+            <a:lvl1pPr marL="0" indent="0" algn="ctr">
+              <a:buNone/>
+              <a:defRPr sz="1400"/>
+            </a:lvl1pPr>
+            <a:lvl2pPr marL="457200" indent="0">
+              <a:buNone/>
+              <a:defRPr sz="1200"/>
+            </a:lvl2pPr>
+            <a:lvl3pPr marL="914400" indent="0">
+              <a:buNone/>
+              <a:defRPr sz="1000"/>
+            </a:lvl3pPr>
+            <a:lvl4pPr marL="1371600" indent="0">
+              <a:buNone/>
+              <a:defRPr sz="900"/>
+            </a:lvl4pPr>
+            <a:lvl5pPr marL="1828800" indent="0">
+              <a:buNone/>
+              <a:defRPr sz="900"/>
+            </a:lvl5pPr>
+            <a:lvl6pPr marL="2286000" indent="0">
+              <a:buNone/>
+              <a:defRPr sz="900"/>
+            </a:lvl6pPr>
+            <a:lvl7pPr marL="2743200" indent="0">
+              <a:buNone/>
+              <a:defRPr sz="900"/>
+            </a:lvl7pPr>
+            <a:lvl8pPr marL="3200400" indent="0">
+              <a:buNone/>
+              <a:defRPr sz="900"/>
+            </a:lvl8pPr>
+            <a:lvl9pPr marL="3657600" indent="0">
+              <a:buNone/>
+              <a:defRPr sz="900"/>
+            </a:lvl9pPr>
+          </a:lstStyle>
+          <a:p>
+            <a:pPr lvl="0"/>
+            <a:r>
+              <a:rPr lang="vi-VN"/>
+              <a:t>Bấm để chỉnh sửa kiểu văn bản của Bản cái</a:t>
+            </a:r>
+          </a:p>
+        </p:txBody>
+      </p:sp>
+      <p:sp>
+        <p:nvSpPr>
+          <p:cNvPr id="25" name="Text Placeholder 4"/>
+          <p:cNvSpPr>
+            <a:spLocks noGrp="1"/>
+          </p:cNvSpPr>
+          <p:nvPr>
+            <p:ph type="body" sz="quarter" idx="13"/>
+          </p:nvPr>
+        </p:nvSpPr>
+        <p:spPr>
+          <a:xfrm>
+            <a:off x="7973298" y="4204820"/>
+            <a:ext cx="3300681" cy="576262"/>
+          </a:xfrm>
+        </p:spPr>
+        <p:txBody>
+          <a:bodyPr anchor="b">
+            <a:noAutofit/>
+          </a:bodyPr>
+          <a:lstStyle>
+            <a:lvl1pPr marL="0" indent="0" algn="ctr">
+              <a:lnSpc>
+                <a:spcPct val="85000"/>
+              </a:lnSpc>
+              <a:buNone/>
+              <a:defRPr sz="2200" b="0">
+                <a:solidFill>
+                  <a:schemeClr val="tx1"/>
+                </a:solidFill>
+              </a:defRPr>
+            </a:lvl1pPr>
+            <a:lvl2pPr marL="457200" indent="0">
+              <a:buNone/>
+              <a:defRPr sz="2000" b="1"/>
+            </a:lvl2pPr>
+            <a:lvl3pPr marL="914400" indent="0">
+              <a:buNone/>
+              <a:defRPr sz="1800" b="1"/>
+            </a:lvl3pPr>
+            <a:lvl4pPr marL="1371600" indent="0">
+              <a:buNone/>
+              <a:defRPr sz="1600" b="1"/>
+            </a:lvl4pPr>
+            <a:lvl5pPr marL="1828800" indent="0">
+              <a:buNone/>
+              <a:defRPr sz="1600" b="1"/>
+            </a:lvl5pPr>
+            <a:lvl6pPr marL="2286000" indent="0">
+              <a:buNone/>
+              <a:defRPr sz="1600" b="1"/>
+            </a:lvl6pPr>
+            <a:lvl7pPr marL="2743200" indent="0">
+              <a:buNone/>
+              <a:defRPr sz="1600" b="1"/>
+            </a:lvl7pPr>
+            <a:lvl8pPr marL="3200400" indent="0">
+              <a:buNone/>
+              <a:defRPr sz="1600" b="1"/>
+            </a:lvl8pPr>
+            <a:lvl9pPr marL="3657600" indent="0">
+              <a:buNone/>
+              <a:defRPr sz="1600" b="1"/>
+            </a:lvl9pPr>
+          </a:lstStyle>
+          <a:p>
+            <a:pPr lvl="0"/>
+            <a:r>
+              <a:rPr lang="vi-VN"/>
+              <a:t>Bấm để chỉnh sửa kiểu văn bản của Bản cái</a:t>
+            </a:r>
+          </a:p>
+        </p:txBody>
+      </p:sp>
+      <p:sp>
+        <p:nvSpPr>
+          <p:cNvPr id="26" name="Picture Placeholder 2"/>
+          <p:cNvSpPr>
+            <a:spLocks noGrp="1" noChangeAspect="1"/>
+          </p:cNvSpPr>
+          <p:nvPr>
+            <p:ph type="pic" idx="22"/>
+          </p:nvPr>
+        </p:nvSpPr>
+        <p:spPr>
+          <a:xfrm>
+            <a:off x="7973298" y="2367093"/>
+            <a:ext cx="3304928" cy="1524000"/>
+          </a:xfrm>
+          <a:prstGeom prst="roundRect">
+            <a:avLst>
+              <a:gd name="adj" fmla="val 8841"/>
+            </a:avLst>
+          </a:prstGeom>
+          <a:noFill/>
+          <a:ln w="82550" cap="sq">
+            <a:solidFill>
+              <a:schemeClr val="bg2">
+                <a:lumMod val="60000"/>
+                <a:lumOff val="40000"/>
+              </a:schemeClr>
+            </a:solidFill>
+            <a:miter lim="800000"/>
+          </a:ln>
+          <a:effectLst/>
+          <a:scene3d>
+            <a:camera prst="orthographicFront"/>
+            <a:lightRig rig="threePt" dir="t">
+              <a:rot lat="0" lon="0" rev="2700000"/>
+            </a:lightRig>
+          </a:scene3d>
+          <a:sp3d contourW="6350">
+            <a:bevelT h="38100"/>
+            <a:contourClr>
+              <a:srgbClr val="C0C0C0"/>
+            </a:contourClr>
+          </a:sp3d>
+        </p:spPr>
+        <p:txBody>
+          <a:bodyPr anchor="t">
+            <a:normAutofit/>
+          </a:bodyPr>
+          <a:lstStyle>
+            <a:lvl1pPr marL="0" indent="0" algn="ctr">
+              <a:buNone/>
+              <a:defRPr sz="1600"/>
+            </a:lvl1pPr>
+            <a:lvl2pPr marL="457200" indent="0">
+              <a:buNone/>
+              <a:defRPr sz="1600"/>
+            </a:lvl2pPr>
+            <a:lvl3pPr marL="914400" indent="0">
+              <a:buNone/>
+              <a:defRPr sz="1600"/>
+            </a:lvl3pPr>
+            <a:lvl4pPr marL="1371600" indent="0">
+              <a:buNone/>
+              <a:defRPr sz="1600"/>
+            </a:lvl4pPr>
+            <a:lvl5pPr marL="1828800" indent="0">
+              <a:buNone/>
+              <a:defRPr sz="1600"/>
+            </a:lvl5pPr>
+            <a:lvl6pPr marL="2286000" indent="0">
+              <a:buNone/>
+              <a:defRPr sz="1600"/>
+            </a:lvl6pPr>
+            <a:lvl7pPr marL="2743200" indent="0">
+              <a:buNone/>
+              <a:defRPr sz="1600"/>
+            </a:lvl7pPr>
+            <a:lvl8pPr marL="3200400" indent="0">
+              <a:buNone/>
+              <a:defRPr sz="1600"/>
+            </a:lvl8pPr>
+            <a:lvl9pPr marL="3657600" indent="0">
+              <a:buNone/>
+              <a:defRPr sz="1600"/>
+            </a:lvl9pPr>
+          </a:lstStyle>
+          <a:p>
+            <a:r>
+              <a:rPr lang="vi-VN"/>
+              <a:t>Bấm biểu tượng để thêm hình ảnh</a:t>
+            </a:r>
+            <a:endParaRPr lang="en-US" dirty="0"/>
+          </a:p>
+        </p:txBody>
+      </p:sp>
+      <p:sp>
+        <p:nvSpPr>
+          <p:cNvPr id="27" name="Text Placeholder 3"/>
+          <p:cNvSpPr>
+            <a:spLocks noGrp="1"/>
+          </p:cNvSpPr>
+          <p:nvPr>
+            <p:ph type="body" sz="half" idx="20"/>
+          </p:nvPr>
+        </p:nvSpPr>
+        <p:spPr>
+          <a:xfrm>
+            <a:off x="7973173" y="4781078"/>
+            <a:ext cx="3305053" cy="1010121"/>
+          </a:xfrm>
+        </p:spPr>
+        <p:txBody>
+          <a:bodyPr anchor="t">
+            <a:normAutofit/>
+          </a:bodyPr>
+          <a:lstStyle>
+            <a:lvl1pPr marL="0" indent="0" algn="ctr">
+              <a:buNone/>
+              <a:defRPr sz="1400"/>
+            </a:lvl1pPr>
+            <a:lvl2pPr marL="457200" indent="0">
+              <a:buNone/>
+              <a:defRPr sz="1200"/>
+            </a:lvl2pPr>
+            <a:lvl3pPr marL="914400" indent="0">
+              <a:buNone/>
+              <a:defRPr sz="1000"/>
+            </a:lvl3pPr>
+            <a:lvl4pPr marL="1371600" indent="0">
+              <a:buNone/>
+              <a:defRPr sz="900"/>
+            </a:lvl4pPr>
+            <a:lvl5pPr marL="1828800" indent="0">
+              <a:buNone/>
+              <a:defRPr sz="900"/>
+            </a:lvl5pPr>
+            <a:lvl6pPr marL="2286000" indent="0">
+              <a:buNone/>
+              <a:defRPr sz="900"/>
+            </a:lvl6pPr>
+            <a:lvl7pPr marL="2743200" indent="0">
+              <a:buNone/>
+              <a:defRPr sz="900"/>
+            </a:lvl7pPr>
+            <a:lvl8pPr marL="3200400" indent="0">
+              <a:buNone/>
+              <a:defRPr sz="900"/>
+            </a:lvl8pPr>
+            <a:lvl9pPr marL="3657600" indent="0">
+              <a:buNone/>
+              <a:defRPr sz="900"/>
+            </a:lvl9pPr>
+          </a:lstStyle>
+          <a:p>
+            <a:pPr lvl="0"/>
+            <a:r>
+              <a:rPr lang="vi-VN"/>
+              <a:t>Bấm để chỉnh sửa kiểu văn bản của Bản cái</a:t>
+            </a:r>
+          </a:p>
+        </p:txBody>
+      </p:sp>
+      <p:sp>
+        <p:nvSpPr>
+          <p:cNvPr id="3" name="Date Placeholder 2"/>
+          <p:cNvSpPr>
+            <a:spLocks noGrp="1"/>
+          </p:cNvSpPr>
+          <p:nvPr>
+            <p:ph type="dt" sz="half" idx="10"/>
+          </p:nvPr>
+        </p:nvSpPr>
+        <p:spPr/>
+        <p:txBody>
+          <a:bodyPr/>
+          <a:lstStyle/>
+          <a:p>
+            <a:fld id="{A7F323CF-71FB-4D08-A706-73C8FB34EBBC}" type="datetimeFigureOut">
+              <a:rPr lang="en-US" smtClean="0"/>
+              <a:t>9/15/2019</a:t>
+            </a:fld>
+            <a:endParaRPr lang="en-US"/>
+          </a:p>
+        </p:txBody>
+      </p:sp>
+      <p:sp>
+        <p:nvSpPr>
+          <p:cNvPr id="4" name="Footer Placeholder 3"/>
+          <p:cNvSpPr>
+            <a:spLocks noGrp="1"/>
+          </p:cNvSpPr>
+          <p:nvPr>
+            <p:ph type="ftr" sz="quarter" idx="11"/>
+          </p:nvPr>
+        </p:nvSpPr>
+        <p:spPr/>
+        <p:txBody>
+          <a:bodyPr/>
+          <a:lstStyle/>
+          <a:p>
+            <a:endParaRPr lang="en-US"/>
+          </a:p>
+        </p:txBody>
+      </p:sp>
+      <p:sp>
+        <p:nvSpPr>
+          <p:cNvPr id="5" name="Slide Number Placeholder 4"/>
+          <p:cNvSpPr>
+            <a:spLocks noGrp="1"/>
+          </p:cNvSpPr>
+          <p:nvPr>
+            <p:ph type="sldNum" sz="quarter" idx="12"/>
+          </p:nvPr>
+        </p:nvSpPr>
+        <p:spPr/>
+        <p:txBody>
+          <a:bodyPr/>
+          <a:lstStyle/>
+          <a:p>
+            <a:fld id="{1316F4D0-F55C-4A32-86C3-38A9993D7A14}" type="slidenum">
+              <a:rPr lang="en-US" smtClean="0"/>
+              <a:t>‹#›</a:t>
+            </a:fld>
+            <a:endParaRPr lang="en-US"/>
+          </a:p>
+        </p:txBody>
+      </p:sp>
+    </p:spTree>
+    <p:extLst>
+      <p:ext uri="{BB962C8B-B14F-4D97-AF65-F5344CB8AC3E}">
+        <p14:creationId xmlns:p14="http://schemas.microsoft.com/office/powerpoint/2010/main" val="3415573668"/>
+      </p:ext>
+    </p:extLst>
+  </p:cSld>
+  <p:clrMapOvr>
+    <a:masterClrMapping/>
+  </p:clrMapOvr>
+</p:sldLayout>
+</file>
+
+<file path=ppt/slideLayouts/slideLayout16.xml><?xml version="1.0" encoding="utf-8"?>
 <p:sldLayout xmlns:a="http://schemas.openxmlformats.org/drawingml/2006/main" xmlns:r="http://schemas.openxmlformats.org/officeDocument/2006/relationships" xmlns:p="http://schemas.openxmlformats.org/presentationml/2006/main" type="vertTx" preserve="1">
   <p:cSld name="Tiêu đề và Văn bản Dọc">
     <p:spTree>
@@ -346,15 +3089,39 @@
           <a:chExt cx="0" cy="0"/>
         </a:xfrm>
       </p:grpSpPr>
-      <p:sp>
-        <p:nvSpPr>
-          <p:cNvPr id="2" name="Tiêu đề 1">
+      <p:pic>
+        <p:nvPicPr>
+          <p:cNvPr id="8" name="Picture 7" descr="Droplets-HD-Content-R1d.png"/>
+          <p:cNvPicPr>
+            <a:picLocks noChangeAspect="1"/>
+          </p:cNvPicPr>
+          <p:nvPr/>
+        </p:nvPicPr>
+        <p:blipFill>
+          <a:blip r:embed="rId2">
             <a:extLst>
-              <a:ext uri="{FF2B5EF4-FFF2-40B4-BE49-F238E27FC236}">
-                <a16:creationId xmlns:a16="http://schemas.microsoft.com/office/drawing/2014/main" id="{978CEAB5-A571-47D4-B5F6-5E610B35919C}"/>
+              <a:ext uri="{28A0092B-C50C-407E-A947-70E740481C1C}">
+                <a14:useLocalDpi xmlns:a14="http://schemas.microsoft.com/office/drawing/2010/main" val="0"/>
               </a:ext>
             </a:extLst>
-          </p:cNvPr>
+          </a:blip>
+          <a:stretch>
+            <a:fillRect/>
+          </a:stretch>
+        </p:blipFill>
+        <p:spPr>
+          <a:xfrm>
+            <a:off x="0" y="0"/>
+            <a:ext cx="12192000" cy="6858000"/>
+          </a:xfrm>
+          <a:prstGeom prst="rect">
+            <a:avLst/>
+          </a:prstGeom>
+        </p:spPr>
+      </p:pic>
+      <p:sp>
+        <p:nvSpPr>
+          <p:cNvPr id="2" name="Title 1"/>
           <p:cNvSpPr>
             <a:spLocks noGrp="1"/>
           </p:cNvSpPr>
@@ -371,27 +3138,26 @@
               <a:rPr lang="vi-VN"/>
               <a:t>Bấm để sửa kiểu tiêu đề Bản cái</a:t>
             </a:r>
-            <a:endParaRPr lang="en-US"/>
-          </a:p>
-        </p:txBody>
-      </p:sp>
-      <p:sp>
-        <p:nvSpPr>
-          <p:cNvPr id="3" name="Chỗ dành sẵn cho Văn bản Dọc 2">
-            <a:extLst>
-              <a:ext uri="{FF2B5EF4-FFF2-40B4-BE49-F238E27FC236}">
-                <a16:creationId xmlns:a16="http://schemas.microsoft.com/office/drawing/2014/main" id="{67516C34-ACA5-4C65-94B1-CDD28748D691}"/>
-              </a:ext>
-            </a:extLst>
-          </p:cNvPr>
-          <p:cNvSpPr>
-            <a:spLocks noGrp="1"/>
-          </p:cNvSpPr>
-          <p:nvPr>
-            <p:ph type="body" orient="vert" idx="1"/>
-          </p:nvPr>
-        </p:nvSpPr>
-        <p:spPr/>
+            <a:endParaRPr lang="en-US" dirty="0"/>
+          </a:p>
+        </p:txBody>
+      </p:sp>
+      <p:sp>
+        <p:nvSpPr>
+          <p:cNvPr id="11" name="Vertical Text Placeholder 2"/>
+          <p:cNvSpPr>
+            <a:spLocks noGrp="1"/>
+          </p:cNvSpPr>
+          <p:nvPr>
+            <p:ph type="body" orient="vert" sz="quarter" idx="13"/>
+          </p:nvPr>
+        </p:nvSpPr>
+        <p:spPr>
+          <a:xfrm>
+            <a:off x="913775" y="2367093"/>
+            <a:ext cx="10364452" cy="3424107"/>
+          </a:xfrm>
+        </p:spPr>
         <p:txBody>
           <a:bodyPr vert="eaVert"/>
           <a:lstStyle/>
@@ -429,19 +3195,13 @@
               <a:rPr lang="vi-VN"/>
               <a:t>Mức năm</a:t>
             </a:r>
-            <a:endParaRPr lang="en-US"/>
-          </a:p>
-        </p:txBody>
-      </p:sp>
-      <p:sp>
-        <p:nvSpPr>
-          <p:cNvPr id="4" name="Chỗ dành sẵn cho Ngày tháng 3">
-            <a:extLst>
-              <a:ext uri="{FF2B5EF4-FFF2-40B4-BE49-F238E27FC236}">
-                <a16:creationId xmlns:a16="http://schemas.microsoft.com/office/drawing/2014/main" id="{C575A71F-0348-4494-95BC-7F1D5A80BE0B}"/>
-              </a:ext>
-            </a:extLst>
-          </p:cNvPr>
+            <a:endParaRPr lang="en-US" dirty="0"/>
+          </a:p>
+        </p:txBody>
+      </p:sp>
+      <p:sp>
+        <p:nvSpPr>
+          <p:cNvPr id="4" name="Date Placeholder 3"/>
           <p:cNvSpPr>
             <a:spLocks noGrp="1"/>
           </p:cNvSpPr>
@@ -456,7 +3216,7 @@
           <a:p>
             <a:fld id="{A7F323CF-71FB-4D08-A706-73C8FB34EBBC}" type="datetimeFigureOut">
               <a:rPr lang="en-US" smtClean="0"/>
-              <a:t>9/9/2019</a:t>
+              <a:t>9/15/2019</a:t>
             </a:fld>
             <a:endParaRPr lang="en-US"/>
           </a:p>
@@ -464,13 +3224,7 @@
       </p:sp>
       <p:sp>
         <p:nvSpPr>
-          <p:cNvPr id="5" name="Chỗ dành sẵn cho Chân trang 4">
-            <a:extLst>
-              <a:ext uri="{FF2B5EF4-FFF2-40B4-BE49-F238E27FC236}">
-                <a16:creationId xmlns:a16="http://schemas.microsoft.com/office/drawing/2014/main" id="{A1FD1055-57CE-4115-BAAB-D7537875753E}"/>
-              </a:ext>
-            </a:extLst>
-          </p:cNvPr>
+          <p:cNvPr id="5" name="Footer Placeholder 4"/>
           <p:cNvSpPr>
             <a:spLocks noGrp="1"/>
           </p:cNvSpPr>
@@ -489,13 +3243,7 @@
       </p:sp>
       <p:sp>
         <p:nvSpPr>
-          <p:cNvPr id="6" name="Chỗ dành sẵn cho Số hiệu Bản chiếu 5">
-            <a:extLst>
-              <a:ext uri="{FF2B5EF4-FFF2-40B4-BE49-F238E27FC236}">
-                <a16:creationId xmlns:a16="http://schemas.microsoft.com/office/drawing/2014/main" id="{CBBDE5D6-F3BC-4514-86E6-9F8DA855D60E}"/>
-              </a:ext>
-            </a:extLst>
-          </p:cNvPr>
+          <p:cNvPr id="6" name="Slide Number Placeholder 5"/>
           <p:cNvSpPr>
             <a:spLocks noGrp="1"/>
           </p:cNvSpPr>
@@ -519,7 +3267,7 @@
     </p:spTree>
     <p:extLst>
       <p:ext uri="{BB962C8B-B14F-4D97-AF65-F5344CB8AC3E}">
-        <p14:creationId xmlns:p14="http://schemas.microsoft.com/office/powerpoint/2010/main" val="65217536"/>
+        <p14:creationId xmlns:p14="http://schemas.microsoft.com/office/powerpoint/2010/main" val="1325558629"/>
       </p:ext>
     </p:extLst>
   </p:cSld>
@@ -529,7 +3277,7 @@
 </p:sldLayout>
 </file>
 
-<file path=ppt/slideLayouts/slideLayout11.xml><?xml version="1.0" encoding="utf-8"?>
+<file path=ppt/slideLayouts/slideLayout17.xml><?xml version="1.0" encoding="utf-8"?>
 <p:sldLayout xmlns:a="http://schemas.openxmlformats.org/drawingml/2006/main" xmlns:r="http://schemas.openxmlformats.org/officeDocument/2006/relationships" xmlns:p="http://schemas.openxmlformats.org/presentationml/2006/main" type="vertTitleAndTx" preserve="1">
   <p:cSld name="Tiêu đề Dọc và Văn bản">
     <p:spTree>
@@ -546,15 +3294,39 @@
           <a:chExt cx="0" cy="0"/>
         </a:xfrm>
       </p:grpSpPr>
-      <p:sp>
-        <p:nvSpPr>
-          <p:cNvPr id="2" name="Tiêu đề Dọc 1">
+      <p:pic>
+        <p:nvPicPr>
+          <p:cNvPr id="9" name="Picture 8" descr="Droplets-HD-Content-R1d.png"/>
+          <p:cNvPicPr>
+            <a:picLocks noChangeAspect="1"/>
+          </p:cNvPicPr>
+          <p:nvPr/>
+        </p:nvPicPr>
+        <p:blipFill>
+          <a:blip r:embed="rId2">
             <a:extLst>
-              <a:ext uri="{FF2B5EF4-FFF2-40B4-BE49-F238E27FC236}">
-                <a16:creationId xmlns:a16="http://schemas.microsoft.com/office/drawing/2014/main" id="{BC9CB1E2-8F26-4F54-9AC8-E77F91D8E49E}"/>
+              <a:ext uri="{28A0092B-C50C-407E-A947-70E740481C1C}">
+                <a14:useLocalDpi xmlns:a14="http://schemas.microsoft.com/office/drawing/2010/main" val="0"/>
               </a:ext>
             </a:extLst>
-          </p:cNvPr>
+          </a:blip>
+          <a:stretch>
+            <a:fillRect/>
+          </a:stretch>
+        </p:blipFill>
+        <p:spPr>
+          <a:xfrm>
+            <a:off x="0" y="0"/>
+            <a:ext cx="12192000" cy="6858000"/>
+          </a:xfrm>
+          <a:prstGeom prst="rect">
+            <a:avLst/>
+          </a:prstGeom>
+        </p:spPr>
+      </p:pic>
+      <p:sp>
+        <p:nvSpPr>
+          <p:cNvPr id="2" name="Vertical Title 1"/>
           <p:cNvSpPr>
             <a:spLocks noGrp="1"/>
           </p:cNvSpPr>
@@ -564,48 +3336,46 @@
         </p:nvSpPr>
         <p:spPr>
           <a:xfrm>
-            <a:off x="8724900" y="365125"/>
-            <a:ext cx="2628900" cy="5811838"/>
+            <a:off x="8724900" y="609601"/>
+            <a:ext cx="2553326" cy="5181599"/>
+          </a:xfrm>
+        </p:spPr>
+        <p:txBody>
+          <a:bodyPr vert="eaVert"/>
+          <a:lstStyle>
+            <a:lvl1pPr algn="l">
+              <a:defRPr/>
+            </a:lvl1pPr>
+          </a:lstStyle>
+          <a:p>
+            <a:r>
+              <a:rPr lang="vi-VN"/>
+              <a:t>Bấm để sửa kiểu tiêu đề Bản cái</a:t>
+            </a:r>
+            <a:endParaRPr lang="en-US" dirty="0"/>
+          </a:p>
+        </p:txBody>
+      </p:sp>
+      <p:sp>
+        <p:nvSpPr>
+          <p:cNvPr id="8" name="Vertical Text Placeholder 2"/>
+          <p:cNvSpPr>
+            <a:spLocks noGrp="1"/>
+          </p:cNvSpPr>
+          <p:nvPr>
+            <p:ph type="body" orient="vert" sz="quarter" idx="13"/>
+          </p:nvPr>
+        </p:nvSpPr>
+        <p:spPr>
+          <a:xfrm>
+            <a:off x="913775" y="609601"/>
+            <a:ext cx="7658724" cy="5181599"/>
           </a:xfrm>
         </p:spPr>
         <p:txBody>
           <a:bodyPr vert="eaVert"/>
           <a:lstStyle/>
           <a:p>
-            <a:r>
-              <a:rPr lang="vi-VN"/>
-              <a:t>Bấm để sửa kiểu tiêu đề Bản cái</a:t>
-            </a:r>
-            <a:endParaRPr lang="en-US"/>
-          </a:p>
-        </p:txBody>
-      </p:sp>
-      <p:sp>
-        <p:nvSpPr>
-          <p:cNvPr id="3" name="Chỗ dành sẵn cho Văn bản Dọc 2">
-            <a:extLst>
-              <a:ext uri="{FF2B5EF4-FFF2-40B4-BE49-F238E27FC236}">
-                <a16:creationId xmlns:a16="http://schemas.microsoft.com/office/drawing/2014/main" id="{9054A1F4-6EBD-45A0-A5FB-4D640ED69FAF}"/>
-              </a:ext>
-            </a:extLst>
-          </p:cNvPr>
-          <p:cNvSpPr>
-            <a:spLocks noGrp="1"/>
-          </p:cNvSpPr>
-          <p:nvPr>
-            <p:ph type="body" orient="vert" idx="1"/>
-          </p:nvPr>
-        </p:nvSpPr>
-        <p:spPr>
-          <a:xfrm>
-            <a:off x="838200" y="365125"/>
-            <a:ext cx="7734300" cy="5811838"/>
-          </a:xfrm>
-        </p:spPr>
-        <p:txBody>
-          <a:bodyPr vert="eaVert"/>
-          <a:lstStyle/>
-          <a:p>
             <a:pPr lvl="0"/>
             <a:r>
               <a:rPr lang="vi-VN"/>
@@ -639,19 +3409,13 @@
               <a:rPr lang="vi-VN"/>
               <a:t>Mức năm</a:t>
             </a:r>
-            <a:endParaRPr lang="en-US"/>
-          </a:p>
-        </p:txBody>
-      </p:sp>
-      <p:sp>
-        <p:nvSpPr>
-          <p:cNvPr id="4" name="Chỗ dành sẵn cho Ngày tháng 3">
-            <a:extLst>
-              <a:ext uri="{FF2B5EF4-FFF2-40B4-BE49-F238E27FC236}">
-                <a16:creationId xmlns:a16="http://schemas.microsoft.com/office/drawing/2014/main" id="{A09F13A1-AF12-4E3A-A596-921E9ECB587C}"/>
-              </a:ext>
-            </a:extLst>
-          </p:cNvPr>
+            <a:endParaRPr lang="en-US" dirty="0"/>
+          </a:p>
+        </p:txBody>
+      </p:sp>
+      <p:sp>
+        <p:nvSpPr>
+          <p:cNvPr id="4" name="Date Placeholder 3"/>
           <p:cNvSpPr>
             <a:spLocks noGrp="1"/>
           </p:cNvSpPr>
@@ -666,7 +3430,7 @@
           <a:p>
             <a:fld id="{A7F323CF-71FB-4D08-A706-73C8FB34EBBC}" type="datetimeFigureOut">
               <a:rPr lang="en-US" smtClean="0"/>
-              <a:t>9/9/2019</a:t>
+              <a:t>9/15/2019</a:t>
             </a:fld>
             <a:endParaRPr lang="en-US"/>
           </a:p>
@@ -674,13 +3438,7 @@
       </p:sp>
       <p:sp>
         <p:nvSpPr>
-          <p:cNvPr id="5" name="Chỗ dành sẵn cho Chân trang 4">
-            <a:extLst>
-              <a:ext uri="{FF2B5EF4-FFF2-40B4-BE49-F238E27FC236}">
-                <a16:creationId xmlns:a16="http://schemas.microsoft.com/office/drawing/2014/main" id="{6D8831AB-BDBA-4693-9508-F3468C1100F5}"/>
-              </a:ext>
-            </a:extLst>
-          </p:cNvPr>
+          <p:cNvPr id="5" name="Footer Placeholder 4"/>
           <p:cNvSpPr>
             <a:spLocks noGrp="1"/>
           </p:cNvSpPr>
@@ -699,13 +3457,7 @@
       </p:sp>
       <p:sp>
         <p:nvSpPr>
-          <p:cNvPr id="6" name="Chỗ dành sẵn cho Số hiệu Bản chiếu 5">
-            <a:extLst>
-              <a:ext uri="{FF2B5EF4-FFF2-40B4-BE49-F238E27FC236}">
-                <a16:creationId xmlns:a16="http://schemas.microsoft.com/office/drawing/2014/main" id="{73F19AEA-5617-4D48-9505-DA1D8D45793C}"/>
-              </a:ext>
-            </a:extLst>
-          </p:cNvPr>
+          <p:cNvPr id="6" name="Slide Number Placeholder 5"/>
           <p:cNvSpPr>
             <a:spLocks noGrp="1"/>
           </p:cNvSpPr>
@@ -729,7 +3481,207 @@
     </p:spTree>
     <p:extLst>
       <p:ext uri="{BB962C8B-B14F-4D97-AF65-F5344CB8AC3E}">
-        <p14:creationId xmlns:p14="http://schemas.microsoft.com/office/powerpoint/2010/main" val="2751548545"/>
+        <p14:creationId xmlns:p14="http://schemas.microsoft.com/office/powerpoint/2010/main" val="2902529061"/>
+      </p:ext>
+    </p:extLst>
+  </p:cSld>
+  <p:clrMapOvr>
+    <a:masterClrMapping/>
+  </p:clrMapOvr>
+</p:sldLayout>
+</file>
+
+<file path=ppt/slideLayouts/slideLayout18.xml><?xml version="1.0" encoding="utf-8"?>
+<p:sldLayout xmlns:a="http://schemas.openxmlformats.org/drawingml/2006/main" xmlns:r="http://schemas.openxmlformats.org/officeDocument/2006/relationships" xmlns:p="http://schemas.openxmlformats.org/presentationml/2006/main" type="obj">
+  <p:cSld name="1_Tiêu đề và Nội dung">
+    <p:spTree>
+      <p:nvGrpSpPr>
+        <p:cNvPr id="1" name=""/>
+        <p:cNvGrpSpPr/>
+        <p:nvPr/>
+      </p:nvGrpSpPr>
+      <p:grpSpPr>
+        <a:xfrm>
+          <a:off x="0" y="0"/>
+          <a:ext cx="0" cy="0"/>
+          <a:chOff x="0" y="0"/>
+          <a:chExt cx="0" cy="0"/>
+        </a:xfrm>
+      </p:grpSpPr>
+      <p:sp>
+        <p:nvSpPr>
+          <p:cNvPr id="2" name="Tiêu đề 1">
+            <a:extLst>
+              <a:ext uri="{FF2B5EF4-FFF2-40B4-BE49-F238E27FC236}">
+                <a16:creationId xmlns:a16="http://schemas.microsoft.com/office/drawing/2014/main" id="{EA8352A7-CCB6-4F57-8C13-7D05785BDAF7}"/>
+              </a:ext>
+            </a:extLst>
+          </p:cNvPr>
+          <p:cNvSpPr>
+            <a:spLocks noGrp="1"/>
+          </p:cNvSpPr>
+          <p:nvPr>
+            <p:ph type="title"/>
+          </p:nvPr>
+        </p:nvSpPr>
+        <p:spPr/>
+        <p:txBody>
+          <a:bodyPr/>
+          <a:lstStyle/>
+          <a:p>
+            <a:r>
+              <a:rPr lang="vi-VN"/>
+              <a:t>Bấm để sửa kiểu tiêu đề Bản cái</a:t>
+            </a:r>
+            <a:endParaRPr lang="en-US"/>
+          </a:p>
+        </p:txBody>
+      </p:sp>
+      <p:sp>
+        <p:nvSpPr>
+          <p:cNvPr id="3" name="Chỗ dành sẵn cho Nội dung 2">
+            <a:extLst>
+              <a:ext uri="{FF2B5EF4-FFF2-40B4-BE49-F238E27FC236}">
+                <a16:creationId xmlns:a16="http://schemas.microsoft.com/office/drawing/2014/main" id="{5820C2F2-9636-4C70-A706-5A4482D90261}"/>
+              </a:ext>
+            </a:extLst>
+          </p:cNvPr>
+          <p:cNvSpPr>
+            <a:spLocks noGrp="1"/>
+          </p:cNvSpPr>
+          <p:nvPr>
+            <p:ph idx="1"/>
+          </p:nvPr>
+        </p:nvSpPr>
+        <p:spPr/>
+        <p:txBody>
+          <a:bodyPr/>
+          <a:lstStyle/>
+          <a:p>
+            <a:pPr lvl="0"/>
+            <a:r>
+              <a:rPr lang="vi-VN"/>
+              <a:t>Bấm để chỉnh sửa kiểu văn bản của Bản cái</a:t>
+            </a:r>
+          </a:p>
+          <a:p>
+            <a:pPr lvl="1"/>
+            <a:r>
+              <a:rPr lang="vi-VN"/>
+              <a:t>Mức hai</a:t>
+            </a:r>
+          </a:p>
+          <a:p>
+            <a:pPr lvl="2"/>
+            <a:r>
+              <a:rPr lang="vi-VN"/>
+              <a:t>Mức ba</a:t>
+            </a:r>
+          </a:p>
+          <a:p>
+            <a:pPr lvl="3"/>
+            <a:r>
+              <a:rPr lang="vi-VN"/>
+              <a:t>Mức bốn</a:t>
+            </a:r>
+          </a:p>
+          <a:p>
+            <a:pPr lvl="4"/>
+            <a:r>
+              <a:rPr lang="vi-VN"/>
+              <a:t>Mức năm</a:t>
+            </a:r>
+            <a:endParaRPr lang="en-US"/>
+          </a:p>
+        </p:txBody>
+      </p:sp>
+      <p:sp>
+        <p:nvSpPr>
+          <p:cNvPr id="4" name="Chỗ dành sẵn cho Ngày tháng 3">
+            <a:extLst>
+              <a:ext uri="{FF2B5EF4-FFF2-40B4-BE49-F238E27FC236}">
+                <a16:creationId xmlns:a16="http://schemas.microsoft.com/office/drawing/2014/main" id="{FB6AB91B-E826-4B99-819C-473BE65698E3}"/>
+              </a:ext>
+            </a:extLst>
+          </p:cNvPr>
+          <p:cNvSpPr>
+            <a:spLocks noGrp="1"/>
+          </p:cNvSpPr>
+          <p:nvPr>
+            <p:ph type="dt" sz="half" idx="10"/>
+          </p:nvPr>
+        </p:nvSpPr>
+        <p:spPr/>
+        <p:txBody>
+          <a:bodyPr/>
+          <a:lstStyle/>
+          <a:p>
+            <a:fld id="{A7F323CF-71FB-4D08-A706-73C8FB34EBBC}" type="datetimeFigureOut">
+              <a:rPr lang="en-US" smtClean="0"/>
+              <a:t>9/15/2019</a:t>
+            </a:fld>
+            <a:endParaRPr lang="en-US"/>
+          </a:p>
+        </p:txBody>
+      </p:sp>
+      <p:sp>
+        <p:nvSpPr>
+          <p:cNvPr id="5" name="Chỗ dành sẵn cho Chân trang 4">
+            <a:extLst>
+              <a:ext uri="{FF2B5EF4-FFF2-40B4-BE49-F238E27FC236}">
+                <a16:creationId xmlns:a16="http://schemas.microsoft.com/office/drawing/2014/main" id="{F235CC6C-B34D-4DA1-9202-B948F0FBA889}"/>
+              </a:ext>
+            </a:extLst>
+          </p:cNvPr>
+          <p:cNvSpPr>
+            <a:spLocks noGrp="1"/>
+          </p:cNvSpPr>
+          <p:nvPr>
+            <p:ph type="ftr" sz="quarter" idx="11"/>
+          </p:nvPr>
+        </p:nvSpPr>
+        <p:spPr/>
+        <p:txBody>
+          <a:bodyPr/>
+          <a:lstStyle/>
+          <a:p>
+            <a:endParaRPr lang="en-US"/>
+          </a:p>
+        </p:txBody>
+      </p:sp>
+      <p:sp>
+        <p:nvSpPr>
+          <p:cNvPr id="6" name="Chỗ dành sẵn cho Số hiệu Bản chiếu 5">
+            <a:extLst>
+              <a:ext uri="{FF2B5EF4-FFF2-40B4-BE49-F238E27FC236}">
+                <a16:creationId xmlns:a16="http://schemas.microsoft.com/office/drawing/2014/main" id="{5CD2F970-62FA-4787-B6EC-004D4C98B9D6}"/>
+              </a:ext>
+            </a:extLst>
+          </p:cNvPr>
+          <p:cNvSpPr>
+            <a:spLocks noGrp="1"/>
+          </p:cNvSpPr>
+          <p:nvPr>
+            <p:ph type="sldNum" sz="quarter" idx="12"/>
+          </p:nvPr>
+        </p:nvSpPr>
+        <p:spPr/>
+        <p:txBody>
+          <a:bodyPr/>
+          <a:lstStyle/>
+          <a:p>
+            <a:fld id="{1316F4D0-F55C-4A32-86C3-38A9993D7A14}" type="slidenum">
+              <a:rPr lang="en-US" smtClean="0"/>
+              <a:t>‹#›</a:t>
+            </a:fld>
+            <a:endParaRPr lang="en-US"/>
+          </a:p>
+        </p:txBody>
+      </p:sp>
+    </p:spTree>
+    <p:extLst>
+      <p:ext uri="{BB962C8B-B14F-4D97-AF65-F5344CB8AC3E}">
+        <p14:creationId xmlns:p14="http://schemas.microsoft.com/office/powerpoint/2010/main" val="1231416466"/>
       </p:ext>
     </p:extLst>
   </p:cSld>
@@ -756,15 +3708,39 @@
           <a:chExt cx="0" cy="0"/>
         </a:xfrm>
       </p:grpSpPr>
-      <p:sp>
-        <p:nvSpPr>
-          <p:cNvPr id="2" name="Tiêu đề 1">
+      <p:pic>
+        <p:nvPicPr>
+          <p:cNvPr id="3" name="Picture 2" descr="Droplets-HD-Content-R1d.png"/>
+          <p:cNvPicPr>
+            <a:picLocks noChangeAspect="1"/>
+          </p:cNvPicPr>
+          <p:nvPr/>
+        </p:nvPicPr>
+        <p:blipFill>
+          <a:blip r:embed="rId2">
             <a:extLst>
-              <a:ext uri="{FF2B5EF4-FFF2-40B4-BE49-F238E27FC236}">
-                <a16:creationId xmlns:a16="http://schemas.microsoft.com/office/drawing/2014/main" id="{EA8352A7-CCB6-4F57-8C13-7D05785BDAF7}"/>
+              <a:ext uri="{28A0092B-C50C-407E-A947-70E740481C1C}">
+                <a14:useLocalDpi xmlns:a14="http://schemas.microsoft.com/office/drawing/2010/main" val="0"/>
               </a:ext>
             </a:extLst>
-          </p:cNvPr>
+          </a:blip>
+          <a:stretch>
+            <a:fillRect/>
+          </a:stretch>
+        </p:blipFill>
+        <p:spPr>
+          <a:xfrm>
+            <a:off x="0" y="0"/>
+            <a:ext cx="12192000" cy="6858000"/>
+          </a:xfrm>
+          <a:prstGeom prst="rect">
+            <a:avLst/>
+          </a:prstGeom>
+        </p:spPr>
+      </p:pic>
+      <p:sp>
+        <p:nvSpPr>
+          <p:cNvPr id="2" name="Title 1"/>
           <p:cNvSpPr>
             <a:spLocks noGrp="1"/>
           </p:cNvSpPr>
@@ -781,27 +3757,26 @@
               <a:rPr lang="vi-VN"/>
               <a:t>Bấm để sửa kiểu tiêu đề Bản cái</a:t>
             </a:r>
-            <a:endParaRPr lang="en-US"/>
-          </a:p>
-        </p:txBody>
-      </p:sp>
-      <p:sp>
-        <p:nvSpPr>
-          <p:cNvPr id="3" name="Chỗ dành sẵn cho Nội dung 2">
-            <a:extLst>
-              <a:ext uri="{FF2B5EF4-FFF2-40B4-BE49-F238E27FC236}">
-                <a16:creationId xmlns:a16="http://schemas.microsoft.com/office/drawing/2014/main" id="{5820C2F2-9636-4C70-A706-5A4482D90261}"/>
-              </a:ext>
-            </a:extLst>
-          </p:cNvPr>
-          <p:cNvSpPr>
-            <a:spLocks noGrp="1"/>
-          </p:cNvSpPr>
-          <p:nvPr>
-            <p:ph idx="1"/>
-          </p:nvPr>
-        </p:nvSpPr>
-        <p:spPr/>
+            <a:endParaRPr lang="en-US" dirty="0"/>
+          </a:p>
+        </p:txBody>
+      </p:sp>
+      <p:sp>
+        <p:nvSpPr>
+          <p:cNvPr id="12" name="Content Placeholder 2"/>
+          <p:cNvSpPr>
+            <a:spLocks noGrp="1"/>
+          </p:cNvSpPr>
+          <p:nvPr>
+            <p:ph sz="quarter" idx="13"/>
+          </p:nvPr>
+        </p:nvSpPr>
+        <p:spPr>
+          <a:xfrm>
+            <a:off x="913774" y="2367092"/>
+            <a:ext cx="10363826" cy="3424107"/>
+          </a:xfrm>
+        </p:spPr>
         <p:txBody>
           <a:bodyPr/>
           <a:lstStyle/>
@@ -839,19 +3814,13 @@
               <a:rPr lang="vi-VN"/>
               <a:t>Mức năm</a:t>
             </a:r>
-            <a:endParaRPr lang="en-US"/>
-          </a:p>
-        </p:txBody>
-      </p:sp>
-      <p:sp>
-        <p:nvSpPr>
-          <p:cNvPr id="4" name="Chỗ dành sẵn cho Ngày tháng 3">
-            <a:extLst>
-              <a:ext uri="{FF2B5EF4-FFF2-40B4-BE49-F238E27FC236}">
-                <a16:creationId xmlns:a16="http://schemas.microsoft.com/office/drawing/2014/main" id="{FB6AB91B-E826-4B99-819C-473BE65698E3}"/>
-              </a:ext>
-            </a:extLst>
-          </p:cNvPr>
+            <a:endParaRPr lang="en-US" dirty="0"/>
+          </a:p>
+        </p:txBody>
+      </p:sp>
+      <p:sp>
+        <p:nvSpPr>
+          <p:cNvPr id="4" name="Date Placeholder 3"/>
           <p:cNvSpPr>
             <a:spLocks noGrp="1"/>
           </p:cNvSpPr>
@@ -866,7 +3835,7 @@
           <a:p>
             <a:fld id="{A7F323CF-71FB-4D08-A706-73C8FB34EBBC}" type="datetimeFigureOut">
               <a:rPr lang="en-US" smtClean="0"/>
-              <a:t>9/9/2019</a:t>
+              <a:t>9/15/2019</a:t>
             </a:fld>
             <a:endParaRPr lang="en-US"/>
           </a:p>
@@ -874,13 +3843,7 @@
       </p:sp>
       <p:sp>
         <p:nvSpPr>
-          <p:cNvPr id="5" name="Chỗ dành sẵn cho Chân trang 4">
-            <a:extLst>
-              <a:ext uri="{FF2B5EF4-FFF2-40B4-BE49-F238E27FC236}">
-                <a16:creationId xmlns:a16="http://schemas.microsoft.com/office/drawing/2014/main" id="{F235CC6C-B34D-4DA1-9202-B948F0FBA889}"/>
-              </a:ext>
-            </a:extLst>
-          </p:cNvPr>
+          <p:cNvPr id="5" name="Footer Placeholder 4"/>
           <p:cNvSpPr>
             <a:spLocks noGrp="1"/>
           </p:cNvSpPr>
@@ -899,13 +3862,7 @@
       </p:sp>
       <p:sp>
         <p:nvSpPr>
-          <p:cNvPr id="6" name="Chỗ dành sẵn cho Số hiệu Bản chiếu 5">
-            <a:extLst>
-              <a:ext uri="{FF2B5EF4-FFF2-40B4-BE49-F238E27FC236}">
-                <a16:creationId xmlns:a16="http://schemas.microsoft.com/office/drawing/2014/main" id="{5CD2F970-62FA-4787-B6EC-004D4C98B9D6}"/>
-              </a:ext>
-            </a:extLst>
-          </p:cNvPr>
+          <p:cNvPr id="6" name="Slide Number Placeholder 5"/>
           <p:cNvSpPr>
             <a:spLocks noGrp="1"/>
           </p:cNvSpPr>
@@ -929,7 +3886,7 @@
     </p:spTree>
     <p:extLst>
       <p:ext uri="{BB962C8B-B14F-4D97-AF65-F5344CB8AC3E}">
-        <p14:creationId xmlns:p14="http://schemas.microsoft.com/office/powerpoint/2010/main" val="4128830723"/>
+        <p14:creationId xmlns:p14="http://schemas.microsoft.com/office/powerpoint/2010/main" val="3230791883"/>
       </p:ext>
     </p:extLst>
   </p:cSld>
@@ -956,15 +3913,39 @@
           <a:chExt cx="0" cy="0"/>
         </a:xfrm>
       </p:grpSpPr>
-      <p:sp>
-        <p:nvSpPr>
-          <p:cNvPr id="2" name="Tiêu đề 1">
+      <p:pic>
+        <p:nvPicPr>
+          <p:cNvPr id="9" name="Picture 8" descr="Droplets-HD-Content-R1d.png"/>
+          <p:cNvPicPr>
+            <a:picLocks noChangeAspect="1"/>
+          </p:cNvPicPr>
+          <p:nvPr/>
+        </p:nvPicPr>
+        <p:blipFill>
+          <a:blip r:embed="rId2">
             <a:extLst>
-              <a:ext uri="{FF2B5EF4-FFF2-40B4-BE49-F238E27FC236}">
-                <a16:creationId xmlns:a16="http://schemas.microsoft.com/office/drawing/2014/main" id="{B20C3CAF-8FA2-40E8-86A8-0193091A8C14}"/>
+              <a:ext uri="{28A0092B-C50C-407E-A947-70E740481C1C}">
+                <a14:useLocalDpi xmlns:a14="http://schemas.microsoft.com/office/drawing/2010/main" val="0"/>
               </a:ext>
             </a:extLst>
-          </p:cNvPr>
+          </a:blip>
+          <a:stretch>
+            <a:fillRect/>
+          </a:stretch>
+        </p:blipFill>
+        <p:spPr>
+          <a:xfrm>
+            <a:off x="0" y="0"/>
+            <a:ext cx="12192000" cy="6858000"/>
+          </a:xfrm>
+          <a:prstGeom prst="rect">
+            <a:avLst/>
+          </a:prstGeom>
+        </p:spPr>
+      </p:pic>
+      <p:sp>
+        <p:nvSpPr>
+          <p:cNvPr id="2" name="Title 1"/>
           <p:cNvSpPr>
             <a:spLocks noGrp="1"/>
           </p:cNvSpPr>
@@ -974,15 +3955,17 @@
         </p:nvSpPr>
         <p:spPr>
           <a:xfrm>
-            <a:off x="831850" y="1709738"/>
-            <a:ext cx="10515600" cy="2852737"/>
-          </a:xfrm>
-        </p:spPr>
-        <p:txBody>
-          <a:bodyPr anchor="b"/>
+            <a:off x="913774" y="828563"/>
+            <a:ext cx="10351752" cy="2736819"/>
+          </a:xfrm>
+        </p:spPr>
+        <p:txBody>
+          <a:bodyPr anchor="b">
+            <a:normAutofit/>
+          </a:bodyPr>
           <a:lstStyle>
             <a:lvl1pPr>
-              <a:defRPr sz="6000"/>
+              <a:defRPr sz="4000"/>
             </a:lvl1pPr>
           </a:lstStyle>
           <a:p>
@@ -990,19 +3973,13 @@
               <a:rPr lang="vi-VN"/>
               <a:t>Bấm để sửa kiểu tiêu đề Bản cái</a:t>
             </a:r>
-            <a:endParaRPr lang="en-US"/>
-          </a:p>
-        </p:txBody>
-      </p:sp>
-      <p:sp>
-        <p:nvSpPr>
-          <p:cNvPr id="3" name="Chỗ dành sẵn cho Văn bản 2">
-            <a:extLst>
-              <a:ext uri="{FF2B5EF4-FFF2-40B4-BE49-F238E27FC236}">
-                <a16:creationId xmlns:a16="http://schemas.microsoft.com/office/drawing/2014/main" id="{560855FE-AA78-4BD0-83FF-4FC8A04C0C42}"/>
-              </a:ext>
-            </a:extLst>
-          </p:cNvPr>
+            <a:endParaRPr lang="en-US" dirty="0"/>
+          </a:p>
+        </p:txBody>
+      </p:sp>
+      <p:sp>
+        <p:nvSpPr>
+          <p:cNvPr id="3" name="Text Placeholder 2"/>
           <p:cNvSpPr>
             <a:spLocks noGrp="1"/>
           </p:cNvSpPr>
@@ -1012,19 +3989,21 @@
         </p:nvSpPr>
         <p:spPr>
           <a:xfrm>
-            <a:off x="831850" y="4589463"/>
-            <a:ext cx="10515600" cy="1500187"/>
-          </a:xfrm>
-        </p:spPr>
-        <p:txBody>
-          <a:bodyPr/>
+            <a:off x="913774" y="3657457"/>
+            <a:ext cx="10351752" cy="1368183"/>
+          </a:xfrm>
+        </p:spPr>
+        <p:txBody>
+          <a:bodyPr>
+            <a:normAutofit/>
+          </a:bodyPr>
           <a:lstStyle>
-            <a:lvl1pPr marL="0" indent="0">
-              <a:buNone/>
-              <a:defRPr sz="2400">
+            <a:lvl1pPr marL="0" indent="0" algn="ctr">
+              <a:buNone/>
+              <a:defRPr sz="2000">
                 <a:solidFill>
                   <a:schemeClr val="tx1">
-                    <a:tint val="75000"/>
+                    <a:lumMod val="75000"/>
                   </a:schemeClr>
                 </a:solidFill>
               </a:defRPr>
@@ -1121,13 +4100,7 @@
       </p:sp>
       <p:sp>
         <p:nvSpPr>
-          <p:cNvPr id="4" name="Chỗ dành sẵn cho Ngày tháng 3">
-            <a:extLst>
-              <a:ext uri="{FF2B5EF4-FFF2-40B4-BE49-F238E27FC236}">
-                <a16:creationId xmlns:a16="http://schemas.microsoft.com/office/drawing/2014/main" id="{D9826EC5-2E11-4188-80A7-5636DBE0961D}"/>
-              </a:ext>
-            </a:extLst>
-          </p:cNvPr>
+          <p:cNvPr id="4" name="Date Placeholder 3"/>
           <p:cNvSpPr>
             <a:spLocks noGrp="1"/>
           </p:cNvSpPr>
@@ -1142,7 +4115,7 @@
           <a:p>
             <a:fld id="{A7F323CF-71FB-4D08-A706-73C8FB34EBBC}" type="datetimeFigureOut">
               <a:rPr lang="en-US" smtClean="0"/>
-              <a:t>9/9/2019</a:t>
+              <a:t>9/15/2019</a:t>
             </a:fld>
             <a:endParaRPr lang="en-US"/>
           </a:p>
@@ -1150,13 +4123,7 @@
       </p:sp>
       <p:sp>
         <p:nvSpPr>
-          <p:cNvPr id="5" name="Chỗ dành sẵn cho Chân trang 4">
-            <a:extLst>
-              <a:ext uri="{FF2B5EF4-FFF2-40B4-BE49-F238E27FC236}">
-                <a16:creationId xmlns:a16="http://schemas.microsoft.com/office/drawing/2014/main" id="{8D22297C-954B-43A8-A301-1632C57984AC}"/>
-              </a:ext>
-            </a:extLst>
-          </p:cNvPr>
+          <p:cNvPr id="5" name="Footer Placeholder 4"/>
           <p:cNvSpPr>
             <a:spLocks noGrp="1"/>
           </p:cNvSpPr>
@@ -1175,13 +4142,7 @@
       </p:sp>
       <p:sp>
         <p:nvSpPr>
-          <p:cNvPr id="6" name="Chỗ dành sẵn cho Số hiệu Bản chiếu 5">
-            <a:extLst>
-              <a:ext uri="{FF2B5EF4-FFF2-40B4-BE49-F238E27FC236}">
-                <a16:creationId xmlns:a16="http://schemas.microsoft.com/office/drawing/2014/main" id="{D2DC609E-5535-4558-A122-91B53AAE64B2}"/>
-              </a:ext>
-            </a:extLst>
-          </p:cNvPr>
+          <p:cNvPr id="6" name="Slide Number Placeholder 5"/>
           <p:cNvSpPr>
             <a:spLocks noGrp="1"/>
           </p:cNvSpPr>
@@ -1205,7 +4166,7 @@
     </p:spTree>
     <p:extLst>
       <p:ext uri="{BB962C8B-B14F-4D97-AF65-F5344CB8AC3E}">
-        <p14:creationId xmlns:p14="http://schemas.microsoft.com/office/powerpoint/2010/main" val="2475567602"/>
+        <p14:creationId xmlns:p14="http://schemas.microsoft.com/office/powerpoint/2010/main" val="4000953606"/>
       </p:ext>
     </p:extLst>
   </p:cSld>
@@ -1232,15 +4193,39 @@
           <a:chExt cx="0" cy="0"/>
         </a:xfrm>
       </p:grpSpPr>
-      <p:sp>
-        <p:nvSpPr>
-          <p:cNvPr id="2" name="Tiêu đề 1">
+      <p:pic>
+        <p:nvPicPr>
+          <p:cNvPr id="10" name="Picture 9" descr="Droplets-HD-Content-R1d.png"/>
+          <p:cNvPicPr>
+            <a:picLocks noChangeAspect="1"/>
+          </p:cNvPicPr>
+          <p:nvPr/>
+        </p:nvPicPr>
+        <p:blipFill>
+          <a:blip r:embed="rId2">
             <a:extLst>
-              <a:ext uri="{FF2B5EF4-FFF2-40B4-BE49-F238E27FC236}">
-                <a16:creationId xmlns:a16="http://schemas.microsoft.com/office/drawing/2014/main" id="{73A381B2-AD90-420D-B1BD-DF2FBC354362}"/>
+              <a:ext uri="{28A0092B-C50C-407E-A947-70E740481C1C}">
+                <a14:useLocalDpi xmlns:a14="http://schemas.microsoft.com/office/drawing/2010/main" val="0"/>
               </a:ext>
             </a:extLst>
-          </p:cNvPr>
+          </a:blip>
+          <a:stretch>
+            <a:fillRect/>
+          </a:stretch>
+        </p:blipFill>
+        <p:spPr>
+          <a:xfrm>
+            <a:off x="0" y="0"/>
+            <a:ext cx="12192000" cy="6858000"/>
+          </a:xfrm>
+          <a:prstGeom prst="rect">
+            <a:avLst/>
+          </a:prstGeom>
+        </p:spPr>
+      </p:pic>
+      <p:sp>
+        <p:nvSpPr>
+          <p:cNvPr id="14" name="Title 1"/>
           <p:cNvSpPr>
             <a:spLocks noGrp="1"/>
           </p:cNvSpPr>
@@ -1248,7 +4233,12 @@
             <p:ph type="title"/>
           </p:nvPr>
         </p:nvSpPr>
-        <p:spPr/>
+        <p:spPr>
+          <a:xfrm>
+            <a:off x="913775" y="618517"/>
+            <a:ext cx="10364451" cy="1596177"/>
+          </a:xfrm>
+        </p:spPr>
         <p:txBody>
           <a:bodyPr/>
           <a:lstStyle/>
@@ -1257,30 +4247,24 @@
               <a:rPr lang="vi-VN"/>
               <a:t>Bấm để sửa kiểu tiêu đề Bản cái</a:t>
             </a:r>
-            <a:endParaRPr lang="en-US"/>
-          </a:p>
-        </p:txBody>
-      </p:sp>
-      <p:sp>
-        <p:nvSpPr>
-          <p:cNvPr id="3" name="Chỗ dành sẵn cho Nội dung 2">
-            <a:extLst>
-              <a:ext uri="{FF2B5EF4-FFF2-40B4-BE49-F238E27FC236}">
-                <a16:creationId xmlns:a16="http://schemas.microsoft.com/office/drawing/2014/main" id="{F08D1A34-B642-4FCF-82C1-CA438A1483D5}"/>
-              </a:ext>
-            </a:extLst>
-          </p:cNvPr>
-          <p:cNvSpPr>
-            <a:spLocks noGrp="1"/>
-          </p:cNvSpPr>
-          <p:nvPr>
-            <p:ph sz="half" idx="1"/>
-          </p:nvPr>
-        </p:nvSpPr>
-        <p:spPr>
-          <a:xfrm>
-            <a:off x="838200" y="1825625"/>
-            <a:ext cx="5181600" cy="4351338"/>
+            <a:endParaRPr lang="en-US" dirty="0"/>
+          </a:p>
+        </p:txBody>
+      </p:sp>
+      <p:sp>
+        <p:nvSpPr>
+          <p:cNvPr id="12" name="Content Placeholder 2"/>
+          <p:cNvSpPr>
+            <a:spLocks noGrp="1"/>
+          </p:cNvSpPr>
+          <p:nvPr>
+            <p:ph sz="quarter" idx="13"/>
+          </p:nvPr>
+        </p:nvSpPr>
+        <p:spPr>
+          <a:xfrm>
+            <a:off x="913774" y="2367092"/>
+            <a:ext cx="5106026" cy="3424107"/>
           </a:xfrm>
         </p:spPr>
         <p:txBody>
@@ -1320,30 +4304,24 @@
               <a:rPr lang="vi-VN"/>
               <a:t>Mức năm</a:t>
             </a:r>
-            <a:endParaRPr lang="en-US"/>
-          </a:p>
-        </p:txBody>
-      </p:sp>
-      <p:sp>
-        <p:nvSpPr>
-          <p:cNvPr id="4" name="Chỗ dành sẵn cho Nội dung 3">
-            <a:extLst>
-              <a:ext uri="{FF2B5EF4-FFF2-40B4-BE49-F238E27FC236}">
-                <a16:creationId xmlns:a16="http://schemas.microsoft.com/office/drawing/2014/main" id="{ECED6345-0114-42E0-B472-93178A4111B5}"/>
-              </a:ext>
-            </a:extLst>
-          </p:cNvPr>
-          <p:cNvSpPr>
-            <a:spLocks noGrp="1"/>
-          </p:cNvSpPr>
-          <p:nvPr>
-            <p:ph sz="half" idx="2"/>
-          </p:nvPr>
-        </p:nvSpPr>
-        <p:spPr>
-          <a:xfrm>
-            <a:off x="6172200" y="1825625"/>
-            <a:ext cx="5181600" cy="4351338"/>
+            <a:endParaRPr lang="en-US" dirty="0"/>
+          </a:p>
+        </p:txBody>
+      </p:sp>
+      <p:sp>
+        <p:nvSpPr>
+          <p:cNvPr id="13" name="Content Placeholder 3"/>
+          <p:cNvSpPr>
+            <a:spLocks noGrp="1"/>
+          </p:cNvSpPr>
+          <p:nvPr>
+            <p:ph sz="quarter" idx="14"/>
+          </p:nvPr>
+        </p:nvSpPr>
+        <p:spPr>
+          <a:xfrm>
+            <a:off x="6172200" y="2367092"/>
+            <a:ext cx="5105400" cy="3424107"/>
           </a:xfrm>
         </p:spPr>
         <p:txBody>
@@ -1383,19 +4361,13 @@
               <a:rPr lang="vi-VN"/>
               <a:t>Mức năm</a:t>
             </a:r>
-            <a:endParaRPr lang="en-US"/>
-          </a:p>
-        </p:txBody>
-      </p:sp>
-      <p:sp>
-        <p:nvSpPr>
-          <p:cNvPr id="5" name="Chỗ dành sẵn cho Ngày tháng 4">
-            <a:extLst>
-              <a:ext uri="{FF2B5EF4-FFF2-40B4-BE49-F238E27FC236}">
-                <a16:creationId xmlns:a16="http://schemas.microsoft.com/office/drawing/2014/main" id="{4EE768A3-621A-4CAF-9FCD-363E94B50813}"/>
-              </a:ext>
-            </a:extLst>
-          </p:cNvPr>
+            <a:endParaRPr lang="en-US" dirty="0"/>
+          </a:p>
+        </p:txBody>
+      </p:sp>
+      <p:sp>
+        <p:nvSpPr>
+          <p:cNvPr id="5" name="Date Placeholder 4"/>
           <p:cNvSpPr>
             <a:spLocks noGrp="1"/>
           </p:cNvSpPr>
@@ -1410,7 +4382,7 @@
           <a:p>
             <a:fld id="{A7F323CF-71FB-4D08-A706-73C8FB34EBBC}" type="datetimeFigureOut">
               <a:rPr lang="en-US" smtClean="0"/>
-              <a:t>9/9/2019</a:t>
+              <a:t>9/15/2019</a:t>
             </a:fld>
             <a:endParaRPr lang="en-US"/>
           </a:p>
@@ -1418,13 +4390,7 @@
       </p:sp>
       <p:sp>
         <p:nvSpPr>
-          <p:cNvPr id="6" name="Chỗ dành sẵn cho Chân trang 5">
-            <a:extLst>
-              <a:ext uri="{FF2B5EF4-FFF2-40B4-BE49-F238E27FC236}">
-                <a16:creationId xmlns:a16="http://schemas.microsoft.com/office/drawing/2014/main" id="{8698EB85-9C81-404F-B60C-C391D54CA7B1}"/>
-              </a:ext>
-            </a:extLst>
-          </p:cNvPr>
+          <p:cNvPr id="6" name="Footer Placeholder 5"/>
           <p:cNvSpPr>
             <a:spLocks noGrp="1"/>
           </p:cNvSpPr>
@@ -1443,13 +4409,7 @@
       </p:sp>
       <p:sp>
         <p:nvSpPr>
-          <p:cNvPr id="7" name="Chỗ dành sẵn cho Số hiệu Bản chiếu 6">
-            <a:extLst>
-              <a:ext uri="{FF2B5EF4-FFF2-40B4-BE49-F238E27FC236}">
-                <a16:creationId xmlns:a16="http://schemas.microsoft.com/office/drawing/2014/main" id="{B628D49C-496A-4737-905C-C0EC9A0F0117}"/>
-              </a:ext>
-            </a:extLst>
-          </p:cNvPr>
+          <p:cNvPr id="7" name="Slide Number Placeholder 6"/>
           <p:cNvSpPr>
             <a:spLocks noGrp="1"/>
           </p:cNvSpPr>
@@ -1473,7 +4433,7 @@
     </p:spTree>
     <p:extLst>
       <p:ext uri="{BB962C8B-B14F-4D97-AF65-F5344CB8AC3E}">
-        <p14:creationId xmlns:p14="http://schemas.microsoft.com/office/powerpoint/2010/main" val="287206934"/>
+        <p14:creationId xmlns:p14="http://schemas.microsoft.com/office/powerpoint/2010/main" val="4126258334"/>
       </p:ext>
     </p:extLst>
   </p:cSld>
@@ -1500,15 +4460,39 @@
           <a:chExt cx="0" cy="0"/>
         </a:xfrm>
       </p:grpSpPr>
-      <p:sp>
-        <p:nvSpPr>
-          <p:cNvPr id="2" name="Tiêu đề 1">
+      <p:pic>
+        <p:nvPicPr>
+          <p:cNvPr id="15" name="Picture 14" descr="Droplets-HD-Content-R1d.png"/>
+          <p:cNvPicPr>
+            <a:picLocks noChangeAspect="1"/>
+          </p:cNvPicPr>
+          <p:nvPr/>
+        </p:nvPicPr>
+        <p:blipFill>
+          <a:blip r:embed="rId2">
             <a:extLst>
-              <a:ext uri="{FF2B5EF4-FFF2-40B4-BE49-F238E27FC236}">
-                <a16:creationId xmlns:a16="http://schemas.microsoft.com/office/drawing/2014/main" id="{AFA3FB40-52D9-4C89-A11B-22A3D18C133D}"/>
+              <a:ext uri="{28A0092B-C50C-407E-A947-70E740481C1C}">
+                <a14:useLocalDpi xmlns:a14="http://schemas.microsoft.com/office/drawing/2010/main" val="0"/>
               </a:ext>
             </a:extLst>
-          </p:cNvPr>
+          </a:blip>
+          <a:stretch>
+            <a:fillRect/>
+          </a:stretch>
+        </p:blipFill>
+        <p:spPr>
+          <a:xfrm>
+            <a:off x="0" y="0"/>
+            <a:ext cx="12192000" cy="6858000"/>
+          </a:xfrm>
+          <a:prstGeom prst="rect">
+            <a:avLst/>
+          </a:prstGeom>
+        </p:spPr>
+      </p:pic>
+      <p:sp>
+        <p:nvSpPr>
+          <p:cNvPr id="14" name="Title 1"/>
           <p:cNvSpPr>
             <a:spLocks noGrp="1"/>
           </p:cNvSpPr>
@@ -1518,8 +4502,8 @@
         </p:nvSpPr>
         <p:spPr>
           <a:xfrm>
-            <a:off x="839788" y="365125"/>
-            <a:ext cx="10515600" cy="1325563"/>
+            <a:off x="913775" y="618517"/>
+            <a:ext cx="10364451" cy="1596177"/>
           </a:xfrm>
         </p:spPr>
         <p:txBody>
@@ -1530,19 +4514,13 @@
               <a:rPr lang="vi-VN"/>
               <a:t>Bấm để sửa kiểu tiêu đề Bản cái</a:t>
             </a:r>
-            <a:endParaRPr lang="en-US"/>
-          </a:p>
-        </p:txBody>
-      </p:sp>
-      <p:sp>
-        <p:nvSpPr>
-          <p:cNvPr id="3" name="Chỗ dành sẵn cho Văn bản 2">
-            <a:extLst>
-              <a:ext uri="{FF2B5EF4-FFF2-40B4-BE49-F238E27FC236}">
-                <a16:creationId xmlns:a16="http://schemas.microsoft.com/office/drawing/2014/main" id="{C5280D4A-360B-49F1-8898-805CB10D878B}"/>
-              </a:ext>
-            </a:extLst>
-          </p:cNvPr>
+            <a:endParaRPr lang="en-US" dirty="0"/>
+          </a:p>
+        </p:txBody>
+      </p:sp>
+      <p:sp>
+        <p:nvSpPr>
+          <p:cNvPr id="3" name="Text Placeholder 2"/>
           <p:cNvSpPr>
             <a:spLocks noGrp="1"/>
           </p:cNvSpPr>
@@ -1552,16 +4530,25 @@
         </p:nvSpPr>
         <p:spPr>
           <a:xfrm>
-            <a:off x="839788" y="1681163"/>
-            <a:ext cx="5157787" cy="823912"/>
-          </a:xfrm>
-        </p:spPr>
-        <p:txBody>
-          <a:bodyPr anchor="b"/>
+            <a:off x="1146328" y="2371018"/>
+            <a:ext cx="4873474" cy="679994"/>
+          </a:xfrm>
+        </p:spPr>
+        <p:txBody>
+          <a:bodyPr anchor="b">
+            <a:noAutofit/>
+          </a:bodyPr>
           <a:lstStyle>
             <a:lvl1pPr marL="0" indent="0">
-              <a:buNone/>
-              <a:defRPr sz="2400" b="1"/>
+              <a:lnSpc>
+                <a:spcPct val="85000"/>
+              </a:lnSpc>
+              <a:buNone/>
+              <a:defRPr sz="2600" b="0">
+                <a:solidFill>
+                  <a:schemeClr val="tx1"/>
+                </a:solidFill>
+              </a:defRPr>
             </a:lvl1pPr>
             <a:lvl2pPr marL="457200" indent="0">
               <a:buNone/>
@@ -1607,24 +4594,18 @@
       </p:sp>
       <p:sp>
         <p:nvSpPr>
-          <p:cNvPr id="4" name="Chỗ dành sẵn cho Nội dung 3">
-            <a:extLst>
-              <a:ext uri="{FF2B5EF4-FFF2-40B4-BE49-F238E27FC236}">
-                <a16:creationId xmlns:a16="http://schemas.microsoft.com/office/drawing/2014/main" id="{A9207951-A1DE-4F42-A2D3-7F22332FBF26}"/>
-              </a:ext>
-            </a:extLst>
-          </p:cNvPr>
-          <p:cNvSpPr>
-            <a:spLocks noGrp="1"/>
-          </p:cNvSpPr>
-          <p:nvPr>
-            <p:ph sz="half" idx="2"/>
-          </p:nvPr>
-        </p:nvSpPr>
-        <p:spPr>
-          <a:xfrm>
-            <a:off x="839788" y="2505075"/>
-            <a:ext cx="5157787" cy="3684588"/>
+          <p:cNvPr id="12" name="Content Placeholder 3"/>
+          <p:cNvSpPr>
+            <a:spLocks noGrp="1"/>
+          </p:cNvSpPr>
+          <p:nvPr>
+            <p:ph sz="quarter" idx="13"/>
+          </p:nvPr>
+        </p:nvSpPr>
+        <p:spPr>
+          <a:xfrm>
+            <a:off x="913774" y="3051012"/>
+            <a:ext cx="5106027" cy="2740187"/>
           </a:xfrm>
         </p:spPr>
         <p:txBody>
@@ -1664,19 +4645,13 @@
               <a:rPr lang="vi-VN"/>
               <a:t>Mức năm</a:t>
             </a:r>
-            <a:endParaRPr lang="en-US"/>
-          </a:p>
-        </p:txBody>
-      </p:sp>
-      <p:sp>
-        <p:nvSpPr>
-          <p:cNvPr id="5" name="Chỗ dành sẵn cho Văn bản 4">
-            <a:extLst>
-              <a:ext uri="{FF2B5EF4-FFF2-40B4-BE49-F238E27FC236}">
-                <a16:creationId xmlns:a16="http://schemas.microsoft.com/office/drawing/2014/main" id="{FCE54B97-2DD1-4D2C-BD45-39A56EB6A26B}"/>
-              </a:ext>
-            </a:extLst>
-          </p:cNvPr>
+            <a:endParaRPr lang="en-US" dirty="0"/>
+          </a:p>
+        </p:txBody>
+      </p:sp>
+      <p:sp>
+        <p:nvSpPr>
+          <p:cNvPr id="5" name="Text Placeholder 4"/>
           <p:cNvSpPr>
             <a:spLocks noGrp="1"/>
           </p:cNvSpPr>
@@ -1686,16 +4661,25 @@
         </p:nvSpPr>
         <p:spPr>
           <a:xfrm>
-            <a:off x="6172200" y="1681163"/>
-            <a:ext cx="5183188" cy="823912"/>
-          </a:xfrm>
-        </p:spPr>
-        <p:txBody>
-          <a:bodyPr anchor="b"/>
+            <a:off x="6396423" y="2371018"/>
+            <a:ext cx="4881804" cy="679994"/>
+          </a:xfrm>
+        </p:spPr>
+        <p:txBody>
+          <a:bodyPr anchor="b">
+            <a:noAutofit/>
+          </a:bodyPr>
           <a:lstStyle>
             <a:lvl1pPr marL="0" indent="0">
-              <a:buNone/>
-              <a:defRPr sz="2400" b="1"/>
+              <a:lnSpc>
+                <a:spcPct val="85000"/>
+              </a:lnSpc>
+              <a:buNone/>
+              <a:defRPr sz="2600" b="0">
+                <a:solidFill>
+                  <a:schemeClr val="tx1"/>
+                </a:solidFill>
+              </a:defRPr>
             </a:lvl1pPr>
             <a:lvl2pPr marL="457200" indent="0">
               <a:buNone/>
@@ -1741,24 +4725,18 @@
       </p:sp>
       <p:sp>
         <p:nvSpPr>
-          <p:cNvPr id="6" name="Chỗ dành sẵn cho Nội dung 5">
-            <a:extLst>
-              <a:ext uri="{FF2B5EF4-FFF2-40B4-BE49-F238E27FC236}">
-                <a16:creationId xmlns:a16="http://schemas.microsoft.com/office/drawing/2014/main" id="{84FDE60F-1DE7-42F3-BA75-D08C13136D42}"/>
-              </a:ext>
-            </a:extLst>
-          </p:cNvPr>
-          <p:cNvSpPr>
-            <a:spLocks noGrp="1"/>
-          </p:cNvSpPr>
-          <p:nvPr>
-            <p:ph sz="quarter" idx="4"/>
-          </p:nvPr>
-        </p:nvSpPr>
-        <p:spPr>
-          <a:xfrm>
-            <a:off x="6172200" y="2505075"/>
-            <a:ext cx="5183188" cy="3684588"/>
+          <p:cNvPr id="13" name="Content Placeholder 5"/>
+          <p:cNvSpPr>
+            <a:spLocks noGrp="1"/>
+          </p:cNvSpPr>
+          <p:nvPr>
+            <p:ph sz="quarter" idx="14"/>
+          </p:nvPr>
+        </p:nvSpPr>
+        <p:spPr>
+          <a:xfrm>
+            <a:off x="6172200" y="3051012"/>
+            <a:ext cx="5105401" cy="2740187"/>
           </a:xfrm>
         </p:spPr>
         <p:txBody>
@@ -1798,19 +4776,13 @@
               <a:rPr lang="vi-VN"/>
               <a:t>Mức năm</a:t>
             </a:r>
-            <a:endParaRPr lang="en-US"/>
-          </a:p>
-        </p:txBody>
-      </p:sp>
-      <p:sp>
-        <p:nvSpPr>
-          <p:cNvPr id="7" name="Chỗ dành sẵn cho Ngày tháng 6">
-            <a:extLst>
-              <a:ext uri="{FF2B5EF4-FFF2-40B4-BE49-F238E27FC236}">
-                <a16:creationId xmlns:a16="http://schemas.microsoft.com/office/drawing/2014/main" id="{3E58B6A5-2DD6-4FE6-A196-CB641AD5C672}"/>
-              </a:ext>
-            </a:extLst>
-          </p:cNvPr>
+            <a:endParaRPr lang="en-US" dirty="0"/>
+          </a:p>
+        </p:txBody>
+      </p:sp>
+      <p:sp>
+        <p:nvSpPr>
+          <p:cNvPr id="7" name="Date Placeholder 6"/>
           <p:cNvSpPr>
             <a:spLocks noGrp="1"/>
           </p:cNvSpPr>
@@ -1825,7 +4797,7 @@
           <a:p>
             <a:fld id="{A7F323CF-71FB-4D08-A706-73C8FB34EBBC}" type="datetimeFigureOut">
               <a:rPr lang="en-US" smtClean="0"/>
-              <a:t>9/9/2019</a:t>
+              <a:t>9/15/2019</a:t>
             </a:fld>
             <a:endParaRPr lang="en-US"/>
           </a:p>
@@ -1833,13 +4805,7 @@
       </p:sp>
       <p:sp>
         <p:nvSpPr>
-          <p:cNvPr id="8" name="Chỗ dành sẵn cho Chân trang 7">
-            <a:extLst>
-              <a:ext uri="{FF2B5EF4-FFF2-40B4-BE49-F238E27FC236}">
-                <a16:creationId xmlns:a16="http://schemas.microsoft.com/office/drawing/2014/main" id="{5D85E001-C117-48CE-8AE7-08F3A6628672}"/>
-              </a:ext>
-            </a:extLst>
-          </p:cNvPr>
+          <p:cNvPr id="8" name="Footer Placeholder 7"/>
           <p:cNvSpPr>
             <a:spLocks noGrp="1"/>
           </p:cNvSpPr>
@@ -1858,13 +4824,7 @@
       </p:sp>
       <p:sp>
         <p:nvSpPr>
-          <p:cNvPr id="9" name="Chỗ dành sẵn cho Số hiệu Bản chiếu 8">
-            <a:extLst>
-              <a:ext uri="{FF2B5EF4-FFF2-40B4-BE49-F238E27FC236}">
-                <a16:creationId xmlns:a16="http://schemas.microsoft.com/office/drawing/2014/main" id="{1B3B5038-98FA-415F-BE50-E1C403456F87}"/>
-              </a:ext>
-            </a:extLst>
-          </p:cNvPr>
+          <p:cNvPr id="9" name="Slide Number Placeholder 8"/>
           <p:cNvSpPr>
             <a:spLocks noGrp="1"/>
           </p:cNvSpPr>
@@ -1888,7 +4848,7 @@
     </p:spTree>
     <p:extLst>
       <p:ext uri="{BB962C8B-B14F-4D97-AF65-F5344CB8AC3E}">
-        <p14:creationId xmlns:p14="http://schemas.microsoft.com/office/powerpoint/2010/main" val="3528560175"/>
+        <p14:creationId xmlns:p14="http://schemas.microsoft.com/office/powerpoint/2010/main" val="143071882"/>
       </p:ext>
     </p:extLst>
   </p:cSld>
@@ -1915,15 +4875,39 @@
           <a:chExt cx="0" cy="0"/>
         </a:xfrm>
       </p:grpSpPr>
-      <p:sp>
-        <p:nvSpPr>
-          <p:cNvPr id="2" name="Tiêu đề 1">
+      <p:pic>
+        <p:nvPicPr>
+          <p:cNvPr id="8" name="Picture 7" descr="Droplets-HD-Content-R1d.png"/>
+          <p:cNvPicPr>
+            <a:picLocks noChangeAspect="1"/>
+          </p:cNvPicPr>
+          <p:nvPr/>
+        </p:nvPicPr>
+        <p:blipFill>
+          <a:blip r:embed="rId2">
             <a:extLst>
-              <a:ext uri="{FF2B5EF4-FFF2-40B4-BE49-F238E27FC236}">
-                <a16:creationId xmlns:a16="http://schemas.microsoft.com/office/drawing/2014/main" id="{3DD761D9-B2E1-4708-8FE1-C2D9CA6A16FA}"/>
+              <a:ext uri="{28A0092B-C50C-407E-A947-70E740481C1C}">
+                <a14:useLocalDpi xmlns:a14="http://schemas.microsoft.com/office/drawing/2010/main" val="0"/>
               </a:ext>
             </a:extLst>
-          </p:cNvPr>
+          </a:blip>
+          <a:stretch>
+            <a:fillRect/>
+          </a:stretch>
+        </p:blipFill>
+        <p:spPr>
+          <a:xfrm>
+            <a:off x="0" y="0"/>
+            <a:ext cx="12192000" cy="6858000"/>
+          </a:xfrm>
+          <a:prstGeom prst="rect">
+            <a:avLst/>
+          </a:prstGeom>
+        </p:spPr>
+      </p:pic>
+      <p:sp>
+        <p:nvSpPr>
+          <p:cNvPr id="2" name="Title 1"/>
           <p:cNvSpPr>
             <a:spLocks noGrp="1"/>
           </p:cNvSpPr>
@@ -1940,19 +4924,13 @@
               <a:rPr lang="vi-VN"/>
               <a:t>Bấm để sửa kiểu tiêu đề Bản cái</a:t>
             </a:r>
-            <a:endParaRPr lang="en-US"/>
-          </a:p>
-        </p:txBody>
-      </p:sp>
-      <p:sp>
-        <p:nvSpPr>
-          <p:cNvPr id="3" name="Chỗ dành sẵn cho Ngày tháng 2">
-            <a:extLst>
-              <a:ext uri="{FF2B5EF4-FFF2-40B4-BE49-F238E27FC236}">
-                <a16:creationId xmlns:a16="http://schemas.microsoft.com/office/drawing/2014/main" id="{D51C5E28-6650-4699-B72F-B2F73072BEDB}"/>
-              </a:ext>
-            </a:extLst>
-          </p:cNvPr>
+            <a:endParaRPr lang="en-US" dirty="0"/>
+          </a:p>
+        </p:txBody>
+      </p:sp>
+      <p:sp>
+        <p:nvSpPr>
+          <p:cNvPr id="3" name="Date Placeholder 2"/>
           <p:cNvSpPr>
             <a:spLocks noGrp="1"/>
           </p:cNvSpPr>
@@ -1967,7 +4945,7 @@
           <a:p>
             <a:fld id="{A7F323CF-71FB-4D08-A706-73C8FB34EBBC}" type="datetimeFigureOut">
               <a:rPr lang="en-US" smtClean="0"/>
-              <a:t>9/9/2019</a:t>
+              <a:t>9/15/2019</a:t>
             </a:fld>
             <a:endParaRPr lang="en-US"/>
           </a:p>
@@ -1975,13 +4953,7 @@
       </p:sp>
       <p:sp>
         <p:nvSpPr>
-          <p:cNvPr id="4" name="Chỗ dành sẵn cho Chân trang 3">
-            <a:extLst>
-              <a:ext uri="{FF2B5EF4-FFF2-40B4-BE49-F238E27FC236}">
-                <a16:creationId xmlns:a16="http://schemas.microsoft.com/office/drawing/2014/main" id="{616AF2B9-1101-4CE6-BE03-520AB6E8A36A}"/>
-              </a:ext>
-            </a:extLst>
-          </p:cNvPr>
+          <p:cNvPr id="4" name="Footer Placeholder 3"/>
           <p:cNvSpPr>
             <a:spLocks noGrp="1"/>
           </p:cNvSpPr>
@@ -2000,13 +4972,7 @@
       </p:sp>
       <p:sp>
         <p:nvSpPr>
-          <p:cNvPr id="5" name="Chỗ dành sẵn cho Số hiệu Bản chiếu 4">
-            <a:extLst>
-              <a:ext uri="{FF2B5EF4-FFF2-40B4-BE49-F238E27FC236}">
-                <a16:creationId xmlns:a16="http://schemas.microsoft.com/office/drawing/2014/main" id="{F175F5C1-86A9-4483-8FE3-782D0F398CCF}"/>
-              </a:ext>
-            </a:extLst>
-          </p:cNvPr>
+          <p:cNvPr id="5" name="Slide Number Placeholder 4"/>
           <p:cNvSpPr>
             <a:spLocks noGrp="1"/>
           </p:cNvSpPr>
@@ -2030,7 +4996,7 @@
     </p:spTree>
     <p:extLst>
       <p:ext uri="{BB962C8B-B14F-4D97-AF65-F5344CB8AC3E}">
-        <p14:creationId xmlns:p14="http://schemas.microsoft.com/office/powerpoint/2010/main" val="3969656688"/>
+        <p14:creationId xmlns:p14="http://schemas.microsoft.com/office/powerpoint/2010/main" val="3816952214"/>
       </p:ext>
     </p:extLst>
   </p:cSld>
@@ -2057,15 +5023,39 @@
           <a:chExt cx="0" cy="0"/>
         </a:xfrm>
       </p:grpSpPr>
-      <p:sp>
-        <p:nvSpPr>
-          <p:cNvPr id="2" name="Chỗ dành sẵn cho Ngày tháng 1">
+      <p:pic>
+        <p:nvPicPr>
+          <p:cNvPr id="7" name="Picture 6" descr="Droplets-HD-Content-R1d.png"/>
+          <p:cNvPicPr>
+            <a:picLocks noChangeAspect="1"/>
+          </p:cNvPicPr>
+          <p:nvPr/>
+        </p:nvPicPr>
+        <p:blipFill>
+          <a:blip r:embed="rId2">
             <a:extLst>
-              <a:ext uri="{FF2B5EF4-FFF2-40B4-BE49-F238E27FC236}">
-                <a16:creationId xmlns:a16="http://schemas.microsoft.com/office/drawing/2014/main" id="{2E55AE15-76B0-4BDD-A9E1-58407E58FE8E}"/>
+              <a:ext uri="{28A0092B-C50C-407E-A947-70E740481C1C}">
+                <a14:useLocalDpi xmlns:a14="http://schemas.microsoft.com/office/drawing/2010/main" val="0"/>
               </a:ext>
             </a:extLst>
-          </p:cNvPr>
+          </a:blip>
+          <a:stretch>
+            <a:fillRect/>
+          </a:stretch>
+        </p:blipFill>
+        <p:spPr>
+          <a:xfrm>
+            <a:off x="0" y="0"/>
+            <a:ext cx="12192000" cy="6858000"/>
+          </a:xfrm>
+          <a:prstGeom prst="rect">
+            <a:avLst/>
+          </a:prstGeom>
+        </p:spPr>
+      </p:pic>
+      <p:sp>
+        <p:nvSpPr>
+          <p:cNvPr id="2" name="Date Placeholder 1"/>
           <p:cNvSpPr>
             <a:spLocks noGrp="1"/>
           </p:cNvSpPr>
@@ -2080,7 +5070,7 @@
           <a:p>
             <a:fld id="{A7F323CF-71FB-4D08-A706-73C8FB34EBBC}" type="datetimeFigureOut">
               <a:rPr lang="en-US" smtClean="0"/>
-              <a:t>9/9/2019</a:t>
+              <a:t>9/15/2019</a:t>
             </a:fld>
             <a:endParaRPr lang="en-US"/>
           </a:p>
@@ -2088,13 +5078,7 @@
       </p:sp>
       <p:sp>
         <p:nvSpPr>
-          <p:cNvPr id="3" name="Chỗ dành sẵn cho Chân trang 2">
-            <a:extLst>
-              <a:ext uri="{FF2B5EF4-FFF2-40B4-BE49-F238E27FC236}">
-                <a16:creationId xmlns:a16="http://schemas.microsoft.com/office/drawing/2014/main" id="{A86D86B8-B19C-44DE-B549-B0BAF96B50CA}"/>
-              </a:ext>
-            </a:extLst>
-          </p:cNvPr>
+          <p:cNvPr id="3" name="Footer Placeholder 2"/>
           <p:cNvSpPr>
             <a:spLocks noGrp="1"/>
           </p:cNvSpPr>
@@ -2113,13 +5097,7 @@
       </p:sp>
       <p:sp>
         <p:nvSpPr>
-          <p:cNvPr id="4" name="Chỗ dành sẵn cho Số hiệu Bản chiếu 3">
-            <a:extLst>
-              <a:ext uri="{FF2B5EF4-FFF2-40B4-BE49-F238E27FC236}">
-                <a16:creationId xmlns:a16="http://schemas.microsoft.com/office/drawing/2014/main" id="{34C11952-7BE8-445A-A7C5-B5473DA51994}"/>
-              </a:ext>
-            </a:extLst>
-          </p:cNvPr>
+          <p:cNvPr id="4" name="Slide Number Placeholder 3"/>
           <p:cNvSpPr>
             <a:spLocks noGrp="1"/>
           </p:cNvSpPr>
@@ -2143,7 +5121,7 @@
     </p:spTree>
     <p:extLst>
       <p:ext uri="{BB962C8B-B14F-4D97-AF65-F5344CB8AC3E}">
-        <p14:creationId xmlns:p14="http://schemas.microsoft.com/office/powerpoint/2010/main" val="3443512871"/>
+        <p14:creationId xmlns:p14="http://schemas.microsoft.com/office/powerpoint/2010/main" val="3625291712"/>
       </p:ext>
     </p:extLst>
   </p:cSld>
@@ -2170,15 +5148,39 @@
           <a:chExt cx="0" cy="0"/>
         </a:xfrm>
       </p:grpSpPr>
-      <p:sp>
-        <p:nvSpPr>
-          <p:cNvPr id="2" name="Tiêu đề 1">
+      <p:pic>
+        <p:nvPicPr>
+          <p:cNvPr id="11" name="Picture 10" descr="Droplets-HD-Content-R1d.png"/>
+          <p:cNvPicPr>
+            <a:picLocks noChangeAspect="1"/>
+          </p:cNvPicPr>
+          <p:nvPr/>
+        </p:nvPicPr>
+        <p:blipFill>
+          <a:blip r:embed="rId2">
             <a:extLst>
-              <a:ext uri="{FF2B5EF4-FFF2-40B4-BE49-F238E27FC236}">
-                <a16:creationId xmlns:a16="http://schemas.microsoft.com/office/drawing/2014/main" id="{885EABDA-7201-4DD9-9B8F-3246B12E957A}"/>
+              <a:ext uri="{28A0092B-C50C-407E-A947-70E740481C1C}">
+                <a14:useLocalDpi xmlns:a14="http://schemas.microsoft.com/office/drawing/2010/main" val="0"/>
               </a:ext>
             </a:extLst>
-          </p:cNvPr>
+          </a:blip>
+          <a:stretch>
+            <a:fillRect/>
+          </a:stretch>
+        </p:blipFill>
+        <p:spPr>
+          <a:xfrm>
+            <a:off x="0" y="0"/>
+            <a:ext cx="12192000" cy="6858000"/>
+          </a:xfrm>
+          <a:prstGeom prst="rect">
+            <a:avLst/>
+          </a:prstGeom>
+        </p:spPr>
+      </p:pic>
+      <p:sp>
+        <p:nvSpPr>
+          <p:cNvPr id="2" name="Title 1"/>
           <p:cNvSpPr>
             <a:spLocks noGrp="1"/>
           </p:cNvSpPr>
@@ -2188,14 +5190,14 @@
         </p:nvSpPr>
         <p:spPr>
           <a:xfrm>
-            <a:off x="839788" y="457200"/>
-            <a:ext cx="3932237" cy="1600200"/>
+            <a:off x="913775" y="609600"/>
+            <a:ext cx="3935688" cy="2023252"/>
           </a:xfrm>
         </p:spPr>
         <p:txBody>
           <a:bodyPr anchor="b"/>
           <a:lstStyle>
-            <a:lvl1pPr>
+            <a:lvl1pPr algn="ctr">
               <a:defRPr sz="3200"/>
             </a:lvl1pPr>
           </a:lstStyle>
@@ -2204,127 +5206,87 @@
               <a:rPr lang="vi-VN"/>
               <a:t>Bấm để sửa kiểu tiêu đề Bản cái</a:t>
             </a:r>
-            <a:endParaRPr lang="en-US"/>
-          </a:p>
-        </p:txBody>
-      </p:sp>
-      <p:sp>
-        <p:nvSpPr>
-          <p:cNvPr id="3" name="Chỗ dành sẵn cho Nội dung 2">
-            <a:extLst>
-              <a:ext uri="{FF2B5EF4-FFF2-40B4-BE49-F238E27FC236}">
-                <a16:creationId xmlns:a16="http://schemas.microsoft.com/office/drawing/2014/main" id="{8478AD42-9D0B-4154-B76C-1378DC989B3E}"/>
-              </a:ext>
-            </a:extLst>
-          </p:cNvPr>
-          <p:cNvSpPr>
-            <a:spLocks noGrp="1"/>
-          </p:cNvSpPr>
-          <p:nvPr>
-            <p:ph idx="1"/>
-          </p:nvPr>
-        </p:nvSpPr>
-        <p:spPr>
-          <a:xfrm>
-            <a:off x="5183188" y="987425"/>
-            <a:ext cx="6172200" cy="4873625"/>
+            <a:endParaRPr lang="en-US" dirty="0"/>
+          </a:p>
+        </p:txBody>
+      </p:sp>
+      <p:sp>
+        <p:nvSpPr>
+          <p:cNvPr id="10" name="Content Placeholder 2"/>
+          <p:cNvSpPr>
+            <a:spLocks noGrp="1"/>
+          </p:cNvSpPr>
+          <p:nvPr>
+            <p:ph sz="quarter" idx="13"/>
+          </p:nvPr>
+        </p:nvSpPr>
+        <p:spPr>
+          <a:xfrm>
+            <a:off x="5078062" y="609600"/>
+            <a:ext cx="6200163" cy="5181599"/>
+          </a:xfrm>
+        </p:spPr>
+        <p:txBody>
+          <a:bodyPr/>
+          <a:lstStyle/>
+          <a:p>
+            <a:pPr lvl="0"/>
+            <a:r>
+              <a:rPr lang="vi-VN"/>
+              <a:t>Bấm để chỉnh sửa kiểu văn bản của Bản cái</a:t>
+            </a:r>
+          </a:p>
+          <a:p>
+            <a:pPr lvl="1"/>
+            <a:r>
+              <a:rPr lang="vi-VN"/>
+              <a:t>Mức hai</a:t>
+            </a:r>
+          </a:p>
+          <a:p>
+            <a:pPr lvl="2"/>
+            <a:r>
+              <a:rPr lang="vi-VN"/>
+              <a:t>Mức ba</a:t>
+            </a:r>
+          </a:p>
+          <a:p>
+            <a:pPr lvl="3"/>
+            <a:r>
+              <a:rPr lang="vi-VN"/>
+              <a:t>Mức bốn</a:t>
+            </a:r>
+          </a:p>
+          <a:p>
+            <a:pPr lvl="4"/>
+            <a:r>
+              <a:rPr lang="vi-VN"/>
+              <a:t>Mức năm</a:t>
+            </a:r>
+            <a:endParaRPr lang="en-US" dirty="0"/>
+          </a:p>
+        </p:txBody>
+      </p:sp>
+      <p:sp>
+        <p:nvSpPr>
+          <p:cNvPr id="4" name="Text Placeholder 3"/>
+          <p:cNvSpPr>
+            <a:spLocks noGrp="1"/>
+          </p:cNvSpPr>
+          <p:nvPr>
+            <p:ph type="body" sz="half" idx="2"/>
+          </p:nvPr>
+        </p:nvSpPr>
+        <p:spPr>
+          <a:xfrm>
+            <a:off x="913774" y="2632852"/>
+            <a:ext cx="3935689" cy="3158348"/>
           </a:xfrm>
         </p:spPr>
         <p:txBody>
           <a:bodyPr/>
           <a:lstStyle>
-            <a:lvl1pPr>
-              <a:defRPr sz="3200"/>
-            </a:lvl1pPr>
-            <a:lvl2pPr>
-              <a:defRPr sz="2800"/>
-            </a:lvl2pPr>
-            <a:lvl3pPr>
-              <a:defRPr sz="2400"/>
-            </a:lvl3pPr>
-            <a:lvl4pPr>
-              <a:defRPr sz="2000"/>
-            </a:lvl4pPr>
-            <a:lvl5pPr>
-              <a:defRPr sz="2000"/>
-            </a:lvl5pPr>
-            <a:lvl6pPr>
-              <a:defRPr sz="2000"/>
-            </a:lvl6pPr>
-            <a:lvl7pPr>
-              <a:defRPr sz="2000"/>
-            </a:lvl7pPr>
-            <a:lvl8pPr>
-              <a:defRPr sz="2000"/>
-            </a:lvl8pPr>
-            <a:lvl9pPr>
-              <a:defRPr sz="2000"/>
-            </a:lvl9pPr>
-          </a:lstStyle>
-          <a:p>
-            <a:pPr lvl="0"/>
-            <a:r>
-              <a:rPr lang="vi-VN"/>
-              <a:t>Bấm để chỉnh sửa kiểu văn bản của Bản cái</a:t>
-            </a:r>
-          </a:p>
-          <a:p>
-            <a:pPr lvl="1"/>
-            <a:r>
-              <a:rPr lang="vi-VN"/>
-              <a:t>Mức hai</a:t>
-            </a:r>
-          </a:p>
-          <a:p>
-            <a:pPr lvl="2"/>
-            <a:r>
-              <a:rPr lang="vi-VN"/>
-              <a:t>Mức ba</a:t>
-            </a:r>
-          </a:p>
-          <a:p>
-            <a:pPr lvl="3"/>
-            <a:r>
-              <a:rPr lang="vi-VN"/>
-              <a:t>Mức bốn</a:t>
-            </a:r>
-          </a:p>
-          <a:p>
-            <a:pPr lvl="4"/>
-            <a:r>
-              <a:rPr lang="vi-VN"/>
-              <a:t>Mức năm</a:t>
-            </a:r>
-            <a:endParaRPr lang="en-US"/>
-          </a:p>
-        </p:txBody>
-      </p:sp>
-      <p:sp>
-        <p:nvSpPr>
-          <p:cNvPr id="4" name="Chỗ dành sẵn cho Văn bản 3">
-            <a:extLst>
-              <a:ext uri="{FF2B5EF4-FFF2-40B4-BE49-F238E27FC236}">
-                <a16:creationId xmlns:a16="http://schemas.microsoft.com/office/drawing/2014/main" id="{0B35272E-09CD-4493-9E52-03CC3A5771FE}"/>
-              </a:ext>
-            </a:extLst>
-          </p:cNvPr>
-          <p:cNvSpPr>
-            <a:spLocks noGrp="1"/>
-          </p:cNvSpPr>
-          <p:nvPr>
-            <p:ph type="body" sz="half" idx="2"/>
-          </p:nvPr>
-        </p:nvSpPr>
-        <p:spPr>
-          <a:xfrm>
-            <a:off x="839788" y="2057400"/>
-            <a:ext cx="3932237" cy="3811588"/>
-          </a:xfrm>
-        </p:spPr>
-        <p:txBody>
-          <a:bodyPr/>
-          <a:lstStyle>
-            <a:lvl1pPr marL="0" indent="0">
+            <a:lvl1pPr marL="0" indent="0" algn="ctr">
               <a:buNone/>
               <a:defRPr sz="1600"/>
             </a:lvl1pPr>
@@ -2372,13 +5334,7 @@
       </p:sp>
       <p:sp>
         <p:nvSpPr>
-          <p:cNvPr id="5" name="Chỗ dành sẵn cho Ngày tháng 4">
-            <a:extLst>
-              <a:ext uri="{FF2B5EF4-FFF2-40B4-BE49-F238E27FC236}">
-                <a16:creationId xmlns:a16="http://schemas.microsoft.com/office/drawing/2014/main" id="{C8681574-A524-4B66-B31B-CC7AFC56CD37}"/>
-              </a:ext>
-            </a:extLst>
-          </p:cNvPr>
+          <p:cNvPr id="5" name="Date Placeholder 4"/>
           <p:cNvSpPr>
             <a:spLocks noGrp="1"/>
           </p:cNvSpPr>
@@ -2393,7 +5349,7 @@
           <a:p>
             <a:fld id="{A7F323CF-71FB-4D08-A706-73C8FB34EBBC}" type="datetimeFigureOut">
               <a:rPr lang="en-US" smtClean="0"/>
-              <a:t>9/9/2019</a:t>
+              <a:t>9/15/2019</a:t>
             </a:fld>
             <a:endParaRPr lang="en-US"/>
           </a:p>
@@ -2401,13 +5357,7 @@
       </p:sp>
       <p:sp>
         <p:nvSpPr>
-          <p:cNvPr id="6" name="Chỗ dành sẵn cho Chân trang 5">
-            <a:extLst>
-              <a:ext uri="{FF2B5EF4-FFF2-40B4-BE49-F238E27FC236}">
-                <a16:creationId xmlns:a16="http://schemas.microsoft.com/office/drawing/2014/main" id="{0D39188C-6252-45F9-966D-0F3BFDF81A90}"/>
-              </a:ext>
-            </a:extLst>
-          </p:cNvPr>
+          <p:cNvPr id="6" name="Footer Placeholder 5"/>
           <p:cNvSpPr>
             <a:spLocks noGrp="1"/>
           </p:cNvSpPr>
@@ -2426,13 +5376,7 @@
       </p:sp>
       <p:sp>
         <p:nvSpPr>
-          <p:cNvPr id="7" name="Chỗ dành sẵn cho Số hiệu Bản chiếu 6">
-            <a:extLst>
-              <a:ext uri="{FF2B5EF4-FFF2-40B4-BE49-F238E27FC236}">
-                <a16:creationId xmlns:a16="http://schemas.microsoft.com/office/drawing/2014/main" id="{006778A8-F614-46D6-A83F-AD04E4BCDF5F}"/>
-              </a:ext>
-            </a:extLst>
-          </p:cNvPr>
+          <p:cNvPr id="7" name="Slide Number Placeholder 6"/>
           <p:cNvSpPr>
             <a:spLocks noGrp="1"/>
           </p:cNvSpPr>
@@ -2456,7 +5400,7 @@
     </p:spTree>
     <p:extLst>
       <p:ext uri="{BB962C8B-B14F-4D97-AF65-F5344CB8AC3E}">
-        <p14:creationId xmlns:p14="http://schemas.microsoft.com/office/powerpoint/2010/main" val="2020762560"/>
+        <p14:creationId xmlns:p14="http://schemas.microsoft.com/office/powerpoint/2010/main" val="792408646"/>
       </p:ext>
     </p:extLst>
   </p:cSld>
@@ -2483,15 +5427,39 @@
           <a:chExt cx="0" cy="0"/>
         </a:xfrm>
       </p:grpSpPr>
-      <p:sp>
-        <p:nvSpPr>
-          <p:cNvPr id="2" name="Tiêu đề 1">
+      <p:pic>
+        <p:nvPicPr>
+          <p:cNvPr id="10" name="Picture 9" descr="Droplets-HD-Content-R1d.png"/>
+          <p:cNvPicPr>
+            <a:picLocks noChangeAspect="1"/>
+          </p:cNvPicPr>
+          <p:nvPr/>
+        </p:nvPicPr>
+        <p:blipFill>
+          <a:blip r:embed="rId2">
             <a:extLst>
-              <a:ext uri="{FF2B5EF4-FFF2-40B4-BE49-F238E27FC236}">
-                <a16:creationId xmlns:a16="http://schemas.microsoft.com/office/drawing/2014/main" id="{01AC56CA-473F-45F0-AB25-6DF9E53E7562}"/>
+              <a:ext uri="{28A0092B-C50C-407E-A947-70E740481C1C}">
+                <a14:useLocalDpi xmlns:a14="http://schemas.microsoft.com/office/drawing/2010/main" val="0"/>
               </a:ext>
             </a:extLst>
-          </p:cNvPr>
+          </a:blip>
+          <a:stretch>
+            <a:fillRect/>
+          </a:stretch>
+        </p:blipFill>
+        <p:spPr>
+          <a:xfrm>
+            <a:off x="0" y="0"/>
+            <a:ext cx="12192000" cy="6858000"/>
+          </a:xfrm>
+          <a:prstGeom prst="rect">
+            <a:avLst/>
+          </a:prstGeom>
+        </p:spPr>
+      </p:pic>
+      <p:sp>
+        <p:nvSpPr>
+          <p:cNvPr id="2" name="Title 1"/>
           <p:cNvSpPr>
             <a:spLocks noGrp="1"/>
           </p:cNvSpPr>
@@ -2501,14 +5469,14 @@
         </p:nvSpPr>
         <p:spPr>
           <a:xfrm>
-            <a:off x="839788" y="457200"/>
-            <a:ext cx="3932237" cy="1600200"/>
+            <a:off x="913774" y="609600"/>
+            <a:ext cx="5934969" cy="2023254"/>
           </a:xfrm>
         </p:spPr>
         <p:txBody>
           <a:bodyPr anchor="b"/>
           <a:lstStyle>
-            <a:lvl1pPr>
+            <a:lvl1pPr algn="ctr">
               <a:defRPr sz="3200"/>
             </a:lvl1pPr>
           </a:lstStyle>
@@ -2517,21 +5485,15 @@
               <a:rPr lang="vi-VN"/>
               <a:t>Bấm để sửa kiểu tiêu đề Bản cái</a:t>
             </a:r>
-            <a:endParaRPr lang="en-US"/>
-          </a:p>
-        </p:txBody>
-      </p:sp>
-      <p:sp>
-        <p:nvSpPr>
-          <p:cNvPr id="3" name="Chỗ dành sẵn cho Hình ảnh 2">
-            <a:extLst>
-              <a:ext uri="{FF2B5EF4-FFF2-40B4-BE49-F238E27FC236}">
-                <a16:creationId xmlns:a16="http://schemas.microsoft.com/office/drawing/2014/main" id="{6401D12C-B32B-42FB-9B5F-1E85DAE160A1}"/>
-              </a:ext>
-            </a:extLst>
-          </p:cNvPr>
-          <p:cNvSpPr>
-            <a:spLocks noGrp="1"/>
+            <a:endParaRPr lang="en-US" dirty="0"/>
+          </a:p>
+        </p:txBody>
+      </p:sp>
+      <p:sp>
+        <p:nvSpPr>
+          <p:cNvPr id="3" name="Picture Placeholder 2"/>
+          <p:cNvSpPr>
+            <a:spLocks noGrp="1" noChangeAspect="1"/>
           </p:cNvSpPr>
           <p:nvPr>
             <p:ph type="pic" idx="1"/>
@@ -2539,12 +5501,40 @@
         </p:nvSpPr>
         <p:spPr>
           <a:xfrm>
-            <a:off x="5183188" y="987425"/>
-            <a:ext cx="6172200" cy="4873625"/>
-          </a:xfrm>
-        </p:spPr>
-        <p:txBody>
-          <a:bodyPr/>
+            <a:off x="7424803" y="609601"/>
+            <a:ext cx="3255358" cy="5181600"/>
+          </a:xfrm>
+          <a:prstGeom prst="roundRect">
+            <a:avLst>
+              <a:gd name="adj" fmla="val 4943"/>
+            </a:avLst>
+          </a:prstGeom>
+          <a:noFill/>
+          <a:ln w="82550" cap="sq">
+            <a:solidFill>
+              <a:schemeClr val="bg2">
+                <a:lumMod val="60000"/>
+                <a:lumOff val="40000"/>
+              </a:schemeClr>
+            </a:solidFill>
+            <a:miter lim="800000"/>
+          </a:ln>
+          <a:effectLst/>
+          <a:scene3d>
+            <a:camera prst="orthographicFront"/>
+            <a:lightRig rig="threePt" dir="t">
+              <a:rot lat="0" lon="0" rev="2700000"/>
+            </a:lightRig>
+          </a:scene3d>
+          <a:sp3d contourW="6350">
+            <a:bevelT h="38100"/>
+            <a:contourClr>
+              <a:srgbClr val="C0C0C0"/>
+            </a:contourClr>
+          </a:sp3d>
+        </p:spPr>
+        <p:txBody>
+          <a:bodyPr anchor="t"/>
           <a:lstStyle>
             <a:lvl1pPr marL="0" indent="0">
               <a:buNone/>
@@ -2584,19 +5574,17 @@
             </a:lvl9pPr>
           </a:lstStyle>
           <a:p>
-            <a:endParaRPr lang="en-US"/>
-          </a:p>
-        </p:txBody>
-      </p:sp>
-      <p:sp>
-        <p:nvSpPr>
-          <p:cNvPr id="4" name="Chỗ dành sẵn cho Văn bản 3">
-            <a:extLst>
-              <a:ext uri="{FF2B5EF4-FFF2-40B4-BE49-F238E27FC236}">
-                <a16:creationId xmlns:a16="http://schemas.microsoft.com/office/drawing/2014/main" id="{CF7DC47B-4379-4CC1-BD23-1FE1AD07DAD5}"/>
-              </a:ext>
-            </a:extLst>
-          </p:cNvPr>
+            <a:r>
+              <a:rPr lang="vi-VN"/>
+              <a:t>Bấm biểu tượng để thêm hình ảnh</a:t>
+            </a:r>
+            <a:endParaRPr lang="en-US" dirty="0"/>
+          </a:p>
+        </p:txBody>
+      </p:sp>
+      <p:sp>
+        <p:nvSpPr>
+          <p:cNvPr id="4" name="Text Placeholder 3"/>
           <p:cNvSpPr>
             <a:spLocks noGrp="1"/>
           </p:cNvSpPr>
@@ -2606,14 +5594,14 @@
         </p:nvSpPr>
         <p:spPr>
           <a:xfrm>
-            <a:off x="839788" y="2057400"/>
-            <a:ext cx="3932237" cy="3811588"/>
+            <a:off x="913794" y="2632852"/>
+            <a:ext cx="5934949" cy="3158347"/>
           </a:xfrm>
         </p:spPr>
         <p:txBody>
           <a:bodyPr/>
           <a:lstStyle>
-            <a:lvl1pPr marL="0" indent="0">
+            <a:lvl1pPr marL="0" indent="0" algn="ctr">
               <a:buNone/>
               <a:defRPr sz="1600"/>
             </a:lvl1pPr>
@@ -2661,13 +5649,7 @@
       </p:sp>
       <p:sp>
         <p:nvSpPr>
-          <p:cNvPr id="5" name="Chỗ dành sẵn cho Ngày tháng 4">
-            <a:extLst>
-              <a:ext uri="{FF2B5EF4-FFF2-40B4-BE49-F238E27FC236}">
-                <a16:creationId xmlns:a16="http://schemas.microsoft.com/office/drawing/2014/main" id="{E29CED33-CC3C-4F4C-B424-57BEADF35C1E}"/>
-              </a:ext>
-            </a:extLst>
-          </p:cNvPr>
+          <p:cNvPr id="5" name="Date Placeholder 4"/>
           <p:cNvSpPr>
             <a:spLocks noGrp="1"/>
           </p:cNvSpPr>
@@ -2682,7 +5664,7 @@
           <a:p>
             <a:fld id="{A7F323CF-71FB-4D08-A706-73C8FB34EBBC}" type="datetimeFigureOut">
               <a:rPr lang="en-US" smtClean="0"/>
-              <a:t>9/9/2019</a:t>
+              <a:t>9/15/2019</a:t>
             </a:fld>
             <a:endParaRPr lang="en-US"/>
           </a:p>
@@ -2690,13 +5672,7 @@
       </p:sp>
       <p:sp>
         <p:nvSpPr>
-          <p:cNvPr id="6" name="Chỗ dành sẵn cho Chân trang 5">
-            <a:extLst>
-              <a:ext uri="{FF2B5EF4-FFF2-40B4-BE49-F238E27FC236}">
-                <a16:creationId xmlns:a16="http://schemas.microsoft.com/office/drawing/2014/main" id="{A1C25BF6-8F0A-47F8-B604-451DC6355D30}"/>
-              </a:ext>
-            </a:extLst>
-          </p:cNvPr>
+          <p:cNvPr id="6" name="Footer Placeholder 5"/>
           <p:cNvSpPr>
             <a:spLocks noGrp="1"/>
           </p:cNvSpPr>
@@ -2715,13 +5691,7 @@
       </p:sp>
       <p:sp>
         <p:nvSpPr>
-          <p:cNvPr id="7" name="Chỗ dành sẵn cho Số hiệu Bản chiếu 6">
-            <a:extLst>
-              <a:ext uri="{FF2B5EF4-FFF2-40B4-BE49-F238E27FC236}">
-                <a16:creationId xmlns:a16="http://schemas.microsoft.com/office/drawing/2014/main" id="{9B254A70-69CA-406F-A1D9-B5647FAD774B}"/>
-              </a:ext>
-            </a:extLst>
-          </p:cNvPr>
+          <p:cNvPr id="7" name="Slide Number Placeholder 6"/>
           <p:cNvSpPr>
             <a:spLocks noGrp="1"/>
           </p:cNvSpPr>
@@ -2745,7 +5715,7 @@
     </p:spTree>
     <p:extLst>
       <p:ext uri="{BB962C8B-B14F-4D97-AF65-F5344CB8AC3E}">
-        <p14:creationId xmlns:p14="http://schemas.microsoft.com/office/powerpoint/2010/main" val="1570409313"/>
+        <p14:creationId xmlns:p14="http://schemas.microsoft.com/office/powerpoint/2010/main" val="454282062"/>
       </p:ext>
     </p:extLst>
   </p:cSld>
@@ -2777,15 +5747,51 @@
           <a:chExt cx="0" cy="0"/>
         </a:xfrm>
       </p:grpSpPr>
-      <p:sp>
-        <p:nvSpPr>
-          <p:cNvPr id="2" name="Chỗ dành sẵn cho Tiêu đề 1">
+      <p:pic>
+        <p:nvPicPr>
+          <p:cNvPr id="1026" name="Picture 2" descr="\\DROBO-FS\QuickDrops\JB\PPTX NG\Droplets\LightingOverlay.png"/>
+          <p:cNvPicPr>
+            <a:picLocks noChangeAspect="1" noChangeArrowheads="1"/>
+          </p:cNvPicPr>
+          <p:nvPr/>
+        </p:nvPicPr>
+        <p:blipFill>
+          <a:blip r:embed="rId20">
+            <a:alphaModFix amt="40000"/>
             <a:extLst>
-              <a:ext uri="{FF2B5EF4-FFF2-40B4-BE49-F238E27FC236}">
-                <a16:creationId xmlns:a16="http://schemas.microsoft.com/office/drawing/2014/main" id="{B3803848-A9A0-4A04-8DCA-ED308898040F}"/>
+              <a:ext uri="{28A0092B-C50C-407E-A947-70E740481C1C}">
+                <a14:useLocalDpi xmlns:a14="http://schemas.microsoft.com/office/drawing/2010/main" val="0"/>
               </a:ext>
             </a:extLst>
-          </p:cNvPr>
+          </a:blip>
+          <a:srcRect/>
+          <a:stretch>
+            <a:fillRect/>
+          </a:stretch>
+        </p:blipFill>
+        <p:spPr bwMode="auto">
+          <a:xfrm>
+            <a:off x="0" y="0"/>
+            <a:ext cx="12192003" cy="6858001"/>
+          </a:xfrm>
+          <a:prstGeom prst="rect">
+            <a:avLst/>
+          </a:prstGeom>
+          <a:noFill/>
+          <a:extLst>
+            <a:ext uri="{909E8E84-426E-40DD-AFC4-6F175D3DCCD1}">
+              <a14:hiddenFill xmlns:a14="http://schemas.microsoft.com/office/drawing/2010/main">
+                <a:solidFill>
+                  <a:srgbClr val="FFFFFF"/>
+                </a:solidFill>
+              </a14:hiddenFill>
+            </a:ext>
+          </a:extLst>
+        </p:spPr>
+      </p:pic>
+      <p:sp>
+        <p:nvSpPr>
+          <p:cNvPr id="2" name="Title Placeholder 1"/>
           <p:cNvSpPr>
             <a:spLocks noGrp="1"/>
           </p:cNvSpPr>
@@ -2795,8 +5801,8 @@
         </p:nvSpPr>
         <p:spPr>
           <a:xfrm>
-            <a:off x="838200" y="365125"/>
-            <a:ext cx="10515600" cy="1325563"/>
+            <a:off x="913775" y="618517"/>
+            <a:ext cx="10364451" cy="1596177"/>
           </a:xfrm>
           <a:prstGeom prst="rect">
             <a:avLst/>
@@ -2812,19 +5818,13 @@
               <a:rPr lang="vi-VN"/>
               <a:t>Bấm để sửa kiểu tiêu đề Bản cái</a:t>
             </a:r>
-            <a:endParaRPr lang="en-US"/>
-          </a:p>
-        </p:txBody>
-      </p:sp>
-      <p:sp>
-        <p:nvSpPr>
-          <p:cNvPr id="3" name="Chỗ dành sẵn cho Văn bản 2">
-            <a:extLst>
-              <a:ext uri="{FF2B5EF4-FFF2-40B4-BE49-F238E27FC236}">
-                <a16:creationId xmlns:a16="http://schemas.microsoft.com/office/drawing/2014/main" id="{08C4B6B4-C375-4241-8631-19F2C61EF750}"/>
-              </a:ext>
-            </a:extLst>
-          </p:cNvPr>
+            <a:endParaRPr lang="en-US" dirty="0"/>
+          </a:p>
+        </p:txBody>
+      </p:sp>
+      <p:sp>
+        <p:nvSpPr>
+          <p:cNvPr id="3" name="Text Placeholder 2"/>
           <p:cNvSpPr>
             <a:spLocks noGrp="1"/>
           </p:cNvSpPr>
@@ -2834,8 +5834,8 @@
         </p:nvSpPr>
         <p:spPr>
           <a:xfrm>
-            <a:off x="838200" y="1825625"/>
-            <a:ext cx="10515600" cy="4351338"/>
+            <a:off x="913775" y="2367093"/>
+            <a:ext cx="10364452" cy="3424107"/>
           </a:xfrm>
           <a:prstGeom prst="rect">
             <a:avLst/>
@@ -2880,19 +5880,13 @@
               <a:rPr lang="vi-VN"/>
               <a:t>Mức năm</a:t>
             </a:r>
-            <a:endParaRPr lang="en-US"/>
-          </a:p>
-        </p:txBody>
-      </p:sp>
-      <p:sp>
-        <p:nvSpPr>
-          <p:cNvPr id="4" name="Chỗ dành sẵn cho Ngày tháng 3">
-            <a:extLst>
-              <a:ext uri="{FF2B5EF4-FFF2-40B4-BE49-F238E27FC236}">
-                <a16:creationId xmlns:a16="http://schemas.microsoft.com/office/drawing/2014/main" id="{3A0B11EE-C460-42EE-9DE4-C5214CA559B0}"/>
-              </a:ext>
-            </a:extLst>
-          </p:cNvPr>
+            <a:endParaRPr lang="en-US" dirty="0"/>
+          </a:p>
+        </p:txBody>
+      </p:sp>
+      <p:sp>
+        <p:nvSpPr>
+          <p:cNvPr id="4" name="Date Placeholder 3"/>
           <p:cNvSpPr>
             <a:spLocks noGrp="1"/>
           </p:cNvSpPr>
@@ -2902,7 +5896,7 @@
         </p:nvSpPr>
         <p:spPr>
           <a:xfrm>
-            <a:off x="838200" y="6356350"/>
+            <a:off x="7678737" y="5883275"/>
             <a:ext cx="2743200" cy="365125"/>
           </a:xfrm>
           <a:prstGeom prst="rect">
@@ -2912,12 +5906,10 @@
         <p:txBody>
           <a:bodyPr vert="horz" lIns="91440" tIns="45720" rIns="91440" bIns="45720" rtlCol="0" anchor="ctr"/>
           <a:lstStyle>
-            <a:lvl1pPr algn="l">
-              <a:defRPr sz="1200">
+            <a:lvl1pPr algn="r">
+              <a:defRPr sz="1000">
                 <a:solidFill>
-                  <a:schemeClr val="tx1">
-                    <a:tint val="75000"/>
-                  </a:schemeClr>
+                  <a:schemeClr val="tx1"/>
                 </a:solidFill>
               </a:defRPr>
             </a:lvl1pPr>
@@ -2925,7 +5917,7 @@
           <a:p>
             <a:fld id="{A7F323CF-71FB-4D08-A706-73C8FB34EBBC}" type="datetimeFigureOut">
               <a:rPr lang="en-US" smtClean="0"/>
-              <a:t>9/9/2019</a:t>
+              <a:t>9/15/2019</a:t>
             </a:fld>
             <a:endParaRPr lang="en-US"/>
           </a:p>
@@ -2933,13 +5925,7 @@
       </p:sp>
       <p:sp>
         <p:nvSpPr>
-          <p:cNvPr id="5" name="Chỗ dành sẵn cho Chân trang 4">
-            <a:extLst>
-              <a:ext uri="{FF2B5EF4-FFF2-40B4-BE49-F238E27FC236}">
-                <a16:creationId xmlns:a16="http://schemas.microsoft.com/office/drawing/2014/main" id="{DC294B76-970A-4530-83A1-A774FE8A01BD}"/>
-              </a:ext>
-            </a:extLst>
-          </p:cNvPr>
+          <p:cNvPr id="5" name="Footer Placeholder 4"/>
           <p:cNvSpPr>
             <a:spLocks noGrp="1"/>
           </p:cNvSpPr>
@@ -2949,8 +5935,8 @@
         </p:nvSpPr>
         <p:spPr>
           <a:xfrm>
-            <a:off x="4038600" y="6356350"/>
-            <a:ext cx="4114800" cy="365125"/>
+            <a:off x="913774" y="5883275"/>
+            <a:ext cx="6672887" cy="365125"/>
           </a:xfrm>
           <a:prstGeom prst="rect">
             <a:avLst/>
@@ -2959,12 +5945,10 @@
         <p:txBody>
           <a:bodyPr vert="horz" lIns="91440" tIns="45720" rIns="91440" bIns="45720" rtlCol="0" anchor="ctr"/>
           <a:lstStyle>
-            <a:lvl1pPr algn="ctr">
-              <a:defRPr sz="1200">
+            <a:lvl1pPr algn="l">
+              <a:defRPr sz="1000">
                 <a:solidFill>
-                  <a:schemeClr val="tx1">
-                    <a:tint val="75000"/>
-                  </a:schemeClr>
+                  <a:schemeClr val="tx1"/>
                 </a:solidFill>
               </a:defRPr>
             </a:lvl1pPr>
@@ -2976,13 +5960,7 @@
       </p:sp>
       <p:sp>
         <p:nvSpPr>
-          <p:cNvPr id="6" name="Chỗ dành sẵn cho Số hiệu Bản chiếu 5">
-            <a:extLst>
-              <a:ext uri="{FF2B5EF4-FFF2-40B4-BE49-F238E27FC236}">
-                <a16:creationId xmlns:a16="http://schemas.microsoft.com/office/drawing/2014/main" id="{0D22B789-C68A-4A53-8209-92324943332F}"/>
-              </a:ext>
-            </a:extLst>
-          </p:cNvPr>
+          <p:cNvPr id="6" name="Slide Number Placeholder 5"/>
           <p:cNvSpPr>
             <a:spLocks noGrp="1"/>
           </p:cNvSpPr>
@@ -2992,8 +5970,8 @@
         </p:nvSpPr>
         <p:spPr>
           <a:xfrm>
-            <a:off x="8610600" y="6356350"/>
-            <a:ext cx="2743200" cy="365125"/>
+            <a:off x="10514011" y="5883275"/>
+            <a:ext cx="764215" cy="365125"/>
           </a:xfrm>
           <a:prstGeom prst="rect">
             <a:avLst/>
@@ -3003,11 +5981,9 @@
           <a:bodyPr vert="horz" lIns="91440" tIns="45720" rIns="91440" bIns="45720" rtlCol="0" anchor="ctr"/>
           <a:lstStyle>
             <a:lvl1pPr algn="r">
-              <a:defRPr sz="1200">
+              <a:defRPr sz="1000">
                 <a:solidFill>
-                  <a:schemeClr val="tx1">
-                    <a:tint val="75000"/>
-                  </a:schemeClr>
+                  <a:schemeClr val="tx1"/>
                 </a:solidFill>
               </a:defRPr>
             </a:lvl1pPr>
@@ -3024,27 +6000,34 @@
     </p:spTree>
     <p:extLst>
       <p:ext uri="{BB962C8B-B14F-4D97-AF65-F5344CB8AC3E}">
-        <p14:creationId xmlns:p14="http://schemas.microsoft.com/office/powerpoint/2010/main" val="3773587368"/>
+        <p14:creationId xmlns:p14="http://schemas.microsoft.com/office/powerpoint/2010/main" val="136937991"/>
       </p:ext>
     </p:extLst>
   </p:cSld>
-  <p:clrMap bg1="lt1" tx1="dk1" bg2="lt2" tx2="dk2" accent1="accent1" accent2="accent2" accent3="accent3" accent4="accent4" accent5="accent5" accent6="accent6" hlink="hlink" folHlink="folHlink"/>
+  <p:clrMap bg1="dk1" tx1="lt1" bg2="dk2" tx2="lt2" accent1="accent1" accent2="accent2" accent3="accent3" accent4="accent4" accent5="accent5" accent6="accent6" hlink="hlink" folHlink="folHlink"/>
   <p:sldLayoutIdLst>
-    <p:sldLayoutId id="2147483649" r:id="rId1"/>
-    <p:sldLayoutId id="2147483650" r:id="rId2"/>
-    <p:sldLayoutId id="2147483651" r:id="rId3"/>
-    <p:sldLayoutId id="2147483652" r:id="rId4"/>
-    <p:sldLayoutId id="2147483653" r:id="rId5"/>
-    <p:sldLayoutId id="2147483654" r:id="rId6"/>
-    <p:sldLayoutId id="2147483655" r:id="rId7"/>
-    <p:sldLayoutId id="2147483656" r:id="rId8"/>
-    <p:sldLayoutId id="2147483657" r:id="rId9"/>
-    <p:sldLayoutId id="2147483658" r:id="rId10"/>
-    <p:sldLayoutId id="2147483659" r:id="rId11"/>
+    <p:sldLayoutId id="2147483775" r:id="rId1"/>
+    <p:sldLayoutId id="2147483776" r:id="rId2"/>
+    <p:sldLayoutId id="2147483777" r:id="rId3"/>
+    <p:sldLayoutId id="2147483778" r:id="rId4"/>
+    <p:sldLayoutId id="2147483779" r:id="rId5"/>
+    <p:sldLayoutId id="2147483780" r:id="rId6"/>
+    <p:sldLayoutId id="2147483781" r:id="rId7"/>
+    <p:sldLayoutId id="2147483782" r:id="rId8"/>
+    <p:sldLayoutId id="2147483783" r:id="rId9"/>
+    <p:sldLayoutId id="2147483784" r:id="rId10"/>
+    <p:sldLayoutId id="2147483785" r:id="rId11"/>
+    <p:sldLayoutId id="2147483786" r:id="rId12"/>
+    <p:sldLayoutId id="2147483787" r:id="rId13"/>
+    <p:sldLayoutId id="2147483788" r:id="rId14"/>
+    <p:sldLayoutId id="2147483789" r:id="rId15"/>
+    <p:sldLayoutId id="2147483790" r:id="rId16"/>
+    <p:sldLayoutId id="2147483791" r:id="rId17"/>
+    <p:sldLayoutId id="2147483792" r:id="rId18"/>
   </p:sldLayoutIdLst>
   <p:txStyles>
     <p:titleStyle>
-      <a:lvl1pPr algn="l" defTabSz="914400" rtl="0" eaLnBrk="1" latinLnBrk="0" hangingPunct="1">
+      <a:lvl1pPr algn="ctr" defTabSz="914400" rtl="0" eaLnBrk="1" latinLnBrk="0" hangingPunct="1">
         <a:lnSpc>
           <a:spcPct val="90000"/>
         </a:lnSpc>
@@ -3052,10 +6035,17 @@
           <a:spcPct val="0"/>
         </a:spcBef>
         <a:buNone/>
-        <a:defRPr sz="4400" kern="1200">
+        <a:defRPr sz="3600" kern="1200" cap="all" baseline="0">
           <a:solidFill>
             <a:schemeClr val="tx1"/>
           </a:solidFill>
+          <a:effectLst>
+            <a:outerShdw blurRad="38100" dist="38100" dir="2700000" algn="tl">
+              <a:srgbClr val="000000">
+                <a:alpha val="43137"/>
+              </a:srgbClr>
+            </a:outerShdw>
+          </a:effectLst>
           <a:latin typeface="+mj-lt"/>
           <a:ea typeface="+mj-ea"/>
           <a:cs typeface="+mj-cs"/>
@@ -3065,17 +6055,27 @@
     <p:bodyStyle>
       <a:lvl1pPr marL="228600" indent="-228600" algn="l" defTabSz="914400" rtl="0" eaLnBrk="1" latinLnBrk="0" hangingPunct="1">
         <a:lnSpc>
-          <a:spcPct val="90000"/>
+          <a:spcPct val="120000"/>
         </a:lnSpc>
         <a:spcBef>
           <a:spcPts val="1000"/>
         </a:spcBef>
+        <a:buClr>
+          <a:schemeClr val="tx1"/>
+        </a:buClr>
         <a:buFont typeface="Arial" panose="020B0604020202020204" pitchFamily="34" charset="0"/>
         <a:buChar char="•"/>
-        <a:defRPr sz="2800" kern="1200">
+        <a:defRPr sz="2000" kern="1200" cap="all" baseline="0">
           <a:solidFill>
             <a:schemeClr val="tx1"/>
           </a:solidFill>
+          <a:effectLst>
+            <a:outerShdw blurRad="47625" dist="12700" dir="2700000" algn="tl" rotWithShape="0">
+              <a:srgbClr val="000000">
+                <a:alpha val="36000"/>
+              </a:srgbClr>
+            </a:outerShdw>
+          </a:effectLst>
           <a:latin typeface="+mn-lt"/>
           <a:ea typeface="+mn-ea"/>
           <a:cs typeface="+mn-cs"/>
@@ -3083,17 +6083,27 @@
       </a:lvl1pPr>
       <a:lvl2pPr marL="685800" indent="-228600" algn="l" defTabSz="914400" rtl="0" eaLnBrk="1" latinLnBrk="0" hangingPunct="1">
         <a:lnSpc>
-          <a:spcPct val="90000"/>
+          <a:spcPct val="120000"/>
         </a:lnSpc>
         <a:spcBef>
           <a:spcPts val="500"/>
         </a:spcBef>
+        <a:buClr>
+          <a:schemeClr val="tx1"/>
+        </a:buClr>
         <a:buFont typeface="Arial" panose="020B0604020202020204" pitchFamily="34" charset="0"/>
         <a:buChar char="•"/>
-        <a:defRPr sz="2400" kern="1200">
+        <a:defRPr sz="1800" kern="1200" cap="all" baseline="0">
           <a:solidFill>
             <a:schemeClr val="tx1"/>
           </a:solidFill>
+          <a:effectLst>
+            <a:outerShdw blurRad="47625" dist="12700" dir="2700000" algn="tl" rotWithShape="0">
+              <a:srgbClr val="000000">
+                <a:alpha val="36000"/>
+              </a:srgbClr>
+            </a:outerShdw>
+          </a:effectLst>
           <a:latin typeface="+mn-lt"/>
           <a:ea typeface="+mn-ea"/>
           <a:cs typeface="+mn-cs"/>
@@ -3101,17 +6111,27 @@
       </a:lvl2pPr>
       <a:lvl3pPr marL="1143000" indent="-228600" algn="l" defTabSz="914400" rtl="0" eaLnBrk="1" latinLnBrk="0" hangingPunct="1">
         <a:lnSpc>
-          <a:spcPct val="90000"/>
+          <a:spcPct val="120000"/>
         </a:lnSpc>
         <a:spcBef>
           <a:spcPts val="500"/>
         </a:spcBef>
+        <a:buClr>
+          <a:schemeClr val="tx1"/>
+        </a:buClr>
         <a:buFont typeface="Arial" panose="020B0604020202020204" pitchFamily="34" charset="0"/>
         <a:buChar char="•"/>
-        <a:defRPr sz="2000" kern="1200">
+        <a:defRPr sz="1600" kern="1200" cap="all" baseline="0">
           <a:solidFill>
             <a:schemeClr val="tx1"/>
           </a:solidFill>
+          <a:effectLst>
+            <a:outerShdw blurRad="47625" dist="12700" dir="2700000" algn="tl" rotWithShape="0">
+              <a:srgbClr val="000000">
+                <a:alpha val="36000"/>
+              </a:srgbClr>
+            </a:outerShdw>
+          </a:effectLst>
           <a:latin typeface="+mn-lt"/>
           <a:ea typeface="+mn-ea"/>
           <a:cs typeface="+mn-cs"/>
@@ -3119,17 +6139,27 @@
       </a:lvl3pPr>
       <a:lvl4pPr marL="1600200" indent="-228600" algn="l" defTabSz="914400" rtl="0" eaLnBrk="1" latinLnBrk="0" hangingPunct="1">
         <a:lnSpc>
-          <a:spcPct val="90000"/>
+          <a:spcPct val="120000"/>
         </a:lnSpc>
         <a:spcBef>
           <a:spcPts val="500"/>
         </a:spcBef>
+        <a:buClr>
+          <a:schemeClr val="tx1"/>
+        </a:buClr>
         <a:buFont typeface="Arial" panose="020B0604020202020204" pitchFamily="34" charset="0"/>
         <a:buChar char="•"/>
-        <a:defRPr sz="1800" kern="1200">
+        <a:defRPr sz="1400" kern="1200" cap="all" baseline="0">
           <a:solidFill>
             <a:schemeClr val="tx1"/>
           </a:solidFill>
+          <a:effectLst>
+            <a:outerShdw blurRad="47625" dist="12700" dir="2700000" algn="tl" rotWithShape="0">
+              <a:srgbClr val="000000">
+                <a:alpha val="36000"/>
+              </a:srgbClr>
+            </a:outerShdw>
+          </a:effectLst>
           <a:latin typeface="+mn-lt"/>
           <a:ea typeface="+mn-ea"/>
           <a:cs typeface="+mn-cs"/>
@@ -3137,17 +6167,27 @@
       </a:lvl4pPr>
       <a:lvl5pPr marL="2057400" indent="-228600" algn="l" defTabSz="914400" rtl="0" eaLnBrk="1" latinLnBrk="0" hangingPunct="1">
         <a:lnSpc>
-          <a:spcPct val="90000"/>
+          <a:spcPct val="120000"/>
         </a:lnSpc>
         <a:spcBef>
           <a:spcPts val="500"/>
         </a:spcBef>
+        <a:buClr>
+          <a:schemeClr val="tx1"/>
+        </a:buClr>
         <a:buFont typeface="Arial" panose="020B0604020202020204" pitchFamily="34" charset="0"/>
         <a:buChar char="•"/>
-        <a:defRPr sz="1800" kern="1200">
+        <a:defRPr sz="1400" kern="1200" cap="all" baseline="0">
           <a:solidFill>
             <a:schemeClr val="tx1"/>
           </a:solidFill>
+          <a:effectLst>
+            <a:outerShdw blurRad="47625" dist="12700" dir="2700000" algn="tl" rotWithShape="0">
+              <a:srgbClr val="000000">
+                <a:alpha val="36000"/>
+              </a:srgbClr>
+            </a:outerShdw>
+          </a:effectLst>
           <a:latin typeface="+mn-lt"/>
           <a:ea typeface="+mn-ea"/>
           <a:cs typeface="+mn-cs"/>
@@ -3155,17 +6195,27 @@
       </a:lvl5pPr>
       <a:lvl6pPr marL="2514600" indent="-228600" algn="l" defTabSz="914400" rtl="0" eaLnBrk="1" latinLnBrk="0" hangingPunct="1">
         <a:lnSpc>
-          <a:spcPct val="90000"/>
+          <a:spcPct val="120000"/>
         </a:lnSpc>
         <a:spcBef>
           <a:spcPts val="500"/>
         </a:spcBef>
+        <a:buClr>
+          <a:schemeClr val="tx1"/>
+        </a:buClr>
         <a:buFont typeface="Arial" panose="020B0604020202020204" pitchFamily="34" charset="0"/>
         <a:buChar char="•"/>
-        <a:defRPr sz="1800" kern="1200">
+        <a:defRPr sz="1400" kern="1200" cap="all" baseline="0">
           <a:solidFill>
             <a:schemeClr val="tx1"/>
           </a:solidFill>
+          <a:effectLst>
+            <a:outerShdw blurRad="47625" dist="12700" dir="2700000" algn="tl" rotWithShape="0">
+              <a:srgbClr val="000000">
+                <a:alpha val="36000"/>
+              </a:srgbClr>
+            </a:outerShdw>
+          </a:effectLst>
           <a:latin typeface="+mn-lt"/>
           <a:ea typeface="+mn-ea"/>
           <a:cs typeface="+mn-cs"/>
@@ -3173,17 +6223,27 @@
       </a:lvl6pPr>
       <a:lvl7pPr marL="2971800" indent="-228600" algn="l" defTabSz="914400" rtl="0" eaLnBrk="1" latinLnBrk="0" hangingPunct="1">
         <a:lnSpc>
-          <a:spcPct val="90000"/>
+          <a:spcPct val="120000"/>
         </a:lnSpc>
         <a:spcBef>
           <a:spcPts val="500"/>
         </a:spcBef>
+        <a:buClr>
+          <a:schemeClr val="tx1"/>
+        </a:buClr>
         <a:buFont typeface="Arial" panose="020B0604020202020204" pitchFamily="34" charset="0"/>
         <a:buChar char="•"/>
-        <a:defRPr sz="1800" kern="1200">
+        <a:defRPr sz="1400" kern="1200" cap="all" baseline="0">
           <a:solidFill>
             <a:schemeClr val="tx1"/>
           </a:solidFill>
+          <a:effectLst>
+            <a:outerShdw blurRad="47625" dist="12700" dir="2700000" algn="tl" rotWithShape="0">
+              <a:srgbClr val="000000">
+                <a:alpha val="36000"/>
+              </a:srgbClr>
+            </a:outerShdw>
+          </a:effectLst>
           <a:latin typeface="+mn-lt"/>
           <a:ea typeface="+mn-ea"/>
           <a:cs typeface="+mn-cs"/>
@@ -3191,17 +6251,27 @@
       </a:lvl7pPr>
       <a:lvl8pPr marL="3429000" indent="-228600" algn="l" defTabSz="914400" rtl="0" eaLnBrk="1" latinLnBrk="0" hangingPunct="1">
         <a:lnSpc>
-          <a:spcPct val="90000"/>
+          <a:spcPct val="120000"/>
         </a:lnSpc>
         <a:spcBef>
           <a:spcPts val="500"/>
         </a:spcBef>
+        <a:buClr>
+          <a:schemeClr val="tx1"/>
+        </a:buClr>
         <a:buFont typeface="Arial" panose="020B0604020202020204" pitchFamily="34" charset="0"/>
         <a:buChar char="•"/>
-        <a:defRPr sz="1800" kern="1200">
+        <a:defRPr sz="1400" kern="1200" cap="all" baseline="0">
           <a:solidFill>
             <a:schemeClr val="tx1"/>
           </a:solidFill>
+          <a:effectLst>
+            <a:outerShdw blurRad="47625" dist="12700" dir="2700000" algn="tl" rotWithShape="0">
+              <a:srgbClr val="000000">
+                <a:alpha val="36000"/>
+              </a:srgbClr>
+            </a:outerShdw>
+          </a:effectLst>
           <a:latin typeface="+mn-lt"/>
           <a:ea typeface="+mn-ea"/>
           <a:cs typeface="+mn-cs"/>
@@ -3209,17 +6279,27 @@
       </a:lvl8pPr>
       <a:lvl9pPr marL="3886200" indent="-228600" algn="l" defTabSz="914400" rtl="0" eaLnBrk="1" latinLnBrk="0" hangingPunct="1">
         <a:lnSpc>
-          <a:spcPct val="90000"/>
+          <a:spcPct val="120000"/>
         </a:lnSpc>
         <a:spcBef>
           <a:spcPts val="500"/>
         </a:spcBef>
+        <a:buClr>
+          <a:schemeClr val="tx1"/>
+        </a:buClr>
         <a:buFont typeface="Arial" panose="020B0604020202020204" pitchFamily="34" charset="0"/>
         <a:buChar char="•"/>
-        <a:defRPr sz="1800" kern="1200">
+        <a:defRPr sz="1400" kern="1200" cap="all" baseline="0">
           <a:solidFill>
             <a:schemeClr val="tx1"/>
           </a:solidFill>
+          <a:effectLst>
+            <a:outerShdw blurRad="47625" dist="12700" dir="2700000" algn="tl" rotWithShape="0">
+              <a:srgbClr val="000000">
+                <a:alpha val="36000"/>
+              </a:srgbClr>
+            </a:outerShdw>
+          </a:effectLst>
           <a:latin typeface="+mn-lt"/>
           <a:ea typeface="+mn-ea"/>
           <a:cs typeface="+mn-cs"/>
@@ -3360,8 +6440,8 @@
         </p:nvSpPr>
         <p:spPr>
           <a:xfrm>
-            <a:off x="1524000" y="1122363"/>
-            <a:ext cx="9144000" cy="1104002"/>
+            <a:off x="1524000" y="530087"/>
+            <a:ext cx="9144000" cy="1696278"/>
           </a:xfrm>
         </p:spPr>
         <p:txBody>
@@ -3371,7 +6451,10 @@
           <a:lstStyle/>
           <a:p>
             <a:r>
-              <a:rPr lang="en-US">
+              <a:rPr lang="en-US" sz="8000" b="1" i="1">
+                <a:solidFill>
+                  <a:srgbClr val="C00000"/>
+                </a:solidFill>
                 <a:latin typeface="Times New Roman" panose="02020603050405020304" pitchFamily="18" charset="0"/>
                 <a:cs typeface="Times New Roman" panose="02020603050405020304" pitchFamily="18" charset="0"/>
               </a:rPr>
@@ -3398,33 +6481,43 @@
         </p:nvSpPr>
         <p:spPr>
           <a:xfrm>
-            <a:off x="1524000" y="2491409"/>
-            <a:ext cx="9144000" cy="3988904"/>
+            <a:off x="1523999" y="2491408"/>
+            <a:ext cx="9833113" cy="4002157"/>
           </a:xfrm>
         </p:spPr>
         <p:txBody>
           <a:bodyPr>
-            <a:normAutofit/>
+            <a:noAutofit/>
           </a:bodyPr>
           <a:lstStyle/>
           <a:p>
             <a:pPr algn="l"/>
             <a:r>
-              <a:rPr lang="en-US">
+              <a:rPr lang="en-US" sz="2800" b="1">
+                <a:solidFill>
+                  <a:srgbClr val="C00000"/>
+                </a:solidFill>
                 <a:latin typeface="Times New Roman" panose="02020603050405020304" pitchFamily="18" charset="0"/>
                 <a:cs typeface="Times New Roman" panose="02020603050405020304" pitchFamily="18" charset="0"/>
               </a:rPr>
-              <a:t>GVHD: Võ Văn L</a:t>
-            </a:r>
-            <a:r>
-              <a:rPr lang="vi-VN">
+              <a:t>GVHD: </a:t>
+            </a:r>
+            <a:r>
+              <a:rPr lang="en-US" sz="2800">
+                <a:latin typeface="Times New Roman" panose="02020603050405020304" pitchFamily="18" charset="0"/>
+                <a:cs typeface="Times New Roman" panose="02020603050405020304" pitchFamily="18" charset="0"/>
+              </a:rPr>
+              <a:t>Võ Văn L</a:t>
+            </a:r>
+            <a:r>
+              <a:rPr lang="vi-VN" sz="2800">
                 <a:latin typeface="Times New Roman" panose="02020603050405020304" pitchFamily="18" charset="0"/>
                 <a:cs typeface="Times New Roman" panose="02020603050405020304" pitchFamily="18" charset="0"/>
               </a:rPr>
               <a:t>ư</a:t>
             </a:r>
             <a:r>
-              <a:rPr lang="en-US">
+              <a:rPr lang="en-US" sz="2800">
                 <a:latin typeface="Times New Roman" panose="02020603050405020304" pitchFamily="18" charset="0"/>
                 <a:cs typeface="Times New Roman" panose="02020603050405020304" pitchFamily="18" charset="0"/>
               </a:rPr>
@@ -3434,7 +6527,10 @@
           <a:p>
             <a:pPr algn="l"/>
             <a:r>
-              <a:rPr lang="en-US">
+              <a:rPr lang="en-US" sz="2800" b="1">
+                <a:solidFill>
+                  <a:srgbClr val="C00000"/>
+                </a:solidFill>
                 <a:latin typeface="Times New Roman" panose="02020603050405020304" pitchFamily="18" charset="0"/>
                 <a:cs typeface="Times New Roman" panose="02020603050405020304" pitchFamily="18" charset="0"/>
               </a:rPr>
@@ -3442,11 +6538,11 @@
             </a:r>
           </a:p>
           <a:p>
-            <a:pPr marL="457200" indent="-457200" algn="l">
+            <a:pPr marL="1371600" lvl="2" indent="-457200" algn="l">
               <a:buAutoNum type="arabicPeriod"/>
             </a:pPr>
             <a:r>
-              <a:rPr lang="en-US">
+              <a:rPr lang="en-US" sz="2600">
                 <a:latin typeface="Times New Roman" panose="02020603050405020304" pitchFamily="18" charset="0"/>
                 <a:cs typeface="Times New Roman" panose="02020603050405020304" pitchFamily="18" charset="0"/>
               </a:rPr>
@@ -3454,11 +6550,11 @@
             </a:r>
           </a:p>
           <a:p>
-            <a:pPr marL="457200" indent="-457200" algn="l">
+            <a:pPr marL="1371600" lvl="2" indent="-457200" algn="l">
               <a:buAutoNum type="arabicPeriod"/>
             </a:pPr>
             <a:r>
-              <a:rPr lang="en-US">
+              <a:rPr lang="en-US" sz="2600">
                 <a:latin typeface="Times New Roman" panose="02020603050405020304" pitchFamily="18" charset="0"/>
                 <a:cs typeface="Times New Roman" panose="02020603050405020304" pitchFamily="18" charset="0"/>
               </a:rPr>
@@ -3466,11 +6562,11 @@
             </a:r>
           </a:p>
           <a:p>
-            <a:pPr marL="457200" indent="-457200" algn="l">
+            <a:pPr marL="1371600" lvl="2" indent="-457200" algn="l">
               <a:buAutoNum type="arabicPeriod"/>
             </a:pPr>
             <a:r>
-              <a:rPr lang="en-US">
+              <a:rPr lang="en-US" sz="2600">
                 <a:latin typeface="Times New Roman" panose="02020603050405020304" pitchFamily="18" charset="0"/>
                 <a:cs typeface="Times New Roman" panose="02020603050405020304" pitchFamily="18" charset="0"/>
               </a:rPr>
@@ -3478,11 +6574,11 @@
             </a:r>
           </a:p>
           <a:p>
-            <a:pPr marL="457200" indent="-457200" algn="l">
+            <a:pPr marL="1371600" lvl="2" indent="-457200" algn="l">
               <a:buAutoNum type="arabicPeriod"/>
             </a:pPr>
             <a:r>
-              <a:rPr lang="en-US">
+              <a:rPr lang="en-US" sz="2600">
                 <a:latin typeface="Times New Roman" panose="02020603050405020304" pitchFamily="18" charset="0"/>
                 <a:cs typeface="Times New Roman" panose="02020603050405020304" pitchFamily="18" charset="0"/>
               </a:rPr>
@@ -3490,11 +6586,11 @@
             </a:r>
           </a:p>
           <a:p>
-            <a:pPr marL="457200" indent="-457200" algn="l">
+            <a:pPr marL="1371600" lvl="2" indent="-457200" algn="l">
               <a:buAutoNum type="arabicPeriod"/>
             </a:pPr>
             <a:r>
-              <a:rPr lang="en-US">
+              <a:rPr lang="en-US" sz="2600">
                 <a:latin typeface="Times New Roman" panose="02020603050405020304" pitchFamily="18" charset="0"/>
                 <a:cs typeface="Times New Roman" panose="02020603050405020304" pitchFamily="18" charset="0"/>
               </a:rPr>
@@ -3516,10 +6612,2317 @@
 </p:sld>
 </file>
 
+<file path=ppt/slides/slide10.xml><?xml version="1.0" encoding="utf-8"?>
+<p:sld xmlns:a="http://schemas.openxmlformats.org/drawingml/2006/main" xmlns:r="http://schemas.openxmlformats.org/officeDocument/2006/relationships" xmlns:p="http://schemas.openxmlformats.org/presentationml/2006/main">
+  <p:cSld>
+    <p:spTree>
+      <p:nvGrpSpPr>
+        <p:cNvPr id="1" name=""/>
+        <p:cNvGrpSpPr/>
+        <p:nvPr/>
+      </p:nvGrpSpPr>
+      <p:grpSpPr>
+        <a:xfrm>
+          <a:off x="0" y="0"/>
+          <a:ext cx="0" cy="0"/>
+          <a:chOff x="0" y="0"/>
+          <a:chExt cx="0" cy="0"/>
+        </a:xfrm>
+      </p:grpSpPr>
+      <p:sp>
+        <p:nvSpPr>
+          <p:cNvPr id="2" name="Hộp Văn bản 1">
+            <a:extLst>
+              <a:ext uri="{FF2B5EF4-FFF2-40B4-BE49-F238E27FC236}">
+                <a16:creationId xmlns:a16="http://schemas.microsoft.com/office/drawing/2014/main" id="{6EE21E23-5BD4-4196-9777-6D9D8CD47783}"/>
+              </a:ext>
+            </a:extLst>
+          </p:cNvPr>
+          <p:cNvSpPr txBox="1"/>
+          <p:nvPr/>
+        </p:nvSpPr>
+        <p:spPr>
+          <a:xfrm>
+            <a:off x="3657600" y="1828800"/>
+            <a:ext cx="7354957" cy="3445565"/>
+          </a:xfrm>
+          <a:prstGeom prst="rect">
+            <a:avLst/>
+          </a:prstGeom>
+          <a:noFill/>
+        </p:spPr>
+        <p:txBody>
+          <a:bodyPr wrap="square" rtlCol="0">
+            <a:spAutoFit/>
+          </a:bodyPr>
+          <a:lstStyle/>
+          <a:p>
+            <a:endParaRPr lang="en-US"/>
+          </a:p>
+        </p:txBody>
+      </p:sp>
+      <p:pic>
+        <p:nvPicPr>
+          <p:cNvPr id="4" name="Hình ảnh 3">
+            <a:extLst>
+              <a:ext uri="{FF2B5EF4-FFF2-40B4-BE49-F238E27FC236}">
+                <a16:creationId xmlns:a16="http://schemas.microsoft.com/office/drawing/2014/main" id="{DD5E9800-C4B5-442E-B3AC-B65A46691CC2}"/>
+              </a:ext>
+            </a:extLst>
+          </p:cNvPr>
+          <p:cNvPicPr>
+            <a:picLocks noChangeAspect="1"/>
+          </p:cNvPicPr>
+          <p:nvPr/>
+        </p:nvPicPr>
+        <p:blipFill>
+          <a:blip r:embed="rId2">
+            <a:extLst>
+              <a:ext uri="{28A0092B-C50C-407E-A947-70E740481C1C}">
+                <a14:useLocalDpi xmlns:a14="http://schemas.microsoft.com/office/drawing/2010/main" val="0"/>
+              </a:ext>
+            </a:extLst>
+          </a:blip>
+          <a:stretch>
+            <a:fillRect/>
+          </a:stretch>
+        </p:blipFill>
+        <p:spPr>
+          <a:xfrm>
+            <a:off x="2333120" y="1828800"/>
+            <a:ext cx="8374637" cy="3445565"/>
+          </a:xfrm>
+          <a:prstGeom prst="rect">
+            <a:avLst/>
+          </a:prstGeom>
+        </p:spPr>
+      </p:pic>
+    </p:spTree>
+    <p:extLst>
+      <p:ext uri="{BB962C8B-B14F-4D97-AF65-F5344CB8AC3E}">
+        <p14:creationId xmlns:p14="http://schemas.microsoft.com/office/powerpoint/2010/main" val="1452903074"/>
+      </p:ext>
+    </p:extLst>
+  </p:cSld>
+  <p:clrMapOvr>
+    <a:masterClrMapping/>
+  </p:clrMapOvr>
+</p:sld>
+</file>
+
+<file path=ppt/slides/slide2.xml><?xml version="1.0" encoding="utf-8"?>
+<p:sld xmlns:a="http://schemas.openxmlformats.org/drawingml/2006/main" xmlns:r="http://schemas.openxmlformats.org/officeDocument/2006/relationships" xmlns:p="http://schemas.openxmlformats.org/presentationml/2006/main">
+  <p:cSld>
+    <p:spTree>
+      <p:nvGrpSpPr>
+        <p:cNvPr id="1" name=""/>
+        <p:cNvGrpSpPr/>
+        <p:nvPr/>
+      </p:nvGrpSpPr>
+      <p:grpSpPr>
+        <a:xfrm>
+          <a:off x="0" y="0"/>
+          <a:ext cx="0" cy="0"/>
+          <a:chOff x="0" y="0"/>
+          <a:chExt cx="0" cy="0"/>
+        </a:xfrm>
+      </p:grpSpPr>
+      <p:sp>
+        <p:nvSpPr>
+          <p:cNvPr id="2" name="Tiêu đề 1">
+            <a:extLst>
+              <a:ext uri="{FF2B5EF4-FFF2-40B4-BE49-F238E27FC236}">
+                <a16:creationId xmlns:a16="http://schemas.microsoft.com/office/drawing/2014/main" id="{FCE357BF-54DA-419D-B694-1E969F7C39A1}"/>
+              </a:ext>
+            </a:extLst>
+          </p:cNvPr>
+          <p:cNvSpPr>
+            <a:spLocks noGrp="1"/>
+          </p:cNvSpPr>
+          <p:nvPr>
+            <p:ph type="title"/>
+          </p:nvPr>
+        </p:nvSpPr>
+        <p:spPr/>
+        <p:txBody>
+          <a:bodyPr/>
+          <a:lstStyle/>
+          <a:p>
+            <a:r>
+              <a:rPr lang="en-US" b="1">
+                <a:solidFill>
+                  <a:srgbClr val="C00000"/>
+                </a:solidFill>
+                <a:latin typeface="Times New Roman" panose="02020603050405020304" pitchFamily="18" charset="0"/>
+                <a:cs typeface="Times New Roman" panose="02020603050405020304" pitchFamily="18" charset="0"/>
+              </a:rPr>
+              <a:t>H</a:t>
+            </a:r>
+            <a:r>
+              <a:rPr lang="vi-VN" b="1">
+                <a:solidFill>
+                  <a:srgbClr val="C00000"/>
+                </a:solidFill>
+                <a:latin typeface="Times New Roman" panose="02020603050405020304" pitchFamily="18" charset="0"/>
+                <a:cs typeface="Times New Roman" panose="02020603050405020304" pitchFamily="18" charset="0"/>
+              </a:rPr>
+              <a:t>ư</a:t>
+            </a:r>
+            <a:r>
+              <a:rPr lang="en-US" b="1">
+                <a:solidFill>
+                  <a:srgbClr val="C00000"/>
+                </a:solidFill>
+                <a:latin typeface="Times New Roman" panose="02020603050405020304" pitchFamily="18" charset="0"/>
+                <a:cs typeface="Times New Roman" panose="02020603050405020304" pitchFamily="18" charset="0"/>
+              </a:rPr>
+              <a:t>ớng dẫn sử dụng git</a:t>
+            </a:r>
+          </a:p>
+        </p:txBody>
+      </p:sp>
+      <p:sp>
+        <p:nvSpPr>
+          <p:cNvPr id="3" name="Chỗ dành sẵn cho Nội dung 2">
+            <a:extLst>
+              <a:ext uri="{FF2B5EF4-FFF2-40B4-BE49-F238E27FC236}">
+                <a16:creationId xmlns:a16="http://schemas.microsoft.com/office/drawing/2014/main" id="{EF467264-0087-4487-A50C-05C609888DF3}"/>
+              </a:ext>
+            </a:extLst>
+          </p:cNvPr>
+          <p:cNvSpPr>
+            <a:spLocks noGrp="1"/>
+          </p:cNvSpPr>
+          <p:nvPr>
+            <p:ph idx="1"/>
+          </p:nvPr>
+        </p:nvSpPr>
+        <p:spPr>
+          <a:xfrm>
+            <a:off x="238540" y="2443295"/>
+            <a:ext cx="4748217" cy="2566028"/>
+          </a:xfrm>
+        </p:spPr>
+        <p:txBody>
+          <a:bodyPr>
+            <a:normAutofit/>
+          </a:bodyPr>
+          <a:lstStyle/>
+          <a:p>
+            <a:pPr marL="514350" indent="-514350">
+              <a:buAutoNum type="romanUcPeriod"/>
+            </a:pPr>
+            <a:r>
+              <a:rPr lang="en-US" cap="none">
+                <a:latin typeface="Times New Roman" panose="02020603050405020304" pitchFamily="18" charset="0"/>
+                <a:cs typeface="Times New Roman" panose="02020603050405020304" pitchFamily="18" charset="0"/>
+              </a:rPr>
+              <a:t>Tạo Repo (Repository)</a:t>
+            </a:r>
+          </a:p>
+          <a:p>
+            <a:pPr marL="971550" lvl="1" indent="-514350">
+              <a:buFont typeface="+mj-lt"/>
+              <a:buAutoNum type="arabicPeriod"/>
+            </a:pPr>
+            <a:r>
+              <a:rPr lang="en-US" sz="2000" cap="none">
+                <a:latin typeface="Times New Roman" panose="02020603050405020304" pitchFamily="18" charset="0"/>
+                <a:cs typeface="Times New Roman" panose="02020603050405020304" pitchFamily="18" charset="0"/>
+              </a:rPr>
+              <a:t>Click dầu “+” bên phải màn hình</a:t>
+            </a:r>
+          </a:p>
+          <a:p>
+            <a:pPr marL="457200" lvl="1" indent="0">
+              <a:buNone/>
+            </a:pPr>
+            <a:endParaRPr lang="en-US" sz="2000" cap="none">
+              <a:latin typeface="Times New Roman" panose="02020603050405020304" pitchFamily="18" charset="0"/>
+              <a:cs typeface="Times New Roman" panose="02020603050405020304" pitchFamily="18" charset="0"/>
+            </a:endParaRPr>
+          </a:p>
+        </p:txBody>
+      </p:sp>
+      <p:pic>
+        <p:nvPicPr>
+          <p:cNvPr id="6" name="Picture 2">
+            <a:extLst>
+              <a:ext uri="{FF2B5EF4-FFF2-40B4-BE49-F238E27FC236}">
+                <a16:creationId xmlns:a16="http://schemas.microsoft.com/office/drawing/2014/main" id="{0FDD62D0-AC35-4472-A26A-2E7E8F6B5F42}"/>
+              </a:ext>
+            </a:extLst>
+          </p:cNvPr>
+          <p:cNvPicPr/>
+          <p:nvPr/>
+        </p:nvPicPr>
+        <p:blipFill>
+          <a:blip r:embed="rId2"/>
+          <a:stretch>
+            <a:fillRect/>
+          </a:stretch>
+        </p:blipFill>
+        <p:spPr>
+          <a:xfrm>
+            <a:off x="4939747" y="2009285"/>
+            <a:ext cx="7013713" cy="4378264"/>
+          </a:xfrm>
+          <a:prstGeom prst="rect">
+            <a:avLst/>
+          </a:prstGeom>
+        </p:spPr>
+      </p:pic>
+    </p:spTree>
+    <p:extLst>
+      <p:ext uri="{BB962C8B-B14F-4D97-AF65-F5344CB8AC3E}">
+        <p14:creationId xmlns:p14="http://schemas.microsoft.com/office/powerpoint/2010/main" val="750086539"/>
+      </p:ext>
+    </p:extLst>
+  </p:cSld>
+  <p:clrMapOvr>
+    <a:masterClrMapping/>
+  </p:clrMapOvr>
+</p:sld>
+</file>
+
+<file path=ppt/slides/slide3.xml><?xml version="1.0" encoding="utf-8"?>
+<p:sld xmlns:a="http://schemas.openxmlformats.org/drawingml/2006/main" xmlns:r="http://schemas.openxmlformats.org/officeDocument/2006/relationships" xmlns:p="http://schemas.openxmlformats.org/presentationml/2006/main">
+  <p:cSld>
+    <p:spTree>
+      <p:nvGrpSpPr>
+        <p:cNvPr id="1" name=""/>
+        <p:cNvGrpSpPr/>
+        <p:nvPr/>
+      </p:nvGrpSpPr>
+      <p:grpSpPr>
+        <a:xfrm>
+          <a:off x="0" y="0"/>
+          <a:ext cx="0" cy="0"/>
+          <a:chOff x="0" y="0"/>
+          <a:chExt cx="0" cy="0"/>
+        </a:xfrm>
+      </p:grpSpPr>
+      <p:sp>
+        <p:nvSpPr>
+          <p:cNvPr id="2" name="Tiêu đề 1">
+            <a:extLst>
+              <a:ext uri="{FF2B5EF4-FFF2-40B4-BE49-F238E27FC236}">
+                <a16:creationId xmlns:a16="http://schemas.microsoft.com/office/drawing/2014/main" id="{FCE357BF-54DA-419D-B694-1E969F7C39A1}"/>
+              </a:ext>
+            </a:extLst>
+          </p:cNvPr>
+          <p:cNvSpPr>
+            <a:spLocks noGrp="1"/>
+          </p:cNvSpPr>
+          <p:nvPr>
+            <p:ph type="title"/>
+          </p:nvPr>
+        </p:nvSpPr>
+        <p:spPr>
+          <a:xfrm>
+            <a:off x="913775" y="618518"/>
+            <a:ext cx="10364451" cy="1336892"/>
+          </a:xfrm>
+        </p:spPr>
+        <p:txBody>
+          <a:bodyPr/>
+          <a:lstStyle/>
+          <a:p>
+            <a:r>
+              <a:rPr lang="en-US" b="1">
+                <a:solidFill>
+                  <a:srgbClr val="C00000"/>
+                </a:solidFill>
+                <a:latin typeface="Times New Roman" panose="02020603050405020304" pitchFamily="18" charset="0"/>
+                <a:cs typeface="Times New Roman" panose="02020603050405020304" pitchFamily="18" charset="0"/>
+              </a:rPr>
+              <a:t>H</a:t>
+            </a:r>
+            <a:r>
+              <a:rPr lang="vi-VN" b="1">
+                <a:solidFill>
+                  <a:srgbClr val="C00000"/>
+                </a:solidFill>
+                <a:latin typeface="Times New Roman" panose="02020603050405020304" pitchFamily="18" charset="0"/>
+                <a:cs typeface="Times New Roman" panose="02020603050405020304" pitchFamily="18" charset="0"/>
+              </a:rPr>
+              <a:t>ư</a:t>
+            </a:r>
+            <a:r>
+              <a:rPr lang="en-US" b="1">
+                <a:solidFill>
+                  <a:srgbClr val="C00000"/>
+                </a:solidFill>
+                <a:latin typeface="Times New Roman" panose="02020603050405020304" pitchFamily="18" charset="0"/>
+                <a:cs typeface="Times New Roman" panose="02020603050405020304" pitchFamily="18" charset="0"/>
+              </a:rPr>
+              <a:t>ớng dẫn sử dụng git</a:t>
+            </a:r>
+          </a:p>
+        </p:txBody>
+      </p:sp>
+      <p:sp>
+        <p:nvSpPr>
+          <p:cNvPr id="3" name="Chỗ dành sẵn cho Nội dung 2">
+            <a:extLst>
+              <a:ext uri="{FF2B5EF4-FFF2-40B4-BE49-F238E27FC236}">
+                <a16:creationId xmlns:a16="http://schemas.microsoft.com/office/drawing/2014/main" id="{EF467264-0087-4487-A50C-05C609888DF3}"/>
+              </a:ext>
+            </a:extLst>
+          </p:cNvPr>
+          <p:cNvSpPr>
+            <a:spLocks noGrp="1"/>
+          </p:cNvSpPr>
+          <p:nvPr>
+            <p:ph idx="1"/>
+          </p:nvPr>
+        </p:nvSpPr>
+        <p:spPr>
+          <a:xfrm>
+            <a:off x="-304798" y="2614311"/>
+            <a:ext cx="5791198" cy="3428680"/>
+          </a:xfrm>
+        </p:spPr>
+        <p:txBody>
+          <a:bodyPr>
+            <a:noAutofit/>
+          </a:bodyPr>
+          <a:lstStyle/>
+          <a:p>
+            <a:pPr marL="457200" lvl="1" indent="0">
+              <a:buNone/>
+            </a:pPr>
+            <a:r>
+              <a:rPr lang="en-US" sz="2000" cap="none">
+                <a:latin typeface="Times New Roman" panose="02020603050405020304" pitchFamily="18" charset="0"/>
+                <a:cs typeface="Times New Roman" panose="02020603050405020304" pitchFamily="18" charset="0"/>
+              </a:rPr>
+              <a:t>II.</a:t>
+            </a:r>
+            <a:r>
+              <a:rPr lang="en-US" sz="2000" cap="none">
+                <a:latin typeface="Times New Roman" panose="02020603050405020304" pitchFamily="18" charset="0"/>
+                <a:ea typeface="MS Mincho" panose="02020609040205080304" pitchFamily="49" charset="-128"/>
+              </a:rPr>
+              <a:t>  Sau đó nhấn New repository sẽ xuất hiện trang để ta điền thông tin và tạo</a:t>
+            </a:r>
+            <a:endParaRPr lang="en-US" sz="2000" cap="none"/>
+          </a:p>
+          <a:p>
+            <a:pPr lvl="2">
+              <a:lnSpc>
+                <a:spcPct val="115000"/>
+              </a:lnSpc>
+              <a:spcBef>
+                <a:spcPts val="0"/>
+              </a:spcBef>
+              <a:buFont typeface="+mj-lt"/>
+              <a:buAutoNum type="romanLcPeriod"/>
+            </a:pPr>
+            <a:r>
+              <a:rPr lang="en-US" sz="2000" cap="none">
+                <a:latin typeface="Times New Roman" panose="02020603050405020304" pitchFamily="18" charset="0"/>
+                <a:cs typeface="Times New Roman" panose="02020603050405020304" pitchFamily="18" charset="0"/>
+              </a:rPr>
+              <a:t> </a:t>
+            </a:r>
+            <a:r>
+              <a:rPr lang="en-US" sz="2000" cap="none">
+                <a:latin typeface="Times New Roman" panose="02020603050405020304" pitchFamily="18" charset="0"/>
+                <a:ea typeface="MS Mincho" panose="02020609040205080304" pitchFamily="49" charset="-128"/>
+                <a:cs typeface="Times New Roman" panose="02020603050405020304" pitchFamily="18" charset="0"/>
+              </a:rPr>
+              <a:t>Repository Name </a:t>
+            </a:r>
+            <a:r>
+              <a:rPr lang="en-US" sz="2000">
+                <a:latin typeface="Times New Roman" panose="02020603050405020304" pitchFamily="18" charset="0"/>
+                <a:ea typeface="MS Mincho" panose="02020609040205080304" pitchFamily="49" charset="-128"/>
+                <a:cs typeface="Times New Roman" panose="02020603050405020304" pitchFamily="18" charset="0"/>
+              </a:rPr>
+              <a:t>: </a:t>
+            </a:r>
+            <a:r>
+              <a:rPr lang="en-US" sz="2000" cap="none">
+                <a:latin typeface="Times New Roman" panose="02020603050405020304" pitchFamily="18" charset="0"/>
+                <a:ea typeface="MS Mincho" panose="02020609040205080304" pitchFamily="49" charset="-128"/>
+                <a:cs typeface="Times New Roman" panose="02020603050405020304" pitchFamily="18" charset="0"/>
+              </a:rPr>
+              <a:t>ghi tên dự án ta muốn lưu </a:t>
+            </a:r>
+            <a:endParaRPr lang="en-US" sz="2000">
+              <a:latin typeface="Calibri" panose="020F0502020204030204" pitchFamily="34" charset="0"/>
+              <a:ea typeface="MS Mincho" panose="02020609040205080304" pitchFamily="49" charset="-128"/>
+              <a:cs typeface="Times New Roman" panose="02020603050405020304" pitchFamily="18" charset="0"/>
+            </a:endParaRPr>
+          </a:p>
+          <a:p>
+            <a:pPr lvl="2">
+              <a:lnSpc>
+                <a:spcPct val="115000"/>
+              </a:lnSpc>
+              <a:spcBef>
+                <a:spcPts val="0"/>
+              </a:spcBef>
+              <a:buFont typeface="+mj-lt"/>
+              <a:buAutoNum type="romanLcPeriod"/>
+            </a:pPr>
+            <a:r>
+              <a:rPr lang="en-US" sz="2000" cap="none">
+                <a:latin typeface="Times New Roman" panose="02020603050405020304" pitchFamily="18" charset="0"/>
+                <a:ea typeface="MS Mincho" panose="02020609040205080304" pitchFamily="49" charset="-128"/>
+                <a:cs typeface="Times New Roman" panose="02020603050405020304" pitchFamily="18" charset="0"/>
+              </a:rPr>
+              <a:t>Description</a:t>
+            </a:r>
+            <a:r>
+              <a:rPr lang="en-US" sz="2000">
+                <a:latin typeface="Times New Roman" panose="02020603050405020304" pitchFamily="18" charset="0"/>
+                <a:ea typeface="MS Mincho" panose="02020609040205080304" pitchFamily="49" charset="-128"/>
+                <a:cs typeface="Times New Roman" panose="02020603050405020304" pitchFamily="18" charset="0"/>
+              </a:rPr>
+              <a:t> : </a:t>
+            </a:r>
+            <a:r>
+              <a:rPr lang="en-US" sz="2000" cap="none">
+                <a:latin typeface="Times New Roman" panose="02020603050405020304" pitchFamily="18" charset="0"/>
+                <a:ea typeface="MS Mincho" panose="02020609040205080304" pitchFamily="49" charset="-128"/>
+                <a:cs typeface="Times New Roman" panose="02020603050405020304" pitchFamily="18" charset="0"/>
+              </a:rPr>
+              <a:t>ghi miêu tả ( có thể có hoặc không)</a:t>
+            </a:r>
+            <a:endParaRPr lang="en-US" sz="2000">
+              <a:latin typeface="Calibri" panose="020F0502020204030204" pitchFamily="34" charset="0"/>
+              <a:ea typeface="MS Mincho" panose="02020609040205080304" pitchFamily="49" charset="-128"/>
+              <a:cs typeface="Times New Roman" panose="02020603050405020304" pitchFamily="18" charset="0"/>
+            </a:endParaRPr>
+          </a:p>
+          <a:p>
+            <a:pPr lvl="2">
+              <a:lnSpc>
+                <a:spcPct val="115000"/>
+              </a:lnSpc>
+              <a:spcBef>
+                <a:spcPts val="0"/>
+              </a:spcBef>
+              <a:buFont typeface="+mj-lt"/>
+              <a:buAutoNum type="romanLcPeriod"/>
+            </a:pPr>
+            <a:r>
+              <a:rPr lang="en-US" sz="2000" cap="none">
+                <a:latin typeface="Times New Roman" panose="02020603050405020304" pitchFamily="18" charset="0"/>
+                <a:ea typeface="MS Mincho" panose="02020609040205080304" pitchFamily="49" charset="-128"/>
+                <a:cs typeface="Times New Roman" panose="02020603050405020304" pitchFamily="18" charset="0"/>
+              </a:rPr>
+              <a:t> Ta chọn “public” hoặc “private” cho dự án </a:t>
+            </a:r>
+            <a:endParaRPr lang="en-US" sz="2000" cap="none">
+              <a:latin typeface="Calibri" panose="020F0502020204030204" pitchFamily="34" charset="0"/>
+              <a:ea typeface="MS Mincho" panose="02020609040205080304" pitchFamily="49" charset="-128"/>
+              <a:cs typeface="Times New Roman" panose="02020603050405020304" pitchFamily="18" charset="0"/>
+            </a:endParaRPr>
+          </a:p>
+          <a:p>
+            <a:pPr lvl="2">
+              <a:lnSpc>
+                <a:spcPct val="115000"/>
+              </a:lnSpc>
+              <a:spcBef>
+                <a:spcPts val="0"/>
+              </a:spcBef>
+              <a:spcAft>
+                <a:spcPts val="1000"/>
+              </a:spcAft>
+              <a:buFont typeface="+mj-lt"/>
+              <a:buAutoNum type="romanLcPeriod"/>
+            </a:pPr>
+            <a:r>
+              <a:rPr lang="en-US" sz="2000" cap="none">
+                <a:latin typeface="Times New Roman" panose="02020603050405020304" pitchFamily="18" charset="0"/>
+                <a:ea typeface="MS Mincho" panose="02020609040205080304" pitchFamily="49" charset="-128"/>
+                <a:cs typeface="Times New Roman" panose="02020603050405020304" pitchFamily="18" charset="0"/>
+              </a:rPr>
+              <a:t> Có thể click chọn tạo readme hoặc không.</a:t>
+            </a:r>
+            <a:endParaRPr lang="en-US" sz="2000" cap="none">
+              <a:effectLst/>
+              <a:latin typeface="Calibri" panose="020F0502020204030204" pitchFamily="34" charset="0"/>
+              <a:ea typeface="MS Mincho" panose="02020609040205080304" pitchFamily="49" charset="-128"/>
+              <a:cs typeface="Times New Roman" panose="02020603050405020304" pitchFamily="18" charset="0"/>
+            </a:endParaRPr>
+          </a:p>
+          <a:p>
+            <a:pPr marL="457200" lvl="1" indent="0">
+              <a:buNone/>
+            </a:pPr>
+            <a:endParaRPr lang="en-US" sz="2000" cap="none">
+              <a:latin typeface="Times New Roman" panose="02020603050405020304" pitchFamily="18" charset="0"/>
+              <a:cs typeface="Times New Roman" panose="02020603050405020304" pitchFamily="18" charset="0"/>
+            </a:endParaRPr>
+          </a:p>
+        </p:txBody>
+      </p:sp>
+      <p:pic>
+        <p:nvPicPr>
+          <p:cNvPr id="11" name="Picture 1">
+            <a:extLst>
+              <a:ext uri="{FF2B5EF4-FFF2-40B4-BE49-F238E27FC236}">
+                <a16:creationId xmlns:a16="http://schemas.microsoft.com/office/drawing/2014/main" id="{6F15B74D-8962-466A-9AB6-E2EDB5852B55}"/>
+              </a:ext>
+            </a:extLst>
+          </p:cNvPr>
+          <p:cNvPicPr/>
+          <p:nvPr/>
+        </p:nvPicPr>
+        <p:blipFill>
+          <a:blip r:embed="rId2"/>
+          <a:stretch>
+            <a:fillRect/>
+          </a:stretch>
+        </p:blipFill>
+        <p:spPr>
+          <a:xfrm>
+            <a:off x="5486401" y="2096214"/>
+            <a:ext cx="6705600" cy="4450360"/>
+          </a:xfrm>
+          <a:prstGeom prst="rect">
+            <a:avLst/>
+          </a:prstGeom>
+        </p:spPr>
+      </p:pic>
+    </p:spTree>
+    <p:extLst>
+      <p:ext uri="{BB962C8B-B14F-4D97-AF65-F5344CB8AC3E}">
+        <p14:creationId xmlns:p14="http://schemas.microsoft.com/office/powerpoint/2010/main" val="205485399"/>
+      </p:ext>
+    </p:extLst>
+  </p:cSld>
+  <p:clrMapOvr>
+    <a:masterClrMapping/>
+  </p:clrMapOvr>
+</p:sld>
+</file>
+
+<file path=ppt/slides/slide4.xml><?xml version="1.0" encoding="utf-8"?>
+<p:sld xmlns:a="http://schemas.openxmlformats.org/drawingml/2006/main" xmlns:r="http://schemas.openxmlformats.org/officeDocument/2006/relationships" xmlns:p="http://schemas.openxmlformats.org/presentationml/2006/main">
+  <p:cSld>
+    <p:spTree>
+      <p:nvGrpSpPr>
+        <p:cNvPr id="1" name=""/>
+        <p:cNvGrpSpPr/>
+        <p:nvPr/>
+      </p:nvGrpSpPr>
+      <p:grpSpPr>
+        <a:xfrm>
+          <a:off x="0" y="0"/>
+          <a:ext cx="0" cy="0"/>
+          <a:chOff x="0" y="0"/>
+          <a:chExt cx="0" cy="0"/>
+        </a:xfrm>
+      </p:grpSpPr>
+      <p:sp>
+        <p:nvSpPr>
+          <p:cNvPr id="2" name="Tiêu đề 1">
+            <a:extLst>
+              <a:ext uri="{FF2B5EF4-FFF2-40B4-BE49-F238E27FC236}">
+                <a16:creationId xmlns:a16="http://schemas.microsoft.com/office/drawing/2014/main" id="{FCE357BF-54DA-419D-B694-1E969F7C39A1}"/>
+              </a:ext>
+            </a:extLst>
+          </p:cNvPr>
+          <p:cNvSpPr>
+            <a:spLocks noGrp="1"/>
+          </p:cNvSpPr>
+          <p:nvPr>
+            <p:ph type="title"/>
+          </p:nvPr>
+        </p:nvSpPr>
+        <p:spPr>
+          <a:xfrm>
+            <a:off x="913775" y="618518"/>
+            <a:ext cx="10364451" cy="1336892"/>
+          </a:xfrm>
+        </p:spPr>
+        <p:txBody>
+          <a:bodyPr/>
+          <a:lstStyle/>
+          <a:p>
+            <a:r>
+              <a:rPr lang="en-US" b="1">
+                <a:solidFill>
+                  <a:srgbClr val="C00000"/>
+                </a:solidFill>
+                <a:latin typeface="Times New Roman" panose="02020603050405020304" pitchFamily="18" charset="0"/>
+                <a:cs typeface="Times New Roman" panose="02020603050405020304" pitchFamily="18" charset="0"/>
+              </a:rPr>
+              <a:t>H</a:t>
+            </a:r>
+            <a:r>
+              <a:rPr lang="vi-VN" b="1">
+                <a:solidFill>
+                  <a:srgbClr val="C00000"/>
+                </a:solidFill>
+                <a:latin typeface="Times New Roman" panose="02020603050405020304" pitchFamily="18" charset="0"/>
+                <a:cs typeface="Times New Roman" panose="02020603050405020304" pitchFamily="18" charset="0"/>
+              </a:rPr>
+              <a:t>ư</a:t>
+            </a:r>
+            <a:r>
+              <a:rPr lang="en-US" b="1">
+                <a:solidFill>
+                  <a:srgbClr val="C00000"/>
+                </a:solidFill>
+                <a:latin typeface="Times New Roman" panose="02020603050405020304" pitchFamily="18" charset="0"/>
+                <a:cs typeface="Times New Roman" panose="02020603050405020304" pitchFamily="18" charset="0"/>
+              </a:rPr>
+              <a:t>ớng dẫn sử dụng git</a:t>
+            </a:r>
+          </a:p>
+        </p:txBody>
+      </p:sp>
+      <p:sp>
+        <p:nvSpPr>
+          <p:cNvPr id="3" name="Chỗ dành sẵn cho Nội dung 2">
+            <a:extLst>
+              <a:ext uri="{FF2B5EF4-FFF2-40B4-BE49-F238E27FC236}">
+                <a16:creationId xmlns:a16="http://schemas.microsoft.com/office/drawing/2014/main" id="{EF467264-0087-4487-A50C-05C609888DF3}"/>
+              </a:ext>
+            </a:extLst>
+          </p:cNvPr>
+          <p:cNvSpPr>
+            <a:spLocks noGrp="1"/>
+          </p:cNvSpPr>
+          <p:nvPr>
+            <p:ph idx="1"/>
+          </p:nvPr>
+        </p:nvSpPr>
+        <p:spPr>
+          <a:xfrm>
+            <a:off x="-304798" y="2614310"/>
+            <a:ext cx="5791198" cy="3455185"/>
+          </a:xfrm>
+        </p:spPr>
+        <p:txBody>
+          <a:bodyPr>
+            <a:noAutofit/>
+          </a:bodyPr>
+          <a:lstStyle/>
+          <a:p>
+            <a:pPr marL="457200" lvl="1" indent="0">
+              <a:buNone/>
+            </a:pPr>
+            <a:r>
+              <a:rPr lang="en-US" sz="2400" cap="none">
+                <a:latin typeface="Times New Roman" panose="02020603050405020304" pitchFamily="18" charset="0"/>
+                <a:cs typeface="Times New Roman" panose="02020603050405020304" pitchFamily="18" charset="0"/>
+              </a:rPr>
+              <a:t>III. </a:t>
+            </a:r>
+            <a:r>
+              <a:rPr lang="en-US" sz="2400" cap="none">
+                <a:latin typeface="Times New Roman" panose="02020603050405020304" pitchFamily="18" charset="0"/>
+                <a:ea typeface="MS Mincho" panose="02020609040205080304" pitchFamily="49" charset="-128"/>
+                <a:cs typeface="Times New Roman" panose="02020603050405020304" pitchFamily="18" charset="0"/>
+              </a:rPr>
+              <a:t>Sau khi điền đầy đủ thông tin ta nhấn create repository</a:t>
+            </a:r>
+            <a:endParaRPr lang="en-US" sz="2400" cap="none">
+              <a:effectLst/>
+              <a:latin typeface="Calibri" panose="020F0502020204030204" pitchFamily="34" charset="0"/>
+              <a:ea typeface="MS Mincho" panose="02020609040205080304" pitchFamily="49" charset="-128"/>
+              <a:cs typeface="Times New Roman" panose="02020603050405020304" pitchFamily="18" charset="0"/>
+            </a:endParaRPr>
+          </a:p>
+          <a:p>
+            <a:pPr marL="457200" lvl="1" indent="0">
+              <a:buNone/>
+            </a:pPr>
+            <a:r>
+              <a:rPr lang="en-US" sz="2400" cap="none">
+                <a:latin typeface="Times New Roman" panose="02020603050405020304" pitchFamily="18" charset="0"/>
+                <a:cs typeface="Times New Roman" panose="02020603050405020304" pitchFamily="18" charset="0"/>
+              </a:rPr>
+              <a:t>IV.</a:t>
+            </a:r>
+            <a:r>
+              <a:rPr lang="en-US" sz="2400">
+                <a:latin typeface="Times New Roman" panose="02020603050405020304" pitchFamily="18" charset="0"/>
+                <a:ea typeface="MS Mincho" panose="02020609040205080304" pitchFamily="49" charset="-128"/>
+                <a:cs typeface="Times New Roman" panose="02020603050405020304" pitchFamily="18" charset="0"/>
+              </a:rPr>
+              <a:t> </a:t>
+            </a:r>
+            <a:r>
+              <a:rPr lang="en-US" sz="2400" cap="none">
+                <a:latin typeface="Times New Roman" panose="02020603050405020304" pitchFamily="18" charset="0"/>
+                <a:ea typeface="MS Mincho" panose="02020609040205080304" pitchFamily="49" charset="-128"/>
+                <a:cs typeface="Times New Roman" panose="02020603050405020304" pitchFamily="18" charset="0"/>
+              </a:rPr>
+              <a:t>Sau khi tạo sẽ có giao diện như sau ( không chọ tạo readmine)</a:t>
+            </a:r>
+          </a:p>
+          <a:p>
+            <a:pPr marL="457200" lvl="1" indent="0">
+              <a:buNone/>
+            </a:pPr>
+            <a:r>
+              <a:rPr lang="en-US" sz="2400" cap="none">
+                <a:latin typeface="Times New Roman" panose="02020603050405020304" pitchFamily="18" charset="0"/>
+                <a:ea typeface="MS Mincho" panose="02020609040205080304" pitchFamily="49" charset="-128"/>
+                <a:cs typeface="Times New Roman" panose="02020603050405020304" pitchFamily="18" charset="0"/>
+              </a:rPr>
+              <a:t>	1. </a:t>
+            </a:r>
+            <a:r>
+              <a:rPr lang="en-US" sz="2400">
+                <a:latin typeface="Times New Roman" panose="02020603050405020304" pitchFamily="18" charset="0"/>
+                <a:ea typeface="MS Mincho" panose="02020609040205080304" pitchFamily="49" charset="-128"/>
+                <a:cs typeface="Times New Roman" panose="02020603050405020304" pitchFamily="18" charset="0"/>
+              </a:rPr>
+              <a:t>HTTPS </a:t>
+            </a:r>
+            <a:r>
+              <a:rPr lang="en-US" sz="2400" cap="none">
+                <a:latin typeface="Times New Roman" panose="02020603050405020304" pitchFamily="18" charset="0"/>
+                <a:ea typeface="MS Mincho" panose="02020609040205080304" pitchFamily="49" charset="-128"/>
+                <a:cs typeface="Times New Roman" panose="02020603050405020304" pitchFamily="18" charset="0"/>
+              </a:rPr>
+              <a:t>và</a:t>
+            </a:r>
+            <a:r>
+              <a:rPr lang="en-US" sz="2400">
+                <a:latin typeface="Times New Roman" panose="02020603050405020304" pitchFamily="18" charset="0"/>
+                <a:ea typeface="MS Mincho" panose="02020609040205080304" pitchFamily="49" charset="-128"/>
+                <a:cs typeface="Times New Roman" panose="02020603050405020304" pitchFamily="18" charset="0"/>
+              </a:rPr>
+              <a:t> SSH </a:t>
+            </a:r>
+            <a:r>
+              <a:rPr lang="en-US" sz="2400" cap="none">
+                <a:latin typeface="Times New Roman" panose="02020603050405020304" pitchFamily="18" charset="0"/>
+                <a:ea typeface="MS Mincho" panose="02020609040205080304" pitchFamily="49" charset="-128"/>
+                <a:cs typeface="Times New Roman" panose="02020603050405020304" pitchFamily="18" charset="0"/>
+              </a:rPr>
+              <a:t>là kiểu đường dẫn để ta có thể chọn tùy ý ( dùng tạo remote)</a:t>
+            </a:r>
+            <a:endParaRPr lang="en-US" sz="2400">
+              <a:effectLst/>
+              <a:latin typeface="Calibri" panose="020F0502020204030204" pitchFamily="34" charset="0"/>
+              <a:ea typeface="MS Mincho" panose="02020609040205080304" pitchFamily="49" charset="-128"/>
+              <a:cs typeface="Times New Roman" panose="02020603050405020304" pitchFamily="18" charset="0"/>
+            </a:endParaRPr>
+          </a:p>
+          <a:p>
+            <a:pPr marL="457200" lvl="1" indent="0">
+              <a:buNone/>
+            </a:pPr>
+            <a:endParaRPr lang="en-US" sz="2400" cap="none">
+              <a:latin typeface="Times New Roman" panose="02020603050405020304" pitchFamily="18" charset="0"/>
+              <a:cs typeface="Times New Roman" panose="02020603050405020304" pitchFamily="18" charset="0"/>
+            </a:endParaRPr>
+          </a:p>
+        </p:txBody>
+      </p:sp>
+      <p:pic>
+        <p:nvPicPr>
+          <p:cNvPr id="12" name="Picture 3">
+            <a:extLst>
+              <a:ext uri="{FF2B5EF4-FFF2-40B4-BE49-F238E27FC236}">
+                <a16:creationId xmlns:a16="http://schemas.microsoft.com/office/drawing/2014/main" id="{ED246121-3B2E-49F2-813A-752F1550DE64}"/>
+              </a:ext>
+            </a:extLst>
+          </p:cNvPr>
+          <p:cNvPicPr/>
+          <p:nvPr/>
+        </p:nvPicPr>
+        <p:blipFill>
+          <a:blip r:embed="rId2"/>
+          <a:stretch>
+            <a:fillRect/>
+          </a:stretch>
+        </p:blipFill>
+        <p:spPr>
+          <a:xfrm>
+            <a:off x="5486400" y="2244103"/>
+            <a:ext cx="6705600" cy="4328975"/>
+          </a:xfrm>
+          <a:prstGeom prst="rect">
+            <a:avLst/>
+          </a:prstGeom>
+        </p:spPr>
+      </p:pic>
+    </p:spTree>
+    <p:extLst>
+      <p:ext uri="{BB962C8B-B14F-4D97-AF65-F5344CB8AC3E}">
+        <p14:creationId xmlns:p14="http://schemas.microsoft.com/office/powerpoint/2010/main" val="1877184628"/>
+      </p:ext>
+    </p:extLst>
+  </p:cSld>
+  <p:clrMapOvr>
+    <a:masterClrMapping/>
+  </p:clrMapOvr>
+</p:sld>
+</file>
+
+<file path=ppt/slides/slide5.xml><?xml version="1.0" encoding="utf-8"?>
+<p:sld xmlns:a="http://schemas.openxmlformats.org/drawingml/2006/main" xmlns:r="http://schemas.openxmlformats.org/officeDocument/2006/relationships" xmlns:p="http://schemas.openxmlformats.org/presentationml/2006/main">
+  <p:cSld>
+    <p:spTree>
+      <p:nvGrpSpPr>
+        <p:cNvPr id="1" name=""/>
+        <p:cNvGrpSpPr/>
+        <p:nvPr/>
+      </p:nvGrpSpPr>
+      <p:grpSpPr>
+        <a:xfrm>
+          <a:off x="0" y="0"/>
+          <a:ext cx="0" cy="0"/>
+          <a:chOff x="0" y="0"/>
+          <a:chExt cx="0" cy="0"/>
+        </a:xfrm>
+      </p:grpSpPr>
+      <p:sp>
+        <p:nvSpPr>
+          <p:cNvPr id="2" name="Tiêu đề 1">
+            <a:extLst>
+              <a:ext uri="{FF2B5EF4-FFF2-40B4-BE49-F238E27FC236}">
+                <a16:creationId xmlns:a16="http://schemas.microsoft.com/office/drawing/2014/main" id="{FCE357BF-54DA-419D-B694-1E969F7C39A1}"/>
+              </a:ext>
+            </a:extLst>
+          </p:cNvPr>
+          <p:cNvSpPr>
+            <a:spLocks noGrp="1"/>
+          </p:cNvSpPr>
+          <p:nvPr>
+            <p:ph type="title"/>
+          </p:nvPr>
+        </p:nvSpPr>
+        <p:spPr>
+          <a:xfrm>
+            <a:off x="913775" y="618518"/>
+            <a:ext cx="10364451" cy="1336892"/>
+          </a:xfrm>
+        </p:spPr>
+        <p:txBody>
+          <a:bodyPr/>
+          <a:lstStyle/>
+          <a:p>
+            <a:r>
+              <a:rPr lang="en-US" b="1">
+                <a:solidFill>
+                  <a:srgbClr val="C00000"/>
+                </a:solidFill>
+                <a:latin typeface="Times New Roman" panose="02020603050405020304" pitchFamily="18" charset="0"/>
+                <a:cs typeface="Times New Roman" panose="02020603050405020304" pitchFamily="18" charset="0"/>
+              </a:rPr>
+              <a:t>H</a:t>
+            </a:r>
+            <a:r>
+              <a:rPr lang="vi-VN" b="1">
+                <a:solidFill>
+                  <a:srgbClr val="C00000"/>
+                </a:solidFill>
+                <a:latin typeface="Times New Roman" panose="02020603050405020304" pitchFamily="18" charset="0"/>
+                <a:cs typeface="Times New Roman" panose="02020603050405020304" pitchFamily="18" charset="0"/>
+              </a:rPr>
+              <a:t>ư</a:t>
+            </a:r>
+            <a:r>
+              <a:rPr lang="en-US" b="1">
+                <a:solidFill>
+                  <a:srgbClr val="C00000"/>
+                </a:solidFill>
+                <a:latin typeface="Times New Roman" panose="02020603050405020304" pitchFamily="18" charset="0"/>
+                <a:cs typeface="Times New Roman" panose="02020603050405020304" pitchFamily="18" charset="0"/>
+              </a:rPr>
+              <a:t>ớng dẫn sử dụng git</a:t>
+            </a:r>
+          </a:p>
+        </p:txBody>
+      </p:sp>
+      <p:sp>
+        <p:nvSpPr>
+          <p:cNvPr id="3" name="Chỗ dành sẵn cho Nội dung 2">
+            <a:extLst>
+              <a:ext uri="{FF2B5EF4-FFF2-40B4-BE49-F238E27FC236}">
+                <a16:creationId xmlns:a16="http://schemas.microsoft.com/office/drawing/2014/main" id="{EF467264-0087-4487-A50C-05C609888DF3}"/>
+              </a:ext>
+            </a:extLst>
+          </p:cNvPr>
+          <p:cNvSpPr>
+            <a:spLocks noGrp="1"/>
+          </p:cNvSpPr>
+          <p:nvPr>
+            <p:ph idx="1"/>
+          </p:nvPr>
+        </p:nvSpPr>
+        <p:spPr>
+          <a:xfrm>
+            <a:off x="384314" y="2097475"/>
+            <a:ext cx="10364451" cy="2805116"/>
+          </a:xfrm>
+        </p:spPr>
+        <p:txBody>
+          <a:bodyPr>
+            <a:noAutofit/>
+          </a:bodyPr>
+          <a:lstStyle/>
+          <a:p>
+            <a:pPr marL="971550" marR="0" lvl="1" indent="-514350">
+              <a:lnSpc>
+                <a:spcPct val="115000"/>
+              </a:lnSpc>
+              <a:spcBef>
+                <a:spcPts val="0"/>
+              </a:spcBef>
+              <a:spcAft>
+                <a:spcPts val="0"/>
+              </a:spcAft>
+              <a:buAutoNum type="romanUcPeriod" startAt="5"/>
+            </a:pPr>
+            <a:r>
+              <a:rPr lang="en-US" sz="2400" cap="none">
+                <a:latin typeface="Times New Roman" panose="02020603050405020304" pitchFamily="18" charset="0"/>
+                <a:ea typeface="MS Mincho" panose="02020609040205080304" pitchFamily="49" charset="-128"/>
+                <a:cs typeface="Times New Roman" panose="02020603050405020304" pitchFamily="18" charset="0"/>
+              </a:rPr>
+              <a:t>Từ local ta tạo folder chưa project của ta</a:t>
+            </a:r>
+            <a:endParaRPr lang="en-US" cap="none">
+              <a:latin typeface="Calibri" panose="020F0502020204030204" pitchFamily="34" charset="0"/>
+              <a:ea typeface="MS Mincho" panose="02020609040205080304" pitchFamily="49" charset="-128"/>
+              <a:cs typeface="Times New Roman" panose="02020603050405020304" pitchFamily="18" charset="0"/>
+            </a:endParaRPr>
+          </a:p>
+          <a:p>
+            <a:pPr marL="971550" marR="0" lvl="1" indent="-514350">
+              <a:lnSpc>
+                <a:spcPct val="115000"/>
+              </a:lnSpc>
+              <a:spcBef>
+                <a:spcPts val="0"/>
+              </a:spcBef>
+              <a:spcAft>
+                <a:spcPts val="0"/>
+              </a:spcAft>
+              <a:buAutoNum type="romanUcPeriod" startAt="5"/>
+            </a:pPr>
+            <a:r>
+              <a:rPr lang="en-US" sz="2400" cap="none">
+                <a:latin typeface="Times New Roman" panose="02020603050405020304" pitchFamily="18" charset="0"/>
+                <a:ea typeface="MS Mincho" panose="02020609040205080304" pitchFamily="49" charset="-128"/>
+                <a:cs typeface="Times New Roman" panose="02020603050405020304" pitchFamily="18" charset="0"/>
+              </a:rPr>
+              <a:t>Mở command prompt hoặc có thể cài thêm git bash hear để mở và đi tới folder chưa project đó</a:t>
+            </a:r>
+            <a:endParaRPr lang="en-US" cap="none">
+              <a:latin typeface="Calibri" panose="020F0502020204030204" pitchFamily="34" charset="0"/>
+              <a:ea typeface="MS Mincho" panose="02020609040205080304" pitchFamily="49" charset="-128"/>
+              <a:cs typeface="Times New Roman" panose="02020603050405020304" pitchFamily="18" charset="0"/>
+            </a:endParaRPr>
+          </a:p>
+          <a:p>
+            <a:pPr marL="971550" marR="0" lvl="1" indent="-514350">
+              <a:lnSpc>
+                <a:spcPct val="115000"/>
+              </a:lnSpc>
+              <a:spcBef>
+                <a:spcPts val="0"/>
+              </a:spcBef>
+              <a:spcAft>
+                <a:spcPts val="0"/>
+              </a:spcAft>
+              <a:buAutoNum type="romanUcPeriod" startAt="5"/>
+            </a:pPr>
+            <a:r>
+              <a:rPr lang="en-US" sz="2400" cap="none">
+                <a:latin typeface="Times New Roman" panose="02020603050405020304" pitchFamily="18" charset="0"/>
+                <a:ea typeface="MS Mincho" panose="02020609040205080304" pitchFamily="49" charset="-128"/>
+                <a:cs typeface="Times New Roman" panose="02020603050405020304" pitchFamily="18" charset="0"/>
+              </a:rPr>
+              <a:t>Ta gõ git init để import git cho project  ( tùy dự án có thể nếu làm một framework nào đó thì git có thể được tạo khi tạo new project của framework)</a:t>
+            </a:r>
+            <a:endParaRPr lang="en-US" cap="none">
+              <a:effectLst/>
+              <a:latin typeface="Calibri" panose="020F0502020204030204" pitchFamily="34" charset="0"/>
+              <a:ea typeface="MS Mincho" panose="02020609040205080304" pitchFamily="49" charset="-128"/>
+              <a:cs typeface="Times New Roman" panose="02020603050405020304" pitchFamily="18" charset="0"/>
+            </a:endParaRPr>
+          </a:p>
+          <a:p>
+            <a:pPr marL="457200" lvl="1" indent="0">
+              <a:buNone/>
+            </a:pPr>
+            <a:endParaRPr lang="en-US" sz="2400" cap="none">
+              <a:latin typeface="Times New Roman" panose="02020603050405020304" pitchFamily="18" charset="0"/>
+              <a:cs typeface="Times New Roman" panose="02020603050405020304" pitchFamily="18" charset="0"/>
+            </a:endParaRPr>
+          </a:p>
+        </p:txBody>
+      </p:sp>
+      <p:pic>
+        <p:nvPicPr>
+          <p:cNvPr id="5" name="Hình ảnh 4">
+            <a:extLst>
+              <a:ext uri="{FF2B5EF4-FFF2-40B4-BE49-F238E27FC236}">
+                <a16:creationId xmlns:a16="http://schemas.microsoft.com/office/drawing/2014/main" id="{4B9A22A3-BE9D-4B71-9A0D-06E7038A48A2}"/>
+              </a:ext>
+            </a:extLst>
+          </p:cNvPr>
+          <p:cNvPicPr>
+            <a:picLocks noChangeAspect="1"/>
+          </p:cNvPicPr>
+          <p:nvPr/>
+        </p:nvPicPr>
+        <p:blipFill>
+          <a:blip r:embed="rId2"/>
+          <a:stretch>
+            <a:fillRect/>
+          </a:stretch>
+        </p:blipFill>
+        <p:spPr>
+          <a:xfrm>
+            <a:off x="3037854" y="4407797"/>
+            <a:ext cx="7710911" cy="2437445"/>
+          </a:xfrm>
+          <a:prstGeom prst="rect">
+            <a:avLst/>
+          </a:prstGeom>
+        </p:spPr>
+      </p:pic>
+    </p:spTree>
+    <p:extLst>
+      <p:ext uri="{BB962C8B-B14F-4D97-AF65-F5344CB8AC3E}">
+        <p14:creationId xmlns:p14="http://schemas.microsoft.com/office/powerpoint/2010/main" val="30457502"/>
+      </p:ext>
+    </p:extLst>
+  </p:cSld>
+  <p:clrMapOvr>
+    <a:masterClrMapping/>
+  </p:clrMapOvr>
+</p:sld>
+</file>
+
+<file path=ppt/slides/slide6.xml><?xml version="1.0" encoding="utf-8"?>
+<p:sld xmlns:a="http://schemas.openxmlformats.org/drawingml/2006/main" xmlns:r="http://schemas.openxmlformats.org/officeDocument/2006/relationships" xmlns:p="http://schemas.openxmlformats.org/presentationml/2006/main">
+  <p:cSld>
+    <p:spTree>
+      <p:nvGrpSpPr>
+        <p:cNvPr id="1" name=""/>
+        <p:cNvGrpSpPr/>
+        <p:nvPr/>
+      </p:nvGrpSpPr>
+      <p:grpSpPr>
+        <a:xfrm>
+          <a:off x="0" y="0"/>
+          <a:ext cx="0" cy="0"/>
+          <a:chOff x="0" y="0"/>
+          <a:chExt cx="0" cy="0"/>
+        </a:xfrm>
+      </p:grpSpPr>
+      <p:sp>
+        <p:nvSpPr>
+          <p:cNvPr id="2" name="Tiêu đề 1">
+            <a:extLst>
+              <a:ext uri="{FF2B5EF4-FFF2-40B4-BE49-F238E27FC236}">
+                <a16:creationId xmlns:a16="http://schemas.microsoft.com/office/drawing/2014/main" id="{FCE357BF-54DA-419D-B694-1E969F7C39A1}"/>
+              </a:ext>
+            </a:extLst>
+          </p:cNvPr>
+          <p:cNvSpPr>
+            <a:spLocks noGrp="1"/>
+          </p:cNvSpPr>
+          <p:nvPr>
+            <p:ph type="title"/>
+          </p:nvPr>
+        </p:nvSpPr>
+        <p:spPr>
+          <a:xfrm>
+            <a:off x="913775" y="618518"/>
+            <a:ext cx="10364451" cy="1336892"/>
+          </a:xfrm>
+        </p:spPr>
+        <p:txBody>
+          <a:bodyPr/>
+          <a:lstStyle/>
+          <a:p>
+            <a:r>
+              <a:rPr lang="en-US" b="1">
+                <a:solidFill>
+                  <a:srgbClr val="C00000"/>
+                </a:solidFill>
+                <a:latin typeface="Times New Roman" panose="02020603050405020304" pitchFamily="18" charset="0"/>
+                <a:cs typeface="Times New Roman" panose="02020603050405020304" pitchFamily="18" charset="0"/>
+              </a:rPr>
+              <a:t>H</a:t>
+            </a:r>
+            <a:r>
+              <a:rPr lang="vi-VN" b="1">
+                <a:solidFill>
+                  <a:srgbClr val="C00000"/>
+                </a:solidFill>
+                <a:latin typeface="Times New Roman" panose="02020603050405020304" pitchFamily="18" charset="0"/>
+                <a:cs typeface="Times New Roman" panose="02020603050405020304" pitchFamily="18" charset="0"/>
+              </a:rPr>
+              <a:t>ư</a:t>
+            </a:r>
+            <a:r>
+              <a:rPr lang="en-US" b="1">
+                <a:solidFill>
+                  <a:srgbClr val="C00000"/>
+                </a:solidFill>
+                <a:latin typeface="Times New Roman" panose="02020603050405020304" pitchFamily="18" charset="0"/>
+                <a:cs typeface="Times New Roman" panose="02020603050405020304" pitchFamily="18" charset="0"/>
+              </a:rPr>
+              <a:t>ớng dẫn sử dụng git</a:t>
+            </a:r>
+          </a:p>
+        </p:txBody>
+      </p:sp>
+      <p:sp>
+        <p:nvSpPr>
+          <p:cNvPr id="3" name="Chỗ dành sẵn cho Nội dung 2">
+            <a:extLst>
+              <a:ext uri="{FF2B5EF4-FFF2-40B4-BE49-F238E27FC236}">
+                <a16:creationId xmlns:a16="http://schemas.microsoft.com/office/drawing/2014/main" id="{EF467264-0087-4487-A50C-05C609888DF3}"/>
+              </a:ext>
+            </a:extLst>
+          </p:cNvPr>
+          <p:cNvSpPr>
+            <a:spLocks noGrp="1"/>
+          </p:cNvSpPr>
+          <p:nvPr>
+            <p:ph idx="1"/>
+          </p:nvPr>
+        </p:nvSpPr>
+        <p:spPr>
+          <a:xfrm>
+            <a:off x="384314" y="2097475"/>
+            <a:ext cx="10364451" cy="2805116"/>
+          </a:xfrm>
+        </p:spPr>
+        <p:txBody>
+          <a:bodyPr>
+            <a:noAutofit/>
+          </a:bodyPr>
+          <a:lstStyle/>
+          <a:p>
+            <a:pPr marL="457200" marR="0" lvl="1" indent="0">
+              <a:lnSpc>
+                <a:spcPct val="115000"/>
+              </a:lnSpc>
+              <a:spcBef>
+                <a:spcPts val="0"/>
+              </a:spcBef>
+              <a:spcAft>
+                <a:spcPts val="0"/>
+              </a:spcAft>
+              <a:buNone/>
+            </a:pPr>
+            <a:r>
+              <a:rPr lang="en-US" sz="2000">
+                <a:latin typeface="Times New Roman" panose="02020603050405020304" pitchFamily="18" charset="0"/>
+                <a:ea typeface="MS Mincho" panose="02020609040205080304" pitchFamily="49" charset="-128"/>
+                <a:cs typeface="Times New Roman" panose="02020603050405020304" pitchFamily="18" charset="0"/>
+              </a:rPr>
+              <a:t>VIII. </a:t>
+            </a:r>
+            <a:r>
+              <a:rPr lang="en-US" sz="2000" cap="none">
+                <a:latin typeface="Times New Roman" panose="02020603050405020304" pitchFamily="18" charset="0"/>
+                <a:ea typeface="MS Mincho" panose="02020609040205080304" pitchFamily="49" charset="-128"/>
+                <a:cs typeface="Times New Roman" panose="02020603050405020304" pitchFamily="18" charset="0"/>
+              </a:rPr>
+              <a:t>Khi đó ta có thể làm việc trên project đó </a:t>
+            </a:r>
+            <a:endParaRPr lang="en-US" sz="2000">
+              <a:latin typeface="Times New Roman" panose="02020603050405020304" pitchFamily="18" charset="0"/>
+              <a:ea typeface="MS Mincho" panose="02020609040205080304" pitchFamily="49" charset="-128"/>
+              <a:cs typeface="Times New Roman" panose="02020603050405020304" pitchFamily="18" charset="0"/>
+            </a:endParaRPr>
+          </a:p>
+          <a:p>
+            <a:pPr marL="457200" marR="0" lvl="1" indent="0">
+              <a:lnSpc>
+                <a:spcPct val="115000"/>
+              </a:lnSpc>
+              <a:spcBef>
+                <a:spcPts val="0"/>
+              </a:spcBef>
+              <a:spcAft>
+                <a:spcPts val="0"/>
+              </a:spcAft>
+              <a:buNone/>
+            </a:pPr>
+            <a:r>
+              <a:rPr lang="en-US" sz="2000">
+                <a:latin typeface="Times New Roman" panose="02020603050405020304" pitchFamily="18" charset="0"/>
+                <a:ea typeface="MS Mincho" panose="02020609040205080304" pitchFamily="49" charset="-128"/>
+                <a:cs typeface="Times New Roman" panose="02020603050405020304" pitchFamily="18" charset="0"/>
+              </a:rPr>
+              <a:t>IX.    </a:t>
+            </a:r>
+            <a:r>
+              <a:rPr lang="en-US" sz="2000" cap="none">
+                <a:latin typeface="Times New Roman" panose="02020603050405020304" pitchFamily="18" charset="0"/>
+                <a:ea typeface="MS Mincho" panose="02020609040205080304" pitchFamily="49" charset="-128"/>
+                <a:cs typeface="Times New Roman" panose="02020603050405020304" pitchFamily="18" charset="0"/>
+              </a:rPr>
+              <a:t>Nhấn git status để kiểm tra tình trang của project</a:t>
+            </a:r>
+          </a:p>
+          <a:p>
+            <a:pPr marL="1371600" lvl="2" indent="-457200">
+              <a:lnSpc>
+                <a:spcPct val="115000"/>
+              </a:lnSpc>
+              <a:spcBef>
+                <a:spcPts val="0"/>
+              </a:spcBef>
+              <a:spcAft>
+                <a:spcPts val="1000"/>
+              </a:spcAft>
+              <a:buFont typeface="+mj-lt"/>
+              <a:buAutoNum type="arabicPeriod"/>
+            </a:pPr>
+            <a:r>
+              <a:rPr lang="en-US" sz="2000" cap="none">
+                <a:latin typeface="Times New Roman" panose="02020603050405020304" pitchFamily="18" charset="0"/>
+                <a:ea typeface="MS Mincho" panose="02020609040205080304" pitchFamily="49" charset="-128"/>
+                <a:cs typeface="Times New Roman" panose="02020603050405020304" pitchFamily="18" charset="0"/>
+              </a:rPr>
+              <a:t>File ta vừa tạo do chưa cho git theo dõi nên đang hiện màu đỏ</a:t>
+            </a:r>
+            <a:endParaRPr lang="en-US" sz="2000">
+              <a:effectLst/>
+              <a:latin typeface="Times New Roman" panose="02020603050405020304" pitchFamily="18" charset="0"/>
+              <a:ea typeface="MS Mincho" panose="02020609040205080304" pitchFamily="49" charset="-128"/>
+              <a:cs typeface="Times New Roman" panose="02020603050405020304" pitchFamily="18" charset="0"/>
+            </a:endParaRPr>
+          </a:p>
+        </p:txBody>
+      </p:sp>
+      <p:pic>
+        <p:nvPicPr>
+          <p:cNvPr id="7" name="Picture 5">
+            <a:extLst>
+              <a:ext uri="{FF2B5EF4-FFF2-40B4-BE49-F238E27FC236}">
+                <a16:creationId xmlns:a16="http://schemas.microsoft.com/office/drawing/2014/main" id="{4862A99E-00A9-4FB4-A2AE-AF94D3DDFE17}"/>
+              </a:ext>
+            </a:extLst>
+          </p:cNvPr>
+          <p:cNvPicPr/>
+          <p:nvPr/>
+        </p:nvPicPr>
+        <p:blipFill>
+          <a:blip r:embed="rId2"/>
+          <a:stretch>
+            <a:fillRect/>
+          </a:stretch>
+        </p:blipFill>
+        <p:spPr>
+          <a:xfrm>
+            <a:off x="1566655" y="3429000"/>
+            <a:ext cx="8902561" cy="3157330"/>
+          </a:xfrm>
+          <a:prstGeom prst="rect">
+            <a:avLst/>
+          </a:prstGeom>
+        </p:spPr>
+      </p:pic>
+    </p:spTree>
+    <p:extLst>
+      <p:ext uri="{BB962C8B-B14F-4D97-AF65-F5344CB8AC3E}">
+        <p14:creationId xmlns:p14="http://schemas.microsoft.com/office/powerpoint/2010/main" val="1894655584"/>
+      </p:ext>
+    </p:extLst>
+  </p:cSld>
+  <p:clrMapOvr>
+    <a:masterClrMapping/>
+  </p:clrMapOvr>
+</p:sld>
+</file>
+
+<file path=ppt/slides/slide7.xml><?xml version="1.0" encoding="utf-8"?>
+<p:sld xmlns:a="http://schemas.openxmlformats.org/drawingml/2006/main" xmlns:r="http://schemas.openxmlformats.org/officeDocument/2006/relationships" xmlns:p="http://schemas.openxmlformats.org/presentationml/2006/main">
+  <p:cSld>
+    <p:spTree>
+      <p:nvGrpSpPr>
+        <p:cNvPr id="1" name=""/>
+        <p:cNvGrpSpPr/>
+        <p:nvPr/>
+      </p:nvGrpSpPr>
+      <p:grpSpPr>
+        <a:xfrm>
+          <a:off x="0" y="0"/>
+          <a:ext cx="0" cy="0"/>
+          <a:chOff x="0" y="0"/>
+          <a:chExt cx="0" cy="0"/>
+        </a:xfrm>
+      </p:grpSpPr>
+      <p:sp>
+        <p:nvSpPr>
+          <p:cNvPr id="2" name="Tiêu đề 1">
+            <a:extLst>
+              <a:ext uri="{FF2B5EF4-FFF2-40B4-BE49-F238E27FC236}">
+                <a16:creationId xmlns:a16="http://schemas.microsoft.com/office/drawing/2014/main" id="{FCE357BF-54DA-419D-B694-1E969F7C39A1}"/>
+              </a:ext>
+            </a:extLst>
+          </p:cNvPr>
+          <p:cNvSpPr>
+            <a:spLocks noGrp="1"/>
+          </p:cNvSpPr>
+          <p:nvPr>
+            <p:ph type="title"/>
+          </p:nvPr>
+        </p:nvSpPr>
+        <p:spPr>
+          <a:xfrm>
+            <a:off x="913775" y="618518"/>
+            <a:ext cx="10364451" cy="1336892"/>
+          </a:xfrm>
+        </p:spPr>
+        <p:txBody>
+          <a:bodyPr/>
+          <a:lstStyle/>
+          <a:p>
+            <a:r>
+              <a:rPr lang="en-US" b="1">
+                <a:solidFill>
+                  <a:srgbClr val="C00000"/>
+                </a:solidFill>
+                <a:latin typeface="Times New Roman" panose="02020603050405020304" pitchFamily="18" charset="0"/>
+                <a:cs typeface="Times New Roman" panose="02020603050405020304" pitchFamily="18" charset="0"/>
+              </a:rPr>
+              <a:t>H</a:t>
+            </a:r>
+            <a:r>
+              <a:rPr lang="vi-VN" b="1">
+                <a:solidFill>
+                  <a:srgbClr val="C00000"/>
+                </a:solidFill>
+                <a:latin typeface="Times New Roman" panose="02020603050405020304" pitchFamily="18" charset="0"/>
+                <a:cs typeface="Times New Roman" panose="02020603050405020304" pitchFamily="18" charset="0"/>
+              </a:rPr>
+              <a:t>ư</a:t>
+            </a:r>
+            <a:r>
+              <a:rPr lang="en-US" b="1">
+                <a:solidFill>
+                  <a:srgbClr val="C00000"/>
+                </a:solidFill>
+                <a:latin typeface="Times New Roman" panose="02020603050405020304" pitchFamily="18" charset="0"/>
+                <a:cs typeface="Times New Roman" panose="02020603050405020304" pitchFamily="18" charset="0"/>
+              </a:rPr>
+              <a:t>ớng dẫn sử dụng git</a:t>
+            </a:r>
+          </a:p>
+        </p:txBody>
+      </p:sp>
+      <p:sp>
+        <p:nvSpPr>
+          <p:cNvPr id="3" name="Chỗ dành sẵn cho Nội dung 2">
+            <a:extLst>
+              <a:ext uri="{FF2B5EF4-FFF2-40B4-BE49-F238E27FC236}">
+                <a16:creationId xmlns:a16="http://schemas.microsoft.com/office/drawing/2014/main" id="{EF467264-0087-4487-A50C-05C609888DF3}"/>
+              </a:ext>
+            </a:extLst>
+          </p:cNvPr>
+          <p:cNvSpPr>
+            <a:spLocks noGrp="1"/>
+          </p:cNvSpPr>
+          <p:nvPr>
+            <p:ph idx="1"/>
+          </p:nvPr>
+        </p:nvSpPr>
+        <p:spPr>
+          <a:xfrm>
+            <a:off x="212035" y="2640814"/>
+            <a:ext cx="4890050" cy="3335916"/>
+          </a:xfrm>
+        </p:spPr>
+        <p:txBody>
+          <a:bodyPr>
+            <a:noAutofit/>
+          </a:bodyPr>
+          <a:lstStyle/>
+          <a:p>
+            <a:pPr marL="457200" marR="0" lvl="1" indent="0">
+              <a:lnSpc>
+                <a:spcPct val="115000"/>
+              </a:lnSpc>
+              <a:spcBef>
+                <a:spcPts val="0"/>
+              </a:spcBef>
+              <a:spcAft>
+                <a:spcPts val="0"/>
+              </a:spcAft>
+              <a:buNone/>
+            </a:pPr>
+            <a:r>
+              <a:rPr lang="en-US" sz="2000" cap="none">
+                <a:latin typeface="Times New Roman" panose="02020603050405020304" pitchFamily="18" charset="0"/>
+                <a:ea typeface="MS Mincho" panose="02020609040205080304" pitchFamily="49" charset="-128"/>
+                <a:cs typeface="Times New Roman" panose="02020603050405020304" pitchFamily="18" charset="0"/>
+              </a:rPr>
+              <a:t>X.   Để thực hiện cho git theo dõi ta gõ:</a:t>
+            </a:r>
+          </a:p>
+          <a:p>
+            <a:pPr lvl="2">
+              <a:lnSpc>
+                <a:spcPct val="115000"/>
+              </a:lnSpc>
+              <a:spcBef>
+                <a:spcPts val="0"/>
+              </a:spcBef>
+              <a:buFont typeface="+mj-lt"/>
+              <a:buAutoNum type="romanLcPeriod"/>
+            </a:pPr>
+            <a:r>
+              <a:rPr lang="en-US" sz="2000" cap="none">
+                <a:latin typeface="Times New Roman" panose="02020603050405020304" pitchFamily="18" charset="0"/>
+                <a:ea typeface="MS Mincho" panose="02020609040205080304" pitchFamily="49" charset="-128"/>
+                <a:cs typeface="Times New Roman" panose="02020603050405020304" pitchFamily="18" charset="0"/>
+              </a:rPr>
+              <a:t> Git add tên_file : để add 1 file</a:t>
+            </a:r>
+          </a:p>
+          <a:p>
+            <a:pPr lvl="2">
+              <a:lnSpc>
+                <a:spcPct val="115000"/>
+              </a:lnSpc>
+              <a:spcBef>
+                <a:spcPts val="0"/>
+              </a:spcBef>
+              <a:buFont typeface="+mj-lt"/>
+              <a:buAutoNum type="romanLcPeriod"/>
+            </a:pPr>
+            <a:r>
+              <a:rPr lang="en-US" sz="2000" cap="none">
+                <a:latin typeface="Times New Roman" panose="02020603050405020304" pitchFamily="18" charset="0"/>
+                <a:ea typeface="MS Mincho" panose="02020609040205080304" pitchFamily="49" charset="-128"/>
+                <a:cs typeface="Times New Roman" panose="02020603050405020304" pitchFamily="18" charset="0"/>
+              </a:rPr>
+              <a:t>Git add . : để add tất cả file</a:t>
+            </a:r>
+          </a:p>
+          <a:p>
+            <a:pPr marL="457200" marR="0" lvl="1" indent="0">
+              <a:lnSpc>
+                <a:spcPct val="115000"/>
+              </a:lnSpc>
+              <a:spcBef>
+                <a:spcPts val="0"/>
+              </a:spcBef>
+              <a:spcAft>
+                <a:spcPts val="1000"/>
+              </a:spcAft>
+              <a:buNone/>
+            </a:pPr>
+            <a:r>
+              <a:rPr lang="en-US" sz="2000" cap="none">
+                <a:latin typeface="Times New Roman" panose="02020603050405020304" pitchFamily="18" charset="0"/>
+                <a:ea typeface="MS Mincho" panose="02020609040205080304" pitchFamily="49" charset="-128"/>
+                <a:cs typeface="Times New Roman" panose="02020603050405020304" pitchFamily="18" charset="0"/>
+              </a:rPr>
+              <a:t>XI.   Sau khi add ta kiểm tra lại với git status sẽ thấy chuyển sang màu xanh</a:t>
+            </a:r>
+            <a:endParaRPr lang="en-US" sz="2000" cap="none">
+              <a:effectLst/>
+              <a:latin typeface="Times New Roman" panose="02020603050405020304" pitchFamily="18" charset="0"/>
+              <a:ea typeface="MS Mincho" panose="02020609040205080304" pitchFamily="49" charset="-128"/>
+              <a:cs typeface="Times New Roman" panose="02020603050405020304" pitchFamily="18" charset="0"/>
+            </a:endParaRPr>
+          </a:p>
+        </p:txBody>
+      </p:sp>
+      <p:pic>
+        <p:nvPicPr>
+          <p:cNvPr id="6" name="Picture 6">
+            <a:extLst>
+              <a:ext uri="{FF2B5EF4-FFF2-40B4-BE49-F238E27FC236}">
+                <a16:creationId xmlns:a16="http://schemas.microsoft.com/office/drawing/2014/main" id="{684EAE43-9F76-49D6-9828-A7CFC317C365}"/>
+              </a:ext>
+            </a:extLst>
+          </p:cNvPr>
+          <p:cNvPicPr/>
+          <p:nvPr/>
+        </p:nvPicPr>
+        <p:blipFill>
+          <a:blip r:embed="rId2"/>
+          <a:stretch>
+            <a:fillRect/>
+          </a:stretch>
+        </p:blipFill>
+        <p:spPr>
+          <a:xfrm>
+            <a:off x="5102085" y="2052946"/>
+            <a:ext cx="6841434" cy="4511651"/>
+          </a:xfrm>
+          <a:prstGeom prst="rect">
+            <a:avLst/>
+          </a:prstGeom>
+        </p:spPr>
+      </p:pic>
+    </p:spTree>
+    <p:extLst>
+      <p:ext uri="{BB962C8B-B14F-4D97-AF65-F5344CB8AC3E}">
+        <p14:creationId xmlns:p14="http://schemas.microsoft.com/office/powerpoint/2010/main" val="1366827148"/>
+      </p:ext>
+    </p:extLst>
+  </p:cSld>
+  <p:clrMapOvr>
+    <a:masterClrMapping/>
+  </p:clrMapOvr>
+</p:sld>
+</file>
+
+<file path=ppt/slides/slide8.xml><?xml version="1.0" encoding="utf-8"?>
+<p:sld xmlns:a="http://schemas.openxmlformats.org/drawingml/2006/main" xmlns:r="http://schemas.openxmlformats.org/officeDocument/2006/relationships" xmlns:p="http://schemas.openxmlformats.org/presentationml/2006/main">
+  <p:cSld>
+    <p:spTree>
+      <p:nvGrpSpPr>
+        <p:cNvPr id="1" name=""/>
+        <p:cNvGrpSpPr/>
+        <p:nvPr/>
+      </p:nvGrpSpPr>
+      <p:grpSpPr>
+        <a:xfrm>
+          <a:off x="0" y="0"/>
+          <a:ext cx="0" cy="0"/>
+          <a:chOff x="0" y="0"/>
+          <a:chExt cx="0" cy="0"/>
+        </a:xfrm>
+      </p:grpSpPr>
+      <p:sp>
+        <p:nvSpPr>
+          <p:cNvPr id="2" name="Tiêu đề 1">
+            <a:extLst>
+              <a:ext uri="{FF2B5EF4-FFF2-40B4-BE49-F238E27FC236}">
+                <a16:creationId xmlns:a16="http://schemas.microsoft.com/office/drawing/2014/main" id="{FCE357BF-54DA-419D-B694-1E969F7C39A1}"/>
+              </a:ext>
+            </a:extLst>
+          </p:cNvPr>
+          <p:cNvSpPr>
+            <a:spLocks noGrp="1"/>
+          </p:cNvSpPr>
+          <p:nvPr>
+            <p:ph type="title"/>
+          </p:nvPr>
+        </p:nvSpPr>
+        <p:spPr>
+          <a:xfrm>
+            <a:off x="913775" y="618518"/>
+            <a:ext cx="10364451" cy="1336892"/>
+          </a:xfrm>
+        </p:spPr>
+        <p:txBody>
+          <a:bodyPr/>
+          <a:lstStyle/>
+          <a:p>
+            <a:r>
+              <a:rPr lang="en-US" b="1">
+                <a:solidFill>
+                  <a:srgbClr val="C00000"/>
+                </a:solidFill>
+                <a:latin typeface="Times New Roman" panose="02020603050405020304" pitchFamily="18" charset="0"/>
+                <a:cs typeface="Times New Roman" panose="02020603050405020304" pitchFamily="18" charset="0"/>
+              </a:rPr>
+              <a:t>H</a:t>
+            </a:r>
+            <a:r>
+              <a:rPr lang="vi-VN" b="1">
+                <a:solidFill>
+                  <a:srgbClr val="C00000"/>
+                </a:solidFill>
+                <a:latin typeface="Times New Roman" panose="02020603050405020304" pitchFamily="18" charset="0"/>
+                <a:cs typeface="Times New Roman" panose="02020603050405020304" pitchFamily="18" charset="0"/>
+              </a:rPr>
+              <a:t>ư</a:t>
+            </a:r>
+            <a:r>
+              <a:rPr lang="en-US" b="1">
+                <a:solidFill>
+                  <a:srgbClr val="C00000"/>
+                </a:solidFill>
+                <a:latin typeface="Times New Roman" panose="02020603050405020304" pitchFamily="18" charset="0"/>
+                <a:cs typeface="Times New Roman" panose="02020603050405020304" pitchFamily="18" charset="0"/>
+              </a:rPr>
+              <a:t>ớng dẫn sử dụng git</a:t>
+            </a:r>
+          </a:p>
+        </p:txBody>
+      </p:sp>
+      <p:sp>
+        <p:nvSpPr>
+          <p:cNvPr id="3" name="Chỗ dành sẵn cho Nội dung 2">
+            <a:extLst>
+              <a:ext uri="{FF2B5EF4-FFF2-40B4-BE49-F238E27FC236}">
+                <a16:creationId xmlns:a16="http://schemas.microsoft.com/office/drawing/2014/main" id="{EF467264-0087-4487-A50C-05C609888DF3}"/>
+              </a:ext>
+            </a:extLst>
+          </p:cNvPr>
+          <p:cNvSpPr>
+            <a:spLocks noGrp="1"/>
+          </p:cNvSpPr>
+          <p:nvPr>
+            <p:ph idx="1"/>
+          </p:nvPr>
+        </p:nvSpPr>
+        <p:spPr>
+          <a:xfrm>
+            <a:off x="575022" y="2122577"/>
+            <a:ext cx="11153152" cy="4622779"/>
+          </a:xfrm>
+        </p:spPr>
+        <p:txBody>
+          <a:bodyPr>
+            <a:noAutofit/>
+          </a:bodyPr>
+          <a:lstStyle/>
+          <a:p>
+            <a:pPr marL="457200" marR="0" lvl="1" indent="0">
+              <a:lnSpc>
+                <a:spcPct val="115000"/>
+              </a:lnSpc>
+              <a:spcBef>
+                <a:spcPts val="0"/>
+              </a:spcBef>
+              <a:spcAft>
+                <a:spcPts val="0"/>
+              </a:spcAft>
+              <a:buNone/>
+            </a:pPr>
+            <a:r>
+              <a:rPr lang="en-US" sz="2000">
+                <a:latin typeface="Times New Roman" panose="02020603050405020304" pitchFamily="18" charset="0"/>
+                <a:ea typeface="MS Mincho" panose="02020609040205080304" pitchFamily="49" charset="-128"/>
+                <a:cs typeface="Times New Roman" panose="02020603050405020304" pitchFamily="18" charset="0"/>
+              </a:rPr>
+              <a:t>XII.  </a:t>
+            </a:r>
+            <a:r>
+              <a:rPr lang="en-US" sz="2000" cap="none">
+                <a:latin typeface="Times New Roman" panose="02020603050405020304" pitchFamily="18" charset="0"/>
+                <a:ea typeface="MS Mincho" panose="02020609040205080304" pitchFamily="49" charset="-128"/>
+                <a:cs typeface="Times New Roman" panose="02020603050405020304" pitchFamily="18" charset="0"/>
+              </a:rPr>
+              <a:t>Để xác nhận với git là quá trình làm việc của các file đó kết thúc ta </a:t>
+            </a:r>
+          </a:p>
+          <a:p>
+            <a:pPr marL="1371600" lvl="2" indent="-457200">
+              <a:lnSpc>
+                <a:spcPct val="115000"/>
+              </a:lnSpc>
+              <a:spcBef>
+                <a:spcPts val="0"/>
+              </a:spcBef>
+              <a:spcAft>
+                <a:spcPts val="1000"/>
+              </a:spcAft>
+              <a:buFont typeface="+mj-lt"/>
+              <a:buAutoNum type="arabicPeriod"/>
+            </a:pPr>
+            <a:r>
+              <a:rPr lang="en-US" sz="2000" cap="none">
+                <a:latin typeface="Times New Roman" panose="02020603050405020304" pitchFamily="18" charset="0"/>
+                <a:ea typeface="MS Mincho" panose="02020609040205080304" pitchFamily="49" charset="-128"/>
+                <a:cs typeface="Times New Roman" panose="02020603050405020304" pitchFamily="18" charset="0"/>
+              </a:rPr>
+              <a:t>Git commit –m “nội dung tùy chọn</a:t>
+            </a:r>
+            <a:r>
+              <a:rPr lang="en-US" sz="2000">
+                <a:latin typeface="Times New Roman" panose="02020603050405020304" pitchFamily="18" charset="0"/>
+                <a:ea typeface="MS Mincho" panose="02020609040205080304" pitchFamily="49" charset="-128"/>
+                <a:cs typeface="Times New Roman" panose="02020603050405020304" pitchFamily="18" charset="0"/>
+              </a:rPr>
+              <a:t>”</a:t>
+            </a:r>
+            <a:endParaRPr lang="en-US" sz="2000">
+              <a:effectLst/>
+              <a:latin typeface="Times New Roman" panose="02020603050405020304" pitchFamily="18" charset="0"/>
+              <a:ea typeface="MS Mincho" panose="02020609040205080304" pitchFamily="49" charset="-128"/>
+              <a:cs typeface="Times New Roman" panose="02020603050405020304" pitchFamily="18" charset="0"/>
+            </a:endParaRPr>
+          </a:p>
+          <a:p>
+            <a:pPr marL="457200" marR="0" lvl="1" indent="0">
+              <a:lnSpc>
+                <a:spcPct val="115000"/>
+              </a:lnSpc>
+              <a:spcBef>
+                <a:spcPts val="0"/>
+              </a:spcBef>
+              <a:spcAft>
+                <a:spcPts val="0"/>
+              </a:spcAft>
+              <a:buNone/>
+            </a:pPr>
+            <a:endParaRPr lang="en-US" sz="2000" cap="none">
+              <a:effectLst/>
+              <a:latin typeface="Times New Roman" panose="02020603050405020304" pitchFamily="18" charset="0"/>
+              <a:ea typeface="MS Mincho" panose="02020609040205080304" pitchFamily="49" charset="-128"/>
+              <a:cs typeface="Times New Roman" panose="02020603050405020304" pitchFamily="18" charset="0"/>
+            </a:endParaRPr>
+          </a:p>
+          <a:p>
+            <a:pPr marL="457200" marR="0" lvl="1" indent="0">
+              <a:lnSpc>
+                <a:spcPct val="115000"/>
+              </a:lnSpc>
+              <a:spcBef>
+                <a:spcPts val="0"/>
+              </a:spcBef>
+              <a:spcAft>
+                <a:spcPts val="0"/>
+              </a:spcAft>
+              <a:buNone/>
+            </a:pPr>
+            <a:endParaRPr lang="en-US" sz="2000" cap="none">
+              <a:effectLst/>
+              <a:latin typeface="Times New Roman" panose="02020603050405020304" pitchFamily="18" charset="0"/>
+              <a:ea typeface="MS Mincho" panose="02020609040205080304" pitchFamily="49" charset="-128"/>
+              <a:cs typeface="Times New Roman" panose="02020603050405020304" pitchFamily="18" charset="0"/>
+            </a:endParaRPr>
+          </a:p>
+          <a:p>
+            <a:pPr marL="457200" marR="0" lvl="1" indent="0">
+              <a:lnSpc>
+                <a:spcPct val="115000"/>
+              </a:lnSpc>
+              <a:spcBef>
+                <a:spcPts val="0"/>
+              </a:spcBef>
+              <a:spcAft>
+                <a:spcPts val="0"/>
+              </a:spcAft>
+              <a:buNone/>
+            </a:pPr>
+            <a:endParaRPr lang="en-US" sz="2000" cap="none">
+              <a:effectLst/>
+              <a:latin typeface="Times New Roman" panose="02020603050405020304" pitchFamily="18" charset="0"/>
+              <a:ea typeface="MS Mincho" panose="02020609040205080304" pitchFamily="49" charset="-128"/>
+              <a:cs typeface="Times New Roman" panose="02020603050405020304" pitchFamily="18" charset="0"/>
+            </a:endParaRPr>
+          </a:p>
+          <a:p>
+            <a:pPr marL="457200" marR="0" lvl="1" indent="0">
+              <a:lnSpc>
+                <a:spcPct val="115000"/>
+              </a:lnSpc>
+              <a:spcBef>
+                <a:spcPts val="0"/>
+              </a:spcBef>
+              <a:spcAft>
+                <a:spcPts val="0"/>
+              </a:spcAft>
+              <a:buNone/>
+            </a:pPr>
+            <a:endParaRPr lang="en-US" sz="2000" cap="none">
+              <a:effectLst/>
+              <a:latin typeface="Times New Roman" panose="02020603050405020304" pitchFamily="18" charset="0"/>
+              <a:ea typeface="MS Mincho" panose="02020609040205080304" pitchFamily="49" charset="-128"/>
+              <a:cs typeface="Times New Roman" panose="02020603050405020304" pitchFamily="18" charset="0"/>
+            </a:endParaRPr>
+          </a:p>
+          <a:p>
+            <a:pPr marL="457200" marR="0" lvl="1" indent="0">
+              <a:lnSpc>
+                <a:spcPct val="115000"/>
+              </a:lnSpc>
+              <a:spcBef>
+                <a:spcPts val="0"/>
+              </a:spcBef>
+              <a:spcAft>
+                <a:spcPts val="0"/>
+              </a:spcAft>
+              <a:buNone/>
+            </a:pPr>
+            <a:endParaRPr lang="en-US" sz="2000" cap="none">
+              <a:effectLst/>
+              <a:latin typeface="Times New Roman" panose="02020603050405020304" pitchFamily="18" charset="0"/>
+              <a:ea typeface="MS Mincho" panose="02020609040205080304" pitchFamily="49" charset="-128"/>
+              <a:cs typeface="Times New Roman" panose="02020603050405020304" pitchFamily="18" charset="0"/>
+            </a:endParaRPr>
+          </a:p>
+          <a:p>
+            <a:pPr marL="457200" marR="0" lvl="1" indent="0">
+              <a:lnSpc>
+                <a:spcPct val="115000"/>
+              </a:lnSpc>
+              <a:spcBef>
+                <a:spcPts val="0"/>
+              </a:spcBef>
+              <a:spcAft>
+                <a:spcPts val="0"/>
+              </a:spcAft>
+              <a:buNone/>
+            </a:pPr>
+            <a:endParaRPr lang="en-US" sz="2000" cap="none">
+              <a:effectLst/>
+              <a:latin typeface="Times New Roman" panose="02020603050405020304" pitchFamily="18" charset="0"/>
+              <a:ea typeface="MS Mincho" panose="02020609040205080304" pitchFamily="49" charset="-128"/>
+              <a:cs typeface="Times New Roman" panose="02020603050405020304" pitchFamily="18" charset="0"/>
+            </a:endParaRPr>
+          </a:p>
+          <a:p>
+            <a:pPr marL="457200" marR="0" lvl="1" indent="0">
+              <a:lnSpc>
+                <a:spcPct val="115000"/>
+              </a:lnSpc>
+              <a:spcBef>
+                <a:spcPts val="0"/>
+              </a:spcBef>
+              <a:spcAft>
+                <a:spcPts val="0"/>
+              </a:spcAft>
+              <a:buNone/>
+            </a:pPr>
+            <a:endParaRPr lang="en-US" sz="2000" cap="none">
+              <a:effectLst/>
+              <a:latin typeface="Times New Roman" panose="02020603050405020304" pitchFamily="18" charset="0"/>
+              <a:ea typeface="MS Mincho" panose="02020609040205080304" pitchFamily="49" charset="-128"/>
+              <a:cs typeface="Times New Roman" panose="02020603050405020304" pitchFamily="18" charset="0"/>
+            </a:endParaRPr>
+          </a:p>
+          <a:p>
+            <a:pPr marL="457200" marR="0" lvl="1" indent="0">
+              <a:lnSpc>
+                <a:spcPct val="115000"/>
+              </a:lnSpc>
+              <a:spcBef>
+                <a:spcPts val="0"/>
+              </a:spcBef>
+              <a:spcAft>
+                <a:spcPts val="0"/>
+              </a:spcAft>
+              <a:buNone/>
+            </a:pPr>
+            <a:r>
+              <a:rPr lang="en-US" sz="2000" cap="none">
+                <a:effectLst/>
+                <a:latin typeface="Times New Roman" panose="02020603050405020304" pitchFamily="18" charset="0"/>
+                <a:ea typeface="MS Mincho" panose="02020609040205080304" pitchFamily="49" charset="-128"/>
+                <a:cs typeface="Times New Roman" panose="02020603050405020304" pitchFamily="18" charset="0"/>
+              </a:rPr>
+              <a:t>XIII.  </a:t>
+            </a:r>
+            <a:r>
+              <a:rPr lang="en-US" sz="2000" cap="none">
+                <a:latin typeface="Times New Roman" panose="02020603050405020304" pitchFamily="18" charset="0"/>
+                <a:ea typeface="MS Mincho" panose="02020609040205080304" pitchFamily="49" charset="-128"/>
+                <a:cs typeface="Times New Roman" panose="02020603050405020304" pitchFamily="18" charset="0"/>
+              </a:rPr>
+              <a:t>Khi đã commit thì kiểm tra với git status sẽ không có thông tin gì</a:t>
+            </a:r>
+            <a:endParaRPr lang="en-US" sz="1600">
+              <a:latin typeface="Times New Roman" panose="02020603050405020304" pitchFamily="18" charset="0"/>
+              <a:ea typeface="MS Mincho" panose="02020609040205080304" pitchFamily="49" charset="-128"/>
+              <a:cs typeface="Times New Roman" panose="02020603050405020304" pitchFamily="18" charset="0"/>
+            </a:endParaRPr>
+          </a:p>
+          <a:p>
+            <a:pPr marL="457200" marR="0" lvl="1" indent="0">
+              <a:lnSpc>
+                <a:spcPct val="115000"/>
+              </a:lnSpc>
+              <a:spcBef>
+                <a:spcPts val="0"/>
+              </a:spcBef>
+              <a:spcAft>
+                <a:spcPts val="1000"/>
+              </a:spcAft>
+              <a:buNone/>
+            </a:pPr>
+            <a:r>
+              <a:rPr lang="en-US" sz="2000">
+                <a:latin typeface="Times New Roman" panose="02020603050405020304" pitchFamily="18" charset="0"/>
+                <a:ea typeface="MS Mincho" panose="02020609040205080304" pitchFamily="49" charset="-128"/>
+                <a:cs typeface="Times New Roman" panose="02020603050405020304" pitchFamily="18" charset="0"/>
+              </a:rPr>
+              <a:t>XIV. </a:t>
+            </a:r>
+            <a:r>
+              <a:rPr lang="en-US" sz="2000" cap="none">
+                <a:latin typeface="Times New Roman" panose="02020603050405020304" pitchFamily="18" charset="0"/>
+                <a:ea typeface="MS Mincho" panose="02020609040205080304" pitchFamily="49" charset="-128"/>
+                <a:cs typeface="Times New Roman" panose="02020603050405020304" pitchFamily="18" charset="0"/>
+              </a:rPr>
+              <a:t> Tiếp theo ta đẩy git lên repo ta đã tạo trong github</a:t>
+            </a:r>
+            <a:endParaRPr lang="en-US" sz="1600" cap="none">
+              <a:effectLst/>
+              <a:latin typeface="Times New Roman" panose="02020603050405020304" pitchFamily="18" charset="0"/>
+              <a:ea typeface="MS Mincho" panose="02020609040205080304" pitchFamily="49" charset="-128"/>
+              <a:cs typeface="Times New Roman" panose="02020603050405020304" pitchFamily="18" charset="0"/>
+            </a:endParaRPr>
+          </a:p>
+          <a:p>
+            <a:pPr marL="457200" marR="0" lvl="1" indent="0">
+              <a:lnSpc>
+                <a:spcPct val="115000"/>
+              </a:lnSpc>
+              <a:spcBef>
+                <a:spcPts val="0"/>
+              </a:spcBef>
+              <a:spcAft>
+                <a:spcPts val="0"/>
+              </a:spcAft>
+              <a:buNone/>
+            </a:pPr>
+            <a:endParaRPr lang="en-US" sz="2000" cap="none">
+              <a:effectLst/>
+              <a:latin typeface="Times New Roman" panose="02020603050405020304" pitchFamily="18" charset="0"/>
+              <a:ea typeface="MS Mincho" panose="02020609040205080304" pitchFamily="49" charset="-128"/>
+              <a:cs typeface="Times New Roman" panose="02020603050405020304" pitchFamily="18" charset="0"/>
+            </a:endParaRPr>
+          </a:p>
+        </p:txBody>
+      </p:sp>
+      <p:pic>
+        <p:nvPicPr>
+          <p:cNvPr id="7" name="Picture 7">
+            <a:extLst>
+              <a:ext uri="{FF2B5EF4-FFF2-40B4-BE49-F238E27FC236}">
+                <a16:creationId xmlns:a16="http://schemas.microsoft.com/office/drawing/2014/main" id="{036DC2D7-773A-41EF-BD48-EA9E517CCA8B}"/>
+              </a:ext>
+            </a:extLst>
+          </p:cNvPr>
+          <p:cNvPicPr/>
+          <p:nvPr/>
+        </p:nvPicPr>
+        <p:blipFill>
+          <a:blip r:embed="rId2"/>
+          <a:stretch>
+            <a:fillRect/>
+          </a:stretch>
+        </p:blipFill>
+        <p:spPr>
+          <a:xfrm>
+            <a:off x="2808011" y="3021909"/>
+            <a:ext cx="7263641" cy="2265707"/>
+          </a:xfrm>
+          <a:prstGeom prst="rect">
+            <a:avLst/>
+          </a:prstGeom>
+        </p:spPr>
+      </p:pic>
+    </p:spTree>
+    <p:extLst>
+      <p:ext uri="{BB962C8B-B14F-4D97-AF65-F5344CB8AC3E}">
+        <p14:creationId xmlns:p14="http://schemas.microsoft.com/office/powerpoint/2010/main" val="235499316"/>
+      </p:ext>
+    </p:extLst>
+  </p:cSld>
+  <p:clrMapOvr>
+    <a:masterClrMapping/>
+  </p:clrMapOvr>
+</p:sld>
+</file>
+
+<file path=ppt/slides/slide9.xml><?xml version="1.0" encoding="utf-8"?>
+<p:sld xmlns:a="http://schemas.openxmlformats.org/drawingml/2006/main" xmlns:r="http://schemas.openxmlformats.org/officeDocument/2006/relationships" xmlns:p="http://schemas.openxmlformats.org/presentationml/2006/main">
+  <p:cSld>
+    <p:spTree>
+      <p:nvGrpSpPr>
+        <p:cNvPr id="1" name=""/>
+        <p:cNvGrpSpPr/>
+        <p:nvPr/>
+      </p:nvGrpSpPr>
+      <p:grpSpPr>
+        <a:xfrm>
+          <a:off x="0" y="0"/>
+          <a:ext cx="0" cy="0"/>
+          <a:chOff x="0" y="0"/>
+          <a:chExt cx="0" cy="0"/>
+        </a:xfrm>
+      </p:grpSpPr>
+      <p:sp>
+        <p:nvSpPr>
+          <p:cNvPr id="2" name="Tiêu đề 1">
+            <a:extLst>
+              <a:ext uri="{FF2B5EF4-FFF2-40B4-BE49-F238E27FC236}">
+                <a16:creationId xmlns:a16="http://schemas.microsoft.com/office/drawing/2014/main" id="{FCE357BF-54DA-419D-B694-1E969F7C39A1}"/>
+              </a:ext>
+            </a:extLst>
+          </p:cNvPr>
+          <p:cNvSpPr>
+            <a:spLocks noGrp="1"/>
+          </p:cNvSpPr>
+          <p:nvPr>
+            <p:ph type="title"/>
+          </p:nvPr>
+        </p:nvSpPr>
+        <p:spPr>
+          <a:xfrm>
+            <a:off x="913775" y="618518"/>
+            <a:ext cx="10364451" cy="1336892"/>
+          </a:xfrm>
+        </p:spPr>
+        <p:txBody>
+          <a:bodyPr/>
+          <a:lstStyle/>
+          <a:p>
+            <a:r>
+              <a:rPr lang="en-US" b="1">
+                <a:solidFill>
+                  <a:srgbClr val="C00000"/>
+                </a:solidFill>
+                <a:latin typeface="Times New Roman" panose="02020603050405020304" pitchFamily="18" charset="0"/>
+                <a:cs typeface="Times New Roman" panose="02020603050405020304" pitchFamily="18" charset="0"/>
+              </a:rPr>
+              <a:t>H</a:t>
+            </a:r>
+            <a:r>
+              <a:rPr lang="vi-VN" b="1">
+                <a:solidFill>
+                  <a:srgbClr val="C00000"/>
+                </a:solidFill>
+                <a:latin typeface="Times New Roman" panose="02020603050405020304" pitchFamily="18" charset="0"/>
+                <a:cs typeface="Times New Roman" panose="02020603050405020304" pitchFamily="18" charset="0"/>
+              </a:rPr>
+              <a:t>ư</a:t>
+            </a:r>
+            <a:r>
+              <a:rPr lang="en-US" b="1">
+                <a:solidFill>
+                  <a:srgbClr val="C00000"/>
+                </a:solidFill>
+                <a:latin typeface="Times New Roman" panose="02020603050405020304" pitchFamily="18" charset="0"/>
+                <a:cs typeface="Times New Roman" panose="02020603050405020304" pitchFamily="18" charset="0"/>
+              </a:rPr>
+              <a:t>ớng dẫn sử dụng git</a:t>
+            </a:r>
+          </a:p>
+        </p:txBody>
+      </p:sp>
+      <p:sp>
+        <p:nvSpPr>
+          <p:cNvPr id="3" name="Chỗ dành sẵn cho Nội dung 2">
+            <a:extLst>
+              <a:ext uri="{FF2B5EF4-FFF2-40B4-BE49-F238E27FC236}">
+                <a16:creationId xmlns:a16="http://schemas.microsoft.com/office/drawing/2014/main" id="{EF467264-0087-4487-A50C-05C609888DF3}"/>
+              </a:ext>
+            </a:extLst>
+          </p:cNvPr>
+          <p:cNvSpPr>
+            <a:spLocks noGrp="1"/>
+          </p:cNvSpPr>
+          <p:nvPr>
+            <p:ph idx="1"/>
+          </p:nvPr>
+        </p:nvSpPr>
+        <p:spPr>
+          <a:xfrm>
+            <a:off x="1060173" y="1922994"/>
+            <a:ext cx="8534401" cy="2629842"/>
+          </a:xfrm>
+        </p:spPr>
+        <p:txBody>
+          <a:bodyPr>
+            <a:noAutofit/>
+          </a:bodyPr>
+          <a:lstStyle/>
+          <a:p>
+            <a:pPr marL="457200" marR="0" lvl="1" indent="0">
+              <a:lnSpc>
+                <a:spcPct val="115000"/>
+              </a:lnSpc>
+              <a:spcBef>
+                <a:spcPts val="0"/>
+              </a:spcBef>
+              <a:spcAft>
+                <a:spcPts val="0"/>
+              </a:spcAft>
+              <a:buNone/>
+            </a:pPr>
+            <a:r>
+              <a:rPr lang="en-US" sz="2000" cap="none">
+                <a:latin typeface="Times New Roman" panose="02020603050405020304" pitchFamily="18" charset="0"/>
+                <a:ea typeface="MS Mincho" panose="02020609040205080304" pitchFamily="49" charset="-128"/>
+                <a:cs typeface="Times New Roman" panose="02020603050405020304" pitchFamily="18" charset="0"/>
+              </a:rPr>
+              <a:t>XV. Ta phải add remote của repo đó cho project ở local của ta</a:t>
+            </a:r>
+          </a:p>
+          <a:p>
+            <a:pPr marL="914400" lvl="2" indent="0">
+              <a:lnSpc>
+                <a:spcPct val="115000"/>
+              </a:lnSpc>
+              <a:spcBef>
+                <a:spcPts val="0"/>
+              </a:spcBef>
+              <a:buNone/>
+            </a:pPr>
+            <a:r>
+              <a:rPr lang="en-US" sz="2000" cap="none">
+                <a:latin typeface="Times New Roman" panose="02020603050405020304" pitchFamily="18" charset="0"/>
+                <a:ea typeface="MS Mincho" panose="02020609040205080304" pitchFamily="49" charset="-128"/>
+                <a:cs typeface="Times New Roman" panose="02020603050405020304" pitchFamily="18" charset="0"/>
+              </a:rPr>
+              <a:t>1. Remote : </a:t>
+            </a:r>
+          </a:p>
+          <a:p>
+            <a:pPr lvl="2">
+              <a:lnSpc>
+                <a:spcPct val="115000"/>
+              </a:lnSpc>
+              <a:spcBef>
+                <a:spcPts val="0"/>
+              </a:spcBef>
+              <a:buFont typeface="+mj-lt"/>
+              <a:buAutoNum type="arabicPeriod"/>
+            </a:pPr>
+            <a:r>
+              <a:rPr lang="en-US" sz="2000" cap="none">
+                <a:latin typeface="Times New Roman" panose="02020603050405020304" pitchFamily="18" charset="0"/>
+                <a:ea typeface="MS Mincho" panose="02020609040205080304" pitchFamily="49" charset="-128"/>
+                <a:cs typeface="Times New Roman" panose="02020603050405020304" pitchFamily="18" charset="0"/>
+              </a:rPr>
+              <a:t>Git remote add origin https/ssh</a:t>
+            </a:r>
+          </a:p>
+          <a:p>
+            <a:pPr lvl="2">
+              <a:lnSpc>
+                <a:spcPct val="115000"/>
+              </a:lnSpc>
+              <a:spcBef>
+                <a:spcPts val="0"/>
+              </a:spcBef>
+              <a:buFont typeface="+mj-lt"/>
+              <a:buAutoNum type="arabicPeriod"/>
+            </a:pPr>
+            <a:r>
+              <a:rPr lang="en-US" sz="2000" cap="none">
+                <a:latin typeface="Times New Roman" panose="02020603050405020304" pitchFamily="18" charset="0"/>
+                <a:ea typeface="MS Mincho" panose="02020609040205080304" pitchFamily="49" charset="-128"/>
+                <a:cs typeface="Times New Roman" panose="02020603050405020304" pitchFamily="18" charset="0"/>
+              </a:rPr>
+              <a:t>Origin là tên của remote, thường thì để mặt định origin</a:t>
+            </a:r>
+          </a:p>
+          <a:p>
+            <a:pPr lvl="2">
+              <a:lnSpc>
+                <a:spcPct val="115000"/>
+              </a:lnSpc>
+              <a:spcBef>
+                <a:spcPts val="0"/>
+              </a:spcBef>
+              <a:buFont typeface="+mj-lt"/>
+              <a:buAutoNum type="arabicPeriod"/>
+            </a:pPr>
+            <a:r>
+              <a:rPr lang="en-US" sz="2000" cap="none">
+                <a:latin typeface="Times New Roman" panose="02020603050405020304" pitchFamily="18" charset="0"/>
+                <a:ea typeface="MS Mincho" panose="02020609040205080304" pitchFamily="49" charset="-128"/>
+                <a:cs typeface="Times New Roman" panose="02020603050405020304" pitchFamily="18" charset="0"/>
+              </a:rPr>
+              <a:t>Đường dẫn phía sau có thể là https hoặc ssh</a:t>
+            </a:r>
+          </a:p>
+          <a:p>
+            <a:pPr lvl="2">
+              <a:lnSpc>
+                <a:spcPct val="115000"/>
+              </a:lnSpc>
+              <a:spcBef>
+                <a:spcPts val="0"/>
+              </a:spcBef>
+              <a:spcAft>
+                <a:spcPts val="1000"/>
+              </a:spcAft>
+              <a:buFont typeface="+mj-lt"/>
+              <a:buAutoNum type="arabicPeriod"/>
+            </a:pPr>
+            <a:r>
+              <a:rPr lang="en-US" sz="2000" cap="none">
+                <a:latin typeface="Times New Roman" panose="02020603050405020304" pitchFamily="18" charset="0"/>
+                <a:ea typeface="MS Mincho" panose="02020609040205080304" pitchFamily="49" charset="-128"/>
+                <a:cs typeface="Times New Roman" panose="02020603050405020304" pitchFamily="18" charset="0"/>
+              </a:rPr>
+              <a:t>Ta kiểm tra remote với lệnh: git remote –v</a:t>
+            </a:r>
+            <a:endParaRPr lang="en-US" sz="2000" cap="none">
+              <a:effectLst/>
+              <a:latin typeface="Times New Roman" panose="02020603050405020304" pitchFamily="18" charset="0"/>
+              <a:ea typeface="MS Mincho" panose="02020609040205080304" pitchFamily="49" charset="-128"/>
+              <a:cs typeface="Times New Roman" panose="02020603050405020304" pitchFamily="18" charset="0"/>
+            </a:endParaRPr>
+          </a:p>
+          <a:p>
+            <a:pPr marL="971550" marR="0" lvl="1" indent="-514350">
+              <a:lnSpc>
+                <a:spcPct val="115000"/>
+              </a:lnSpc>
+              <a:spcBef>
+                <a:spcPts val="0"/>
+              </a:spcBef>
+              <a:spcAft>
+                <a:spcPts val="1000"/>
+              </a:spcAft>
+              <a:buAutoNum type="romanUcPeriod" startAt="11"/>
+            </a:pPr>
+            <a:endParaRPr lang="en-US" sz="2000" cap="none">
+              <a:effectLst/>
+              <a:latin typeface="Times New Roman" panose="02020603050405020304" pitchFamily="18" charset="0"/>
+              <a:ea typeface="MS Mincho" panose="02020609040205080304" pitchFamily="49" charset="-128"/>
+              <a:cs typeface="Times New Roman" panose="02020603050405020304" pitchFamily="18" charset="0"/>
+            </a:endParaRPr>
+          </a:p>
+        </p:txBody>
+      </p:sp>
+      <p:pic>
+        <p:nvPicPr>
+          <p:cNvPr id="7" name="Picture 8">
+            <a:extLst>
+              <a:ext uri="{FF2B5EF4-FFF2-40B4-BE49-F238E27FC236}">
+                <a16:creationId xmlns:a16="http://schemas.microsoft.com/office/drawing/2014/main" id="{6224C6E7-E834-4F0C-AA9D-C928D99423A6}"/>
+              </a:ext>
+            </a:extLst>
+          </p:cNvPr>
+          <p:cNvPicPr/>
+          <p:nvPr/>
+        </p:nvPicPr>
+        <p:blipFill>
+          <a:blip r:embed="rId2"/>
+          <a:stretch>
+            <a:fillRect/>
+          </a:stretch>
+        </p:blipFill>
+        <p:spPr>
+          <a:xfrm>
+            <a:off x="1995073" y="4092965"/>
+            <a:ext cx="8871710" cy="2629841"/>
+          </a:xfrm>
+          <a:prstGeom prst="rect">
+            <a:avLst/>
+          </a:prstGeom>
+        </p:spPr>
+      </p:pic>
+    </p:spTree>
+    <p:extLst>
+      <p:ext uri="{BB962C8B-B14F-4D97-AF65-F5344CB8AC3E}">
+        <p14:creationId xmlns:p14="http://schemas.microsoft.com/office/powerpoint/2010/main" val="3723786938"/>
+      </p:ext>
+    </p:extLst>
+  </p:cSld>
+  <p:clrMapOvr>
+    <a:masterClrMapping/>
+  </p:clrMapOvr>
+</p:sld>
+</file>
+
 <file path=ppt/theme/theme1.xml><?xml version="1.0" encoding="utf-8"?>
-<a:theme xmlns:a="http://schemas.openxmlformats.org/drawingml/2006/main" name="Office Theme">
+<a:theme xmlns:a="http://schemas.openxmlformats.org/drawingml/2006/main" name="Giọt nhỏ">
   <a:themeElements>
-    <a:clrScheme name="Office">
+    <a:clrScheme name="Giọt nhỏ">
       <a:dk1>
         <a:sysClr val="windowText" lastClr="000000"/>
       </a:dk1>
@@ -3527,44 +8930,44 @@
         <a:sysClr val="window" lastClr="FFFFFF"/>
       </a:lt1>
       <a:dk2>
-        <a:srgbClr val="44546A"/>
+        <a:srgbClr val="4B4B4B"/>
       </a:dk2>
       <a:lt2>
-        <a:srgbClr val="E7E6E6"/>
+        <a:srgbClr val="B5B5B5"/>
       </a:lt2>
       <a:accent1>
-        <a:srgbClr val="4472C4"/>
+        <a:srgbClr val="9AC43E"/>
       </a:accent1>
       <a:accent2>
-        <a:srgbClr val="ED7D31"/>
+        <a:srgbClr val="44BA98"/>
       </a:accent2>
       <a:accent3>
-        <a:srgbClr val="A5A5A5"/>
+        <a:srgbClr val="43A9D9"/>
       </a:accent3>
       <a:accent4>
-        <a:srgbClr val="FFC000"/>
+        <a:srgbClr val="6274D8"/>
       </a:accent4>
       <a:accent5>
-        <a:srgbClr val="5B9BD5"/>
+        <a:srgbClr val="AB54D7"/>
       </a:accent5>
       <a:accent6>
-        <a:srgbClr val="70AD47"/>
+        <a:srgbClr val="D15B37"/>
       </a:accent6>
       <a:hlink>
-        <a:srgbClr val="0563C1"/>
+        <a:srgbClr val="BFE962"/>
       </a:hlink>
       <a:folHlink>
-        <a:srgbClr val="954F72"/>
+        <a:srgbClr val="C0D591"/>
       </a:folHlink>
     </a:clrScheme>
-    <a:fontScheme name="Office">
+    <a:fontScheme name="Giọt nhỏ">
       <a:majorFont>
-        <a:latin typeface="Calibri Light" panose="020F0302020204030204"/>
+        <a:latin typeface="Tw Cen MT" panose="020B0602020104020603"/>
         <a:ea typeface=""/>
         <a:cs typeface=""/>
-        <a:font script="Jpan" typeface="游ゴシック Light"/>
+        <a:font script="Jpan" typeface="ＭＳ Ｐゴシック"/>
         <a:font script="Hang" typeface="맑은 고딕"/>
-        <a:font script="Hans" typeface="等线 Light"/>
+        <a:font script="Hans" typeface="宋体"/>
         <a:font script="Hant" typeface="新細明體"/>
         <a:font script="Arab" typeface="Times New Roman"/>
         <a:font script="Hebr" typeface="Times New Roman"/>
@@ -3592,31 +8995,14 @@
         <a:font script="Viet" typeface="Times New Roman"/>
         <a:font script="Uigh" typeface="Microsoft Uighur"/>
         <a:font script="Geor" typeface="Sylfaen"/>
-        <a:font script="Armn" typeface="Arial"/>
-        <a:font script="Bugi" typeface="Leelawadee UI"/>
-        <a:font script="Bopo" typeface="Microsoft JhengHei"/>
-        <a:font script="Java" typeface="Javanese Text"/>
-        <a:font script="Lisu" typeface="Segoe UI"/>
-        <a:font script="Mymr" typeface="Myanmar Text"/>
-        <a:font script="Nkoo" typeface="Ebrima"/>
-        <a:font script="Olck" typeface="Nirmala UI"/>
-        <a:font script="Osma" typeface="Ebrima"/>
-        <a:font script="Phag" typeface="Phagspa"/>
-        <a:font script="Syrn" typeface="Estrangelo Edessa"/>
-        <a:font script="Syrj" typeface="Estrangelo Edessa"/>
-        <a:font script="Syre" typeface="Estrangelo Edessa"/>
-        <a:font script="Sora" typeface="Nirmala UI"/>
-        <a:font script="Tale" typeface="Microsoft Tai Le"/>
-        <a:font script="Talu" typeface="Microsoft New Tai Lue"/>
-        <a:font script="Tfng" typeface="Ebrima"/>
       </a:majorFont>
       <a:minorFont>
-        <a:latin typeface="Calibri" panose="020F0502020204030204"/>
+        <a:latin typeface="Tw Cen MT" panose="020B0602020104020603"/>
         <a:ea typeface=""/>
         <a:cs typeface=""/>
-        <a:font script="Jpan" typeface="游ゴシック"/>
+        <a:font script="Jpan" typeface="ＭＳ Ｐゴシック"/>
         <a:font script="Hang" typeface="맑은 고딕"/>
-        <a:font script="Hans" typeface="等线"/>
+        <a:font script="Hans" typeface="宋体"/>
         <a:font script="Hant" typeface="新細明體"/>
         <a:font script="Arab" typeface="Arial"/>
         <a:font script="Hebr" typeface="Arial"/>
@@ -3644,27 +9030,105 @@
         <a:font script="Viet" typeface="Arial"/>
         <a:font script="Uigh" typeface="Microsoft Uighur"/>
         <a:font script="Geor" typeface="Sylfaen"/>
-        <a:font script="Armn" typeface="Arial"/>
-        <a:font script="Bugi" typeface="Leelawadee UI"/>
-        <a:font script="Bopo" typeface="Microsoft JhengHei"/>
-        <a:font script="Java" typeface="Javanese Text"/>
-        <a:font script="Lisu" typeface="Segoe UI"/>
-        <a:font script="Mymr" typeface="Myanmar Text"/>
-        <a:font script="Nkoo" typeface="Ebrima"/>
-        <a:font script="Olck" typeface="Nirmala UI"/>
-        <a:font script="Osma" typeface="Ebrima"/>
-        <a:font script="Phag" typeface="Phagspa"/>
-        <a:font script="Syrn" typeface="Estrangelo Edessa"/>
-        <a:font script="Syrj" typeface="Estrangelo Edessa"/>
-        <a:font script="Syre" typeface="Estrangelo Edessa"/>
-        <a:font script="Sora" typeface="Nirmala UI"/>
-        <a:font script="Tale" typeface="Microsoft Tai Le"/>
-        <a:font script="Talu" typeface="Microsoft New Tai Lue"/>
-        <a:font script="Tfng" typeface="Ebrima"/>
       </a:minorFont>
     </a:fontScheme>
-    <a:fmtScheme name="Office">
+    <a:fmtScheme name="Giọt nhỏ">
       <a:fillStyleLst>
+        <a:solidFill>
+          <a:schemeClr val="phClr"/>
+        </a:solidFill>
+        <a:solidFill>
+          <a:schemeClr val="phClr">
+            <a:tint val="69000"/>
+            <a:satMod val="105000"/>
+            <a:lumMod val="110000"/>
+          </a:schemeClr>
+        </a:solidFill>
+        <a:gradFill rotWithShape="1">
+          <a:gsLst>
+            <a:gs pos="0">
+              <a:schemeClr val="phClr">
+                <a:tint val="94000"/>
+                <a:satMod val="100000"/>
+                <a:lumMod val="108000"/>
+              </a:schemeClr>
+            </a:gs>
+            <a:gs pos="50000">
+              <a:schemeClr val="phClr">
+                <a:tint val="98000"/>
+                <a:shade val="100000"/>
+                <a:satMod val="100000"/>
+                <a:lumMod val="100000"/>
+              </a:schemeClr>
+            </a:gs>
+            <a:gs pos="100000">
+              <a:schemeClr val="phClr">
+                <a:shade val="72000"/>
+                <a:satMod val="120000"/>
+                <a:lumMod val="100000"/>
+              </a:schemeClr>
+            </a:gs>
+          </a:gsLst>
+          <a:lin ang="5400000" scaled="0"/>
+        </a:gradFill>
+      </a:fillStyleLst>
+      <a:lnStyleLst>
+        <a:ln w="9525" cap="flat" cmpd="sng" algn="ctr">
+          <a:solidFill>
+            <a:schemeClr val="phClr">
+              <a:shade val="60000"/>
+            </a:schemeClr>
+          </a:solidFill>
+          <a:prstDash val="solid"/>
+        </a:ln>
+        <a:ln w="15875" cap="flat" cmpd="sng" algn="ctr">
+          <a:solidFill>
+            <a:schemeClr val="phClr"/>
+          </a:solidFill>
+          <a:prstDash val="solid"/>
+        </a:ln>
+        <a:ln w="22225" cap="flat" cmpd="sng" algn="ctr">
+          <a:solidFill>
+            <a:schemeClr val="phClr"/>
+          </a:solidFill>
+          <a:prstDash val="solid"/>
+        </a:ln>
+      </a:lnStyleLst>
+      <a:effectStyleLst>
+        <a:effectStyle>
+          <a:effectLst/>
+        </a:effectStyle>
+        <a:effectStyle>
+          <a:effectLst>
+            <a:outerShdw blurRad="50800" dist="25400" dir="5400000" rotWithShape="0">
+              <a:srgbClr val="000000">
+                <a:alpha val="28000"/>
+              </a:srgbClr>
+            </a:outerShdw>
+          </a:effectLst>
+        </a:effectStyle>
+        <a:effectStyle>
+          <a:effectLst>
+            <a:outerShdw blurRad="63500" dist="25400" dir="5400000" algn="ctr" rotWithShape="0">
+              <a:srgbClr val="000000">
+                <a:alpha val="69000"/>
+              </a:srgbClr>
+            </a:outerShdw>
+          </a:effectLst>
+          <a:scene3d>
+            <a:camera prst="orthographicFront">
+              <a:rot lat="0" lon="0" rev="0"/>
+            </a:camera>
+            <a:lightRig rig="balanced" dir="t">
+              <a:rot lat="0" lon="0" rev="1200000"/>
+            </a:lightRig>
+          </a:scene3d>
+          <a:sp3d prstMaterial="plastic">
+            <a:bevelT w="25400" h="25400"/>
+          </a:sp3d>
+        </a:effectStyle>
+      </a:effectStyleLst>
+      <a:bgFillStyleLst>
         <a:solidFill>
           <a:schemeClr val="phClr"/>
         </a:solidFill>
@@ -3672,23 +9136,14 @@
           <a:gsLst>
             <a:gs pos="0">
               <a:schemeClr val="phClr">
+                <a:tint val="90000"/>
                 <a:lumMod val="110000"/>
-                <a:satMod val="105000"/>
-                <a:tint val="67000"/>
-              </a:schemeClr>
-            </a:gs>
-            <a:gs pos="50000">
-              <a:schemeClr val="phClr">
-                <a:lumMod val="105000"/>
-                <a:satMod val="103000"/>
-                <a:tint val="73000"/>
               </a:schemeClr>
             </a:gs>
             <a:gs pos="100000">
               <a:schemeClr val="phClr">
-                <a:lumMod val="105000"/>
-                <a:satMod val="109000"/>
-                <a:tint val="81000"/>
+                <a:shade val="64000"/>
+                <a:lumMod val="88000"/>
               </a:schemeClr>
             </a:gs>
           </a:gsLst>
@@ -3698,101 +9153,18 @@
           <a:gsLst>
             <a:gs pos="0">
               <a:schemeClr val="phClr">
-                <a:satMod val="103000"/>
-                <a:lumMod val="102000"/>
-                <a:tint val="94000"/>
-              </a:schemeClr>
-            </a:gs>
-            <a:gs pos="50000">
-              <a:schemeClr val="phClr">
-                <a:satMod val="110000"/>
-                <a:lumMod val="100000"/>
+                <a:tint val="84000"/>
                 <a:shade val="100000"/>
+                <a:hueMod val="92000"/>
+                <a:satMod val="180000"/>
+                <a:lumMod val="114000"/>
               </a:schemeClr>
             </a:gs>
             <a:gs pos="100000">
               <a:schemeClr val="phClr">
-                <a:lumMod val="99000"/>
-                <a:satMod val="120000"/>
-                <a:shade val="78000"/>
-              </a:schemeClr>
-            </a:gs>
-          </a:gsLst>
-          <a:lin ang="5400000" scaled="0"/>
-        </a:gradFill>
-      </a:fillStyleLst>
-      <a:lnStyleLst>
-        <a:ln w="6350" cap="flat" cmpd="sng" algn="ctr">
-          <a:solidFill>
-            <a:schemeClr val="phClr"/>
-          </a:solidFill>
-          <a:prstDash val="solid"/>
-          <a:miter lim="800000"/>
-        </a:ln>
-        <a:ln w="12700" cap="flat" cmpd="sng" algn="ctr">
-          <a:solidFill>
-            <a:schemeClr val="phClr"/>
-          </a:solidFill>
-          <a:prstDash val="solid"/>
-          <a:miter lim="800000"/>
-        </a:ln>
-        <a:ln w="19050" cap="flat" cmpd="sng" algn="ctr">
-          <a:solidFill>
-            <a:schemeClr val="phClr"/>
-          </a:solidFill>
-          <a:prstDash val="solid"/>
-          <a:miter lim="800000"/>
-        </a:ln>
-      </a:lnStyleLst>
-      <a:effectStyleLst>
-        <a:effectStyle>
-          <a:effectLst/>
-        </a:effectStyle>
-        <a:effectStyle>
-          <a:effectLst/>
-        </a:effectStyle>
-        <a:effectStyle>
-          <a:effectLst>
-            <a:outerShdw blurRad="57150" dist="19050" dir="5400000" algn="ctr" rotWithShape="0">
-              <a:srgbClr val="000000">
-                <a:alpha val="63000"/>
-              </a:srgbClr>
-            </a:outerShdw>
-          </a:effectLst>
-        </a:effectStyle>
-      </a:effectStyleLst>
-      <a:bgFillStyleLst>
-        <a:solidFill>
-          <a:schemeClr val="phClr"/>
-        </a:solidFill>
-        <a:solidFill>
-          <a:schemeClr val="phClr">
-            <a:tint val="95000"/>
-            <a:satMod val="170000"/>
-          </a:schemeClr>
-        </a:solidFill>
-        <a:gradFill rotWithShape="1">
-          <a:gsLst>
-            <a:gs pos="0">
-              <a:schemeClr val="phClr">
-                <a:tint val="93000"/>
-                <a:satMod val="150000"/>
-                <a:shade val="98000"/>
-                <a:lumMod val="102000"/>
-              </a:schemeClr>
-            </a:gs>
-            <a:gs pos="50000">
-              <a:schemeClr val="phClr">
-                <a:tint val="98000"/>
-                <a:satMod val="130000"/>
-                <a:shade val="90000"/>
-                <a:lumMod val="103000"/>
-              </a:schemeClr>
-            </a:gs>
-            <a:gs pos="100000">
-              <a:schemeClr val="phClr">
-                <a:shade val="63000"/>
-                <a:satMod val="120000"/>
+                <a:shade val="92000"/>
+                <a:satMod val="170000"/>
+                <a:lumMod val="96000"/>
               </a:schemeClr>
             </a:gs>
           </a:gsLst>
@@ -3805,7 +9177,7 @@
   <a:extraClrSchemeLst/>
   <a:extLst>
     <a:ext uri="{05A4C25C-085E-4340-85A3-A5531E510DB2}">
-      <thm15:themeFamily xmlns:thm15="http://schemas.microsoft.com/office/thememl/2012/main" name="Office Theme" id="{62F939B6-93AF-4DB8-9C6B-D6C7DFDC589F}" vid="{4A3C46E8-61CC-4603-A589-7422A47A8E4A}"/>
+      <thm15:themeFamily xmlns:thm15="http://schemas.microsoft.com/office/thememl/2012/main" name="Droplet" id="{8984A317-299A-4E50-B45D-BFC9EDE2337A}" vid="{892FADA9-420D-4323-A7A4-C1060166525B}"/>
     </a:ext>
   </a:extLst>
 </a:theme>

--- a/GIT.pptx
+++ b/GIT.pptx
@@ -6,15 +6,18 @@
   </p:sldMasterIdLst>
   <p:sldIdLst>
     <p:sldId id="256" r:id="rId2"/>
-    <p:sldId id="257" r:id="rId3"/>
-    <p:sldId id="259" r:id="rId4"/>
-    <p:sldId id="260" r:id="rId5"/>
-    <p:sldId id="261" r:id="rId6"/>
-    <p:sldId id="262" r:id="rId7"/>
-    <p:sldId id="263" r:id="rId8"/>
-    <p:sldId id="264" r:id="rId9"/>
-    <p:sldId id="265" r:id="rId10"/>
-    <p:sldId id="266" r:id="rId11"/>
+    <p:sldId id="267" r:id="rId3"/>
+    <p:sldId id="269" r:id="rId4"/>
+    <p:sldId id="270" r:id="rId5"/>
+    <p:sldId id="257" r:id="rId6"/>
+    <p:sldId id="259" r:id="rId7"/>
+    <p:sldId id="260" r:id="rId8"/>
+    <p:sldId id="261" r:id="rId9"/>
+    <p:sldId id="262" r:id="rId10"/>
+    <p:sldId id="263" r:id="rId11"/>
+    <p:sldId id="264" r:id="rId12"/>
+    <p:sldId id="265" r:id="rId13"/>
+    <p:sldId id="266" r:id="rId14"/>
   </p:sldIdLst>
   <p:sldSz cx="12192000" cy="6858000"/>
   <p:notesSz cx="6858000" cy="9144000"/>
@@ -292,7 +295,7 @@
           <a:p>
             <a:fld id="{A7F323CF-71FB-4D08-A706-73C8FB34EBBC}" type="datetimeFigureOut">
               <a:rPr lang="en-US" smtClean="0"/>
-              <a:t>9/15/2019</a:t>
+              <a:t>9/16/2019</a:t>
             </a:fld>
             <a:endParaRPr lang="en-US"/>
           </a:p>
@@ -607,7 +610,7 @@
           <a:p>
             <a:fld id="{A7F323CF-71FB-4D08-A706-73C8FB34EBBC}" type="datetimeFigureOut">
               <a:rPr lang="en-US" smtClean="0"/>
-              <a:t>9/15/2019</a:t>
+              <a:t>9/16/2019</a:t>
             </a:fld>
             <a:endParaRPr lang="en-US"/>
           </a:p>
@@ -829,7 +832,7 @@
           <a:p>
             <a:fld id="{A7F323CF-71FB-4D08-A706-73C8FB34EBBC}" type="datetimeFigureOut">
               <a:rPr lang="en-US" smtClean="0"/>
-              <a:t>9/15/2019</a:t>
+              <a:t>9/16/2019</a:t>
             </a:fld>
             <a:endParaRPr lang="en-US"/>
           </a:p>
@@ -1120,7 +1123,7 @@
           <a:p>
             <a:fld id="{A7F323CF-71FB-4D08-A706-73C8FB34EBBC}" type="datetimeFigureOut">
               <a:rPr lang="en-US" smtClean="0"/>
-              <a:t>9/15/2019</a:t>
+              <a:t>9/16/2019</a:t>
             </a:fld>
             <a:endParaRPr lang="en-US"/>
           </a:p>
@@ -1574,7 +1577,7 @@
           <a:p>
             <a:fld id="{A7F323CF-71FB-4D08-A706-73C8FB34EBBC}" type="datetimeFigureOut">
               <a:rPr lang="en-US" smtClean="0"/>
-              <a:t>9/15/2019</a:t>
+              <a:t>9/16/2019</a:t>
             </a:fld>
             <a:endParaRPr lang="en-US"/>
           </a:p>
@@ -2150,7 +2153,7 @@
           <a:p>
             <a:fld id="{A7F323CF-71FB-4D08-A706-73C8FB34EBBC}" type="datetimeFigureOut">
               <a:rPr lang="en-US" smtClean="0"/>
-              <a:t>9/15/2019</a:t>
+              <a:t>9/16/2019</a:t>
             </a:fld>
             <a:endParaRPr lang="en-US"/>
           </a:p>
@@ -3011,7 +3014,7 @@
           <a:p>
             <a:fld id="{A7F323CF-71FB-4D08-A706-73C8FB34EBBC}" type="datetimeFigureOut">
               <a:rPr lang="en-US" smtClean="0"/>
-              <a:t>9/15/2019</a:t>
+              <a:t>9/16/2019</a:t>
             </a:fld>
             <a:endParaRPr lang="en-US"/>
           </a:p>
@@ -3216,7 +3219,7 @@
           <a:p>
             <a:fld id="{A7F323CF-71FB-4D08-A706-73C8FB34EBBC}" type="datetimeFigureOut">
               <a:rPr lang="en-US" smtClean="0"/>
-              <a:t>9/15/2019</a:t>
+              <a:t>9/16/2019</a:t>
             </a:fld>
             <a:endParaRPr lang="en-US"/>
           </a:p>
@@ -3430,7 +3433,7 @@
           <a:p>
             <a:fld id="{A7F323CF-71FB-4D08-A706-73C8FB34EBBC}" type="datetimeFigureOut">
               <a:rPr lang="en-US" smtClean="0"/>
-              <a:t>9/15/2019</a:t>
+              <a:t>9/16/2019</a:t>
             </a:fld>
             <a:endParaRPr lang="en-US"/>
           </a:p>
@@ -3618,7 +3621,7 @@
           <a:p>
             <a:fld id="{A7F323CF-71FB-4D08-A706-73C8FB34EBBC}" type="datetimeFigureOut">
               <a:rPr lang="en-US" smtClean="0"/>
-              <a:t>9/15/2019</a:t>
+              <a:t>9/16/2019</a:t>
             </a:fld>
             <a:endParaRPr lang="en-US"/>
           </a:p>
@@ -3835,7 +3838,7 @@
           <a:p>
             <a:fld id="{A7F323CF-71FB-4D08-A706-73C8FB34EBBC}" type="datetimeFigureOut">
               <a:rPr lang="en-US" smtClean="0"/>
-              <a:t>9/15/2019</a:t>
+              <a:t>9/16/2019</a:t>
             </a:fld>
             <a:endParaRPr lang="en-US"/>
           </a:p>
@@ -4115,7 +4118,7 @@
           <a:p>
             <a:fld id="{A7F323CF-71FB-4D08-A706-73C8FB34EBBC}" type="datetimeFigureOut">
               <a:rPr lang="en-US" smtClean="0"/>
-              <a:t>9/15/2019</a:t>
+              <a:t>9/16/2019</a:t>
             </a:fld>
             <a:endParaRPr lang="en-US"/>
           </a:p>
@@ -4382,7 +4385,7 @@
           <a:p>
             <a:fld id="{A7F323CF-71FB-4D08-A706-73C8FB34EBBC}" type="datetimeFigureOut">
               <a:rPr lang="en-US" smtClean="0"/>
-              <a:t>9/15/2019</a:t>
+              <a:t>9/16/2019</a:t>
             </a:fld>
             <a:endParaRPr lang="en-US"/>
           </a:p>
@@ -4797,7 +4800,7 @@
           <a:p>
             <a:fld id="{A7F323CF-71FB-4D08-A706-73C8FB34EBBC}" type="datetimeFigureOut">
               <a:rPr lang="en-US" smtClean="0"/>
-              <a:t>9/15/2019</a:t>
+              <a:t>9/16/2019</a:t>
             </a:fld>
             <a:endParaRPr lang="en-US"/>
           </a:p>
@@ -4945,7 +4948,7 @@
           <a:p>
             <a:fld id="{A7F323CF-71FB-4D08-A706-73C8FB34EBBC}" type="datetimeFigureOut">
               <a:rPr lang="en-US" smtClean="0"/>
-              <a:t>9/15/2019</a:t>
+              <a:t>9/16/2019</a:t>
             </a:fld>
             <a:endParaRPr lang="en-US"/>
           </a:p>
@@ -5070,7 +5073,7 @@
           <a:p>
             <a:fld id="{A7F323CF-71FB-4D08-A706-73C8FB34EBBC}" type="datetimeFigureOut">
               <a:rPr lang="en-US" smtClean="0"/>
-              <a:t>9/15/2019</a:t>
+              <a:t>9/16/2019</a:t>
             </a:fld>
             <a:endParaRPr lang="en-US"/>
           </a:p>
@@ -5349,7 +5352,7 @@
           <a:p>
             <a:fld id="{A7F323CF-71FB-4D08-A706-73C8FB34EBBC}" type="datetimeFigureOut">
               <a:rPr lang="en-US" smtClean="0"/>
-              <a:t>9/15/2019</a:t>
+              <a:t>9/16/2019</a:t>
             </a:fld>
             <a:endParaRPr lang="en-US"/>
           </a:p>
@@ -5664,7 +5667,7 @@
           <a:p>
             <a:fld id="{A7F323CF-71FB-4D08-A706-73C8FB34EBBC}" type="datetimeFigureOut">
               <a:rPr lang="en-US" smtClean="0"/>
-              <a:t>9/15/2019</a:t>
+              <a:t>9/16/2019</a:t>
             </a:fld>
             <a:endParaRPr lang="en-US"/>
           </a:p>
@@ -5917,7 +5920,7 @@
           <a:p>
             <a:fld id="{A7F323CF-71FB-4D08-A706-73C8FB34EBBC}" type="datetimeFigureOut">
               <a:rPr lang="en-US" smtClean="0"/>
-              <a:t>9/15/2019</a:t>
+              <a:t>9/16/2019</a:t>
             </a:fld>
             <a:endParaRPr lang="en-US"/>
           </a:p>
@@ -6631,6 +6634,983 @@
       </p:grpSpPr>
       <p:sp>
         <p:nvSpPr>
+          <p:cNvPr id="2" name="Tiêu đề 1">
+            <a:extLst>
+              <a:ext uri="{FF2B5EF4-FFF2-40B4-BE49-F238E27FC236}">
+                <a16:creationId xmlns:a16="http://schemas.microsoft.com/office/drawing/2014/main" id="{FCE357BF-54DA-419D-B694-1E969F7C39A1}"/>
+              </a:ext>
+            </a:extLst>
+          </p:cNvPr>
+          <p:cNvSpPr>
+            <a:spLocks noGrp="1"/>
+          </p:cNvSpPr>
+          <p:nvPr>
+            <p:ph type="title"/>
+          </p:nvPr>
+        </p:nvSpPr>
+        <p:spPr>
+          <a:xfrm>
+            <a:off x="913775" y="618518"/>
+            <a:ext cx="10364451" cy="1336892"/>
+          </a:xfrm>
+        </p:spPr>
+        <p:txBody>
+          <a:bodyPr/>
+          <a:lstStyle/>
+          <a:p>
+            <a:r>
+              <a:rPr lang="en-US" b="1">
+                <a:solidFill>
+                  <a:srgbClr val="C00000"/>
+                </a:solidFill>
+                <a:latin typeface="Times New Roman" panose="02020603050405020304" pitchFamily="18" charset="0"/>
+                <a:cs typeface="Times New Roman" panose="02020603050405020304" pitchFamily="18" charset="0"/>
+              </a:rPr>
+              <a:t>H</a:t>
+            </a:r>
+            <a:r>
+              <a:rPr lang="vi-VN" b="1">
+                <a:solidFill>
+                  <a:srgbClr val="C00000"/>
+                </a:solidFill>
+                <a:latin typeface="Times New Roman" panose="02020603050405020304" pitchFamily="18" charset="0"/>
+                <a:cs typeface="Times New Roman" panose="02020603050405020304" pitchFamily="18" charset="0"/>
+              </a:rPr>
+              <a:t>ư</a:t>
+            </a:r>
+            <a:r>
+              <a:rPr lang="en-US" b="1">
+                <a:solidFill>
+                  <a:srgbClr val="C00000"/>
+                </a:solidFill>
+                <a:latin typeface="Times New Roman" panose="02020603050405020304" pitchFamily="18" charset="0"/>
+                <a:cs typeface="Times New Roman" panose="02020603050405020304" pitchFamily="18" charset="0"/>
+              </a:rPr>
+              <a:t>ớng dẫn sử dụng git</a:t>
+            </a:r>
+          </a:p>
+        </p:txBody>
+      </p:sp>
+      <p:sp>
+        <p:nvSpPr>
+          <p:cNvPr id="3" name="Chỗ dành sẵn cho Nội dung 2">
+            <a:extLst>
+              <a:ext uri="{FF2B5EF4-FFF2-40B4-BE49-F238E27FC236}">
+                <a16:creationId xmlns:a16="http://schemas.microsoft.com/office/drawing/2014/main" id="{EF467264-0087-4487-A50C-05C609888DF3}"/>
+              </a:ext>
+            </a:extLst>
+          </p:cNvPr>
+          <p:cNvSpPr>
+            <a:spLocks noGrp="1"/>
+          </p:cNvSpPr>
+          <p:nvPr>
+            <p:ph idx="1"/>
+          </p:nvPr>
+        </p:nvSpPr>
+        <p:spPr>
+          <a:xfrm>
+            <a:off x="212035" y="2640814"/>
+            <a:ext cx="4890050" cy="3335916"/>
+          </a:xfrm>
+        </p:spPr>
+        <p:txBody>
+          <a:bodyPr>
+            <a:noAutofit/>
+          </a:bodyPr>
+          <a:lstStyle/>
+          <a:p>
+            <a:pPr marL="457200" marR="0" lvl="1" indent="0">
+              <a:lnSpc>
+                <a:spcPct val="115000"/>
+              </a:lnSpc>
+              <a:spcBef>
+                <a:spcPts val="0"/>
+              </a:spcBef>
+              <a:spcAft>
+                <a:spcPts val="0"/>
+              </a:spcAft>
+              <a:buNone/>
+            </a:pPr>
+            <a:r>
+              <a:rPr lang="en-US" sz="2000" cap="none">
+                <a:latin typeface="Times New Roman" panose="02020603050405020304" pitchFamily="18" charset="0"/>
+                <a:ea typeface="MS Mincho" panose="02020609040205080304" pitchFamily="49" charset="-128"/>
+                <a:cs typeface="Times New Roman" panose="02020603050405020304" pitchFamily="18" charset="0"/>
+              </a:rPr>
+              <a:t>X.   Để thực hiện cho git theo dõi ta gõ:</a:t>
+            </a:r>
+          </a:p>
+          <a:p>
+            <a:pPr lvl="2">
+              <a:lnSpc>
+                <a:spcPct val="115000"/>
+              </a:lnSpc>
+              <a:spcBef>
+                <a:spcPts val="0"/>
+              </a:spcBef>
+              <a:buFont typeface="+mj-lt"/>
+              <a:buAutoNum type="romanLcPeriod"/>
+            </a:pPr>
+            <a:r>
+              <a:rPr lang="en-US" sz="2000" cap="none">
+                <a:latin typeface="Times New Roman" panose="02020603050405020304" pitchFamily="18" charset="0"/>
+                <a:ea typeface="MS Mincho" panose="02020609040205080304" pitchFamily="49" charset="-128"/>
+                <a:cs typeface="Times New Roman" panose="02020603050405020304" pitchFamily="18" charset="0"/>
+              </a:rPr>
+              <a:t> Git add tên_file : để add 1 file</a:t>
+            </a:r>
+          </a:p>
+          <a:p>
+            <a:pPr lvl="2">
+              <a:lnSpc>
+                <a:spcPct val="115000"/>
+              </a:lnSpc>
+              <a:spcBef>
+                <a:spcPts val="0"/>
+              </a:spcBef>
+              <a:buFont typeface="+mj-lt"/>
+              <a:buAutoNum type="romanLcPeriod"/>
+            </a:pPr>
+            <a:r>
+              <a:rPr lang="en-US" sz="2000" cap="none">
+                <a:latin typeface="Times New Roman" panose="02020603050405020304" pitchFamily="18" charset="0"/>
+                <a:ea typeface="MS Mincho" panose="02020609040205080304" pitchFamily="49" charset="-128"/>
+                <a:cs typeface="Times New Roman" panose="02020603050405020304" pitchFamily="18" charset="0"/>
+              </a:rPr>
+              <a:t>Git add . : để add tất cả file</a:t>
+            </a:r>
+          </a:p>
+          <a:p>
+            <a:pPr marL="457200" marR="0" lvl="1" indent="0">
+              <a:lnSpc>
+                <a:spcPct val="115000"/>
+              </a:lnSpc>
+              <a:spcBef>
+                <a:spcPts val="0"/>
+              </a:spcBef>
+              <a:spcAft>
+                <a:spcPts val="1000"/>
+              </a:spcAft>
+              <a:buNone/>
+            </a:pPr>
+            <a:r>
+              <a:rPr lang="en-US" sz="2000" cap="none">
+                <a:latin typeface="Times New Roman" panose="02020603050405020304" pitchFamily="18" charset="0"/>
+                <a:ea typeface="MS Mincho" panose="02020609040205080304" pitchFamily="49" charset="-128"/>
+                <a:cs typeface="Times New Roman" panose="02020603050405020304" pitchFamily="18" charset="0"/>
+              </a:rPr>
+              <a:t>XI.   Sau khi add ta kiểm tra lại với git status sẽ thấy chuyển sang màu xanh</a:t>
+            </a:r>
+            <a:endParaRPr lang="en-US" sz="2000" cap="none">
+              <a:effectLst/>
+              <a:latin typeface="Times New Roman" panose="02020603050405020304" pitchFamily="18" charset="0"/>
+              <a:ea typeface="MS Mincho" panose="02020609040205080304" pitchFamily="49" charset="-128"/>
+              <a:cs typeface="Times New Roman" panose="02020603050405020304" pitchFamily="18" charset="0"/>
+            </a:endParaRPr>
+          </a:p>
+        </p:txBody>
+      </p:sp>
+      <p:pic>
+        <p:nvPicPr>
+          <p:cNvPr id="6" name="Picture 6">
+            <a:extLst>
+              <a:ext uri="{FF2B5EF4-FFF2-40B4-BE49-F238E27FC236}">
+                <a16:creationId xmlns:a16="http://schemas.microsoft.com/office/drawing/2014/main" id="{684EAE43-9F76-49D6-9828-A7CFC317C365}"/>
+              </a:ext>
+            </a:extLst>
+          </p:cNvPr>
+          <p:cNvPicPr/>
+          <p:nvPr/>
+        </p:nvPicPr>
+        <p:blipFill>
+          <a:blip r:embed="rId2"/>
+          <a:stretch>
+            <a:fillRect/>
+          </a:stretch>
+        </p:blipFill>
+        <p:spPr>
+          <a:xfrm>
+            <a:off x="5102085" y="2052946"/>
+            <a:ext cx="6841434" cy="4511651"/>
+          </a:xfrm>
+          <a:prstGeom prst="rect">
+            <a:avLst/>
+          </a:prstGeom>
+        </p:spPr>
+      </p:pic>
+    </p:spTree>
+    <p:extLst>
+      <p:ext uri="{BB962C8B-B14F-4D97-AF65-F5344CB8AC3E}">
+        <p14:creationId xmlns:p14="http://schemas.microsoft.com/office/powerpoint/2010/main" val="1366827148"/>
+      </p:ext>
+    </p:extLst>
+  </p:cSld>
+  <p:clrMapOvr>
+    <a:masterClrMapping/>
+  </p:clrMapOvr>
+</p:sld>
+</file>
+
+<file path=ppt/slides/slide11.xml><?xml version="1.0" encoding="utf-8"?>
+<p:sld xmlns:a="http://schemas.openxmlformats.org/drawingml/2006/main" xmlns:r="http://schemas.openxmlformats.org/officeDocument/2006/relationships" xmlns:p="http://schemas.openxmlformats.org/presentationml/2006/main">
+  <p:cSld>
+    <p:spTree>
+      <p:nvGrpSpPr>
+        <p:cNvPr id="1" name=""/>
+        <p:cNvGrpSpPr/>
+        <p:nvPr/>
+      </p:nvGrpSpPr>
+      <p:grpSpPr>
+        <a:xfrm>
+          <a:off x="0" y="0"/>
+          <a:ext cx="0" cy="0"/>
+          <a:chOff x="0" y="0"/>
+          <a:chExt cx="0" cy="0"/>
+        </a:xfrm>
+      </p:grpSpPr>
+      <p:sp>
+        <p:nvSpPr>
+          <p:cNvPr id="2" name="Tiêu đề 1">
+            <a:extLst>
+              <a:ext uri="{FF2B5EF4-FFF2-40B4-BE49-F238E27FC236}">
+                <a16:creationId xmlns:a16="http://schemas.microsoft.com/office/drawing/2014/main" id="{FCE357BF-54DA-419D-B694-1E969F7C39A1}"/>
+              </a:ext>
+            </a:extLst>
+          </p:cNvPr>
+          <p:cNvSpPr>
+            <a:spLocks noGrp="1"/>
+          </p:cNvSpPr>
+          <p:nvPr>
+            <p:ph type="title"/>
+          </p:nvPr>
+        </p:nvSpPr>
+        <p:spPr>
+          <a:xfrm>
+            <a:off x="913775" y="618518"/>
+            <a:ext cx="10364451" cy="1336892"/>
+          </a:xfrm>
+        </p:spPr>
+        <p:txBody>
+          <a:bodyPr/>
+          <a:lstStyle/>
+          <a:p>
+            <a:r>
+              <a:rPr lang="en-US" b="1">
+                <a:solidFill>
+                  <a:srgbClr val="C00000"/>
+                </a:solidFill>
+                <a:latin typeface="Times New Roman" panose="02020603050405020304" pitchFamily="18" charset="0"/>
+                <a:cs typeface="Times New Roman" panose="02020603050405020304" pitchFamily="18" charset="0"/>
+              </a:rPr>
+              <a:t>H</a:t>
+            </a:r>
+            <a:r>
+              <a:rPr lang="vi-VN" b="1">
+                <a:solidFill>
+                  <a:srgbClr val="C00000"/>
+                </a:solidFill>
+                <a:latin typeface="Times New Roman" panose="02020603050405020304" pitchFamily="18" charset="0"/>
+                <a:cs typeface="Times New Roman" panose="02020603050405020304" pitchFamily="18" charset="0"/>
+              </a:rPr>
+              <a:t>ư</a:t>
+            </a:r>
+            <a:r>
+              <a:rPr lang="en-US" b="1">
+                <a:solidFill>
+                  <a:srgbClr val="C00000"/>
+                </a:solidFill>
+                <a:latin typeface="Times New Roman" panose="02020603050405020304" pitchFamily="18" charset="0"/>
+                <a:cs typeface="Times New Roman" panose="02020603050405020304" pitchFamily="18" charset="0"/>
+              </a:rPr>
+              <a:t>ớng dẫn sử dụng git</a:t>
+            </a:r>
+          </a:p>
+        </p:txBody>
+      </p:sp>
+      <p:sp>
+        <p:nvSpPr>
+          <p:cNvPr id="3" name="Chỗ dành sẵn cho Nội dung 2">
+            <a:extLst>
+              <a:ext uri="{FF2B5EF4-FFF2-40B4-BE49-F238E27FC236}">
+                <a16:creationId xmlns:a16="http://schemas.microsoft.com/office/drawing/2014/main" id="{EF467264-0087-4487-A50C-05C609888DF3}"/>
+              </a:ext>
+            </a:extLst>
+          </p:cNvPr>
+          <p:cNvSpPr>
+            <a:spLocks noGrp="1"/>
+          </p:cNvSpPr>
+          <p:nvPr>
+            <p:ph idx="1"/>
+          </p:nvPr>
+        </p:nvSpPr>
+        <p:spPr>
+          <a:xfrm>
+            <a:off x="575022" y="2122577"/>
+            <a:ext cx="11153152" cy="4622779"/>
+          </a:xfrm>
+        </p:spPr>
+        <p:txBody>
+          <a:bodyPr>
+            <a:noAutofit/>
+          </a:bodyPr>
+          <a:lstStyle/>
+          <a:p>
+            <a:pPr marL="457200" marR="0" lvl="1" indent="0">
+              <a:lnSpc>
+                <a:spcPct val="115000"/>
+              </a:lnSpc>
+              <a:spcBef>
+                <a:spcPts val="0"/>
+              </a:spcBef>
+              <a:spcAft>
+                <a:spcPts val="0"/>
+              </a:spcAft>
+              <a:buNone/>
+            </a:pPr>
+            <a:r>
+              <a:rPr lang="en-US" sz="2000">
+                <a:latin typeface="Times New Roman" panose="02020603050405020304" pitchFamily="18" charset="0"/>
+                <a:ea typeface="MS Mincho" panose="02020609040205080304" pitchFamily="49" charset="-128"/>
+                <a:cs typeface="Times New Roman" panose="02020603050405020304" pitchFamily="18" charset="0"/>
+              </a:rPr>
+              <a:t>XII.  </a:t>
+            </a:r>
+            <a:r>
+              <a:rPr lang="en-US" sz="2000" cap="none">
+                <a:latin typeface="Times New Roman" panose="02020603050405020304" pitchFamily="18" charset="0"/>
+                <a:ea typeface="MS Mincho" panose="02020609040205080304" pitchFamily="49" charset="-128"/>
+                <a:cs typeface="Times New Roman" panose="02020603050405020304" pitchFamily="18" charset="0"/>
+              </a:rPr>
+              <a:t>Để xác nhận với git là quá trình làm việc của các file đó kết thúc ta </a:t>
+            </a:r>
+          </a:p>
+          <a:p>
+            <a:pPr marL="1371600" lvl="2" indent="-457200">
+              <a:lnSpc>
+                <a:spcPct val="115000"/>
+              </a:lnSpc>
+              <a:spcBef>
+                <a:spcPts val="0"/>
+              </a:spcBef>
+              <a:spcAft>
+                <a:spcPts val="1000"/>
+              </a:spcAft>
+              <a:buFont typeface="+mj-lt"/>
+              <a:buAutoNum type="arabicPeriod"/>
+            </a:pPr>
+            <a:r>
+              <a:rPr lang="en-US" sz="2000" cap="none">
+                <a:latin typeface="Times New Roman" panose="02020603050405020304" pitchFamily="18" charset="0"/>
+                <a:ea typeface="MS Mincho" panose="02020609040205080304" pitchFamily="49" charset="-128"/>
+                <a:cs typeface="Times New Roman" panose="02020603050405020304" pitchFamily="18" charset="0"/>
+              </a:rPr>
+              <a:t>Git commit –m “nội dung tùy chọn</a:t>
+            </a:r>
+            <a:r>
+              <a:rPr lang="en-US" sz="2000">
+                <a:latin typeface="Times New Roman" panose="02020603050405020304" pitchFamily="18" charset="0"/>
+                <a:ea typeface="MS Mincho" panose="02020609040205080304" pitchFamily="49" charset="-128"/>
+                <a:cs typeface="Times New Roman" panose="02020603050405020304" pitchFamily="18" charset="0"/>
+              </a:rPr>
+              <a:t>”</a:t>
+            </a:r>
+            <a:endParaRPr lang="en-US" sz="2000">
+              <a:effectLst/>
+              <a:latin typeface="Times New Roman" panose="02020603050405020304" pitchFamily="18" charset="0"/>
+              <a:ea typeface="MS Mincho" panose="02020609040205080304" pitchFamily="49" charset="-128"/>
+              <a:cs typeface="Times New Roman" panose="02020603050405020304" pitchFamily="18" charset="0"/>
+            </a:endParaRPr>
+          </a:p>
+          <a:p>
+            <a:pPr marL="457200" marR="0" lvl="1" indent="0">
+              <a:lnSpc>
+                <a:spcPct val="115000"/>
+              </a:lnSpc>
+              <a:spcBef>
+                <a:spcPts val="0"/>
+              </a:spcBef>
+              <a:spcAft>
+                <a:spcPts val="0"/>
+              </a:spcAft>
+              <a:buNone/>
+            </a:pPr>
+            <a:endParaRPr lang="en-US" sz="2000" cap="none">
+              <a:effectLst/>
+              <a:latin typeface="Times New Roman" panose="02020603050405020304" pitchFamily="18" charset="0"/>
+              <a:ea typeface="MS Mincho" panose="02020609040205080304" pitchFamily="49" charset="-128"/>
+              <a:cs typeface="Times New Roman" panose="02020603050405020304" pitchFamily="18" charset="0"/>
+            </a:endParaRPr>
+          </a:p>
+          <a:p>
+            <a:pPr marL="457200" marR="0" lvl="1" indent="0">
+              <a:lnSpc>
+                <a:spcPct val="115000"/>
+              </a:lnSpc>
+              <a:spcBef>
+                <a:spcPts val="0"/>
+              </a:spcBef>
+              <a:spcAft>
+                <a:spcPts val="0"/>
+              </a:spcAft>
+              <a:buNone/>
+            </a:pPr>
+            <a:endParaRPr lang="en-US" sz="2000" cap="none">
+              <a:effectLst/>
+              <a:latin typeface="Times New Roman" panose="02020603050405020304" pitchFamily="18" charset="0"/>
+              <a:ea typeface="MS Mincho" panose="02020609040205080304" pitchFamily="49" charset="-128"/>
+              <a:cs typeface="Times New Roman" panose="02020603050405020304" pitchFamily="18" charset="0"/>
+            </a:endParaRPr>
+          </a:p>
+          <a:p>
+            <a:pPr marL="457200" marR="0" lvl="1" indent="0">
+              <a:lnSpc>
+                <a:spcPct val="115000"/>
+              </a:lnSpc>
+              <a:spcBef>
+                <a:spcPts val="0"/>
+              </a:spcBef>
+              <a:spcAft>
+                <a:spcPts val="0"/>
+              </a:spcAft>
+              <a:buNone/>
+            </a:pPr>
+            <a:endParaRPr lang="en-US" sz="2000" cap="none">
+              <a:effectLst/>
+              <a:latin typeface="Times New Roman" panose="02020603050405020304" pitchFamily="18" charset="0"/>
+              <a:ea typeface="MS Mincho" panose="02020609040205080304" pitchFamily="49" charset="-128"/>
+              <a:cs typeface="Times New Roman" panose="02020603050405020304" pitchFamily="18" charset="0"/>
+            </a:endParaRPr>
+          </a:p>
+          <a:p>
+            <a:pPr marL="457200" marR="0" lvl="1" indent="0">
+              <a:lnSpc>
+                <a:spcPct val="115000"/>
+              </a:lnSpc>
+              <a:spcBef>
+                <a:spcPts val="0"/>
+              </a:spcBef>
+              <a:spcAft>
+                <a:spcPts val="0"/>
+              </a:spcAft>
+              <a:buNone/>
+            </a:pPr>
+            <a:endParaRPr lang="en-US" sz="2000" cap="none">
+              <a:effectLst/>
+              <a:latin typeface="Times New Roman" panose="02020603050405020304" pitchFamily="18" charset="0"/>
+              <a:ea typeface="MS Mincho" panose="02020609040205080304" pitchFamily="49" charset="-128"/>
+              <a:cs typeface="Times New Roman" panose="02020603050405020304" pitchFamily="18" charset="0"/>
+            </a:endParaRPr>
+          </a:p>
+          <a:p>
+            <a:pPr marL="457200" marR="0" lvl="1" indent="0">
+              <a:lnSpc>
+                <a:spcPct val="115000"/>
+              </a:lnSpc>
+              <a:spcBef>
+                <a:spcPts val="0"/>
+              </a:spcBef>
+              <a:spcAft>
+                <a:spcPts val="0"/>
+              </a:spcAft>
+              <a:buNone/>
+            </a:pPr>
+            <a:endParaRPr lang="en-US" sz="2000" cap="none">
+              <a:effectLst/>
+              <a:latin typeface="Times New Roman" panose="02020603050405020304" pitchFamily="18" charset="0"/>
+              <a:ea typeface="MS Mincho" panose="02020609040205080304" pitchFamily="49" charset="-128"/>
+              <a:cs typeface="Times New Roman" panose="02020603050405020304" pitchFamily="18" charset="0"/>
+            </a:endParaRPr>
+          </a:p>
+          <a:p>
+            <a:pPr marL="457200" marR="0" lvl="1" indent="0">
+              <a:lnSpc>
+                <a:spcPct val="115000"/>
+              </a:lnSpc>
+              <a:spcBef>
+                <a:spcPts val="0"/>
+              </a:spcBef>
+              <a:spcAft>
+                <a:spcPts val="0"/>
+              </a:spcAft>
+              <a:buNone/>
+            </a:pPr>
+            <a:endParaRPr lang="en-US" sz="2000" cap="none">
+              <a:effectLst/>
+              <a:latin typeface="Times New Roman" panose="02020603050405020304" pitchFamily="18" charset="0"/>
+              <a:ea typeface="MS Mincho" panose="02020609040205080304" pitchFamily="49" charset="-128"/>
+              <a:cs typeface="Times New Roman" panose="02020603050405020304" pitchFamily="18" charset="0"/>
+            </a:endParaRPr>
+          </a:p>
+          <a:p>
+            <a:pPr marL="457200" marR="0" lvl="1" indent="0">
+              <a:lnSpc>
+                <a:spcPct val="115000"/>
+              </a:lnSpc>
+              <a:spcBef>
+                <a:spcPts val="0"/>
+              </a:spcBef>
+              <a:spcAft>
+                <a:spcPts val="0"/>
+              </a:spcAft>
+              <a:buNone/>
+            </a:pPr>
+            <a:endParaRPr lang="en-US" sz="2000" cap="none">
+              <a:effectLst/>
+              <a:latin typeface="Times New Roman" panose="02020603050405020304" pitchFamily="18" charset="0"/>
+              <a:ea typeface="MS Mincho" panose="02020609040205080304" pitchFamily="49" charset="-128"/>
+              <a:cs typeface="Times New Roman" panose="02020603050405020304" pitchFamily="18" charset="0"/>
+            </a:endParaRPr>
+          </a:p>
+          <a:p>
+            <a:pPr marL="457200" marR="0" lvl="1" indent="0">
+              <a:lnSpc>
+                <a:spcPct val="115000"/>
+              </a:lnSpc>
+              <a:spcBef>
+                <a:spcPts val="0"/>
+              </a:spcBef>
+              <a:spcAft>
+                <a:spcPts val="0"/>
+              </a:spcAft>
+              <a:buNone/>
+            </a:pPr>
+            <a:r>
+              <a:rPr lang="en-US" sz="2000" cap="none">
+                <a:effectLst/>
+                <a:latin typeface="Times New Roman" panose="02020603050405020304" pitchFamily="18" charset="0"/>
+                <a:ea typeface="MS Mincho" panose="02020609040205080304" pitchFamily="49" charset="-128"/>
+                <a:cs typeface="Times New Roman" panose="02020603050405020304" pitchFamily="18" charset="0"/>
+              </a:rPr>
+              <a:t>XIII.  </a:t>
+            </a:r>
+            <a:r>
+              <a:rPr lang="en-US" sz="2000" cap="none">
+                <a:latin typeface="Times New Roman" panose="02020603050405020304" pitchFamily="18" charset="0"/>
+                <a:ea typeface="MS Mincho" panose="02020609040205080304" pitchFamily="49" charset="-128"/>
+                <a:cs typeface="Times New Roman" panose="02020603050405020304" pitchFamily="18" charset="0"/>
+              </a:rPr>
+              <a:t>Khi đã commit thì kiểm tra với git status sẽ không có thông tin gì</a:t>
+            </a:r>
+            <a:endParaRPr lang="en-US" sz="1600">
+              <a:latin typeface="Times New Roman" panose="02020603050405020304" pitchFamily="18" charset="0"/>
+              <a:ea typeface="MS Mincho" panose="02020609040205080304" pitchFamily="49" charset="-128"/>
+              <a:cs typeface="Times New Roman" panose="02020603050405020304" pitchFamily="18" charset="0"/>
+            </a:endParaRPr>
+          </a:p>
+          <a:p>
+            <a:pPr marL="457200" marR="0" lvl="1" indent="0">
+              <a:lnSpc>
+                <a:spcPct val="115000"/>
+              </a:lnSpc>
+              <a:spcBef>
+                <a:spcPts val="0"/>
+              </a:spcBef>
+              <a:spcAft>
+                <a:spcPts val="1000"/>
+              </a:spcAft>
+              <a:buNone/>
+            </a:pPr>
+            <a:r>
+              <a:rPr lang="en-US" sz="2000">
+                <a:latin typeface="Times New Roman" panose="02020603050405020304" pitchFamily="18" charset="0"/>
+                <a:ea typeface="MS Mincho" panose="02020609040205080304" pitchFamily="49" charset="-128"/>
+                <a:cs typeface="Times New Roman" panose="02020603050405020304" pitchFamily="18" charset="0"/>
+              </a:rPr>
+              <a:t>XIV. </a:t>
+            </a:r>
+            <a:r>
+              <a:rPr lang="en-US" sz="2000" cap="none">
+                <a:latin typeface="Times New Roman" panose="02020603050405020304" pitchFamily="18" charset="0"/>
+                <a:ea typeface="MS Mincho" panose="02020609040205080304" pitchFamily="49" charset="-128"/>
+                <a:cs typeface="Times New Roman" panose="02020603050405020304" pitchFamily="18" charset="0"/>
+              </a:rPr>
+              <a:t> Tiếp theo ta đẩy git lên repo ta đã tạo trong github</a:t>
+            </a:r>
+            <a:endParaRPr lang="en-US" sz="1600" cap="none">
+              <a:effectLst/>
+              <a:latin typeface="Times New Roman" panose="02020603050405020304" pitchFamily="18" charset="0"/>
+              <a:ea typeface="MS Mincho" panose="02020609040205080304" pitchFamily="49" charset="-128"/>
+              <a:cs typeface="Times New Roman" panose="02020603050405020304" pitchFamily="18" charset="0"/>
+            </a:endParaRPr>
+          </a:p>
+          <a:p>
+            <a:pPr marL="457200" marR="0" lvl="1" indent="0">
+              <a:lnSpc>
+                <a:spcPct val="115000"/>
+              </a:lnSpc>
+              <a:spcBef>
+                <a:spcPts val="0"/>
+              </a:spcBef>
+              <a:spcAft>
+                <a:spcPts val="0"/>
+              </a:spcAft>
+              <a:buNone/>
+            </a:pPr>
+            <a:endParaRPr lang="en-US" sz="2000" cap="none">
+              <a:effectLst/>
+              <a:latin typeface="Times New Roman" panose="02020603050405020304" pitchFamily="18" charset="0"/>
+              <a:ea typeface="MS Mincho" panose="02020609040205080304" pitchFamily="49" charset="-128"/>
+              <a:cs typeface="Times New Roman" panose="02020603050405020304" pitchFamily="18" charset="0"/>
+            </a:endParaRPr>
+          </a:p>
+        </p:txBody>
+      </p:sp>
+      <p:pic>
+        <p:nvPicPr>
+          <p:cNvPr id="7" name="Picture 7">
+            <a:extLst>
+              <a:ext uri="{FF2B5EF4-FFF2-40B4-BE49-F238E27FC236}">
+                <a16:creationId xmlns:a16="http://schemas.microsoft.com/office/drawing/2014/main" id="{036DC2D7-773A-41EF-BD48-EA9E517CCA8B}"/>
+              </a:ext>
+            </a:extLst>
+          </p:cNvPr>
+          <p:cNvPicPr/>
+          <p:nvPr/>
+        </p:nvPicPr>
+        <p:blipFill>
+          <a:blip r:embed="rId2"/>
+          <a:stretch>
+            <a:fillRect/>
+          </a:stretch>
+        </p:blipFill>
+        <p:spPr>
+          <a:xfrm>
+            <a:off x="2808011" y="3021909"/>
+            <a:ext cx="7263641" cy="2265707"/>
+          </a:xfrm>
+          <a:prstGeom prst="rect">
+            <a:avLst/>
+          </a:prstGeom>
+        </p:spPr>
+      </p:pic>
+    </p:spTree>
+    <p:extLst>
+      <p:ext uri="{BB962C8B-B14F-4D97-AF65-F5344CB8AC3E}">
+        <p14:creationId xmlns:p14="http://schemas.microsoft.com/office/powerpoint/2010/main" val="235499316"/>
+      </p:ext>
+    </p:extLst>
+  </p:cSld>
+  <p:clrMapOvr>
+    <a:masterClrMapping/>
+  </p:clrMapOvr>
+</p:sld>
+</file>
+
+<file path=ppt/slides/slide12.xml><?xml version="1.0" encoding="utf-8"?>
+<p:sld xmlns:a="http://schemas.openxmlformats.org/drawingml/2006/main" xmlns:r="http://schemas.openxmlformats.org/officeDocument/2006/relationships" xmlns:p="http://schemas.openxmlformats.org/presentationml/2006/main">
+  <p:cSld>
+    <p:spTree>
+      <p:nvGrpSpPr>
+        <p:cNvPr id="1" name=""/>
+        <p:cNvGrpSpPr/>
+        <p:nvPr/>
+      </p:nvGrpSpPr>
+      <p:grpSpPr>
+        <a:xfrm>
+          <a:off x="0" y="0"/>
+          <a:ext cx="0" cy="0"/>
+          <a:chOff x="0" y="0"/>
+          <a:chExt cx="0" cy="0"/>
+        </a:xfrm>
+      </p:grpSpPr>
+      <p:sp>
+        <p:nvSpPr>
+          <p:cNvPr id="2" name="Tiêu đề 1">
+            <a:extLst>
+              <a:ext uri="{FF2B5EF4-FFF2-40B4-BE49-F238E27FC236}">
+                <a16:creationId xmlns:a16="http://schemas.microsoft.com/office/drawing/2014/main" id="{FCE357BF-54DA-419D-B694-1E969F7C39A1}"/>
+              </a:ext>
+            </a:extLst>
+          </p:cNvPr>
+          <p:cNvSpPr>
+            <a:spLocks noGrp="1"/>
+          </p:cNvSpPr>
+          <p:nvPr>
+            <p:ph type="title"/>
+          </p:nvPr>
+        </p:nvSpPr>
+        <p:spPr>
+          <a:xfrm>
+            <a:off x="913775" y="618518"/>
+            <a:ext cx="10364451" cy="1336892"/>
+          </a:xfrm>
+        </p:spPr>
+        <p:txBody>
+          <a:bodyPr/>
+          <a:lstStyle/>
+          <a:p>
+            <a:r>
+              <a:rPr lang="en-US" b="1">
+                <a:solidFill>
+                  <a:srgbClr val="C00000"/>
+                </a:solidFill>
+                <a:latin typeface="Times New Roman" panose="02020603050405020304" pitchFamily="18" charset="0"/>
+                <a:cs typeface="Times New Roman" panose="02020603050405020304" pitchFamily="18" charset="0"/>
+              </a:rPr>
+              <a:t>H</a:t>
+            </a:r>
+            <a:r>
+              <a:rPr lang="vi-VN" b="1">
+                <a:solidFill>
+                  <a:srgbClr val="C00000"/>
+                </a:solidFill>
+                <a:latin typeface="Times New Roman" panose="02020603050405020304" pitchFamily="18" charset="0"/>
+                <a:cs typeface="Times New Roman" panose="02020603050405020304" pitchFamily="18" charset="0"/>
+              </a:rPr>
+              <a:t>ư</a:t>
+            </a:r>
+            <a:r>
+              <a:rPr lang="en-US" b="1">
+                <a:solidFill>
+                  <a:srgbClr val="C00000"/>
+                </a:solidFill>
+                <a:latin typeface="Times New Roman" panose="02020603050405020304" pitchFamily="18" charset="0"/>
+                <a:cs typeface="Times New Roman" panose="02020603050405020304" pitchFamily="18" charset="0"/>
+              </a:rPr>
+              <a:t>ớng dẫn sử dụng git</a:t>
+            </a:r>
+          </a:p>
+        </p:txBody>
+      </p:sp>
+      <p:sp>
+        <p:nvSpPr>
+          <p:cNvPr id="3" name="Chỗ dành sẵn cho Nội dung 2">
+            <a:extLst>
+              <a:ext uri="{FF2B5EF4-FFF2-40B4-BE49-F238E27FC236}">
+                <a16:creationId xmlns:a16="http://schemas.microsoft.com/office/drawing/2014/main" id="{EF467264-0087-4487-A50C-05C609888DF3}"/>
+              </a:ext>
+            </a:extLst>
+          </p:cNvPr>
+          <p:cNvSpPr>
+            <a:spLocks noGrp="1"/>
+          </p:cNvSpPr>
+          <p:nvPr>
+            <p:ph idx="1"/>
+          </p:nvPr>
+        </p:nvSpPr>
+        <p:spPr>
+          <a:xfrm>
+            <a:off x="1060173" y="1922994"/>
+            <a:ext cx="8534401" cy="2629842"/>
+          </a:xfrm>
+        </p:spPr>
+        <p:txBody>
+          <a:bodyPr>
+            <a:noAutofit/>
+          </a:bodyPr>
+          <a:lstStyle/>
+          <a:p>
+            <a:pPr marL="457200" marR="0" lvl="1" indent="0">
+              <a:lnSpc>
+                <a:spcPct val="115000"/>
+              </a:lnSpc>
+              <a:spcBef>
+                <a:spcPts val="0"/>
+              </a:spcBef>
+              <a:spcAft>
+                <a:spcPts val="0"/>
+              </a:spcAft>
+              <a:buNone/>
+            </a:pPr>
+            <a:r>
+              <a:rPr lang="en-US" sz="2000" cap="none">
+                <a:latin typeface="Times New Roman" panose="02020603050405020304" pitchFamily="18" charset="0"/>
+                <a:ea typeface="MS Mincho" panose="02020609040205080304" pitchFamily="49" charset="-128"/>
+                <a:cs typeface="Times New Roman" panose="02020603050405020304" pitchFamily="18" charset="0"/>
+              </a:rPr>
+              <a:t>XV. Ta phải add remote của repo đó cho project ở local của ta</a:t>
+            </a:r>
+          </a:p>
+          <a:p>
+            <a:pPr marL="914400" lvl="2" indent="0">
+              <a:lnSpc>
+                <a:spcPct val="115000"/>
+              </a:lnSpc>
+              <a:spcBef>
+                <a:spcPts val="0"/>
+              </a:spcBef>
+              <a:buNone/>
+            </a:pPr>
+            <a:r>
+              <a:rPr lang="en-US" sz="2000" cap="none">
+                <a:latin typeface="Times New Roman" panose="02020603050405020304" pitchFamily="18" charset="0"/>
+                <a:ea typeface="MS Mincho" panose="02020609040205080304" pitchFamily="49" charset="-128"/>
+                <a:cs typeface="Times New Roman" panose="02020603050405020304" pitchFamily="18" charset="0"/>
+              </a:rPr>
+              <a:t>1. Remote : </a:t>
+            </a:r>
+          </a:p>
+          <a:p>
+            <a:pPr lvl="2">
+              <a:lnSpc>
+                <a:spcPct val="115000"/>
+              </a:lnSpc>
+              <a:spcBef>
+                <a:spcPts val="0"/>
+              </a:spcBef>
+              <a:buFont typeface="+mj-lt"/>
+              <a:buAutoNum type="arabicPeriod"/>
+            </a:pPr>
+            <a:r>
+              <a:rPr lang="en-US" sz="2000" cap="none">
+                <a:latin typeface="Times New Roman" panose="02020603050405020304" pitchFamily="18" charset="0"/>
+                <a:ea typeface="MS Mincho" panose="02020609040205080304" pitchFamily="49" charset="-128"/>
+                <a:cs typeface="Times New Roman" panose="02020603050405020304" pitchFamily="18" charset="0"/>
+              </a:rPr>
+              <a:t>Git remote add origin https/ssh</a:t>
+            </a:r>
+          </a:p>
+          <a:p>
+            <a:pPr lvl="2">
+              <a:lnSpc>
+                <a:spcPct val="115000"/>
+              </a:lnSpc>
+              <a:spcBef>
+                <a:spcPts val="0"/>
+              </a:spcBef>
+              <a:buFont typeface="+mj-lt"/>
+              <a:buAutoNum type="arabicPeriod"/>
+            </a:pPr>
+            <a:r>
+              <a:rPr lang="en-US" sz="2000" cap="none">
+                <a:latin typeface="Times New Roman" panose="02020603050405020304" pitchFamily="18" charset="0"/>
+                <a:ea typeface="MS Mincho" panose="02020609040205080304" pitchFamily="49" charset="-128"/>
+                <a:cs typeface="Times New Roman" panose="02020603050405020304" pitchFamily="18" charset="0"/>
+              </a:rPr>
+              <a:t>Origin là tên của remote, thường thì để mặt định origin</a:t>
+            </a:r>
+          </a:p>
+          <a:p>
+            <a:pPr lvl="2">
+              <a:lnSpc>
+                <a:spcPct val="115000"/>
+              </a:lnSpc>
+              <a:spcBef>
+                <a:spcPts val="0"/>
+              </a:spcBef>
+              <a:buFont typeface="+mj-lt"/>
+              <a:buAutoNum type="arabicPeriod"/>
+            </a:pPr>
+            <a:r>
+              <a:rPr lang="en-US" sz="2000" cap="none">
+                <a:latin typeface="Times New Roman" panose="02020603050405020304" pitchFamily="18" charset="0"/>
+                <a:ea typeface="MS Mincho" panose="02020609040205080304" pitchFamily="49" charset="-128"/>
+                <a:cs typeface="Times New Roman" panose="02020603050405020304" pitchFamily="18" charset="0"/>
+              </a:rPr>
+              <a:t>Đường dẫn phía sau có thể là https hoặc ssh</a:t>
+            </a:r>
+          </a:p>
+          <a:p>
+            <a:pPr lvl="2">
+              <a:lnSpc>
+                <a:spcPct val="115000"/>
+              </a:lnSpc>
+              <a:spcBef>
+                <a:spcPts val="0"/>
+              </a:spcBef>
+              <a:spcAft>
+                <a:spcPts val="1000"/>
+              </a:spcAft>
+              <a:buFont typeface="+mj-lt"/>
+              <a:buAutoNum type="arabicPeriod"/>
+            </a:pPr>
+            <a:r>
+              <a:rPr lang="en-US" sz="2000" cap="none">
+                <a:latin typeface="Times New Roman" panose="02020603050405020304" pitchFamily="18" charset="0"/>
+                <a:ea typeface="MS Mincho" panose="02020609040205080304" pitchFamily="49" charset="-128"/>
+                <a:cs typeface="Times New Roman" panose="02020603050405020304" pitchFamily="18" charset="0"/>
+              </a:rPr>
+              <a:t>Ta kiểm tra remote với lệnh: git remote –v</a:t>
+            </a:r>
+            <a:endParaRPr lang="en-US" sz="2000" cap="none">
+              <a:effectLst/>
+              <a:latin typeface="Times New Roman" panose="02020603050405020304" pitchFamily="18" charset="0"/>
+              <a:ea typeface="MS Mincho" panose="02020609040205080304" pitchFamily="49" charset="-128"/>
+              <a:cs typeface="Times New Roman" panose="02020603050405020304" pitchFamily="18" charset="0"/>
+            </a:endParaRPr>
+          </a:p>
+          <a:p>
+            <a:pPr marL="971550" marR="0" lvl="1" indent="-514350">
+              <a:lnSpc>
+                <a:spcPct val="115000"/>
+              </a:lnSpc>
+              <a:spcBef>
+                <a:spcPts val="0"/>
+              </a:spcBef>
+              <a:spcAft>
+                <a:spcPts val="1000"/>
+              </a:spcAft>
+              <a:buAutoNum type="romanUcPeriod" startAt="11"/>
+            </a:pPr>
+            <a:endParaRPr lang="en-US" sz="2000" cap="none">
+              <a:effectLst/>
+              <a:latin typeface="Times New Roman" panose="02020603050405020304" pitchFamily="18" charset="0"/>
+              <a:ea typeface="MS Mincho" panose="02020609040205080304" pitchFamily="49" charset="-128"/>
+              <a:cs typeface="Times New Roman" panose="02020603050405020304" pitchFamily="18" charset="0"/>
+            </a:endParaRPr>
+          </a:p>
+        </p:txBody>
+      </p:sp>
+      <p:pic>
+        <p:nvPicPr>
+          <p:cNvPr id="7" name="Picture 8">
+            <a:extLst>
+              <a:ext uri="{FF2B5EF4-FFF2-40B4-BE49-F238E27FC236}">
+                <a16:creationId xmlns:a16="http://schemas.microsoft.com/office/drawing/2014/main" id="{6224C6E7-E834-4F0C-AA9D-C928D99423A6}"/>
+              </a:ext>
+            </a:extLst>
+          </p:cNvPr>
+          <p:cNvPicPr/>
+          <p:nvPr/>
+        </p:nvPicPr>
+        <p:blipFill>
+          <a:blip r:embed="rId2"/>
+          <a:stretch>
+            <a:fillRect/>
+          </a:stretch>
+        </p:blipFill>
+        <p:spPr>
+          <a:xfrm>
+            <a:off x="1995073" y="4092965"/>
+            <a:ext cx="8871710" cy="2629841"/>
+          </a:xfrm>
+          <a:prstGeom prst="rect">
+            <a:avLst/>
+          </a:prstGeom>
+        </p:spPr>
+      </p:pic>
+    </p:spTree>
+    <p:extLst>
+      <p:ext uri="{BB962C8B-B14F-4D97-AF65-F5344CB8AC3E}">
+        <p14:creationId xmlns:p14="http://schemas.microsoft.com/office/powerpoint/2010/main" val="3723786938"/>
+      </p:ext>
+    </p:extLst>
+  </p:cSld>
+  <p:clrMapOvr>
+    <a:masterClrMapping/>
+  </p:clrMapOvr>
+</p:sld>
+</file>
+
+<file path=ppt/slides/slide13.xml><?xml version="1.0" encoding="utf-8"?>
+<p:sld xmlns:a="http://schemas.openxmlformats.org/drawingml/2006/main" xmlns:r="http://schemas.openxmlformats.org/officeDocument/2006/relationships" xmlns:p="http://schemas.openxmlformats.org/presentationml/2006/main">
+  <p:cSld>
+    <p:spTree>
+      <p:nvGrpSpPr>
+        <p:cNvPr id="1" name=""/>
+        <p:cNvGrpSpPr/>
+        <p:nvPr/>
+      </p:nvGrpSpPr>
+      <p:grpSpPr>
+        <a:xfrm>
+          <a:off x="0" y="0"/>
+          <a:ext cx="0" cy="0"/>
+          <a:chOff x="0" y="0"/>
+          <a:chExt cx="0" cy="0"/>
+        </a:xfrm>
+      </p:grpSpPr>
+      <p:sp>
+        <p:nvSpPr>
           <p:cNvPr id="2" name="Hộp Văn bản 1">
             <a:extLst>
               <a:ext uri="{FF2B5EF4-FFF2-40B4-BE49-F238E27FC236}">
@@ -6732,7 +7712,7 @@
           <p:cNvPr id="2" name="Tiêu đề 1">
             <a:extLst>
               <a:ext uri="{FF2B5EF4-FFF2-40B4-BE49-F238E27FC236}">
-                <a16:creationId xmlns:a16="http://schemas.microsoft.com/office/drawing/2014/main" id="{FCE357BF-54DA-419D-B694-1E969F7C39A1}"/>
+                <a16:creationId xmlns:a16="http://schemas.microsoft.com/office/drawing/2014/main" id="{B258CA22-1588-4B2F-8FEE-FB0482825619}"/>
               </a:ext>
             </a:extLst>
           </p:cNvPr>
@@ -6756,27 +7736,7 @@
                 <a:latin typeface="Times New Roman" panose="02020603050405020304" pitchFamily="18" charset="0"/>
                 <a:cs typeface="Times New Roman" panose="02020603050405020304" pitchFamily="18" charset="0"/>
               </a:rPr>
-              <a:t>H</a:t>
-            </a:r>
-            <a:r>
-              <a:rPr lang="vi-VN" b="1">
-                <a:solidFill>
-                  <a:srgbClr val="C00000"/>
-                </a:solidFill>
-                <a:latin typeface="Times New Roman" panose="02020603050405020304" pitchFamily="18" charset="0"/>
-                <a:cs typeface="Times New Roman" panose="02020603050405020304" pitchFamily="18" charset="0"/>
-              </a:rPr>
-              <a:t>ư</a:t>
-            </a:r>
-            <a:r>
-              <a:rPr lang="en-US" b="1">
-                <a:solidFill>
-                  <a:srgbClr val="C00000"/>
-                </a:solidFill>
-                <a:latin typeface="Times New Roman" panose="02020603050405020304" pitchFamily="18" charset="0"/>
-                <a:cs typeface="Times New Roman" panose="02020603050405020304" pitchFamily="18" charset="0"/>
-              </a:rPr>
-              <a:t>ớng dẫn sử dụng git</a:t>
+              <a:t>Giới thiệu</a:t>
             </a:r>
           </a:p>
         </p:txBody>
@@ -6786,7 +7746,7 @@
           <p:cNvPr id="3" name="Chỗ dành sẵn cho Nội dung 2">
             <a:extLst>
               <a:ext uri="{FF2B5EF4-FFF2-40B4-BE49-F238E27FC236}">
-                <a16:creationId xmlns:a16="http://schemas.microsoft.com/office/drawing/2014/main" id="{EF467264-0087-4487-A50C-05C609888DF3}"/>
+                <a16:creationId xmlns:a16="http://schemas.microsoft.com/office/drawing/2014/main" id="{28F74AA7-AF17-46DB-B9B5-59F6F9DFE28B}"/>
               </a:ext>
             </a:extLst>
           </p:cNvPr>
@@ -6794,88 +7754,148 @@
             <a:spLocks noGrp="1"/>
           </p:cNvSpPr>
           <p:nvPr>
-            <p:ph idx="1"/>
-          </p:nvPr>
-        </p:nvSpPr>
-        <p:spPr>
-          <a:xfrm>
-            <a:off x="238540" y="2443295"/>
-            <a:ext cx="4748217" cy="2566028"/>
+            <p:ph sz="quarter" idx="13"/>
+          </p:nvPr>
+        </p:nvSpPr>
+        <p:spPr>
+          <a:xfrm>
+            <a:off x="913774" y="1802296"/>
+            <a:ext cx="10363826" cy="4437187"/>
           </a:xfrm>
         </p:spPr>
         <p:txBody>
           <a:bodyPr>
-            <a:normAutofit/>
+            <a:noAutofit/>
           </a:bodyPr>
           <a:lstStyle/>
           <a:p>
-            <a:pPr marL="514350" indent="-514350">
-              <a:buAutoNum type="romanUcPeriod"/>
+            <a:pPr marL="0" lvl="0" indent="0">
+              <a:spcBef>
+                <a:spcPts val="0"/>
+              </a:spcBef>
+              <a:buNone/>
             </a:pPr>
             <a:r>
-              <a:rPr lang="en-US" cap="none">
-                <a:latin typeface="Times New Roman" panose="02020603050405020304" pitchFamily="18" charset="0"/>
-                <a:cs typeface="Times New Roman" panose="02020603050405020304" pitchFamily="18" charset="0"/>
-              </a:rPr>
-              <a:t>Tạo Repo (Repository)</a:t>
-            </a:r>
-          </a:p>
-          <a:p>
-            <a:pPr marL="971550" lvl="1" indent="-514350">
-              <a:buFont typeface="+mj-lt"/>
-              <a:buAutoNum type="arabicPeriod"/>
+              <a:rPr lang="vi-VN">
+                <a:ea typeface="Arial"/>
+                <a:cs typeface="Arial"/>
+                <a:sym typeface="Arial"/>
+              </a:rPr>
+              <a:t>- Git là phần mềm quản lý mã nguồn phân tán được phát triển bởi </a:t>
+            </a:r>
+            <a:r>
+              <a:rPr lang="vi-VN" b="1">
+                <a:ea typeface="Arial"/>
+                <a:cs typeface="Arial"/>
+                <a:sym typeface="Arial"/>
+              </a:rPr>
+              <a:t>Linus Torvalds</a:t>
+            </a:r>
+            <a:r>
+              <a:rPr lang="vi-VN">
+                <a:ea typeface="Arial"/>
+                <a:cs typeface="Arial"/>
+                <a:sym typeface="Arial"/>
+              </a:rPr>
+              <a:t> vào năm 2005.</a:t>
+            </a:r>
+          </a:p>
+          <a:p>
+            <a:pPr marL="0" lvl="0" indent="0">
+              <a:spcBef>
+                <a:spcPts val="1600"/>
+              </a:spcBef>
+              <a:buNone/>
             </a:pPr>
             <a:r>
-              <a:rPr lang="en-US" sz="2000" cap="none">
-                <a:latin typeface="Times New Roman" panose="02020603050405020304" pitchFamily="18" charset="0"/>
-                <a:cs typeface="Times New Roman" panose="02020603050405020304" pitchFamily="18" charset="0"/>
-              </a:rPr>
-              <a:t>Click dầu “+” bên phải màn hình</a:t>
-            </a:r>
-          </a:p>
-          <a:p>
-            <a:pPr marL="457200" lvl="1" indent="0">
+              <a:rPr lang="vi-VN">
+                <a:ea typeface="Arial"/>
+                <a:cs typeface="Arial"/>
+                <a:sym typeface="Arial"/>
+              </a:rPr>
+              <a:t>- Mục tiêu của Git:</a:t>
+            </a:r>
+          </a:p>
+          <a:p>
+            <a:pPr marL="0" lvl="0" indent="457200">
+              <a:spcBef>
+                <a:spcPts val="1600"/>
+              </a:spcBef>
               <a:buNone/>
             </a:pPr>
-            <a:endParaRPr lang="en-US" sz="2000" cap="none">
-              <a:latin typeface="Times New Roman" panose="02020603050405020304" pitchFamily="18" charset="0"/>
-              <a:cs typeface="Times New Roman" panose="02020603050405020304" pitchFamily="18" charset="0"/>
-            </a:endParaRPr>
-          </a:p>
-        </p:txBody>
-      </p:sp>
-      <p:pic>
-        <p:nvPicPr>
-          <p:cNvPr id="6" name="Picture 2">
-            <a:extLst>
-              <a:ext uri="{FF2B5EF4-FFF2-40B4-BE49-F238E27FC236}">
-                <a16:creationId xmlns:a16="http://schemas.microsoft.com/office/drawing/2014/main" id="{0FDD62D0-AC35-4472-A26A-2E7E8F6B5F42}"/>
-              </a:ext>
-            </a:extLst>
-          </p:cNvPr>
-          <p:cNvPicPr/>
-          <p:nvPr/>
-        </p:nvPicPr>
-        <p:blipFill>
-          <a:blip r:embed="rId2"/>
-          <a:stretch>
-            <a:fillRect/>
-          </a:stretch>
-        </p:blipFill>
-        <p:spPr>
-          <a:xfrm>
-            <a:off x="4939747" y="2009285"/>
-            <a:ext cx="7013713" cy="4378264"/>
-          </a:xfrm>
-          <a:prstGeom prst="rect">
-            <a:avLst/>
-          </a:prstGeom>
-        </p:spPr>
-      </p:pic>
+            <a:r>
+              <a:rPr lang="vi-VN">
+                <a:ea typeface="Arial"/>
+                <a:cs typeface="Arial"/>
+                <a:sym typeface="Arial"/>
+              </a:rPr>
+              <a:t>● Tốc độ.</a:t>
+            </a:r>
+          </a:p>
+          <a:p>
+            <a:pPr marL="0" lvl="0" indent="457200">
+              <a:spcBef>
+                <a:spcPts val="1600"/>
+              </a:spcBef>
+              <a:buNone/>
+            </a:pPr>
+            <a:r>
+              <a:rPr lang="vi-VN">
+                <a:ea typeface="Arial"/>
+                <a:cs typeface="Arial"/>
+                <a:sym typeface="Arial"/>
+              </a:rPr>
+              <a:t>● Thiết kế đơn giản.</a:t>
+            </a:r>
+          </a:p>
+          <a:p>
+            <a:pPr marL="457200" lvl="0" indent="0">
+              <a:spcBef>
+                <a:spcPts val="1600"/>
+              </a:spcBef>
+              <a:buNone/>
+            </a:pPr>
+            <a:r>
+              <a:rPr lang="vi-VN">
+                <a:ea typeface="Arial"/>
+                <a:cs typeface="Arial"/>
+                <a:sym typeface="Arial"/>
+              </a:rPr>
+              <a:t>● Hỗ trợ mạnh mẽ cho phát triển phi tuyến tính (hàng ngàn nhánh song song) </a:t>
+            </a:r>
+          </a:p>
+          <a:p>
+            <a:pPr marL="457200" lvl="0" indent="0">
+              <a:spcBef>
+                <a:spcPts val="1600"/>
+              </a:spcBef>
+              <a:spcAft>
+                <a:spcPts val="1600"/>
+              </a:spcAft>
+              <a:buNone/>
+            </a:pPr>
+            <a:r>
+              <a:rPr lang="vi-VN">
+                <a:ea typeface="Arial"/>
+                <a:cs typeface="Arial"/>
+                <a:sym typeface="Arial"/>
+              </a:rPr>
+              <a:t>● Có thể xử lý các dự án lớn một cách hiệu quả (tốc độ và kích thước dữ liệu)</a:t>
+            </a:r>
+            <a:endParaRPr lang="vi-VN"/>
+          </a:p>
+          <a:p>
+            <a:pPr marL="0" indent="0">
+              <a:buNone/>
+            </a:pPr>
+            <a:endParaRPr lang="en-US"/>
+          </a:p>
+        </p:txBody>
+      </p:sp>
     </p:spTree>
     <p:extLst>
       <p:ext uri="{BB962C8B-B14F-4D97-AF65-F5344CB8AC3E}">
-        <p14:creationId xmlns:p14="http://schemas.microsoft.com/office/powerpoint/2010/main" val="750086539"/>
+        <p14:creationId xmlns:p14="http://schemas.microsoft.com/office/powerpoint/2010/main" val="65213626"/>
       </p:ext>
     </p:extLst>
   </p:cSld>
@@ -6907,7 +7927,7 @@
           <p:cNvPr id="2" name="Tiêu đề 1">
             <a:extLst>
               <a:ext uri="{FF2B5EF4-FFF2-40B4-BE49-F238E27FC236}">
-                <a16:creationId xmlns:a16="http://schemas.microsoft.com/office/drawing/2014/main" id="{FCE357BF-54DA-419D-B694-1E969F7C39A1}"/>
+                <a16:creationId xmlns:a16="http://schemas.microsoft.com/office/drawing/2014/main" id="{B258CA22-1588-4B2F-8FEE-FB0482825619}"/>
               </a:ext>
             </a:extLst>
           </p:cNvPr>
@@ -6918,12 +7938,7 @@
             <p:ph type="title"/>
           </p:nvPr>
         </p:nvSpPr>
-        <p:spPr>
-          <a:xfrm>
-            <a:off x="913775" y="618518"/>
-            <a:ext cx="10364451" cy="1336892"/>
-          </a:xfrm>
-        </p:spPr>
+        <p:spPr/>
         <p:txBody>
           <a:bodyPr/>
           <a:lstStyle/>
@@ -6936,27 +7951,7 @@
                 <a:latin typeface="Times New Roman" panose="02020603050405020304" pitchFamily="18" charset="0"/>
                 <a:cs typeface="Times New Roman" panose="02020603050405020304" pitchFamily="18" charset="0"/>
               </a:rPr>
-              <a:t>H</a:t>
-            </a:r>
-            <a:r>
-              <a:rPr lang="vi-VN" b="1">
-                <a:solidFill>
-                  <a:srgbClr val="C00000"/>
-                </a:solidFill>
-                <a:latin typeface="Times New Roman" panose="02020603050405020304" pitchFamily="18" charset="0"/>
-                <a:cs typeface="Times New Roman" panose="02020603050405020304" pitchFamily="18" charset="0"/>
-              </a:rPr>
-              <a:t>ư</a:t>
-            </a:r>
-            <a:r>
-              <a:rPr lang="en-US" b="1">
-                <a:solidFill>
-                  <a:srgbClr val="C00000"/>
-                </a:solidFill>
-                <a:latin typeface="Times New Roman" panose="02020603050405020304" pitchFamily="18" charset="0"/>
-                <a:cs typeface="Times New Roman" panose="02020603050405020304" pitchFamily="18" charset="0"/>
-              </a:rPr>
-              <a:t>ớng dẫn sử dụng git</a:t>
+              <a:t>Giới thiệu</a:t>
             </a:r>
           </a:p>
         </p:txBody>
@@ -6966,7 +7961,7 @@
           <p:cNvPr id="3" name="Chỗ dành sẵn cho Nội dung 2">
             <a:extLst>
               <a:ext uri="{FF2B5EF4-FFF2-40B4-BE49-F238E27FC236}">
-                <a16:creationId xmlns:a16="http://schemas.microsoft.com/office/drawing/2014/main" id="{EF467264-0087-4487-A50C-05C609888DF3}"/>
+                <a16:creationId xmlns:a16="http://schemas.microsoft.com/office/drawing/2014/main" id="{28F74AA7-AF17-46DB-B9B5-59F6F9DFE28B}"/>
               </a:ext>
             </a:extLst>
           </p:cNvPr>
@@ -6974,13 +7969,13 @@
             <a:spLocks noGrp="1"/>
           </p:cNvSpPr>
           <p:nvPr>
-            <p:ph idx="1"/>
-          </p:nvPr>
-        </p:nvSpPr>
-        <p:spPr>
-          <a:xfrm>
-            <a:off x="-304798" y="2614311"/>
-            <a:ext cx="5791198" cy="3428680"/>
+            <p:ph sz="quarter" idx="13"/>
+          </p:nvPr>
+        </p:nvSpPr>
+        <p:spPr>
+          <a:xfrm>
+            <a:off x="268752" y="1802296"/>
+            <a:ext cx="5694726" cy="4437187"/>
           </a:xfrm>
         </p:spPr>
         <p:txBody>
@@ -6989,211 +7984,309 @@
           </a:bodyPr>
           <a:lstStyle/>
           <a:p>
-            <a:pPr marL="457200" lvl="1" indent="0">
-              <a:buNone/>
-            </a:pPr>
-            <a:r>
-              <a:rPr lang="en-US" sz="2000" cap="none">
-                <a:latin typeface="Times New Roman" panose="02020603050405020304" pitchFamily="18" charset="0"/>
-                <a:cs typeface="Times New Roman" panose="02020603050405020304" pitchFamily="18" charset="0"/>
-              </a:rPr>
-              <a:t>II.</a:t>
-            </a:r>
-            <a:r>
-              <a:rPr lang="en-US" sz="2000" cap="none">
-                <a:latin typeface="Times New Roman" panose="02020603050405020304" pitchFamily="18" charset="0"/>
-                <a:ea typeface="MS Mincho" panose="02020609040205080304" pitchFamily="49" charset="-128"/>
-              </a:rPr>
-              <a:t>  Sau đó nhấn New repository sẽ xuất hiện trang để ta điền thông tin và tạo</a:t>
-            </a:r>
-            <a:endParaRPr lang="en-US" sz="2000" cap="none"/>
-          </a:p>
-          <a:p>
-            <a:pPr lvl="2">
+            <a:pPr marL="0" lvl="0" indent="0">
               <a:lnSpc>
-                <a:spcPct val="115000"/>
+                <a:spcPct val="100000"/>
               </a:lnSpc>
               <a:spcBef>
                 <a:spcPts val="0"/>
               </a:spcBef>
-              <a:buFont typeface="+mj-lt"/>
-              <a:buAutoNum type="romanLcPeriod"/>
+              <a:buNone/>
             </a:pPr>
             <a:r>
-              <a:rPr lang="en-US" sz="2000" cap="none">
-                <a:latin typeface="Times New Roman" panose="02020603050405020304" pitchFamily="18" charset="0"/>
-                <a:cs typeface="Times New Roman" panose="02020603050405020304" pitchFamily="18" charset="0"/>
-              </a:rPr>
-              <a:t> </a:t>
-            </a:r>
-            <a:r>
-              <a:rPr lang="en-US" sz="2000" cap="none">
-                <a:latin typeface="Times New Roman" panose="02020603050405020304" pitchFamily="18" charset="0"/>
-                <a:ea typeface="MS Mincho" panose="02020609040205080304" pitchFamily="49" charset="-128"/>
-                <a:cs typeface="Times New Roman" panose="02020603050405020304" pitchFamily="18" charset="0"/>
-              </a:rPr>
-              <a:t>Repository Name </a:t>
-            </a:r>
-            <a:r>
-              <a:rPr lang="en-US" sz="2000">
-                <a:latin typeface="Times New Roman" panose="02020603050405020304" pitchFamily="18" charset="0"/>
-                <a:ea typeface="MS Mincho" panose="02020609040205080304" pitchFamily="49" charset="-128"/>
-                <a:cs typeface="Times New Roman" panose="02020603050405020304" pitchFamily="18" charset="0"/>
-              </a:rPr>
-              <a:t>: </a:t>
-            </a:r>
-            <a:r>
-              <a:rPr lang="en-US" sz="2000" cap="none">
-                <a:latin typeface="Times New Roman" panose="02020603050405020304" pitchFamily="18" charset="0"/>
-                <a:ea typeface="MS Mincho" panose="02020609040205080304" pitchFamily="49" charset="-128"/>
-                <a:cs typeface="Times New Roman" panose="02020603050405020304" pitchFamily="18" charset="0"/>
-              </a:rPr>
-              <a:t>ghi tên dự án ta muốn lưu </a:t>
-            </a:r>
-            <a:endParaRPr lang="en-US" sz="2000">
-              <a:latin typeface="Calibri" panose="020F0502020204030204" pitchFamily="34" charset="0"/>
-              <a:ea typeface="MS Mincho" panose="02020609040205080304" pitchFamily="49" charset="-128"/>
-              <a:cs typeface="Times New Roman" panose="02020603050405020304" pitchFamily="18" charset="0"/>
-            </a:endParaRPr>
-          </a:p>
-          <a:p>
-            <a:pPr lvl="2">
+              <a:rPr lang="vi-VN">
+                <a:latin typeface="Arial"/>
+                <a:ea typeface="Arial"/>
+                <a:cs typeface="Arial"/>
+                <a:sym typeface="Arial"/>
+              </a:rPr>
+              <a:t>Git workflow:</a:t>
+            </a:r>
+          </a:p>
+          <a:p>
+            <a:pPr marL="457200" lvl="0" indent="-330200">
               <a:lnSpc>
-                <a:spcPct val="115000"/>
+                <a:spcPct val="100000"/>
+              </a:lnSpc>
+              <a:spcBef>
+                <a:spcPts val="1600"/>
+              </a:spcBef>
+              <a:buClr>
+                <a:srgbClr val="000000"/>
+              </a:buClr>
+              <a:buSzPts val="1600"/>
+              <a:buFont typeface="Arial"/>
+              <a:buAutoNum type="arabicPeriod"/>
+            </a:pPr>
+            <a:r>
+              <a:rPr lang="vi-VN" cap="none">
+                <a:latin typeface="Arial"/>
+                <a:ea typeface="Arial"/>
+                <a:cs typeface="Arial"/>
+                <a:sym typeface="Arial"/>
+              </a:rPr>
+              <a:t>Làm việc trên </a:t>
+            </a:r>
+            <a:r>
+              <a:rPr lang="vi-VN" b="1" cap="none">
+                <a:latin typeface="Arial"/>
+                <a:ea typeface="Arial"/>
+                <a:cs typeface="Arial"/>
+                <a:sym typeface="Arial"/>
+              </a:rPr>
+              <a:t>working directory.</a:t>
+            </a:r>
+          </a:p>
+          <a:p>
+            <a:pPr marL="457200" lvl="0" indent="-330200">
+              <a:lnSpc>
+                <a:spcPct val="100000"/>
               </a:lnSpc>
               <a:spcBef>
                 <a:spcPts val="0"/>
               </a:spcBef>
-              <a:buFont typeface="+mj-lt"/>
-              <a:buAutoNum type="romanLcPeriod"/>
+              <a:buClr>
+                <a:srgbClr val="000000"/>
+              </a:buClr>
+              <a:buSzPts val="1600"/>
+              <a:buFont typeface="Arial"/>
+              <a:buAutoNum type="arabicPeriod"/>
             </a:pPr>
             <a:r>
-              <a:rPr lang="en-US" sz="2000" cap="none">
-                <a:latin typeface="Times New Roman" panose="02020603050405020304" pitchFamily="18" charset="0"/>
-                <a:ea typeface="MS Mincho" panose="02020609040205080304" pitchFamily="49" charset="-128"/>
-                <a:cs typeface="Times New Roman" panose="02020603050405020304" pitchFamily="18" charset="0"/>
-              </a:rPr>
-              <a:t>Description</a:t>
-            </a:r>
-            <a:r>
-              <a:rPr lang="en-US" sz="2000">
-                <a:latin typeface="Times New Roman" panose="02020603050405020304" pitchFamily="18" charset="0"/>
-                <a:ea typeface="MS Mincho" panose="02020609040205080304" pitchFamily="49" charset="-128"/>
-                <a:cs typeface="Times New Roman" panose="02020603050405020304" pitchFamily="18" charset="0"/>
-              </a:rPr>
-              <a:t> : </a:t>
-            </a:r>
-            <a:r>
-              <a:rPr lang="en-US" sz="2000" cap="none">
-                <a:latin typeface="Times New Roman" panose="02020603050405020304" pitchFamily="18" charset="0"/>
-                <a:ea typeface="MS Mincho" panose="02020609040205080304" pitchFamily="49" charset="-128"/>
-                <a:cs typeface="Times New Roman" panose="02020603050405020304" pitchFamily="18" charset="0"/>
-              </a:rPr>
-              <a:t>ghi miêu tả ( có thể có hoặc không)</a:t>
-            </a:r>
-            <a:endParaRPr lang="en-US" sz="2000">
-              <a:latin typeface="Calibri" panose="020F0502020204030204" pitchFamily="34" charset="0"/>
-              <a:ea typeface="MS Mincho" panose="02020609040205080304" pitchFamily="49" charset="-128"/>
-              <a:cs typeface="Times New Roman" panose="02020603050405020304" pitchFamily="18" charset="0"/>
-            </a:endParaRPr>
-          </a:p>
-          <a:p>
-            <a:pPr lvl="2">
+              <a:rPr lang="vi-VN" cap="none">
+                <a:latin typeface="Arial"/>
+                <a:ea typeface="Arial"/>
+                <a:cs typeface="Arial"/>
+                <a:sym typeface="Arial"/>
+              </a:rPr>
+              <a:t>Chọn những thay đổi cần thiết cho </a:t>
+            </a:r>
+            <a:r>
+              <a:rPr lang="vi-VN" b="1" cap="none">
+                <a:latin typeface="Arial"/>
+                <a:ea typeface="Arial"/>
+                <a:cs typeface="Arial"/>
+                <a:sym typeface="Arial"/>
+              </a:rPr>
+              <a:t>commit</a:t>
+            </a:r>
+            <a:r>
+              <a:rPr lang="vi-VN" cap="none">
+                <a:latin typeface="Arial"/>
+                <a:ea typeface="Arial"/>
+                <a:cs typeface="Arial"/>
+                <a:sym typeface="Arial"/>
+              </a:rPr>
+              <a:t> tiếp theo. Thêm vào </a:t>
+            </a:r>
+            <a:r>
+              <a:rPr lang="vi-VN" b="1" cap="none">
+                <a:latin typeface="Arial"/>
+                <a:ea typeface="Arial"/>
+                <a:cs typeface="Arial"/>
+                <a:sym typeface="Arial"/>
+              </a:rPr>
+              <a:t>staging area</a:t>
+            </a:r>
+            <a:r>
+              <a:rPr lang="vi-VN" cap="none">
+                <a:latin typeface="Arial"/>
+                <a:ea typeface="Arial"/>
+                <a:cs typeface="Arial"/>
+                <a:sym typeface="Arial"/>
+              </a:rPr>
+              <a:t>.</a:t>
+            </a:r>
+          </a:p>
+          <a:p>
+            <a:pPr marL="457200" lvl="0" indent="-330200">
               <a:lnSpc>
-                <a:spcPct val="115000"/>
+                <a:spcPct val="100000"/>
               </a:lnSpc>
               <a:spcBef>
                 <a:spcPts val="0"/>
               </a:spcBef>
-              <a:buFont typeface="+mj-lt"/>
-              <a:buAutoNum type="romanLcPeriod"/>
+              <a:buClr>
+                <a:srgbClr val="000000"/>
+              </a:buClr>
+              <a:buSzPts val="1600"/>
+              <a:buFont typeface="Arial"/>
+              <a:buAutoNum type="arabicPeriod"/>
             </a:pPr>
             <a:r>
-              <a:rPr lang="en-US" sz="2000" cap="none">
-                <a:latin typeface="Times New Roman" panose="02020603050405020304" pitchFamily="18" charset="0"/>
-                <a:ea typeface="MS Mincho" panose="02020609040205080304" pitchFamily="49" charset="-128"/>
-                <a:cs typeface="Times New Roman" panose="02020603050405020304" pitchFamily="18" charset="0"/>
-              </a:rPr>
-              <a:t> Ta chọn “public” hoặc “private” cho dự án </a:t>
-            </a:r>
-            <a:endParaRPr lang="en-US" sz="2000" cap="none">
-              <a:latin typeface="Calibri" panose="020F0502020204030204" pitchFamily="34" charset="0"/>
-              <a:ea typeface="MS Mincho" panose="02020609040205080304" pitchFamily="49" charset="-128"/>
-              <a:cs typeface="Times New Roman" panose="02020603050405020304" pitchFamily="18" charset="0"/>
-            </a:endParaRPr>
-          </a:p>
-          <a:p>
-            <a:pPr lvl="2">
+              <a:rPr lang="vi-VN" cap="none">
+                <a:latin typeface="Arial"/>
+                <a:ea typeface="Arial"/>
+                <a:cs typeface="Arial"/>
+                <a:sym typeface="Arial"/>
+              </a:rPr>
+              <a:t>Thực hiện một </a:t>
+            </a:r>
+            <a:r>
+              <a:rPr lang="vi-VN" b="1" cap="none">
+                <a:latin typeface="Arial"/>
+                <a:ea typeface="Arial"/>
+                <a:cs typeface="Arial"/>
+                <a:sym typeface="Arial"/>
+              </a:rPr>
+              <a:t>commit</a:t>
+            </a:r>
+            <a:r>
+              <a:rPr lang="vi-VN" cap="none">
+                <a:latin typeface="Arial"/>
+                <a:ea typeface="Arial"/>
+                <a:cs typeface="Arial"/>
+                <a:sym typeface="Arial"/>
+              </a:rPr>
+              <a:t>, sẽ lấy tất cả các file tại </a:t>
+            </a:r>
+            <a:r>
+              <a:rPr lang="vi-VN" b="1" cap="none">
+                <a:latin typeface="Arial"/>
+                <a:ea typeface="Arial"/>
+                <a:cs typeface="Arial"/>
+                <a:sym typeface="Arial"/>
+              </a:rPr>
+              <a:t>staging area</a:t>
+            </a:r>
+            <a:r>
+              <a:rPr lang="vi-VN" cap="none">
+                <a:latin typeface="Arial"/>
+                <a:ea typeface="Arial"/>
+                <a:cs typeface="Arial"/>
+                <a:sym typeface="Arial"/>
+              </a:rPr>
+              <a:t> lưu trữ vào thư mục </a:t>
+            </a:r>
+            <a:r>
+              <a:rPr lang="vi-VN" b="1" cap="none">
+                <a:latin typeface="Arial"/>
+                <a:ea typeface="Arial"/>
+                <a:cs typeface="Arial"/>
+                <a:sym typeface="Arial"/>
+              </a:rPr>
+              <a:t>.Git</a:t>
+            </a:r>
+          </a:p>
+          <a:p>
+            <a:pPr marL="457200" lvl="0" indent="-330200">
               <a:lnSpc>
-                <a:spcPct val="115000"/>
+                <a:spcPct val="100000"/>
               </a:lnSpc>
               <a:spcBef>
                 <a:spcPts val="0"/>
               </a:spcBef>
-              <a:spcAft>
-                <a:spcPts val="1000"/>
-              </a:spcAft>
-              <a:buFont typeface="+mj-lt"/>
-              <a:buAutoNum type="romanLcPeriod"/>
+              <a:buClr>
+                <a:srgbClr val="000000"/>
+              </a:buClr>
+              <a:buSzPts val="1600"/>
+              <a:buFont typeface="Arial"/>
+              <a:buAutoNum type="arabicPeriod"/>
             </a:pPr>
             <a:r>
-              <a:rPr lang="en-US" sz="2000" cap="none">
-                <a:latin typeface="Times New Roman" panose="02020603050405020304" pitchFamily="18" charset="0"/>
-                <a:ea typeface="MS Mincho" panose="02020609040205080304" pitchFamily="49" charset="-128"/>
-                <a:cs typeface="Times New Roman" panose="02020603050405020304" pitchFamily="18" charset="0"/>
-              </a:rPr>
-              <a:t> Có thể click chọn tạo readme hoặc không.</a:t>
-            </a:r>
-            <a:endParaRPr lang="en-US" sz="2000" cap="none">
-              <a:effectLst/>
-              <a:latin typeface="Calibri" panose="020F0502020204030204" pitchFamily="34" charset="0"/>
-              <a:ea typeface="MS Mincho" panose="02020609040205080304" pitchFamily="49" charset="-128"/>
-              <a:cs typeface="Times New Roman" panose="02020603050405020304" pitchFamily="18" charset="0"/>
-            </a:endParaRPr>
-          </a:p>
-          <a:p>
-            <a:pPr marL="457200" lvl="1" indent="0">
-              <a:buNone/>
-            </a:pPr>
-            <a:endParaRPr lang="en-US" sz="2000" cap="none">
-              <a:latin typeface="Times New Roman" panose="02020603050405020304" pitchFamily="18" charset="0"/>
-              <a:cs typeface="Times New Roman" panose="02020603050405020304" pitchFamily="18" charset="0"/>
-            </a:endParaRPr>
+              <a:rPr lang="vi-VN" cap="none">
+                <a:latin typeface="Arial"/>
+                <a:ea typeface="Arial"/>
+                <a:cs typeface="Arial"/>
+                <a:sym typeface="Arial"/>
+              </a:rPr>
+              <a:t>Đẩy các </a:t>
+            </a:r>
+            <a:r>
+              <a:rPr lang="vi-VN" b="1" cap="none">
+                <a:latin typeface="Arial"/>
+                <a:ea typeface="Arial"/>
+                <a:cs typeface="Arial"/>
+                <a:sym typeface="Arial"/>
+              </a:rPr>
+              <a:t>commit</a:t>
+            </a:r>
+            <a:r>
+              <a:rPr lang="vi-VN" cap="none">
+                <a:latin typeface="Arial"/>
+                <a:ea typeface="Arial"/>
+                <a:cs typeface="Arial"/>
+                <a:sym typeface="Arial"/>
+              </a:rPr>
+              <a:t> lên </a:t>
+            </a:r>
+            <a:r>
+              <a:rPr lang="vi-VN" b="1" cap="none">
+                <a:latin typeface="Arial"/>
+                <a:ea typeface="Arial"/>
+                <a:cs typeface="Arial"/>
+                <a:sym typeface="Arial"/>
+              </a:rPr>
+              <a:t>remote repo</a:t>
+            </a:r>
+            <a:r>
+              <a:rPr lang="vi-VN" cap="none">
+                <a:latin typeface="Arial"/>
+                <a:ea typeface="Arial"/>
+                <a:cs typeface="Arial"/>
+                <a:sym typeface="Arial"/>
+              </a:rPr>
+              <a:t> (</a:t>
+            </a:r>
+            <a:r>
+              <a:rPr lang="vi-VN" b="1" cap="none">
+                <a:latin typeface="Arial"/>
+                <a:ea typeface="Arial"/>
+                <a:cs typeface="Arial"/>
+                <a:sym typeface="Arial"/>
+              </a:rPr>
+              <a:t>github</a:t>
+            </a:r>
+            <a:r>
+              <a:rPr lang="vi-VN" cap="none">
+                <a:latin typeface="Arial"/>
+                <a:ea typeface="Arial"/>
+                <a:cs typeface="Arial"/>
+                <a:sym typeface="Arial"/>
+              </a:rPr>
+              <a:t>,...)</a:t>
+            </a:r>
           </a:p>
         </p:txBody>
       </p:sp>
       <p:pic>
         <p:nvPicPr>
-          <p:cNvPr id="11" name="Picture 1">
+          <p:cNvPr id="4" name="Google Shape;170;p19">
             <a:extLst>
               <a:ext uri="{FF2B5EF4-FFF2-40B4-BE49-F238E27FC236}">
-                <a16:creationId xmlns:a16="http://schemas.microsoft.com/office/drawing/2014/main" id="{6F15B74D-8962-466A-9AB6-E2EDB5852B55}"/>
+                <a16:creationId xmlns:a16="http://schemas.microsoft.com/office/drawing/2014/main" id="{5763B358-0F3B-4FF0-82F4-1D1EC394B472}"/>
               </a:ext>
             </a:extLst>
           </p:cNvPr>
-          <p:cNvPicPr/>
+          <p:cNvPicPr preferRelativeResize="0"/>
           <p:nvPr/>
         </p:nvPicPr>
         <p:blipFill>
-          <a:blip r:embed="rId2"/>
+          <a:blip r:embed="rId2">
+            <a:alphaModFix/>
+          </a:blip>
           <a:stretch>
             <a:fillRect/>
           </a:stretch>
         </p:blipFill>
         <p:spPr>
           <a:xfrm>
-            <a:off x="5486401" y="2096214"/>
-            <a:ext cx="6705600" cy="4450360"/>
+            <a:off x="5963478" y="1416605"/>
+            <a:ext cx="5694726" cy="4652891"/>
           </a:xfrm>
           <a:prstGeom prst="rect">
             <a:avLst/>
           </a:prstGeom>
+          <a:noFill/>
+          <a:ln>
+            <a:noFill/>
+          </a:ln>
         </p:spPr>
       </p:pic>
     </p:spTree>
     <p:extLst>
       <p:ext uri="{BB962C8B-B14F-4D97-AF65-F5344CB8AC3E}">
-        <p14:creationId xmlns:p14="http://schemas.microsoft.com/office/powerpoint/2010/main" val="205485399"/>
+        <p14:creationId xmlns:p14="http://schemas.microsoft.com/office/powerpoint/2010/main" val="1998270494"/>
       </p:ext>
     </p:extLst>
   </p:cSld>
@@ -7225,7 +8318,7 @@
           <p:cNvPr id="2" name="Tiêu đề 1">
             <a:extLst>
               <a:ext uri="{FF2B5EF4-FFF2-40B4-BE49-F238E27FC236}">
-                <a16:creationId xmlns:a16="http://schemas.microsoft.com/office/drawing/2014/main" id="{FCE357BF-54DA-419D-B694-1E969F7C39A1}"/>
+                <a16:creationId xmlns:a16="http://schemas.microsoft.com/office/drawing/2014/main" id="{B258CA22-1588-4B2F-8FEE-FB0482825619}"/>
               </a:ext>
             </a:extLst>
           </p:cNvPr>
@@ -7236,12 +8329,7 @@
             <p:ph type="title"/>
           </p:nvPr>
         </p:nvSpPr>
-        <p:spPr>
-          <a:xfrm>
-            <a:off x="913775" y="618518"/>
-            <a:ext cx="10364451" cy="1336892"/>
-          </a:xfrm>
-        </p:spPr>
+        <p:spPr/>
         <p:txBody>
           <a:bodyPr/>
           <a:lstStyle/>
@@ -7254,27 +8342,7 @@
                 <a:latin typeface="Times New Roman" panose="02020603050405020304" pitchFamily="18" charset="0"/>
                 <a:cs typeface="Times New Roman" panose="02020603050405020304" pitchFamily="18" charset="0"/>
               </a:rPr>
-              <a:t>H</a:t>
-            </a:r>
-            <a:r>
-              <a:rPr lang="vi-VN" b="1">
-                <a:solidFill>
-                  <a:srgbClr val="C00000"/>
-                </a:solidFill>
-                <a:latin typeface="Times New Roman" panose="02020603050405020304" pitchFamily="18" charset="0"/>
-                <a:cs typeface="Times New Roman" panose="02020603050405020304" pitchFamily="18" charset="0"/>
-              </a:rPr>
-              <a:t>ư</a:t>
-            </a:r>
-            <a:r>
-              <a:rPr lang="en-US" b="1">
-                <a:solidFill>
-                  <a:srgbClr val="C00000"/>
-                </a:solidFill>
-                <a:latin typeface="Times New Roman" panose="02020603050405020304" pitchFamily="18" charset="0"/>
-                <a:cs typeface="Times New Roman" panose="02020603050405020304" pitchFamily="18" charset="0"/>
-              </a:rPr>
-              <a:t>ớng dẫn sử dụng git</a:t>
+              <a:t>Giới thiệu</a:t>
             </a:r>
           </a:p>
         </p:txBody>
@@ -7284,7 +8352,7 @@
           <p:cNvPr id="3" name="Chỗ dành sẵn cho Nội dung 2">
             <a:extLst>
               <a:ext uri="{FF2B5EF4-FFF2-40B4-BE49-F238E27FC236}">
-                <a16:creationId xmlns:a16="http://schemas.microsoft.com/office/drawing/2014/main" id="{EF467264-0087-4487-A50C-05C609888DF3}"/>
+                <a16:creationId xmlns:a16="http://schemas.microsoft.com/office/drawing/2014/main" id="{28F74AA7-AF17-46DB-B9B5-59F6F9DFE28B}"/>
               </a:ext>
             </a:extLst>
           </p:cNvPr>
@@ -7292,13 +8360,13 @@
             <a:spLocks noGrp="1"/>
           </p:cNvSpPr>
           <p:nvPr>
-            <p:ph idx="1"/>
-          </p:nvPr>
-        </p:nvSpPr>
-        <p:spPr>
-          <a:xfrm>
-            <a:off x="-304798" y="2614310"/>
-            <a:ext cx="5791198" cy="3455185"/>
+            <p:ph sz="quarter" idx="13"/>
+          </p:nvPr>
+        </p:nvSpPr>
+        <p:spPr>
+          <a:xfrm>
+            <a:off x="268751" y="1802296"/>
+            <a:ext cx="6145301" cy="4437187"/>
           </a:xfrm>
         </p:spPr>
         <p:txBody>
@@ -7307,153 +8375,285 @@
           </a:bodyPr>
           <a:lstStyle/>
           <a:p>
-            <a:pPr marL="457200" lvl="1" indent="0">
+            <a:pPr marL="0" lvl="0" indent="0">
+              <a:spcBef>
+                <a:spcPts val="0"/>
+              </a:spcBef>
               <a:buNone/>
             </a:pPr>
             <a:r>
-              <a:rPr lang="en-US" sz="2400" cap="none">
-                <a:latin typeface="Times New Roman" panose="02020603050405020304" pitchFamily="18" charset="0"/>
-                <a:cs typeface="Times New Roman" panose="02020603050405020304" pitchFamily="18" charset="0"/>
-              </a:rPr>
-              <a:t>III. </a:t>
-            </a:r>
-            <a:r>
-              <a:rPr lang="en-US" sz="2400" cap="none">
-                <a:latin typeface="Times New Roman" panose="02020603050405020304" pitchFamily="18" charset="0"/>
-                <a:ea typeface="MS Mincho" panose="02020609040205080304" pitchFamily="49" charset="-128"/>
-                <a:cs typeface="Times New Roman" panose="02020603050405020304" pitchFamily="18" charset="0"/>
-              </a:rPr>
-              <a:t>Sau khi điền đầy đủ thông tin ta nhấn create repository</a:t>
-            </a:r>
-            <a:endParaRPr lang="en-US" sz="2400" cap="none">
-              <a:effectLst/>
-              <a:latin typeface="Calibri" panose="020F0502020204030204" pitchFamily="34" charset="0"/>
-              <a:ea typeface="MS Mincho" panose="02020609040205080304" pitchFamily="49" charset="-128"/>
-              <a:cs typeface="Times New Roman" panose="02020603050405020304" pitchFamily="18" charset="0"/>
-            </a:endParaRPr>
-          </a:p>
-          <a:p>
-            <a:pPr marL="457200" lvl="1" indent="0">
+              <a:rPr lang="vi-VN" b="1">
+                <a:latin typeface="Arial"/>
+                <a:ea typeface="Arial"/>
+                <a:cs typeface="Arial"/>
+                <a:sym typeface="Arial"/>
+              </a:rPr>
+              <a:t>Repository</a:t>
+            </a:r>
+            <a:r>
+              <a:rPr lang="vi-VN">
+                <a:latin typeface="Arial"/>
+                <a:ea typeface="Arial"/>
+                <a:cs typeface="Arial"/>
+                <a:sym typeface="Arial"/>
+              </a:rPr>
+              <a:t> </a:t>
+            </a:r>
+            <a:r>
+              <a:rPr lang="vi-VN" cap="none">
+                <a:latin typeface="Arial"/>
+                <a:ea typeface="Arial"/>
+                <a:cs typeface="Arial"/>
+                <a:sym typeface="Arial"/>
+              </a:rPr>
+              <a:t>Hay còn gọi là </a:t>
+            </a:r>
+            <a:r>
+              <a:rPr lang="vi-VN" b="1" cap="none">
+                <a:latin typeface="Arial"/>
+                <a:ea typeface="Arial"/>
+                <a:cs typeface="Arial"/>
+                <a:sym typeface="Arial"/>
+              </a:rPr>
+              <a:t>repo</a:t>
+            </a:r>
+            <a:r>
+              <a:rPr lang="vi-VN" cap="none">
+                <a:latin typeface="Arial"/>
+                <a:ea typeface="Arial"/>
+                <a:cs typeface="Arial"/>
+                <a:sym typeface="Arial"/>
+              </a:rPr>
+              <a:t>, đây chính là nơi chứa tất cả mã nguồn cho một dự án được quản lý bởi </a:t>
+            </a:r>
+            <a:r>
+              <a:rPr lang="vi-VN" b="1" cap="none">
+                <a:latin typeface="Arial"/>
+                <a:ea typeface="Arial"/>
+                <a:cs typeface="Arial"/>
+                <a:sym typeface="Arial"/>
+              </a:rPr>
+              <a:t>git</a:t>
+            </a:r>
+            <a:r>
+              <a:rPr lang="vi-VN" cap="none">
+                <a:latin typeface="Arial"/>
+                <a:ea typeface="Arial"/>
+                <a:cs typeface="Arial"/>
+                <a:sym typeface="Arial"/>
+              </a:rPr>
+              <a:t>.</a:t>
+            </a:r>
+          </a:p>
+          <a:p>
+            <a:pPr marL="0" lvl="0" indent="0">
+              <a:spcBef>
+                <a:spcPts val="1600"/>
+              </a:spcBef>
               <a:buNone/>
             </a:pPr>
             <a:r>
-              <a:rPr lang="en-US" sz="2400" cap="none">
-                <a:latin typeface="Times New Roman" panose="02020603050405020304" pitchFamily="18" charset="0"/>
-                <a:cs typeface="Times New Roman" panose="02020603050405020304" pitchFamily="18" charset="0"/>
-              </a:rPr>
-              <a:t>IV.</a:t>
-            </a:r>
-            <a:r>
-              <a:rPr lang="en-US" sz="2400">
-                <a:latin typeface="Times New Roman" panose="02020603050405020304" pitchFamily="18" charset="0"/>
-                <a:ea typeface="MS Mincho" panose="02020609040205080304" pitchFamily="49" charset="-128"/>
-                <a:cs typeface="Times New Roman" panose="02020603050405020304" pitchFamily="18" charset="0"/>
+              <a:rPr lang="vi-VN" cap="none">
+                <a:latin typeface="Arial"/>
+                <a:ea typeface="Arial"/>
+                <a:cs typeface="Arial"/>
+                <a:sym typeface="Arial"/>
+              </a:rPr>
+              <a:t>Có lại loại </a:t>
+            </a:r>
+            <a:r>
+              <a:rPr lang="vi-VN" b="1">
+                <a:latin typeface="Arial"/>
+                <a:ea typeface="Arial"/>
+                <a:cs typeface="Arial"/>
+                <a:sym typeface="Arial"/>
+              </a:rPr>
+              <a:t>repository</a:t>
+            </a:r>
+            <a:r>
+              <a:rPr lang="vi-VN">
+                <a:latin typeface="Arial"/>
+                <a:ea typeface="Arial"/>
+                <a:cs typeface="Arial"/>
+                <a:sym typeface="Arial"/>
               </a:rPr>
               <a:t> </a:t>
             </a:r>
             <a:r>
-              <a:rPr lang="en-US" sz="2400" cap="none">
-                <a:latin typeface="Times New Roman" panose="02020603050405020304" pitchFamily="18" charset="0"/>
-                <a:ea typeface="MS Mincho" panose="02020609040205080304" pitchFamily="49" charset="-128"/>
-                <a:cs typeface="Times New Roman" panose="02020603050405020304" pitchFamily="18" charset="0"/>
-              </a:rPr>
-              <a:t>Sau khi tạo sẽ có giao diện như sau ( không chọ tạo readmine)</a:t>
-            </a:r>
-          </a:p>
-          <a:p>
-            <a:pPr marL="457200" lvl="1" indent="0">
-              <a:buNone/>
+              <a:rPr lang="vi-VN" cap="none">
+                <a:latin typeface="Arial"/>
+                <a:ea typeface="Arial"/>
+                <a:cs typeface="Arial"/>
+                <a:sym typeface="Arial"/>
+              </a:rPr>
+              <a:t>đó là </a:t>
+            </a:r>
+            <a:r>
+              <a:rPr lang="vi-VN" b="1">
+                <a:latin typeface="Arial"/>
+                <a:ea typeface="Arial"/>
+                <a:cs typeface="Arial"/>
+                <a:sym typeface="Arial"/>
+              </a:rPr>
+              <a:t>local repository </a:t>
+            </a:r>
+            <a:r>
+              <a:rPr lang="vi-VN" cap="none">
+                <a:latin typeface="Arial"/>
+                <a:ea typeface="Arial"/>
+                <a:cs typeface="Arial"/>
+                <a:sym typeface="Arial"/>
+              </a:rPr>
+              <a:t>và</a:t>
+            </a:r>
+            <a:r>
+              <a:rPr lang="vi-VN">
+                <a:latin typeface="Arial"/>
+                <a:ea typeface="Arial"/>
+                <a:cs typeface="Arial"/>
+                <a:sym typeface="Arial"/>
+              </a:rPr>
+              <a:t> remote repository. </a:t>
+            </a:r>
+          </a:p>
+          <a:p>
+            <a:pPr marL="457200" lvl="0" indent="-317500">
+              <a:spcBef>
+                <a:spcPts val="1600"/>
+              </a:spcBef>
+              <a:buSzPts val="1400"/>
+              <a:buAutoNum type="arabicPeriod"/>
             </a:pPr>
             <a:r>
-              <a:rPr lang="en-US" sz="2400" cap="none">
-                <a:latin typeface="Times New Roman" panose="02020603050405020304" pitchFamily="18" charset="0"/>
-                <a:ea typeface="MS Mincho" panose="02020609040205080304" pitchFamily="49" charset="-128"/>
-                <a:cs typeface="Times New Roman" panose="02020603050405020304" pitchFamily="18" charset="0"/>
-              </a:rPr>
-              <a:t>	1. </a:t>
-            </a:r>
-            <a:r>
-              <a:rPr lang="en-US" sz="2400">
-                <a:latin typeface="Times New Roman" panose="02020603050405020304" pitchFamily="18" charset="0"/>
-                <a:ea typeface="MS Mincho" panose="02020609040205080304" pitchFamily="49" charset="-128"/>
-                <a:cs typeface="Times New Roman" panose="02020603050405020304" pitchFamily="18" charset="0"/>
-              </a:rPr>
-              <a:t>HTTPS </a:t>
-            </a:r>
-            <a:r>
-              <a:rPr lang="en-US" sz="2400" cap="none">
-                <a:latin typeface="Times New Roman" panose="02020603050405020304" pitchFamily="18" charset="0"/>
-                <a:ea typeface="MS Mincho" panose="02020609040205080304" pitchFamily="49" charset="-128"/>
-                <a:cs typeface="Times New Roman" panose="02020603050405020304" pitchFamily="18" charset="0"/>
-              </a:rPr>
-              <a:t>và</a:t>
-            </a:r>
-            <a:r>
-              <a:rPr lang="en-US" sz="2400">
-                <a:latin typeface="Times New Roman" panose="02020603050405020304" pitchFamily="18" charset="0"/>
-                <a:ea typeface="MS Mincho" panose="02020609040205080304" pitchFamily="49" charset="-128"/>
-                <a:cs typeface="Times New Roman" panose="02020603050405020304" pitchFamily="18" charset="0"/>
-              </a:rPr>
-              <a:t> SSH </a:t>
-            </a:r>
-            <a:r>
-              <a:rPr lang="en-US" sz="2400" cap="none">
-                <a:latin typeface="Times New Roman" panose="02020603050405020304" pitchFamily="18" charset="0"/>
-                <a:ea typeface="MS Mincho" panose="02020609040205080304" pitchFamily="49" charset="-128"/>
-                <a:cs typeface="Times New Roman" panose="02020603050405020304" pitchFamily="18" charset="0"/>
-              </a:rPr>
-              <a:t>là kiểu đường dẫn để ta có thể chọn tùy ý ( dùng tạo remote)</a:t>
-            </a:r>
-            <a:endParaRPr lang="en-US" sz="2400">
-              <a:effectLst/>
-              <a:latin typeface="Calibri" panose="020F0502020204030204" pitchFamily="34" charset="0"/>
-              <a:ea typeface="MS Mincho" panose="02020609040205080304" pitchFamily="49" charset="-128"/>
-              <a:cs typeface="Times New Roman" panose="02020603050405020304" pitchFamily="18" charset="0"/>
-            </a:endParaRPr>
-          </a:p>
-          <a:p>
-            <a:pPr marL="457200" lvl="1" indent="0">
-              <a:buNone/>
+              <a:rPr lang="vi-VN" b="1">
+                <a:latin typeface="Arial"/>
+                <a:ea typeface="Arial"/>
+                <a:cs typeface="Arial"/>
+                <a:sym typeface="Arial"/>
+              </a:rPr>
+              <a:t>Local repository</a:t>
+            </a:r>
+            <a:r>
+              <a:rPr lang="vi-VN" cap="none">
+                <a:latin typeface="Arial"/>
+                <a:ea typeface="Arial"/>
+                <a:cs typeface="Arial"/>
+                <a:sym typeface="Arial"/>
+              </a:rPr>
+              <a:t>: Là repo được cài đặt trên máy tính của lập trình viên, repo này sẽ đồng bộ hóa với remote repo bằng các lệnh của</a:t>
+            </a:r>
+            <a:r>
+              <a:rPr lang="vi-VN">
+                <a:latin typeface="Arial"/>
+                <a:ea typeface="Arial"/>
+                <a:cs typeface="Arial"/>
+                <a:sym typeface="Arial"/>
+              </a:rPr>
+              <a:t> git. </a:t>
+            </a:r>
+          </a:p>
+          <a:p>
+            <a:pPr marL="457200" lvl="0" indent="-317500">
+              <a:spcBef>
+                <a:spcPts val="0"/>
+              </a:spcBef>
+              <a:buSzPts val="1400"/>
+              <a:buAutoNum type="arabicPeriod"/>
             </a:pPr>
-            <a:endParaRPr lang="en-US" sz="2400" cap="none">
-              <a:latin typeface="Times New Roman" panose="02020603050405020304" pitchFamily="18" charset="0"/>
-              <a:cs typeface="Times New Roman" panose="02020603050405020304" pitchFamily="18" charset="0"/>
+            <a:r>
+              <a:rPr lang="vi-VN" b="1">
+                <a:latin typeface="Arial"/>
+                <a:ea typeface="Arial"/>
+                <a:cs typeface="Arial"/>
+                <a:sym typeface="Arial"/>
+              </a:rPr>
+              <a:t>Remote repository</a:t>
+            </a:r>
+            <a:r>
+              <a:rPr lang="vi-VN" cap="none">
+                <a:latin typeface="Arial"/>
+                <a:ea typeface="Arial"/>
+                <a:cs typeface="Arial"/>
+                <a:sym typeface="Arial"/>
+              </a:rPr>
+              <a:t>: Là repo được cài đặt trên server chuyên dụng, điển hình hiện nay là </a:t>
+            </a:r>
+            <a:r>
+              <a:rPr lang="vi-VN" b="1">
+                <a:latin typeface="Arial"/>
+                <a:ea typeface="Arial"/>
+                <a:cs typeface="Arial"/>
+                <a:sym typeface="Arial"/>
+              </a:rPr>
+              <a:t>Github</a:t>
+            </a:r>
+            <a:r>
+              <a:rPr lang="vi-VN">
+                <a:latin typeface="Arial"/>
+                <a:ea typeface="Arial"/>
+                <a:cs typeface="Arial"/>
+                <a:sym typeface="Arial"/>
+              </a:rPr>
+              <a:t>.</a:t>
+            </a:r>
+          </a:p>
+          <a:p>
+            <a:pPr marL="0" lvl="0" indent="0">
+              <a:lnSpc>
+                <a:spcPct val="100000"/>
+              </a:lnSpc>
+              <a:spcBef>
+                <a:spcPts val="0"/>
+              </a:spcBef>
+              <a:buNone/>
+            </a:pPr>
+            <a:endParaRPr lang="vi-VN" cap="none">
+              <a:latin typeface="Arial"/>
+              <a:ea typeface="Arial"/>
+              <a:cs typeface="Arial"/>
+              <a:sym typeface="Arial"/>
             </a:endParaRPr>
           </a:p>
         </p:txBody>
       </p:sp>
       <p:pic>
         <p:nvPicPr>
-          <p:cNvPr id="12" name="Picture 3">
+          <p:cNvPr id="7" name="Google Shape;177;p20">
             <a:extLst>
               <a:ext uri="{FF2B5EF4-FFF2-40B4-BE49-F238E27FC236}">
-                <a16:creationId xmlns:a16="http://schemas.microsoft.com/office/drawing/2014/main" id="{ED246121-3B2E-49F2-813A-752F1550DE64}"/>
+                <a16:creationId xmlns:a16="http://schemas.microsoft.com/office/drawing/2014/main" id="{58B76444-E1FF-476A-A3E8-E04BBE916583}"/>
               </a:ext>
             </a:extLst>
           </p:cNvPr>
-          <p:cNvPicPr/>
+          <p:cNvPicPr preferRelativeResize="0"/>
           <p:nvPr/>
         </p:nvPicPr>
         <p:blipFill>
-          <a:blip r:embed="rId2"/>
+          <a:blip r:embed="rId2">
+            <a:alphaModFix/>
+          </a:blip>
           <a:stretch>
             <a:fillRect/>
           </a:stretch>
         </p:blipFill>
         <p:spPr>
           <a:xfrm>
-            <a:off x="5486400" y="2244103"/>
-            <a:ext cx="6705600" cy="4328975"/>
+            <a:off x="6462551" y="1681058"/>
+            <a:ext cx="5460697" cy="4719742"/>
           </a:xfrm>
           <a:prstGeom prst="rect">
             <a:avLst/>
           </a:prstGeom>
+          <a:noFill/>
+          <a:ln>
+            <a:noFill/>
+          </a:ln>
         </p:spPr>
       </p:pic>
     </p:spTree>
     <p:extLst>
       <p:ext uri="{BB962C8B-B14F-4D97-AF65-F5344CB8AC3E}">
-        <p14:creationId xmlns:p14="http://schemas.microsoft.com/office/powerpoint/2010/main" val="1877184628"/>
+        <p14:creationId xmlns:p14="http://schemas.microsoft.com/office/powerpoint/2010/main" val="2245823005"/>
       </p:ext>
     </p:extLst>
   </p:cSld>
@@ -7496,12 +8696,7 @@
             <p:ph type="title"/>
           </p:nvPr>
         </p:nvSpPr>
-        <p:spPr>
-          <a:xfrm>
-            <a:off x="913775" y="618518"/>
-            <a:ext cx="10364451" cy="1336892"/>
-          </a:xfrm>
-        </p:spPr>
+        <p:spPr/>
         <p:txBody>
           <a:bodyPr/>
           <a:lstStyle/>
@@ -7557,102 +8752,45 @@
         </p:nvSpPr>
         <p:spPr>
           <a:xfrm>
-            <a:off x="384314" y="2097475"/>
-            <a:ext cx="10364451" cy="2805116"/>
+            <a:off x="238540" y="2443295"/>
+            <a:ext cx="4748217" cy="2566028"/>
           </a:xfrm>
         </p:spPr>
         <p:txBody>
           <a:bodyPr>
-            <a:noAutofit/>
+            <a:normAutofit/>
           </a:bodyPr>
           <a:lstStyle/>
           <a:p>
-            <a:pPr marL="971550" marR="0" lvl="1" indent="-514350">
-              <a:lnSpc>
-                <a:spcPct val="115000"/>
-              </a:lnSpc>
-              <a:spcBef>
-                <a:spcPts val="0"/>
-              </a:spcBef>
-              <a:spcAft>
-                <a:spcPts val="0"/>
-              </a:spcAft>
-              <a:buAutoNum type="romanUcPeriod" startAt="5"/>
+            <a:pPr marL="514350" indent="-514350">
+              <a:buAutoNum type="romanUcPeriod"/>
             </a:pPr>
             <a:r>
-              <a:rPr lang="en-US" sz="2400" cap="none">
+              <a:rPr lang="en-US" cap="none">
                 <a:latin typeface="Times New Roman" panose="02020603050405020304" pitchFamily="18" charset="0"/>
-                <a:ea typeface="MS Mincho" panose="02020609040205080304" pitchFamily="49" charset="-128"/>
                 <a:cs typeface="Times New Roman" panose="02020603050405020304" pitchFamily="18" charset="0"/>
               </a:rPr>
-              <a:t>Từ local ta tạo folder chưa project của ta</a:t>
-            </a:r>
-            <a:endParaRPr lang="en-US" cap="none">
-              <a:latin typeface="Calibri" panose="020F0502020204030204" pitchFamily="34" charset="0"/>
-              <a:ea typeface="MS Mincho" panose="02020609040205080304" pitchFamily="49" charset="-128"/>
-              <a:cs typeface="Times New Roman" panose="02020603050405020304" pitchFamily="18" charset="0"/>
-            </a:endParaRPr>
-          </a:p>
-          <a:p>
-            <a:pPr marL="971550" marR="0" lvl="1" indent="-514350">
-              <a:lnSpc>
-                <a:spcPct val="115000"/>
-              </a:lnSpc>
-              <a:spcBef>
-                <a:spcPts val="0"/>
-              </a:spcBef>
-              <a:spcAft>
-                <a:spcPts val="0"/>
-              </a:spcAft>
-              <a:buAutoNum type="romanUcPeriod" startAt="5"/>
+              <a:t>Tạo Repo (Repository)</a:t>
+            </a:r>
+          </a:p>
+          <a:p>
+            <a:pPr marL="971550" lvl="1" indent="-514350">
+              <a:buFont typeface="+mj-lt"/>
+              <a:buAutoNum type="arabicPeriod"/>
             </a:pPr>
             <a:r>
-              <a:rPr lang="en-US" sz="2400" cap="none">
+              <a:rPr lang="en-US" sz="2000" cap="none">
                 <a:latin typeface="Times New Roman" panose="02020603050405020304" pitchFamily="18" charset="0"/>
-                <a:ea typeface="MS Mincho" panose="02020609040205080304" pitchFamily="49" charset="-128"/>
                 <a:cs typeface="Times New Roman" panose="02020603050405020304" pitchFamily="18" charset="0"/>
               </a:rPr>
-              <a:t>Mở command prompt hoặc có thể cài thêm git bash hear để mở và đi tới folder chưa project đó</a:t>
-            </a:r>
-            <a:endParaRPr lang="en-US" cap="none">
-              <a:latin typeface="Calibri" panose="020F0502020204030204" pitchFamily="34" charset="0"/>
-              <a:ea typeface="MS Mincho" panose="02020609040205080304" pitchFamily="49" charset="-128"/>
-              <a:cs typeface="Times New Roman" panose="02020603050405020304" pitchFamily="18" charset="0"/>
-            </a:endParaRPr>
-          </a:p>
-          <a:p>
-            <a:pPr marL="971550" marR="0" lvl="1" indent="-514350">
-              <a:lnSpc>
-                <a:spcPct val="115000"/>
-              </a:lnSpc>
-              <a:spcBef>
-                <a:spcPts val="0"/>
-              </a:spcBef>
-              <a:spcAft>
-                <a:spcPts val="0"/>
-              </a:spcAft>
-              <a:buAutoNum type="romanUcPeriod" startAt="5"/>
+              <a:t>Click dầu “+” bên phải màn hình</a:t>
+            </a:r>
+          </a:p>
+          <a:p>
+            <a:pPr marL="457200" lvl="1" indent="0">
+              <a:buNone/>
             </a:pPr>
-            <a:r>
-              <a:rPr lang="en-US" sz="2400" cap="none">
-                <a:latin typeface="Times New Roman" panose="02020603050405020304" pitchFamily="18" charset="0"/>
-                <a:ea typeface="MS Mincho" panose="02020609040205080304" pitchFamily="49" charset="-128"/>
-                <a:cs typeface="Times New Roman" panose="02020603050405020304" pitchFamily="18" charset="0"/>
-              </a:rPr>
-              <a:t>Ta gõ git init để import git cho project  ( tùy dự án có thể nếu làm một framework nào đó thì git có thể được tạo khi tạo new project của framework)</a:t>
-            </a:r>
-            <a:endParaRPr lang="en-US" cap="none">
-              <a:effectLst/>
-              <a:latin typeface="Calibri" panose="020F0502020204030204" pitchFamily="34" charset="0"/>
-              <a:ea typeface="MS Mincho" panose="02020609040205080304" pitchFamily="49" charset="-128"/>
-              <a:cs typeface="Times New Roman" panose="02020603050405020304" pitchFamily="18" charset="0"/>
-            </a:endParaRPr>
-          </a:p>
-          <a:p>
-            <a:pPr marL="457200" lvl="1" indent="0">
-              <a:buNone/>
-            </a:pPr>
-            <a:endParaRPr lang="en-US" sz="2400" cap="none">
+            <a:endParaRPr lang="en-US" sz="2000" cap="none">
               <a:latin typeface="Times New Roman" panose="02020603050405020304" pitchFamily="18" charset="0"/>
               <a:cs typeface="Times New Roman" panose="02020603050405020304" pitchFamily="18" charset="0"/>
             </a:endParaRPr>
@@ -7661,16 +8799,14 @@
       </p:sp>
       <p:pic>
         <p:nvPicPr>
-          <p:cNvPr id="5" name="Hình ảnh 4">
+          <p:cNvPr id="6" name="Picture 2">
             <a:extLst>
               <a:ext uri="{FF2B5EF4-FFF2-40B4-BE49-F238E27FC236}">
-                <a16:creationId xmlns:a16="http://schemas.microsoft.com/office/drawing/2014/main" id="{4B9A22A3-BE9D-4B71-9A0D-06E7038A48A2}"/>
+                <a16:creationId xmlns:a16="http://schemas.microsoft.com/office/drawing/2014/main" id="{0FDD62D0-AC35-4472-A26A-2E7E8F6B5F42}"/>
               </a:ext>
             </a:extLst>
           </p:cNvPr>
-          <p:cNvPicPr>
-            <a:picLocks noChangeAspect="1"/>
-          </p:cNvPicPr>
+          <p:cNvPicPr/>
           <p:nvPr/>
         </p:nvPicPr>
         <p:blipFill>
@@ -7681,8 +8817,8 @@
         </p:blipFill>
         <p:spPr>
           <a:xfrm>
-            <a:off x="3037854" y="4407797"/>
-            <a:ext cx="7710911" cy="2437445"/>
+            <a:off x="4939747" y="2009285"/>
+            <a:ext cx="7013713" cy="4378264"/>
           </a:xfrm>
           <a:prstGeom prst="rect">
             <a:avLst/>
@@ -7692,7 +8828,7 @@
     </p:spTree>
     <p:extLst>
       <p:ext uri="{BB962C8B-B14F-4D97-AF65-F5344CB8AC3E}">
-        <p14:creationId xmlns:p14="http://schemas.microsoft.com/office/powerpoint/2010/main" val="30457502"/>
+        <p14:creationId xmlns:p14="http://schemas.microsoft.com/office/powerpoint/2010/main" val="750086539"/>
       </p:ext>
     </p:extLst>
   </p:cSld>
@@ -7796,8 +8932,8 @@
         </p:nvSpPr>
         <p:spPr>
           <a:xfrm>
-            <a:off x="384314" y="2097475"/>
-            <a:ext cx="10364451" cy="2805116"/>
+            <a:off x="-304798" y="2614311"/>
+            <a:ext cx="5791198" cy="3428680"/>
           </a:xfrm>
         </p:spPr>
         <p:txBody>
@@ -7806,25 +8942,58 @@
           </a:bodyPr>
           <a:lstStyle/>
           <a:p>
-            <a:pPr marL="457200" marR="0" lvl="1" indent="0">
+            <a:pPr marL="457200" lvl="1" indent="0">
+              <a:buNone/>
+            </a:pPr>
+            <a:r>
+              <a:rPr lang="en-US" sz="2000" cap="none">
+                <a:latin typeface="Times New Roman" panose="02020603050405020304" pitchFamily="18" charset="0"/>
+                <a:cs typeface="Times New Roman" panose="02020603050405020304" pitchFamily="18" charset="0"/>
+              </a:rPr>
+              <a:t>II.</a:t>
+            </a:r>
+            <a:r>
+              <a:rPr lang="en-US" sz="2000" cap="none">
+                <a:latin typeface="Times New Roman" panose="02020603050405020304" pitchFamily="18" charset="0"/>
+                <a:ea typeface="MS Mincho" panose="02020609040205080304" pitchFamily="49" charset="-128"/>
+              </a:rPr>
+              <a:t>  Sau đó nhấn New repository sẽ xuất hiện trang để ta điền thông tin và tạo</a:t>
+            </a:r>
+            <a:endParaRPr lang="en-US" sz="2000" cap="none"/>
+          </a:p>
+          <a:p>
+            <a:pPr lvl="2">
               <a:lnSpc>
                 <a:spcPct val="115000"/>
               </a:lnSpc>
               <a:spcBef>
                 <a:spcPts val="0"/>
               </a:spcBef>
-              <a:spcAft>
-                <a:spcPts val="0"/>
-              </a:spcAft>
-              <a:buNone/>
+              <a:buFont typeface="+mj-lt"/>
+              <a:buAutoNum type="romanLcPeriod"/>
             </a:pPr>
+            <a:r>
+              <a:rPr lang="en-US" sz="2000" cap="none">
+                <a:latin typeface="Times New Roman" panose="02020603050405020304" pitchFamily="18" charset="0"/>
+                <a:cs typeface="Times New Roman" panose="02020603050405020304" pitchFamily="18" charset="0"/>
+              </a:rPr>
+              <a:t> </a:t>
+            </a:r>
+            <a:r>
+              <a:rPr lang="en-US" sz="2000" cap="none">
+                <a:latin typeface="Times New Roman" panose="02020603050405020304" pitchFamily="18" charset="0"/>
+                <a:ea typeface="MS Mincho" panose="02020609040205080304" pitchFamily="49" charset="-128"/>
+                <a:cs typeface="Times New Roman" panose="02020603050405020304" pitchFamily="18" charset="0"/>
+              </a:rPr>
+              <a:t>Repository Name </a:t>
+            </a:r>
             <a:r>
               <a:rPr lang="en-US" sz="2000">
                 <a:latin typeface="Times New Roman" panose="02020603050405020304" pitchFamily="18" charset="0"/>
                 <a:ea typeface="MS Mincho" panose="02020609040205080304" pitchFamily="49" charset="-128"/>
                 <a:cs typeface="Times New Roman" panose="02020603050405020304" pitchFamily="18" charset="0"/>
               </a:rPr>
-              <a:t>VIII. </a:t>
+              <a:t>: </a:t>
             </a:r>
             <a:r>
               <a:rPr lang="en-US" sz="2000" cap="none">
@@ -7832,34 +9001,40 @@
                 <a:ea typeface="MS Mincho" panose="02020609040205080304" pitchFamily="49" charset="-128"/>
                 <a:cs typeface="Times New Roman" panose="02020603050405020304" pitchFamily="18" charset="0"/>
               </a:rPr>
-              <a:t>Khi đó ta có thể làm việc trên project đó </a:t>
+              <a:t>ghi tên dự án ta muốn lưu </a:t>
             </a:r>
             <a:endParaRPr lang="en-US" sz="2000">
-              <a:latin typeface="Times New Roman" panose="02020603050405020304" pitchFamily="18" charset="0"/>
+              <a:latin typeface="Calibri" panose="020F0502020204030204" pitchFamily="34" charset="0"/>
               <a:ea typeface="MS Mincho" panose="02020609040205080304" pitchFamily="49" charset="-128"/>
               <a:cs typeface="Times New Roman" panose="02020603050405020304" pitchFamily="18" charset="0"/>
             </a:endParaRPr>
           </a:p>
           <a:p>
-            <a:pPr marL="457200" marR="0" lvl="1" indent="0">
+            <a:pPr lvl="2">
               <a:lnSpc>
                 <a:spcPct val="115000"/>
               </a:lnSpc>
               <a:spcBef>
                 <a:spcPts val="0"/>
               </a:spcBef>
-              <a:spcAft>
-                <a:spcPts val="0"/>
-              </a:spcAft>
-              <a:buNone/>
+              <a:buFont typeface="+mj-lt"/>
+              <a:buAutoNum type="romanLcPeriod"/>
             </a:pPr>
+            <a:r>
+              <a:rPr lang="en-US" sz="2000" cap="none">
+                <a:latin typeface="Times New Roman" panose="02020603050405020304" pitchFamily="18" charset="0"/>
+                <a:ea typeface="MS Mincho" panose="02020609040205080304" pitchFamily="49" charset="-128"/>
+                <a:cs typeface="Times New Roman" panose="02020603050405020304" pitchFamily="18" charset="0"/>
+              </a:rPr>
+              <a:t>Description</a:t>
+            </a:r>
             <a:r>
               <a:rPr lang="en-US" sz="2000">
                 <a:latin typeface="Times New Roman" panose="02020603050405020304" pitchFamily="18" charset="0"/>
                 <a:ea typeface="MS Mincho" panose="02020609040205080304" pitchFamily="49" charset="-128"/>
                 <a:cs typeface="Times New Roman" panose="02020603050405020304" pitchFamily="18" charset="0"/>
               </a:rPr>
-              <a:t>IX.    </a:t>
+              <a:t> : </a:t>
             </a:r>
             <a:r>
               <a:rPr lang="en-US" sz="2000" cap="none">
@@ -7867,11 +9042,41 @@
                 <a:ea typeface="MS Mincho" panose="02020609040205080304" pitchFamily="49" charset="-128"/>
                 <a:cs typeface="Times New Roman" panose="02020603050405020304" pitchFamily="18" charset="0"/>
               </a:rPr>
-              <a:t>Nhấn git status để kiểm tra tình trang của project</a:t>
-            </a:r>
-          </a:p>
-          <a:p>
-            <a:pPr marL="1371600" lvl="2" indent="-457200">
+              <a:t>ghi miêu tả ( có thể có hoặc không)</a:t>
+            </a:r>
+            <a:endParaRPr lang="en-US" sz="2000">
+              <a:latin typeface="Calibri" panose="020F0502020204030204" pitchFamily="34" charset="0"/>
+              <a:ea typeface="MS Mincho" panose="02020609040205080304" pitchFamily="49" charset="-128"/>
+              <a:cs typeface="Times New Roman" panose="02020603050405020304" pitchFamily="18" charset="0"/>
+            </a:endParaRPr>
+          </a:p>
+          <a:p>
+            <a:pPr lvl="2">
+              <a:lnSpc>
+                <a:spcPct val="115000"/>
+              </a:lnSpc>
+              <a:spcBef>
+                <a:spcPts val="0"/>
+              </a:spcBef>
+              <a:buFont typeface="+mj-lt"/>
+              <a:buAutoNum type="romanLcPeriod"/>
+            </a:pPr>
+            <a:r>
+              <a:rPr lang="en-US" sz="2000" cap="none">
+                <a:latin typeface="Times New Roman" panose="02020603050405020304" pitchFamily="18" charset="0"/>
+                <a:ea typeface="MS Mincho" panose="02020609040205080304" pitchFamily="49" charset="-128"/>
+                <a:cs typeface="Times New Roman" panose="02020603050405020304" pitchFamily="18" charset="0"/>
+              </a:rPr>
+              <a:t> Ta chọn “public” hoặc “private” cho dự án </a:t>
+            </a:r>
+            <a:endParaRPr lang="en-US" sz="2000" cap="none">
+              <a:latin typeface="Calibri" panose="020F0502020204030204" pitchFamily="34" charset="0"/>
+              <a:ea typeface="MS Mincho" panose="02020609040205080304" pitchFamily="49" charset="-128"/>
+              <a:cs typeface="Times New Roman" panose="02020603050405020304" pitchFamily="18" charset="0"/>
+            </a:endParaRPr>
+          </a:p>
+          <a:p>
+            <a:pPr lvl="2">
               <a:lnSpc>
                 <a:spcPct val="115000"/>
               </a:lnSpc>
@@ -7882,7 +9087,7 @@
                 <a:spcPts val="1000"/>
               </a:spcAft>
               <a:buFont typeface="+mj-lt"/>
-              <a:buAutoNum type="arabicPeriod"/>
+              <a:buAutoNum type="romanLcPeriod"/>
             </a:pPr>
             <a:r>
               <a:rPr lang="en-US" sz="2000" cap="none">
@@ -7890,23 +9095,32 @@
                 <a:ea typeface="MS Mincho" panose="02020609040205080304" pitchFamily="49" charset="-128"/>
                 <a:cs typeface="Times New Roman" panose="02020603050405020304" pitchFamily="18" charset="0"/>
               </a:rPr>
-              <a:t>File ta vừa tạo do chưa cho git theo dõi nên đang hiện màu đỏ</a:t>
-            </a:r>
-            <a:endParaRPr lang="en-US" sz="2000">
+              <a:t> Có thể click chọn tạo readme hoặc không.</a:t>
+            </a:r>
+            <a:endParaRPr lang="en-US" sz="2000" cap="none">
               <a:effectLst/>
-              <a:latin typeface="Times New Roman" panose="02020603050405020304" pitchFamily="18" charset="0"/>
+              <a:latin typeface="Calibri" panose="020F0502020204030204" pitchFamily="34" charset="0"/>
               <a:ea typeface="MS Mincho" panose="02020609040205080304" pitchFamily="49" charset="-128"/>
               <a:cs typeface="Times New Roman" panose="02020603050405020304" pitchFamily="18" charset="0"/>
             </a:endParaRPr>
           </a:p>
+          <a:p>
+            <a:pPr marL="457200" lvl="1" indent="0">
+              <a:buNone/>
+            </a:pPr>
+            <a:endParaRPr lang="en-US" sz="2000" cap="none">
+              <a:latin typeface="Times New Roman" panose="02020603050405020304" pitchFamily="18" charset="0"/>
+              <a:cs typeface="Times New Roman" panose="02020603050405020304" pitchFamily="18" charset="0"/>
+            </a:endParaRPr>
+          </a:p>
         </p:txBody>
       </p:sp>
       <p:pic>
         <p:nvPicPr>
-          <p:cNvPr id="7" name="Picture 5">
+          <p:cNvPr id="11" name="Picture 1">
             <a:extLst>
               <a:ext uri="{FF2B5EF4-FFF2-40B4-BE49-F238E27FC236}">
-                <a16:creationId xmlns:a16="http://schemas.microsoft.com/office/drawing/2014/main" id="{4862A99E-00A9-4FB4-A2AE-AF94D3DDFE17}"/>
+                <a16:creationId xmlns:a16="http://schemas.microsoft.com/office/drawing/2014/main" id="{6F15B74D-8962-466A-9AB6-E2EDB5852B55}"/>
               </a:ext>
             </a:extLst>
           </p:cNvPr>
@@ -7921,8 +9135,8 @@
         </p:blipFill>
         <p:spPr>
           <a:xfrm>
-            <a:off x="1566655" y="3429000"/>
-            <a:ext cx="8902561" cy="3157330"/>
+            <a:off x="5486401" y="2096214"/>
+            <a:ext cx="6705600" cy="4450360"/>
           </a:xfrm>
           <a:prstGeom prst="rect">
             <a:avLst/>
@@ -7932,7 +9146,7 @@
     </p:spTree>
     <p:extLst>
       <p:ext uri="{BB962C8B-B14F-4D97-AF65-F5344CB8AC3E}">
-        <p14:creationId xmlns:p14="http://schemas.microsoft.com/office/powerpoint/2010/main" val="1894655584"/>
+        <p14:creationId xmlns:p14="http://schemas.microsoft.com/office/powerpoint/2010/main" val="205485399"/>
       </p:ext>
     </p:extLst>
   </p:cSld>
@@ -8036,8 +9250,8 @@
         </p:nvSpPr>
         <p:spPr>
           <a:xfrm>
-            <a:off x="212035" y="2640814"/>
-            <a:ext cx="4890050" cy="3335916"/>
+            <a:off x="-304798" y="2614310"/>
+            <a:ext cx="5791198" cy="3455185"/>
           </a:xfrm>
         </p:spPr>
         <p:txBody>
@@ -8046,103 +9260,127 @@
           </a:bodyPr>
           <a:lstStyle/>
           <a:p>
-            <a:pPr marL="457200" marR="0" lvl="1" indent="0">
-              <a:lnSpc>
-                <a:spcPct val="115000"/>
-              </a:lnSpc>
-              <a:spcBef>
-                <a:spcPts val="0"/>
-              </a:spcBef>
-              <a:spcAft>
-                <a:spcPts val="0"/>
-              </a:spcAft>
+            <a:pPr marL="457200" lvl="1" indent="0">
               <a:buNone/>
             </a:pPr>
             <a:r>
-              <a:rPr lang="en-US" sz="2000" cap="none">
+              <a:rPr lang="en-US" sz="2400" cap="none">
+                <a:latin typeface="Times New Roman" panose="02020603050405020304" pitchFamily="18" charset="0"/>
+                <a:cs typeface="Times New Roman" panose="02020603050405020304" pitchFamily="18" charset="0"/>
+              </a:rPr>
+              <a:t>III. </a:t>
+            </a:r>
+            <a:r>
+              <a:rPr lang="en-US" sz="2400" cap="none">
                 <a:latin typeface="Times New Roman" panose="02020603050405020304" pitchFamily="18" charset="0"/>
                 <a:ea typeface="MS Mincho" panose="02020609040205080304" pitchFamily="49" charset="-128"/>
                 <a:cs typeface="Times New Roman" panose="02020603050405020304" pitchFamily="18" charset="0"/>
               </a:rPr>
-              <a:t>X.   Để thực hiện cho git theo dõi ta gõ:</a:t>
-            </a:r>
-          </a:p>
-          <a:p>
-            <a:pPr lvl="2">
-              <a:lnSpc>
-                <a:spcPct val="115000"/>
-              </a:lnSpc>
-              <a:spcBef>
-                <a:spcPts val="0"/>
-              </a:spcBef>
-              <a:buFont typeface="+mj-lt"/>
-              <a:buAutoNum type="romanLcPeriod"/>
+              <a:t>Sau khi điền đầy đủ thông tin ta nhấn create repository</a:t>
+            </a:r>
+            <a:endParaRPr lang="en-US" sz="2400" cap="none">
+              <a:effectLst/>
+              <a:latin typeface="Calibri" panose="020F0502020204030204" pitchFamily="34" charset="0"/>
+              <a:ea typeface="MS Mincho" panose="02020609040205080304" pitchFamily="49" charset="-128"/>
+              <a:cs typeface="Times New Roman" panose="02020603050405020304" pitchFamily="18" charset="0"/>
+            </a:endParaRPr>
+          </a:p>
+          <a:p>
+            <a:pPr marL="457200" lvl="1" indent="0">
+              <a:buNone/>
             </a:pPr>
             <a:r>
-              <a:rPr lang="en-US" sz="2000" cap="none">
+              <a:rPr lang="en-US" sz="2400" cap="none">
+                <a:latin typeface="Times New Roman" panose="02020603050405020304" pitchFamily="18" charset="0"/>
+                <a:cs typeface="Times New Roman" panose="02020603050405020304" pitchFamily="18" charset="0"/>
+              </a:rPr>
+              <a:t>IV.</a:t>
+            </a:r>
+            <a:r>
+              <a:rPr lang="en-US" sz="2400">
                 <a:latin typeface="Times New Roman" panose="02020603050405020304" pitchFamily="18" charset="0"/>
                 <a:ea typeface="MS Mincho" panose="02020609040205080304" pitchFamily="49" charset="-128"/>
                 <a:cs typeface="Times New Roman" panose="02020603050405020304" pitchFamily="18" charset="0"/>
               </a:rPr>
-              <a:t> Git add tên_file : để add 1 file</a:t>
-            </a:r>
-          </a:p>
-          <a:p>
-            <a:pPr lvl="2">
-              <a:lnSpc>
-                <a:spcPct val="115000"/>
-              </a:lnSpc>
-              <a:spcBef>
-                <a:spcPts val="0"/>
-              </a:spcBef>
-              <a:buFont typeface="+mj-lt"/>
-              <a:buAutoNum type="romanLcPeriod"/>
-            </a:pPr>
-            <a:r>
-              <a:rPr lang="en-US" sz="2000" cap="none">
+              <a:t> </a:t>
+            </a:r>
+            <a:r>
+              <a:rPr lang="en-US" sz="2400" cap="none">
                 <a:latin typeface="Times New Roman" panose="02020603050405020304" pitchFamily="18" charset="0"/>
                 <a:ea typeface="MS Mincho" panose="02020609040205080304" pitchFamily="49" charset="-128"/>
                 <a:cs typeface="Times New Roman" panose="02020603050405020304" pitchFamily="18" charset="0"/>
               </a:rPr>
-              <a:t>Git add . : để add tất cả file</a:t>
-            </a:r>
-          </a:p>
-          <a:p>
-            <a:pPr marL="457200" marR="0" lvl="1" indent="0">
-              <a:lnSpc>
-                <a:spcPct val="115000"/>
-              </a:lnSpc>
-              <a:spcBef>
-                <a:spcPts val="0"/>
-              </a:spcBef>
-              <a:spcAft>
-                <a:spcPts val="1000"/>
-              </a:spcAft>
+              <a:t>Sau khi tạo sẽ có giao diện như sau ( không chọ tạo readmine)</a:t>
+            </a:r>
+          </a:p>
+          <a:p>
+            <a:pPr marL="457200" lvl="1" indent="0">
               <a:buNone/>
             </a:pPr>
             <a:r>
-              <a:rPr lang="en-US" sz="2000" cap="none">
+              <a:rPr lang="en-US" sz="2400" cap="none">
                 <a:latin typeface="Times New Roman" panose="02020603050405020304" pitchFamily="18" charset="0"/>
                 <a:ea typeface="MS Mincho" panose="02020609040205080304" pitchFamily="49" charset="-128"/>
                 <a:cs typeface="Times New Roman" panose="02020603050405020304" pitchFamily="18" charset="0"/>
               </a:rPr>
-              <a:t>XI.   Sau khi add ta kiểm tra lại với git status sẽ thấy chuyển sang màu xanh</a:t>
-            </a:r>
-            <a:endParaRPr lang="en-US" sz="2000" cap="none">
+              <a:t>	1. </a:t>
+            </a:r>
+            <a:r>
+              <a:rPr lang="en-US" sz="2400">
+                <a:latin typeface="Times New Roman" panose="02020603050405020304" pitchFamily="18" charset="0"/>
+                <a:ea typeface="MS Mincho" panose="02020609040205080304" pitchFamily="49" charset="-128"/>
+                <a:cs typeface="Times New Roman" panose="02020603050405020304" pitchFamily="18" charset="0"/>
+              </a:rPr>
+              <a:t>HTTPS </a:t>
+            </a:r>
+            <a:r>
+              <a:rPr lang="en-US" sz="2400" cap="none">
+                <a:latin typeface="Times New Roman" panose="02020603050405020304" pitchFamily="18" charset="0"/>
+                <a:ea typeface="MS Mincho" panose="02020609040205080304" pitchFamily="49" charset="-128"/>
+                <a:cs typeface="Times New Roman" panose="02020603050405020304" pitchFamily="18" charset="0"/>
+              </a:rPr>
+              <a:t>và</a:t>
+            </a:r>
+            <a:r>
+              <a:rPr lang="en-US" sz="2400">
+                <a:latin typeface="Times New Roman" panose="02020603050405020304" pitchFamily="18" charset="0"/>
+                <a:ea typeface="MS Mincho" panose="02020609040205080304" pitchFamily="49" charset="-128"/>
+                <a:cs typeface="Times New Roman" panose="02020603050405020304" pitchFamily="18" charset="0"/>
+              </a:rPr>
+              <a:t> SSH </a:t>
+            </a:r>
+            <a:r>
+              <a:rPr lang="en-US" sz="2400" cap="none">
+                <a:latin typeface="Times New Roman" panose="02020603050405020304" pitchFamily="18" charset="0"/>
+                <a:ea typeface="MS Mincho" panose="02020609040205080304" pitchFamily="49" charset="-128"/>
+                <a:cs typeface="Times New Roman" panose="02020603050405020304" pitchFamily="18" charset="0"/>
+              </a:rPr>
+              <a:t>là kiểu đường dẫn để ta có thể chọn tùy ý ( dùng tạo remote)</a:t>
+            </a:r>
+            <a:endParaRPr lang="en-US" sz="2400">
               <a:effectLst/>
-              <a:latin typeface="Times New Roman" panose="02020603050405020304" pitchFamily="18" charset="0"/>
+              <a:latin typeface="Calibri" panose="020F0502020204030204" pitchFamily="34" charset="0"/>
               <a:ea typeface="MS Mincho" panose="02020609040205080304" pitchFamily="49" charset="-128"/>
               <a:cs typeface="Times New Roman" panose="02020603050405020304" pitchFamily="18" charset="0"/>
             </a:endParaRPr>
           </a:p>
+          <a:p>
+            <a:pPr marL="457200" lvl="1" indent="0">
+              <a:buNone/>
+            </a:pPr>
+            <a:endParaRPr lang="en-US" sz="2400" cap="none">
+              <a:latin typeface="Times New Roman" panose="02020603050405020304" pitchFamily="18" charset="0"/>
+              <a:cs typeface="Times New Roman" panose="02020603050405020304" pitchFamily="18" charset="0"/>
+            </a:endParaRPr>
+          </a:p>
         </p:txBody>
       </p:sp>
       <p:pic>
         <p:nvPicPr>
-          <p:cNvPr id="6" name="Picture 6">
+          <p:cNvPr id="12" name="Picture 3">
             <a:extLst>
               <a:ext uri="{FF2B5EF4-FFF2-40B4-BE49-F238E27FC236}">
-                <a16:creationId xmlns:a16="http://schemas.microsoft.com/office/drawing/2014/main" id="{684EAE43-9F76-49D6-9828-A7CFC317C365}"/>
+                <a16:creationId xmlns:a16="http://schemas.microsoft.com/office/drawing/2014/main" id="{ED246121-3B2E-49F2-813A-752F1550DE64}"/>
               </a:ext>
             </a:extLst>
           </p:cNvPr>
@@ -8157,8 +9395,8 @@
         </p:blipFill>
         <p:spPr>
           <a:xfrm>
-            <a:off x="5102085" y="2052946"/>
-            <a:ext cx="6841434" cy="4511651"/>
+            <a:off x="5486400" y="2244103"/>
+            <a:ext cx="6705600" cy="4328975"/>
           </a:xfrm>
           <a:prstGeom prst="rect">
             <a:avLst/>
@@ -8168,7 +9406,7 @@
     </p:spTree>
     <p:extLst>
       <p:ext uri="{BB962C8B-B14F-4D97-AF65-F5344CB8AC3E}">
-        <p14:creationId xmlns:p14="http://schemas.microsoft.com/office/powerpoint/2010/main" val="1366827148"/>
+        <p14:creationId xmlns:p14="http://schemas.microsoft.com/office/powerpoint/2010/main" val="1877184628"/>
       </p:ext>
     </p:extLst>
   </p:cSld>
@@ -8272,8 +9510,8 @@
         </p:nvSpPr>
         <p:spPr>
           <a:xfrm>
-            <a:off x="575022" y="2122577"/>
-            <a:ext cx="11153152" cy="4622779"/>
+            <a:off x="384314" y="2097475"/>
+            <a:ext cx="10364451" cy="2805116"/>
           </a:xfrm>
         </p:spPr>
         <p:txBody>
@@ -8282,7 +9520,7 @@
           </a:bodyPr>
           <a:lstStyle/>
           <a:p>
-            <a:pPr marL="457200" marR="0" lvl="1" indent="0">
+            <a:pPr marL="971550" marR="0" lvl="1" indent="-514350">
               <a:lnSpc>
                 <a:spcPct val="115000"/>
               </a:lnSpc>
@@ -8292,64 +9530,24 @@
               <a:spcAft>
                 <a:spcPts val="0"/>
               </a:spcAft>
-              <a:buNone/>
+              <a:buAutoNum type="romanUcPeriod" startAt="5"/>
             </a:pPr>
             <a:r>
-              <a:rPr lang="en-US" sz="2000">
+              <a:rPr lang="en-US" sz="2400" cap="none">
                 <a:latin typeface="Times New Roman" panose="02020603050405020304" pitchFamily="18" charset="0"/>
                 <a:ea typeface="MS Mincho" panose="02020609040205080304" pitchFamily="49" charset="-128"/>
                 <a:cs typeface="Times New Roman" panose="02020603050405020304" pitchFamily="18" charset="0"/>
               </a:rPr>
-              <a:t>XII.  </a:t>
-            </a:r>
-            <a:r>
-              <a:rPr lang="en-US" sz="2000" cap="none">
-                <a:latin typeface="Times New Roman" panose="02020603050405020304" pitchFamily="18" charset="0"/>
-                <a:ea typeface="MS Mincho" panose="02020609040205080304" pitchFamily="49" charset="-128"/>
-                <a:cs typeface="Times New Roman" panose="02020603050405020304" pitchFamily="18" charset="0"/>
-              </a:rPr>
-              <a:t>Để xác nhận với git là quá trình làm việc của các file đó kết thúc ta </a:t>
-            </a:r>
-          </a:p>
-          <a:p>
-            <a:pPr marL="1371600" lvl="2" indent="-457200">
-              <a:lnSpc>
-                <a:spcPct val="115000"/>
-              </a:lnSpc>
-              <a:spcBef>
-                <a:spcPts val="0"/>
-              </a:spcBef>
-              <a:spcAft>
-                <a:spcPts val="1000"/>
-              </a:spcAft>
-              <a:buFont typeface="+mj-lt"/>
-              <a:buAutoNum type="arabicPeriod"/>
-            </a:pPr>
-            <a:r>
-              <a:rPr lang="en-US" sz="2000" cap="none">
-                <a:latin typeface="Times New Roman" panose="02020603050405020304" pitchFamily="18" charset="0"/>
-                <a:ea typeface="MS Mincho" panose="02020609040205080304" pitchFamily="49" charset="-128"/>
-                <a:cs typeface="Times New Roman" panose="02020603050405020304" pitchFamily="18" charset="0"/>
-              </a:rPr>
-              <a:t>Git commit –m “nội dung tùy chọn</a:t>
-            </a:r>
-            <a:r>
-              <a:rPr lang="en-US" sz="2000">
-                <a:latin typeface="Times New Roman" panose="02020603050405020304" pitchFamily="18" charset="0"/>
-                <a:ea typeface="MS Mincho" panose="02020609040205080304" pitchFamily="49" charset="-128"/>
-                <a:cs typeface="Times New Roman" panose="02020603050405020304" pitchFamily="18" charset="0"/>
-              </a:rPr>
-              <a:t>”</a:t>
-            </a:r>
-            <a:endParaRPr lang="en-US" sz="2000">
-              <a:effectLst/>
-              <a:latin typeface="Times New Roman" panose="02020603050405020304" pitchFamily="18" charset="0"/>
+              <a:t>Từ local ta tạo folder chưa project của ta</a:t>
+            </a:r>
+            <a:endParaRPr lang="en-US" cap="none">
+              <a:latin typeface="Calibri" panose="020F0502020204030204" pitchFamily="34" charset="0"/>
               <a:ea typeface="MS Mincho" panose="02020609040205080304" pitchFamily="49" charset="-128"/>
               <a:cs typeface="Times New Roman" panose="02020603050405020304" pitchFamily="18" charset="0"/>
             </a:endParaRPr>
           </a:p>
           <a:p>
-            <a:pPr marL="457200" marR="0" lvl="1" indent="0">
+            <a:pPr marL="971550" marR="0" lvl="1" indent="-514350">
               <a:lnSpc>
                 <a:spcPct val="115000"/>
               </a:lnSpc>
@@ -8359,17 +9557,24 @@
               <a:spcAft>
                 <a:spcPts val="0"/>
               </a:spcAft>
-              <a:buNone/>
+              <a:buAutoNum type="romanUcPeriod" startAt="5"/>
             </a:pPr>
-            <a:endParaRPr lang="en-US" sz="2000" cap="none">
-              <a:effectLst/>
-              <a:latin typeface="Times New Roman" panose="02020603050405020304" pitchFamily="18" charset="0"/>
+            <a:r>
+              <a:rPr lang="en-US" sz="2400" cap="none">
+                <a:latin typeface="Times New Roman" panose="02020603050405020304" pitchFamily="18" charset="0"/>
+                <a:ea typeface="MS Mincho" panose="02020609040205080304" pitchFamily="49" charset="-128"/>
+                <a:cs typeface="Times New Roman" panose="02020603050405020304" pitchFamily="18" charset="0"/>
+              </a:rPr>
+              <a:t>Mở command prompt hoặc có thể cài thêm git bash hear để mở và đi tới folder chưa project đó</a:t>
+            </a:r>
+            <a:endParaRPr lang="en-US" cap="none">
+              <a:latin typeface="Calibri" panose="020F0502020204030204" pitchFamily="34" charset="0"/>
               <a:ea typeface="MS Mincho" panose="02020609040205080304" pitchFamily="49" charset="-128"/>
               <a:cs typeface="Times New Roman" panose="02020603050405020304" pitchFamily="18" charset="0"/>
             </a:endParaRPr>
           </a:p>
           <a:p>
-            <a:pPr marL="457200" marR="0" lvl="1" indent="0">
+            <a:pPr marL="971550" marR="0" lvl="1" indent="-514350">
               <a:lnSpc>
                 <a:spcPct val="115000"/>
               </a:lnSpc>
@@ -8379,219 +9584,46 @@
               <a:spcAft>
                 <a:spcPts val="0"/>
               </a:spcAft>
-              <a:buNone/>
+              <a:buAutoNum type="romanUcPeriod" startAt="5"/>
             </a:pPr>
-            <a:endParaRPr lang="en-US" sz="2000" cap="none">
+            <a:r>
+              <a:rPr lang="en-US" sz="2400" cap="none">
+                <a:latin typeface="Times New Roman" panose="02020603050405020304" pitchFamily="18" charset="0"/>
+                <a:ea typeface="MS Mincho" panose="02020609040205080304" pitchFamily="49" charset="-128"/>
+                <a:cs typeface="Times New Roman" panose="02020603050405020304" pitchFamily="18" charset="0"/>
+              </a:rPr>
+              <a:t>Ta gõ git init để import git cho project  ( tùy dự án có thể nếu làm một framework nào đó thì git có thể được tạo khi tạo new project của framework)</a:t>
+            </a:r>
+            <a:endParaRPr lang="en-US" cap="none">
               <a:effectLst/>
-              <a:latin typeface="Times New Roman" panose="02020603050405020304" pitchFamily="18" charset="0"/>
+              <a:latin typeface="Calibri" panose="020F0502020204030204" pitchFamily="34" charset="0"/>
               <a:ea typeface="MS Mincho" panose="02020609040205080304" pitchFamily="49" charset="-128"/>
               <a:cs typeface="Times New Roman" panose="02020603050405020304" pitchFamily="18" charset="0"/>
             </a:endParaRPr>
           </a:p>
           <a:p>
-            <a:pPr marL="457200" marR="0" lvl="1" indent="0">
-              <a:lnSpc>
-                <a:spcPct val="115000"/>
-              </a:lnSpc>
-              <a:spcBef>
-                <a:spcPts val="0"/>
-              </a:spcBef>
-              <a:spcAft>
-                <a:spcPts val="0"/>
-              </a:spcAft>
+            <a:pPr marL="457200" lvl="1" indent="0">
               <a:buNone/>
             </a:pPr>
-            <a:endParaRPr lang="en-US" sz="2000" cap="none">
-              <a:effectLst/>
+            <a:endParaRPr lang="en-US" sz="2400" cap="none">
               <a:latin typeface="Times New Roman" panose="02020603050405020304" pitchFamily="18" charset="0"/>
-              <a:ea typeface="MS Mincho" panose="02020609040205080304" pitchFamily="49" charset="-128"/>
               <a:cs typeface="Times New Roman" panose="02020603050405020304" pitchFamily="18" charset="0"/>
             </a:endParaRPr>
           </a:p>
-          <a:p>
-            <a:pPr marL="457200" marR="0" lvl="1" indent="0">
-              <a:lnSpc>
-                <a:spcPct val="115000"/>
-              </a:lnSpc>
-              <a:spcBef>
-                <a:spcPts val="0"/>
-              </a:spcBef>
-              <a:spcAft>
-                <a:spcPts val="0"/>
-              </a:spcAft>
-              <a:buNone/>
-            </a:pPr>
-            <a:endParaRPr lang="en-US" sz="2000" cap="none">
-              <a:effectLst/>
-              <a:latin typeface="Times New Roman" panose="02020603050405020304" pitchFamily="18" charset="0"/>
-              <a:ea typeface="MS Mincho" panose="02020609040205080304" pitchFamily="49" charset="-128"/>
-              <a:cs typeface="Times New Roman" panose="02020603050405020304" pitchFamily="18" charset="0"/>
-            </a:endParaRPr>
-          </a:p>
-          <a:p>
-            <a:pPr marL="457200" marR="0" lvl="1" indent="0">
-              <a:lnSpc>
-                <a:spcPct val="115000"/>
-              </a:lnSpc>
-              <a:spcBef>
-                <a:spcPts val="0"/>
-              </a:spcBef>
-              <a:spcAft>
-                <a:spcPts val="0"/>
-              </a:spcAft>
-              <a:buNone/>
-            </a:pPr>
-            <a:endParaRPr lang="en-US" sz="2000" cap="none">
-              <a:effectLst/>
-              <a:latin typeface="Times New Roman" panose="02020603050405020304" pitchFamily="18" charset="0"/>
-              <a:ea typeface="MS Mincho" panose="02020609040205080304" pitchFamily="49" charset="-128"/>
-              <a:cs typeface="Times New Roman" panose="02020603050405020304" pitchFamily="18" charset="0"/>
-            </a:endParaRPr>
-          </a:p>
-          <a:p>
-            <a:pPr marL="457200" marR="0" lvl="1" indent="0">
-              <a:lnSpc>
-                <a:spcPct val="115000"/>
-              </a:lnSpc>
-              <a:spcBef>
-                <a:spcPts val="0"/>
-              </a:spcBef>
-              <a:spcAft>
-                <a:spcPts val="0"/>
-              </a:spcAft>
-              <a:buNone/>
-            </a:pPr>
-            <a:endParaRPr lang="en-US" sz="2000" cap="none">
-              <a:effectLst/>
-              <a:latin typeface="Times New Roman" panose="02020603050405020304" pitchFamily="18" charset="0"/>
-              <a:ea typeface="MS Mincho" panose="02020609040205080304" pitchFamily="49" charset="-128"/>
-              <a:cs typeface="Times New Roman" panose="02020603050405020304" pitchFamily="18" charset="0"/>
-            </a:endParaRPr>
-          </a:p>
-          <a:p>
-            <a:pPr marL="457200" marR="0" lvl="1" indent="0">
-              <a:lnSpc>
-                <a:spcPct val="115000"/>
-              </a:lnSpc>
-              <a:spcBef>
-                <a:spcPts val="0"/>
-              </a:spcBef>
-              <a:spcAft>
-                <a:spcPts val="0"/>
-              </a:spcAft>
-              <a:buNone/>
-            </a:pPr>
-            <a:endParaRPr lang="en-US" sz="2000" cap="none">
-              <a:effectLst/>
-              <a:latin typeface="Times New Roman" panose="02020603050405020304" pitchFamily="18" charset="0"/>
-              <a:ea typeface="MS Mincho" panose="02020609040205080304" pitchFamily="49" charset="-128"/>
-              <a:cs typeface="Times New Roman" panose="02020603050405020304" pitchFamily="18" charset="0"/>
-            </a:endParaRPr>
-          </a:p>
-          <a:p>
-            <a:pPr marL="457200" marR="0" lvl="1" indent="0">
-              <a:lnSpc>
-                <a:spcPct val="115000"/>
-              </a:lnSpc>
-              <a:spcBef>
-                <a:spcPts val="0"/>
-              </a:spcBef>
-              <a:spcAft>
-                <a:spcPts val="0"/>
-              </a:spcAft>
-              <a:buNone/>
-            </a:pPr>
-            <a:r>
-              <a:rPr lang="en-US" sz="2000" cap="none">
-                <a:effectLst/>
-                <a:latin typeface="Times New Roman" panose="02020603050405020304" pitchFamily="18" charset="0"/>
-                <a:ea typeface="MS Mincho" panose="02020609040205080304" pitchFamily="49" charset="-128"/>
-                <a:cs typeface="Times New Roman" panose="02020603050405020304" pitchFamily="18" charset="0"/>
-              </a:rPr>
-              <a:t>XIII.  </a:t>
-            </a:r>
-            <a:r>
-              <a:rPr lang="en-US" sz="2000" cap="none">
-                <a:latin typeface="Times New Roman" panose="02020603050405020304" pitchFamily="18" charset="0"/>
-                <a:ea typeface="MS Mincho" panose="02020609040205080304" pitchFamily="49" charset="-128"/>
-                <a:cs typeface="Times New Roman" panose="02020603050405020304" pitchFamily="18" charset="0"/>
-              </a:rPr>
-              <a:t>Khi đã commit thì kiểm tra với git status sẽ không có thông tin gì</a:t>
-            </a:r>
-            <a:endParaRPr lang="en-US" sz="1600">
-              <a:latin typeface="Times New Roman" panose="02020603050405020304" pitchFamily="18" charset="0"/>
-              <a:ea typeface="MS Mincho" panose="02020609040205080304" pitchFamily="49" charset="-128"/>
-              <a:cs typeface="Times New Roman" panose="02020603050405020304" pitchFamily="18" charset="0"/>
-            </a:endParaRPr>
-          </a:p>
-          <a:p>
-            <a:pPr marL="457200" marR="0" lvl="1" indent="0">
-              <a:lnSpc>
-                <a:spcPct val="115000"/>
-              </a:lnSpc>
-              <a:spcBef>
-                <a:spcPts val="0"/>
-              </a:spcBef>
-              <a:spcAft>
-                <a:spcPts val="1000"/>
-              </a:spcAft>
-              <a:buNone/>
-            </a:pPr>
-            <a:r>
-              <a:rPr lang="en-US" sz="2000">
-                <a:latin typeface="Times New Roman" panose="02020603050405020304" pitchFamily="18" charset="0"/>
-                <a:ea typeface="MS Mincho" panose="02020609040205080304" pitchFamily="49" charset="-128"/>
-                <a:cs typeface="Times New Roman" panose="02020603050405020304" pitchFamily="18" charset="0"/>
-              </a:rPr>
-              <a:t>XIV. </a:t>
-            </a:r>
-            <a:r>
-              <a:rPr lang="en-US" sz="2000" cap="none">
-                <a:latin typeface="Times New Roman" panose="02020603050405020304" pitchFamily="18" charset="0"/>
-                <a:ea typeface="MS Mincho" panose="02020609040205080304" pitchFamily="49" charset="-128"/>
-                <a:cs typeface="Times New Roman" panose="02020603050405020304" pitchFamily="18" charset="0"/>
-              </a:rPr>
-              <a:t> Tiếp theo ta đẩy git lên repo ta đã tạo trong github</a:t>
-            </a:r>
-            <a:endParaRPr lang="en-US" sz="1600" cap="none">
-              <a:effectLst/>
-              <a:latin typeface="Times New Roman" panose="02020603050405020304" pitchFamily="18" charset="0"/>
-              <a:ea typeface="MS Mincho" panose="02020609040205080304" pitchFamily="49" charset="-128"/>
-              <a:cs typeface="Times New Roman" panose="02020603050405020304" pitchFamily="18" charset="0"/>
-            </a:endParaRPr>
-          </a:p>
-          <a:p>
-            <a:pPr marL="457200" marR="0" lvl="1" indent="0">
-              <a:lnSpc>
-                <a:spcPct val="115000"/>
-              </a:lnSpc>
-              <a:spcBef>
-                <a:spcPts val="0"/>
-              </a:spcBef>
-              <a:spcAft>
-                <a:spcPts val="0"/>
-              </a:spcAft>
-              <a:buNone/>
-            </a:pPr>
-            <a:endParaRPr lang="en-US" sz="2000" cap="none">
-              <a:effectLst/>
-              <a:latin typeface="Times New Roman" panose="02020603050405020304" pitchFamily="18" charset="0"/>
-              <a:ea typeface="MS Mincho" panose="02020609040205080304" pitchFamily="49" charset="-128"/>
-              <a:cs typeface="Times New Roman" panose="02020603050405020304" pitchFamily="18" charset="0"/>
-            </a:endParaRPr>
-          </a:p>
         </p:txBody>
       </p:sp>
       <p:pic>
         <p:nvPicPr>
-          <p:cNvPr id="7" name="Picture 7">
+          <p:cNvPr id="5" name="Hình ảnh 4">
             <a:extLst>
               <a:ext uri="{FF2B5EF4-FFF2-40B4-BE49-F238E27FC236}">
-                <a16:creationId xmlns:a16="http://schemas.microsoft.com/office/drawing/2014/main" id="{036DC2D7-773A-41EF-BD48-EA9E517CCA8B}"/>
+                <a16:creationId xmlns:a16="http://schemas.microsoft.com/office/drawing/2014/main" id="{4B9A22A3-BE9D-4B71-9A0D-06E7038A48A2}"/>
               </a:ext>
             </a:extLst>
           </p:cNvPr>
-          <p:cNvPicPr/>
+          <p:cNvPicPr>
+            <a:picLocks noChangeAspect="1"/>
+          </p:cNvPicPr>
           <p:nvPr/>
         </p:nvPicPr>
         <p:blipFill>
@@ -8602,8 +9634,8 @@
         </p:blipFill>
         <p:spPr>
           <a:xfrm>
-            <a:off x="2808011" y="3021909"/>
-            <a:ext cx="7263641" cy="2265707"/>
+            <a:off x="3037854" y="4407797"/>
+            <a:ext cx="7710911" cy="2437445"/>
           </a:xfrm>
           <a:prstGeom prst="rect">
             <a:avLst/>
@@ -8613,7 +9645,7 @@
     </p:spTree>
     <p:extLst>
       <p:ext uri="{BB962C8B-B14F-4D97-AF65-F5344CB8AC3E}">
-        <p14:creationId xmlns:p14="http://schemas.microsoft.com/office/powerpoint/2010/main" val="235499316"/>
+        <p14:creationId xmlns:p14="http://schemas.microsoft.com/office/powerpoint/2010/main" val="30457502"/>
       </p:ext>
     </p:extLst>
   </p:cSld>
@@ -8717,8 +9749,8 @@
         </p:nvSpPr>
         <p:spPr>
           <a:xfrm>
-            <a:off x="1060173" y="1922994"/>
-            <a:ext cx="8534401" cy="2629842"/>
+            <a:off x="384314" y="2097475"/>
+            <a:ext cx="10364451" cy="2805116"/>
           </a:xfrm>
         </p:spPr>
         <p:txBody>
@@ -8740,95 +9772,59 @@
               <a:buNone/>
             </a:pPr>
             <a:r>
+              <a:rPr lang="en-US" sz="2000">
+                <a:latin typeface="Times New Roman" panose="02020603050405020304" pitchFamily="18" charset="0"/>
+                <a:ea typeface="MS Mincho" panose="02020609040205080304" pitchFamily="49" charset="-128"/>
+                <a:cs typeface="Times New Roman" panose="02020603050405020304" pitchFamily="18" charset="0"/>
+              </a:rPr>
+              <a:t>VIII. </a:t>
+            </a:r>
+            <a:r>
               <a:rPr lang="en-US" sz="2000" cap="none">
                 <a:latin typeface="Times New Roman" panose="02020603050405020304" pitchFamily="18" charset="0"/>
                 <a:ea typeface="MS Mincho" panose="02020609040205080304" pitchFamily="49" charset="-128"/>
                 <a:cs typeface="Times New Roman" panose="02020603050405020304" pitchFamily="18" charset="0"/>
               </a:rPr>
-              <a:t>XV. Ta phải add remote của repo đó cho project ở local của ta</a:t>
-            </a:r>
-          </a:p>
-          <a:p>
-            <a:pPr marL="914400" lvl="2" indent="0">
+              <a:t>Khi đó ta có thể làm việc trên project đó </a:t>
+            </a:r>
+            <a:endParaRPr lang="en-US" sz="2000">
+              <a:latin typeface="Times New Roman" panose="02020603050405020304" pitchFamily="18" charset="0"/>
+              <a:ea typeface="MS Mincho" panose="02020609040205080304" pitchFamily="49" charset="-128"/>
+              <a:cs typeface="Times New Roman" panose="02020603050405020304" pitchFamily="18" charset="0"/>
+            </a:endParaRPr>
+          </a:p>
+          <a:p>
+            <a:pPr marL="457200" marR="0" lvl="1" indent="0">
               <a:lnSpc>
                 <a:spcPct val="115000"/>
               </a:lnSpc>
               <a:spcBef>
                 <a:spcPts val="0"/>
               </a:spcBef>
+              <a:spcAft>
+                <a:spcPts val="0"/>
+              </a:spcAft>
               <a:buNone/>
             </a:pPr>
+            <a:r>
+              <a:rPr lang="en-US" sz="2000">
+                <a:latin typeface="Times New Roman" panose="02020603050405020304" pitchFamily="18" charset="0"/>
+                <a:ea typeface="MS Mincho" panose="02020609040205080304" pitchFamily="49" charset="-128"/>
+                <a:cs typeface="Times New Roman" panose="02020603050405020304" pitchFamily="18" charset="0"/>
+              </a:rPr>
+              <a:t>IX.    </a:t>
+            </a:r>
             <a:r>
               <a:rPr lang="en-US" sz="2000" cap="none">
                 <a:latin typeface="Times New Roman" panose="02020603050405020304" pitchFamily="18" charset="0"/>
                 <a:ea typeface="MS Mincho" panose="02020609040205080304" pitchFamily="49" charset="-128"/>
                 <a:cs typeface="Times New Roman" panose="02020603050405020304" pitchFamily="18" charset="0"/>
               </a:rPr>
-              <a:t>1. Remote : </a:t>
-            </a:r>
-          </a:p>
-          <a:p>
-            <a:pPr lvl="2">
-              <a:lnSpc>
-                <a:spcPct val="115000"/>
-              </a:lnSpc>
-              <a:spcBef>
-                <a:spcPts val="0"/>
-              </a:spcBef>
-              <a:buFont typeface="+mj-lt"/>
-              <a:buAutoNum type="arabicPeriod"/>
-            </a:pPr>
-            <a:r>
-              <a:rPr lang="en-US" sz="2000" cap="none">
-                <a:latin typeface="Times New Roman" panose="02020603050405020304" pitchFamily="18" charset="0"/>
-                <a:ea typeface="MS Mincho" panose="02020609040205080304" pitchFamily="49" charset="-128"/>
-                <a:cs typeface="Times New Roman" panose="02020603050405020304" pitchFamily="18" charset="0"/>
-              </a:rPr>
-              <a:t>Git remote add origin https/ssh</a:t>
-            </a:r>
-          </a:p>
-          <a:p>
-            <a:pPr lvl="2">
-              <a:lnSpc>
-                <a:spcPct val="115000"/>
-              </a:lnSpc>
-              <a:spcBef>
-                <a:spcPts val="0"/>
-              </a:spcBef>
-              <a:buFont typeface="+mj-lt"/>
-              <a:buAutoNum type="arabicPeriod"/>
-            </a:pPr>
-            <a:r>
-              <a:rPr lang="en-US" sz="2000" cap="none">
-                <a:latin typeface="Times New Roman" panose="02020603050405020304" pitchFamily="18" charset="0"/>
-                <a:ea typeface="MS Mincho" panose="02020609040205080304" pitchFamily="49" charset="-128"/>
-                <a:cs typeface="Times New Roman" panose="02020603050405020304" pitchFamily="18" charset="0"/>
-              </a:rPr>
-              <a:t>Origin là tên của remote, thường thì để mặt định origin</a:t>
-            </a:r>
-          </a:p>
-          <a:p>
-            <a:pPr lvl="2">
-              <a:lnSpc>
-                <a:spcPct val="115000"/>
-              </a:lnSpc>
-              <a:spcBef>
-                <a:spcPts val="0"/>
-              </a:spcBef>
-              <a:buFont typeface="+mj-lt"/>
-              <a:buAutoNum type="arabicPeriod"/>
-            </a:pPr>
-            <a:r>
-              <a:rPr lang="en-US" sz="2000" cap="none">
-                <a:latin typeface="Times New Roman" panose="02020603050405020304" pitchFamily="18" charset="0"/>
-                <a:ea typeface="MS Mincho" panose="02020609040205080304" pitchFamily="49" charset="-128"/>
-                <a:cs typeface="Times New Roman" panose="02020603050405020304" pitchFamily="18" charset="0"/>
-              </a:rPr>
-              <a:t>Đường dẫn phía sau có thể là https hoặc ssh</a:t>
-            </a:r>
-          </a:p>
-          <a:p>
-            <a:pPr lvl="2">
+              <a:t>Nhấn git status để kiểm tra tình trang của project</a:t>
+            </a:r>
+          </a:p>
+          <a:p>
+            <a:pPr marL="1371600" lvl="2" indent="-457200">
               <a:lnSpc>
                 <a:spcPct val="115000"/>
               </a:lnSpc>
@@ -8847,43 +9843,23 @@
                 <a:ea typeface="MS Mincho" panose="02020609040205080304" pitchFamily="49" charset="-128"/>
                 <a:cs typeface="Times New Roman" panose="02020603050405020304" pitchFamily="18" charset="0"/>
               </a:rPr>
-              <a:t>Ta kiểm tra remote với lệnh: git remote –v</a:t>
-            </a:r>
-            <a:endParaRPr lang="en-US" sz="2000" cap="none">
+              <a:t>File ta vừa tạo do chưa cho git theo dõi nên đang hiện màu đỏ</a:t>
+            </a:r>
+            <a:endParaRPr lang="en-US" sz="2000">
               <a:effectLst/>
               <a:latin typeface="Times New Roman" panose="02020603050405020304" pitchFamily="18" charset="0"/>
               <a:ea typeface="MS Mincho" panose="02020609040205080304" pitchFamily="49" charset="-128"/>
               <a:cs typeface="Times New Roman" panose="02020603050405020304" pitchFamily="18" charset="0"/>
             </a:endParaRPr>
           </a:p>
-          <a:p>
-            <a:pPr marL="971550" marR="0" lvl="1" indent="-514350">
-              <a:lnSpc>
-                <a:spcPct val="115000"/>
-              </a:lnSpc>
-              <a:spcBef>
-                <a:spcPts val="0"/>
-              </a:spcBef>
-              <a:spcAft>
-                <a:spcPts val="1000"/>
-              </a:spcAft>
-              <a:buAutoNum type="romanUcPeriod" startAt="11"/>
-            </a:pPr>
-            <a:endParaRPr lang="en-US" sz="2000" cap="none">
-              <a:effectLst/>
-              <a:latin typeface="Times New Roman" panose="02020603050405020304" pitchFamily="18" charset="0"/>
-              <a:ea typeface="MS Mincho" panose="02020609040205080304" pitchFamily="49" charset="-128"/>
-              <a:cs typeface="Times New Roman" panose="02020603050405020304" pitchFamily="18" charset="0"/>
-            </a:endParaRPr>
-          </a:p>
         </p:txBody>
       </p:sp>
       <p:pic>
         <p:nvPicPr>
-          <p:cNvPr id="7" name="Picture 8">
+          <p:cNvPr id="7" name="Picture 5">
             <a:extLst>
               <a:ext uri="{FF2B5EF4-FFF2-40B4-BE49-F238E27FC236}">
-                <a16:creationId xmlns:a16="http://schemas.microsoft.com/office/drawing/2014/main" id="{6224C6E7-E834-4F0C-AA9D-C928D99423A6}"/>
+                <a16:creationId xmlns:a16="http://schemas.microsoft.com/office/drawing/2014/main" id="{4862A99E-00A9-4FB4-A2AE-AF94D3DDFE17}"/>
               </a:ext>
             </a:extLst>
           </p:cNvPr>
@@ -8898,8 +9874,8 @@
         </p:blipFill>
         <p:spPr>
           <a:xfrm>
-            <a:off x="1995073" y="4092965"/>
-            <a:ext cx="8871710" cy="2629841"/>
+            <a:off x="1566655" y="3429000"/>
+            <a:ext cx="8902561" cy="3157330"/>
           </a:xfrm>
           <a:prstGeom prst="rect">
             <a:avLst/>
@@ -8909,7 +9885,7 @@
     </p:spTree>
     <p:extLst>
       <p:ext uri="{BB962C8B-B14F-4D97-AF65-F5344CB8AC3E}">
-        <p14:creationId xmlns:p14="http://schemas.microsoft.com/office/powerpoint/2010/main" val="3723786938"/>
+        <p14:creationId xmlns:p14="http://schemas.microsoft.com/office/powerpoint/2010/main" val="1894655584"/>
       </p:ext>
     </p:extLst>
   </p:cSld>
